--- a/probability/doc/random_variable_distribution.pptx
+++ b/probability/doc/random_variable_distribution.pptx
@@ -5949,7 +5949,7 @@
         </p:spPr>
         <p:txBody>
           <a:bodyPr>
-            <a:normAutofit fontScale="85000" lnSpcReduction="10000"/>
+            <a:normAutofit fontScale="62500" lnSpcReduction="20000"/>
           </a:bodyPr>
           <a:lstStyle/>
           <a:p>
@@ -5978,7 +5978,50 @@
             </a:r>
             <a:r>
               <a:rPr lang="zh-TW" altLang="en-US" dirty="0" smtClean="0"/>
-              <a:t>之間的值的機率是一樣的</a:t>
+              <a:t>之間的值的機率是一樣</a:t>
+            </a:r>
+            <a:r>
+              <a:rPr lang="zh-TW" altLang="en-US" dirty="0" smtClean="0"/>
+              <a:t>的</a:t>
+            </a:r>
+            <a:endParaRPr lang="en-US" altLang="zh-TW" dirty="0" smtClean="0"/>
+          </a:p>
+          <a:p>
+            <a:pPr lvl="1"/>
+            <a:r>
+              <a:rPr lang="zh-TW" altLang="en-US" dirty="0" smtClean="0"/>
+              <a:t>對應</a:t>
+            </a:r>
+            <a:r>
+              <a:rPr lang="en-US" altLang="zh-TW" dirty="0" smtClean="0"/>
+              <a:t>Lecture note</a:t>
+            </a:r>
+          </a:p>
+          <a:p>
+            <a:pPr lvl="2"/>
+            <a:r>
+              <a:rPr lang="en-US" altLang="zh-TW" dirty="0" smtClean="0">
+                <a:sym typeface="Symbol"/>
+              </a:rPr>
+              <a:t>: </a:t>
+            </a:r>
+            <a:r>
+              <a:rPr lang="en-US" altLang="zh-TW" dirty="0" smtClean="0">
+                <a:sym typeface="Symbol"/>
+              </a:rPr>
+              <a:t>min</a:t>
+            </a:r>
+            <a:endParaRPr lang="en-US" altLang="zh-TW" dirty="0" smtClean="0">
+              <a:sym typeface="Symbol"/>
+            </a:endParaRPr>
+          </a:p>
+          <a:p>
+            <a:pPr lvl="2"/>
+            <a:r>
+              <a:rPr lang="en-US" altLang="zh-TW" dirty="0" smtClean="0">
+                <a:sym typeface="Symbol"/>
+              </a:rPr>
+              <a:t>: max</a:t>
             </a:r>
             <a:endParaRPr lang="en-US" altLang="zh-TW" dirty="0" smtClean="0"/>
           </a:p>
@@ -7758,7 +7801,15 @@
                   <a:srgbClr val="FF0000"/>
                 </a:solidFill>
               </a:rPr>
-              <a:t>微分</a:t>
+              <a:t>積</a:t>
+            </a:r>
+            <a:r>
+              <a:rPr lang="zh-TW" altLang="en-US" dirty="0" smtClean="0">
+                <a:solidFill>
+                  <a:srgbClr val="FF0000"/>
+                </a:solidFill>
+              </a:rPr>
+              <a:t>分</a:t>
             </a:r>
             <a:endParaRPr lang="en-US" dirty="0"/>
           </a:p>
@@ -7791,7 +7842,15 @@
                   <a:srgbClr val="FF0000"/>
                 </a:solidFill>
               </a:rPr>
-              <a:t>積分</a:t>
+              <a:t>微</a:t>
+            </a:r>
+            <a:r>
+              <a:rPr lang="zh-TW" altLang="en-US" dirty="0" smtClean="0">
+                <a:solidFill>
+                  <a:srgbClr val="FF0000"/>
+                </a:solidFill>
+              </a:rPr>
+              <a:t>分</a:t>
             </a:r>
             <a:endParaRPr lang="en-US" dirty="0"/>
           </a:p>
@@ -8052,7 +8111,7 @@
         <p:spPr>
           <a:xfrm>
             <a:off x="457200" y="980729"/>
-            <a:ext cx="8229600" cy="2952327"/>
+            <a:ext cx="8229600" cy="3240359"/>
           </a:xfrm>
         </p:spPr>
         <p:txBody>
@@ -8122,14 +8181,43 @@
             </a:r>
             <a:r>
               <a:rPr lang="zh-TW" altLang="en-US" dirty="0" smtClean="0"/>
-              <a:t>單位時間</a:t>
+              <a:t>單位時</a:t>
+            </a:r>
+            <a:r>
+              <a:rPr lang="zh-TW" altLang="en-US" dirty="0" smtClean="0"/>
+              <a:t>間</a:t>
             </a:r>
             <a:endParaRPr lang="en-US" altLang="zh-TW" dirty="0" smtClean="0"/>
           </a:p>
           <a:p>
+            <a:pPr lvl="1"/>
+            <a:r>
+              <a:rPr lang="zh-TW" altLang="en-US" dirty="0" smtClean="0"/>
+              <a:t>對應</a:t>
+            </a:r>
+            <a:r>
+              <a:rPr lang="en-US" altLang="zh-TW" dirty="0" smtClean="0"/>
+              <a:t>Lecture note</a:t>
+            </a:r>
+          </a:p>
+          <a:p>
+            <a:pPr lvl="2"/>
+            <a:r>
+              <a:rPr lang="en-US" altLang="zh-TW" dirty="0" smtClean="0">
+                <a:sym typeface="Symbol"/>
+              </a:rPr>
+              <a:t>: rate</a:t>
+            </a:r>
+            <a:endParaRPr lang="en-US" altLang="zh-TW" dirty="0" smtClean="0"/>
+          </a:p>
+          <a:p>
             <a:r>
               <a:rPr lang="en-US" dirty="0" smtClean="0"/>
-              <a:t>R function</a:t>
+              <a:t>R </a:t>
+            </a:r>
+            <a:r>
+              <a:rPr lang="en-US" dirty="0" smtClean="0"/>
+              <a:t>function</a:t>
             </a:r>
           </a:p>
           <a:p>
@@ -10148,12 +10236,12 @@
         <p:spPr>
           <a:xfrm>
             <a:off x="457200" y="980729"/>
-            <a:ext cx="8229600" cy="3528391"/>
+            <a:ext cx="8229600" cy="3744415"/>
           </a:xfrm>
         </p:spPr>
         <p:txBody>
           <a:bodyPr>
-            <a:normAutofit fontScale="62500" lnSpcReduction="20000"/>
+            <a:normAutofit fontScale="55000" lnSpcReduction="20000"/>
           </a:bodyPr>
           <a:lstStyle/>
           <a:p>
@@ -10254,7 +10342,88 @@
               <a:rPr lang="zh-TW" altLang="en-US" dirty="0" smtClean="0">
                 <a:sym typeface="Symbol"/>
               </a:rPr>
-              <a:t>單位時間發生次數</a:t>
+              <a:t>單位時間發生次</a:t>
+            </a:r>
+            <a:r>
+              <a:rPr lang="zh-TW" altLang="en-US" dirty="0" smtClean="0">
+                <a:sym typeface="Symbol"/>
+              </a:rPr>
+              <a:t>數</a:t>
+            </a:r>
+            <a:endParaRPr lang="en-US" altLang="zh-TW" dirty="0" smtClean="0">
+              <a:sym typeface="Symbol"/>
+            </a:endParaRPr>
+          </a:p>
+          <a:p>
+            <a:pPr lvl="1"/>
+            <a:r>
+              <a:rPr lang="zh-TW" altLang="en-US" dirty="0" smtClean="0">
+                <a:sym typeface="Symbol"/>
+              </a:rPr>
+              <a:t>當</a:t>
+            </a:r>
+            <a:r>
+              <a:rPr lang="en-US" altLang="zh-TW" dirty="0" smtClean="0">
+                <a:sym typeface="Symbol"/>
+              </a:rPr>
+              <a:t>=n/2</a:t>
+            </a:r>
+            <a:r>
+              <a:rPr lang="zh-TW" altLang="en-US" dirty="0" smtClean="0">
+                <a:sym typeface="Symbol"/>
+              </a:rPr>
+              <a:t>，</a:t>
+            </a:r>
+            <a:r>
+              <a:rPr lang="en-US" altLang="zh-TW" dirty="0" smtClean="0">
+                <a:sym typeface="Symbol"/>
+              </a:rPr>
+              <a:t> </a:t>
+            </a:r>
+            <a:r>
+              <a:rPr lang="en-US" altLang="zh-TW" dirty="0" smtClean="0">
+                <a:sym typeface="Symbol"/>
+              </a:rPr>
+              <a:t>=1/2</a:t>
+            </a:r>
+            <a:r>
+              <a:rPr lang="zh-TW" altLang="en-US" dirty="0" smtClean="0">
+                <a:sym typeface="Symbol"/>
+              </a:rPr>
+              <a:t>，</a:t>
+            </a:r>
+            <a:r>
+              <a:rPr lang="en-US" altLang="zh-TW" dirty="0" smtClean="0">
+                <a:sym typeface="Symbol"/>
+              </a:rPr>
+              <a:t>Gamma</a:t>
+            </a:r>
+            <a:r>
+              <a:rPr lang="zh-TW" altLang="en-US" dirty="0" smtClean="0">
+                <a:sym typeface="Symbol"/>
+              </a:rPr>
+              <a:t>稱為</a:t>
+            </a:r>
+            <a:r>
+              <a:rPr lang="en-US" altLang="zh-TW" dirty="0" smtClean="0">
+                <a:sym typeface="Symbol"/>
+              </a:rPr>
+              <a:t>Chi-squared distribution with n degree of freedom</a:t>
+            </a:r>
+          </a:p>
+          <a:p>
+            <a:pPr lvl="2"/>
+            <a:r>
+              <a:rPr lang="en-US" altLang="zh-TW" dirty="0" smtClean="0">
+                <a:sym typeface="Symbol"/>
+              </a:rPr>
+              <a:t>n</a:t>
+            </a:r>
+            <a:r>
+              <a:rPr lang="zh-TW" altLang="en-US" dirty="0" smtClean="0">
+                <a:sym typeface="Symbol"/>
+              </a:rPr>
+              <a:t>是正整數</a:t>
             </a:r>
             <a:endParaRPr lang="en-US" altLang="zh-TW" dirty="0" smtClean="0"/>
           </a:p>
@@ -10359,7 +10528,7 @@
         </p:blipFill>
         <p:spPr bwMode="auto">
           <a:xfrm>
-            <a:off x="539552" y="4581128"/>
+            <a:off x="539552" y="4800600"/>
             <a:ext cx="4610100" cy="2057400"/>
           </a:xfrm>
           <a:prstGeom prst="rect">
@@ -10379,6 +10548,13 @@
   <p:clrMapOvr>
     <a:masterClrMapping/>
   </p:clrMapOvr>
+  <p:timing>
+    <p:tnLst>
+      <p:par>
+        <p:cTn id="1" dur="indefinite" restart="never" nodeType="tmRoot"/>
+      </p:par>
+    </p:tnLst>
+  </p:timing>
 </p:sld>
 </file>
 
@@ -11227,6 +11403,13 @@
   <p:clrMapOvr>
     <a:masterClrMapping/>
   </p:clrMapOvr>
+  <p:timing>
+    <p:tnLst>
+      <p:par>
+        <p:cTn id="1" dur="indefinite" restart="never" nodeType="tmRoot"/>
+      </p:par>
+    </p:tnLst>
+  </p:timing>
 </p:sld>
 </file>
 
@@ -16382,6 +16565,13 @@
   <p:clrMapOvr>
     <a:masterClrMapping/>
   </p:clrMapOvr>
+  <p:timing>
+    <p:tnLst>
+      <p:par>
+        <p:cTn id="1" dur="indefinite" restart="never" nodeType="tmRoot"/>
+      </p:par>
+    </p:tnLst>
+  </p:timing>
 </p:sld>
 </file>
 
@@ -16697,6 +16887,13 @@
   <p:clrMapOvr>
     <a:masterClrMapping/>
   </p:clrMapOvr>
+  <p:timing>
+    <p:tnLst>
+      <p:par>
+        <p:cTn id="1" dur="indefinite" restart="never" nodeType="tmRoot"/>
+      </p:par>
+    </p:tnLst>
+  </p:timing>
 </p:sld>
 </file>
 

--- a/probability/doc/random_variable_distribution.pptx
+++ b/probability/doc/random_variable_distribution.pptx
@@ -4,6 +4,9 @@
   <p:sldMasterIdLst>
     <p:sldMasterId id="2147483672" r:id="rId1"/>
   </p:sldMasterIdLst>
+  <p:notesMasterIdLst>
+    <p:notesMasterId r:id="rId38"/>
+  </p:notesMasterIdLst>
   <p:sldIdLst>
     <p:sldId id="256" r:id="rId2"/>
     <p:sldId id="259" r:id="rId3"/>
@@ -36,10 +39,11 @@
     <p:sldId id="287" r:id="rId30"/>
     <p:sldId id="288" r:id="rId31"/>
     <p:sldId id="289" r:id="rId32"/>
-    <p:sldId id="277" r:id="rId33"/>
+    <p:sldId id="296" r:id="rId33"/>
     <p:sldId id="292" r:id="rId34"/>
     <p:sldId id="290" r:id="rId35"/>
     <p:sldId id="291" r:id="rId36"/>
+    <p:sldId id="297" r:id="rId37"/>
   </p:sldIdLst>
   <p:sldSz cx="9144000" cy="6858000" type="screen4x3"/>
   <p:notesSz cx="6858000" cy="9144000"/>
@@ -141,6 +145,437 @@
 </p:presentation>
 </file>
 
+<file path=ppt/notesMasters/notesMaster1.xml><?xml version="1.0" encoding="utf-8"?>
+<p:notesMaster xmlns:a="http://schemas.openxmlformats.org/drawingml/2006/main" xmlns:r="http://schemas.openxmlformats.org/officeDocument/2006/relationships" xmlns:p="http://schemas.openxmlformats.org/presentationml/2006/main">
+  <p:cSld>
+    <p:bg>
+      <p:bgRef idx="1001">
+        <a:schemeClr val="bg1"/>
+      </p:bgRef>
+    </p:bg>
+    <p:spTree>
+      <p:nvGrpSpPr>
+        <p:cNvPr id="1" name=""/>
+        <p:cNvGrpSpPr/>
+        <p:nvPr/>
+      </p:nvGrpSpPr>
+      <p:grpSpPr>
+        <a:xfrm>
+          <a:off x="0" y="0"/>
+          <a:ext cx="0" cy="0"/>
+          <a:chOff x="0" y="0"/>
+          <a:chExt cx="0" cy="0"/>
+        </a:xfrm>
+      </p:grpSpPr>
+      <p:sp>
+        <p:nvSpPr>
+          <p:cNvPr id="2" name="Header Placeholder 1"/>
+          <p:cNvSpPr>
+            <a:spLocks noGrp="1"/>
+          </p:cNvSpPr>
+          <p:nvPr>
+            <p:ph type="hdr" sz="quarter"/>
+          </p:nvPr>
+        </p:nvSpPr>
+        <p:spPr>
+          <a:xfrm>
+            <a:off x="0" y="0"/>
+            <a:ext cx="2971800" cy="457200"/>
+          </a:xfrm>
+          <a:prstGeom prst="rect">
+            <a:avLst/>
+          </a:prstGeom>
+        </p:spPr>
+        <p:txBody>
+          <a:bodyPr vert="horz" lIns="91440" tIns="45720" rIns="91440" bIns="45720" rtlCol="0"/>
+          <a:lstStyle>
+            <a:lvl1pPr algn="l">
+              <a:defRPr sz="1200"/>
+            </a:lvl1pPr>
+          </a:lstStyle>
+          <a:p>
+            <a:endParaRPr lang="en-US"/>
+          </a:p>
+        </p:txBody>
+      </p:sp>
+      <p:sp>
+        <p:nvSpPr>
+          <p:cNvPr id="3" name="Date Placeholder 2"/>
+          <p:cNvSpPr>
+            <a:spLocks noGrp="1"/>
+          </p:cNvSpPr>
+          <p:nvPr>
+            <p:ph type="dt" idx="1"/>
+          </p:nvPr>
+        </p:nvSpPr>
+        <p:spPr>
+          <a:xfrm>
+            <a:off x="3884613" y="0"/>
+            <a:ext cx="2971800" cy="457200"/>
+          </a:xfrm>
+          <a:prstGeom prst="rect">
+            <a:avLst/>
+          </a:prstGeom>
+        </p:spPr>
+        <p:txBody>
+          <a:bodyPr vert="horz" lIns="91440" tIns="45720" rIns="91440" bIns="45720" rtlCol="0"/>
+          <a:lstStyle>
+            <a:lvl1pPr algn="r">
+              <a:defRPr sz="1200"/>
+            </a:lvl1pPr>
+          </a:lstStyle>
+          <a:p>
+            <a:fld id="{82806AD6-EF9A-49A4-9710-5F897D136B70}" type="datetimeFigureOut">
+              <a:rPr lang="en-US" smtClean="0"/>
+              <a:pPr/>
+              <a:t>8/16/2016</a:t>
+            </a:fld>
+            <a:endParaRPr lang="en-US"/>
+          </a:p>
+        </p:txBody>
+      </p:sp>
+      <p:sp>
+        <p:nvSpPr>
+          <p:cNvPr id="4" name="Slide Image Placeholder 3"/>
+          <p:cNvSpPr>
+            <a:spLocks noGrp="1" noRot="1" noChangeAspect="1"/>
+          </p:cNvSpPr>
+          <p:nvPr>
+            <p:ph type="sldImg" idx="2"/>
+          </p:nvPr>
+        </p:nvSpPr>
+        <p:spPr>
+          <a:xfrm>
+            <a:off x="1143000" y="685800"/>
+            <a:ext cx="4572000" cy="3429000"/>
+          </a:xfrm>
+          <a:prstGeom prst="rect">
+            <a:avLst/>
+          </a:prstGeom>
+          <a:noFill/>
+          <a:ln w="12700">
+            <a:solidFill>
+              <a:prstClr val="black"/>
+            </a:solidFill>
+          </a:ln>
+        </p:spPr>
+        <p:txBody>
+          <a:bodyPr vert="horz" lIns="91440" tIns="45720" rIns="91440" bIns="45720" rtlCol="0" anchor="ctr"/>
+          <a:lstStyle/>
+          <a:p>
+            <a:endParaRPr lang="en-US"/>
+          </a:p>
+        </p:txBody>
+      </p:sp>
+      <p:sp>
+        <p:nvSpPr>
+          <p:cNvPr id="5" name="Notes Placeholder 4"/>
+          <p:cNvSpPr>
+            <a:spLocks noGrp="1"/>
+          </p:cNvSpPr>
+          <p:nvPr>
+            <p:ph type="body" sz="quarter" idx="3"/>
+          </p:nvPr>
+        </p:nvSpPr>
+        <p:spPr>
+          <a:xfrm>
+            <a:off x="685800" y="4343400"/>
+            <a:ext cx="5486400" cy="4114800"/>
+          </a:xfrm>
+          <a:prstGeom prst="rect">
+            <a:avLst/>
+          </a:prstGeom>
+        </p:spPr>
+        <p:txBody>
+          <a:bodyPr vert="horz" lIns="91440" tIns="45720" rIns="91440" bIns="45720" rtlCol="0">
+            <a:normAutofit/>
+          </a:bodyPr>
+          <a:lstStyle/>
+          <a:p>
+            <a:pPr lvl="0"/>
+            <a:r>
+              <a:rPr lang="en-US" smtClean="0"/>
+              <a:t>Click to edit Master text styles</a:t>
+            </a:r>
+          </a:p>
+          <a:p>
+            <a:pPr lvl="1"/>
+            <a:r>
+              <a:rPr lang="en-US" smtClean="0"/>
+              <a:t>Second level</a:t>
+            </a:r>
+          </a:p>
+          <a:p>
+            <a:pPr lvl="2"/>
+            <a:r>
+              <a:rPr lang="en-US" smtClean="0"/>
+              <a:t>Third level</a:t>
+            </a:r>
+          </a:p>
+          <a:p>
+            <a:pPr lvl="3"/>
+            <a:r>
+              <a:rPr lang="en-US" smtClean="0"/>
+              <a:t>Fourth level</a:t>
+            </a:r>
+          </a:p>
+          <a:p>
+            <a:pPr lvl="4"/>
+            <a:r>
+              <a:rPr lang="en-US" smtClean="0"/>
+              <a:t>Fifth level</a:t>
+            </a:r>
+            <a:endParaRPr lang="en-US"/>
+          </a:p>
+        </p:txBody>
+      </p:sp>
+      <p:sp>
+        <p:nvSpPr>
+          <p:cNvPr id="6" name="Footer Placeholder 5"/>
+          <p:cNvSpPr>
+            <a:spLocks noGrp="1"/>
+          </p:cNvSpPr>
+          <p:nvPr>
+            <p:ph type="ftr" sz="quarter" idx="4"/>
+          </p:nvPr>
+        </p:nvSpPr>
+        <p:spPr>
+          <a:xfrm>
+            <a:off x="0" y="8685213"/>
+            <a:ext cx="2971800" cy="457200"/>
+          </a:xfrm>
+          <a:prstGeom prst="rect">
+            <a:avLst/>
+          </a:prstGeom>
+        </p:spPr>
+        <p:txBody>
+          <a:bodyPr vert="horz" lIns="91440" tIns="45720" rIns="91440" bIns="45720" rtlCol="0" anchor="b"/>
+          <a:lstStyle>
+            <a:lvl1pPr algn="l">
+              <a:defRPr sz="1200"/>
+            </a:lvl1pPr>
+          </a:lstStyle>
+          <a:p>
+            <a:endParaRPr lang="en-US"/>
+          </a:p>
+        </p:txBody>
+      </p:sp>
+      <p:sp>
+        <p:nvSpPr>
+          <p:cNvPr id="7" name="Slide Number Placeholder 6"/>
+          <p:cNvSpPr>
+            <a:spLocks noGrp="1"/>
+          </p:cNvSpPr>
+          <p:nvPr>
+            <p:ph type="sldNum" sz="quarter" idx="5"/>
+          </p:nvPr>
+        </p:nvSpPr>
+        <p:spPr>
+          <a:xfrm>
+            <a:off x="3884613" y="8685213"/>
+            <a:ext cx="2971800" cy="457200"/>
+          </a:xfrm>
+          <a:prstGeom prst="rect">
+            <a:avLst/>
+          </a:prstGeom>
+        </p:spPr>
+        <p:txBody>
+          <a:bodyPr vert="horz" lIns="91440" tIns="45720" rIns="91440" bIns="45720" rtlCol="0" anchor="b"/>
+          <a:lstStyle>
+            <a:lvl1pPr algn="r">
+              <a:defRPr sz="1200"/>
+            </a:lvl1pPr>
+          </a:lstStyle>
+          <a:p>
+            <a:fld id="{A48E448A-101A-42EE-9ACF-820CCEC3BEA9}" type="slidenum">
+              <a:rPr lang="en-US" smtClean="0"/>
+              <a:pPr/>
+              <a:t>‹#›</a:t>
+            </a:fld>
+            <a:endParaRPr lang="en-US"/>
+          </a:p>
+        </p:txBody>
+      </p:sp>
+    </p:spTree>
+  </p:cSld>
+  <p:clrMap bg1="lt1" tx1="dk1" bg2="lt2" tx2="dk2" accent1="accent1" accent2="accent2" accent3="accent3" accent4="accent4" accent5="accent5" accent6="accent6" hlink="hlink" folHlink="folHlink"/>
+  <p:notesStyle>
+    <a:lvl1pPr marL="0" algn="l" defTabSz="914400" rtl="0" eaLnBrk="1" latinLnBrk="0" hangingPunct="1">
+      <a:defRPr sz="1200" kern="1200">
+        <a:solidFill>
+          <a:schemeClr val="tx1"/>
+        </a:solidFill>
+        <a:latin typeface="+mn-lt"/>
+        <a:ea typeface="+mn-ea"/>
+        <a:cs typeface="+mn-cs"/>
+      </a:defRPr>
+    </a:lvl1pPr>
+    <a:lvl2pPr marL="457200" algn="l" defTabSz="914400" rtl="0" eaLnBrk="1" latinLnBrk="0" hangingPunct="1">
+      <a:defRPr sz="1200" kern="1200">
+        <a:solidFill>
+          <a:schemeClr val="tx1"/>
+        </a:solidFill>
+        <a:latin typeface="+mn-lt"/>
+        <a:ea typeface="+mn-ea"/>
+        <a:cs typeface="+mn-cs"/>
+      </a:defRPr>
+    </a:lvl2pPr>
+    <a:lvl3pPr marL="914400" algn="l" defTabSz="914400" rtl="0" eaLnBrk="1" latinLnBrk="0" hangingPunct="1">
+      <a:defRPr sz="1200" kern="1200">
+        <a:solidFill>
+          <a:schemeClr val="tx1"/>
+        </a:solidFill>
+        <a:latin typeface="+mn-lt"/>
+        <a:ea typeface="+mn-ea"/>
+        <a:cs typeface="+mn-cs"/>
+      </a:defRPr>
+    </a:lvl3pPr>
+    <a:lvl4pPr marL="1371600" algn="l" defTabSz="914400" rtl="0" eaLnBrk="1" latinLnBrk="0" hangingPunct="1">
+      <a:defRPr sz="1200" kern="1200">
+        <a:solidFill>
+          <a:schemeClr val="tx1"/>
+        </a:solidFill>
+        <a:latin typeface="+mn-lt"/>
+        <a:ea typeface="+mn-ea"/>
+        <a:cs typeface="+mn-cs"/>
+      </a:defRPr>
+    </a:lvl4pPr>
+    <a:lvl5pPr marL="1828800" algn="l" defTabSz="914400" rtl="0" eaLnBrk="1" latinLnBrk="0" hangingPunct="1">
+      <a:defRPr sz="1200" kern="1200">
+        <a:solidFill>
+          <a:schemeClr val="tx1"/>
+        </a:solidFill>
+        <a:latin typeface="+mn-lt"/>
+        <a:ea typeface="+mn-ea"/>
+        <a:cs typeface="+mn-cs"/>
+      </a:defRPr>
+    </a:lvl5pPr>
+    <a:lvl6pPr marL="2286000" algn="l" defTabSz="914400" rtl="0" eaLnBrk="1" latinLnBrk="0" hangingPunct="1">
+      <a:defRPr sz="1200" kern="1200">
+        <a:solidFill>
+          <a:schemeClr val="tx1"/>
+        </a:solidFill>
+        <a:latin typeface="+mn-lt"/>
+        <a:ea typeface="+mn-ea"/>
+        <a:cs typeface="+mn-cs"/>
+      </a:defRPr>
+    </a:lvl6pPr>
+    <a:lvl7pPr marL="2743200" algn="l" defTabSz="914400" rtl="0" eaLnBrk="1" latinLnBrk="0" hangingPunct="1">
+      <a:defRPr sz="1200" kern="1200">
+        <a:solidFill>
+          <a:schemeClr val="tx1"/>
+        </a:solidFill>
+        <a:latin typeface="+mn-lt"/>
+        <a:ea typeface="+mn-ea"/>
+        <a:cs typeface="+mn-cs"/>
+      </a:defRPr>
+    </a:lvl7pPr>
+    <a:lvl8pPr marL="3200400" algn="l" defTabSz="914400" rtl="0" eaLnBrk="1" latinLnBrk="0" hangingPunct="1">
+      <a:defRPr sz="1200" kern="1200">
+        <a:solidFill>
+          <a:schemeClr val="tx1"/>
+        </a:solidFill>
+        <a:latin typeface="+mn-lt"/>
+        <a:ea typeface="+mn-ea"/>
+        <a:cs typeface="+mn-cs"/>
+      </a:defRPr>
+    </a:lvl8pPr>
+    <a:lvl9pPr marL="3657600" algn="l" defTabSz="914400" rtl="0" eaLnBrk="1" latinLnBrk="0" hangingPunct="1">
+      <a:defRPr sz="1200" kern="1200">
+        <a:solidFill>
+          <a:schemeClr val="tx1"/>
+        </a:solidFill>
+        <a:latin typeface="+mn-lt"/>
+        <a:ea typeface="+mn-ea"/>
+        <a:cs typeface="+mn-cs"/>
+      </a:defRPr>
+    </a:lvl9pPr>
+  </p:notesStyle>
+</p:notesMaster>
+</file>
+
+<file path=ppt/notesSlides/notesSlide1.xml><?xml version="1.0" encoding="utf-8"?>
+<p:notes xmlns:a="http://schemas.openxmlformats.org/drawingml/2006/main" xmlns:r="http://schemas.openxmlformats.org/officeDocument/2006/relationships" xmlns:p="http://schemas.openxmlformats.org/presentationml/2006/main">
+  <p:cSld>
+    <p:spTree>
+      <p:nvGrpSpPr>
+        <p:cNvPr id="1" name=""/>
+        <p:cNvGrpSpPr/>
+        <p:nvPr/>
+      </p:nvGrpSpPr>
+      <p:grpSpPr>
+        <a:xfrm>
+          <a:off x="0" y="0"/>
+          <a:ext cx="0" cy="0"/>
+          <a:chOff x="0" y="0"/>
+          <a:chExt cx="0" cy="0"/>
+        </a:xfrm>
+      </p:grpSpPr>
+      <p:sp>
+        <p:nvSpPr>
+          <p:cNvPr id="2" name="Slide Image Placeholder 1"/>
+          <p:cNvSpPr>
+            <a:spLocks noGrp="1" noRot="1" noChangeAspect="1"/>
+          </p:cNvSpPr>
+          <p:nvPr>
+            <p:ph type="sldImg"/>
+          </p:nvPr>
+        </p:nvSpPr>
+        <p:spPr/>
+      </p:sp>
+      <p:sp>
+        <p:nvSpPr>
+          <p:cNvPr id="3" name="Notes Placeholder 2"/>
+          <p:cNvSpPr>
+            <a:spLocks noGrp="1"/>
+          </p:cNvSpPr>
+          <p:nvPr>
+            <p:ph type="body" idx="1"/>
+          </p:nvPr>
+        </p:nvSpPr>
+        <p:spPr/>
+        <p:txBody>
+          <a:bodyPr>
+            <a:normAutofit/>
+          </a:bodyPr>
+          <a:lstStyle/>
+          <a:p>
+            <a:endParaRPr lang="en-US" dirty="0"/>
+          </a:p>
+        </p:txBody>
+      </p:sp>
+      <p:sp>
+        <p:nvSpPr>
+          <p:cNvPr id="4" name="Slide Number Placeholder 3"/>
+          <p:cNvSpPr>
+            <a:spLocks noGrp="1"/>
+          </p:cNvSpPr>
+          <p:nvPr>
+            <p:ph type="sldNum" sz="quarter" idx="10"/>
+          </p:nvPr>
+        </p:nvSpPr>
+        <p:spPr/>
+        <p:txBody>
+          <a:bodyPr/>
+          <a:lstStyle/>
+          <a:p>
+            <a:fld id="{A48E448A-101A-42EE-9ACF-820CCEC3BEA9}" type="slidenum">
+              <a:rPr lang="en-US" smtClean="0"/>
+              <a:pPr/>
+              <a:t>36</a:t>
+            </a:fld>
+            <a:endParaRPr lang="en-US"/>
+          </a:p>
+        </p:txBody>
+      </p:sp>
+    </p:spTree>
+  </p:cSld>
+  <p:clrMapOvr>
+    <a:masterClrMapping/>
+  </p:clrMapOvr>
+</p:notes>
+</file>
+
 <file path=ppt/slideLayouts/slideLayout1.xml><?xml version="1.0" encoding="utf-8"?>
 <p:sldLayout xmlns:a="http://schemas.openxmlformats.org/drawingml/2006/main" xmlns:r="http://schemas.openxmlformats.org/officeDocument/2006/relationships" xmlns:p="http://schemas.openxmlformats.org/presentationml/2006/main" type="title" preserve="1">
   <p:cSld name="Title Slide">
@@ -323,7 +758,7 @@
             <a:fld id="{D22E22CB-403C-4FA1-9A08-6AEAEE252FE1}" type="datetimeFigureOut">
               <a:rPr lang="en-US" smtClean="0"/>
               <a:pPr/>
-              <a:t>8/8/2016</a:t>
+              <a:t>8/16/2016</a:t>
             </a:fld>
             <a:endParaRPr lang="en-US"/>
           </a:p>
@@ -490,7 +925,7 @@
             <a:fld id="{D22E22CB-403C-4FA1-9A08-6AEAEE252FE1}" type="datetimeFigureOut">
               <a:rPr lang="en-US" smtClean="0"/>
               <a:pPr/>
-              <a:t>8/8/2016</a:t>
+              <a:t>8/16/2016</a:t>
             </a:fld>
             <a:endParaRPr lang="en-US"/>
           </a:p>
@@ -667,7 +1102,7 @@
             <a:fld id="{D22E22CB-403C-4FA1-9A08-6AEAEE252FE1}" type="datetimeFigureOut">
               <a:rPr lang="en-US" smtClean="0"/>
               <a:pPr/>
-              <a:t>8/8/2016</a:t>
+              <a:t>8/16/2016</a:t>
             </a:fld>
             <a:endParaRPr lang="en-US"/>
           </a:p>
@@ -834,7 +1269,7 @@
             <a:fld id="{D22E22CB-403C-4FA1-9A08-6AEAEE252FE1}" type="datetimeFigureOut">
               <a:rPr lang="en-US" smtClean="0"/>
               <a:pPr/>
-              <a:t>8/8/2016</a:t>
+              <a:t>8/16/2016</a:t>
             </a:fld>
             <a:endParaRPr lang="en-US"/>
           </a:p>
@@ -1077,7 +1512,7 @@
             <a:fld id="{D22E22CB-403C-4FA1-9A08-6AEAEE252FE1}" type="datetimeFigureOut">
               <a:rPr lang="en-US" smtClean="0"/>
               <a:pPr/>
-              <a:t>8/8/2016</a:t>
+              <a:t>8/16/2016</a:t>
             </a:fld>
             <a:endParaRPr lang="en-US"/>
           </a:p>
@@ -1362,7 +1797,7 @@
             <a:fld id="{D22E22CB-403C-4FA1-9A08-6AEAEE252FE1}" type="datetimeFigureOut">
               <a:rPr lang="en-US" smtClean="0"/>
               <a:pPr/>
-              <a:t>8/8/2016</a:t>
+              <a:t>8/16/2016</a:t>
             </a:fld>
             <a:endParaRPr lang="en-US"/>
           </a:p>
@@ -1781,7 +2216,7 @@
             <a:fld id="{D22E22CB-403C-4FA1-9A08-6AEAEE252FE1}" type="datetimeFigureOut">
               <a:rPr lang="en-US" smtClean="0"/>
               <a:pPr/>
-              <a:t>8/8/2016</a:t>
+              <a:t>8/16/2016</a:t>
             </a:fld>
             <a:endParaRPr lang="en-US"/>
           </a:p>
@@ -1896,7 +2331,7 @@
             <a:fld id="{D22E22CB-403C-4FA1-9A08-6AEAEE252FE1}" type="datetimeFigureOut">
               <a:rPr lang="en-US" smtClean="0"/>
               <a:pPr/>
-              <a:t>8/8/2016</a:t>
+              <a:t>8/16/2016</a:t>
             </a:fld>
             <a:endParaRPr lang="en-US"/>
           </a:p>
@@ -1988,7 +2423,7 @@
             <a:fld id="{D22E22CB-403C-4FA1-9A08-6AEAEE252FE1}" type="datetimeFigureOut">
               <a:rPr lang="en-US" smtClean="0"/>
               <a:pPr/>
-              <a:t>8/8/2016</a:t>
+              <a:t>8/16/2016</a:t>
             </a:fld>
             <a:endParaRPr lang="en-US"/>
           </a:p>
@@ -2262,7 +2697,7 @@
             <a:fld id="{D22E22CB-403C-4FA1-9A08-6AEAEE252FE1}" type="datetimeFigureOut">
               <a:rPr lang="en-US" smtClean="0"/>
               <a:pPr/>
-              <a:t>8/8/2016</a:t>
+              <a:t>8/16/2016</a:t>
             </a:fld>
             <a:endParaRPr lang="en-US"/>
           </a:p>
@@ -2512,7 +2947,7 @@
             <a:fld id="{D22E22CB-403C-4FA1-9A08-6AEAEE252FE1}" type="datetimeFigureOut">
               <a:rPr lang="en-US" smtClean="0"/>
               <a:pPr/>
-              <a:t>8/8/2016</a:t>
+              <a:t>8/16/2016</a:t>
             </a:fld>
             <a:endParaRPr lang="en-US"/>
           </a:p>
@@ -2722,7 +3157,7 @@
             <a:fld id="{D22E22CB-403C-4FA1-9A08-6AEAEE252FE1}" type="datetimeFigureOut">
               <a:rPr lang="en-US" smtClean="0"/>
               <a:pPr/>
-              <a:t>8/8/2016</a:t>
+              <a:t>8/16/2016</a:t>
             </a:fld>
             <a:endParaRPr lang="en-US"/>
           </a:p>
@@ -3144,6 +3579,13 @@
   <p:clrMapOvr>
     <a:masterClrMapping/>
   </p:clrMapOvr>
+  <p:timing>
+    <p:tnLst>
+      <p:par>
+        <p:cTn id="1" dur="indefinite" restart="never" nodeType="tmRoot"/>
+      </p:par>
+    </p:tnLst>
+  </p:timing>
 </p:sld>
 </file>
 
@@ -3443,6 +3885,38 @@
           <a:xfrm>
             <a:off x="611560" y="4941168"/>
             <a:ext cx="4210050" cy="1714500"/>
+          </a:xfrm>
+          <a:prstGeom prst="rect">
+            <a:avLst/>
+          </a:prstGeom>
+          <a:noFill/>
+          <a:ln w="9525">
+            <a:noFill/>
+            <a:miter lim="800000"/>
+            <a:headEnd/>
+            <a:tailEnd/>
+          </a:ln>
+        </p:spPr>
+      </p:pic>
+      <p:pic>
+        <p:nvPicPr>
+          <p:cNvPr id="17409" name="Picture 1"/>
+          <p:cNvPicPr>
+            <a:picLocks noChangeAspect="1" noChangeArrowheads="1"/>
+          </p:cNvPicPr>
+          <p:nvPr/>
+        </p:nvPicPr>
+        <p:blipFill>
+          <a:blip r:embed="rId3" cstate="print"/>
+          <a:srcRect/>
+          <a:stretch>
+            <a:fillRect/>
+          </a:stretch>
+        </p:blipFill>
+        <p:spPr bwMode="auto">
+          <a:xfrm>
+            <a:off x="3619061" y="5877273"/>
+            <a:ext cx="4774399" cy="980728"/>
           </a:xfrm>
           <a:prstGeom prst="rect">
             <a:avLst/>
@@ -5978,11 +6452,7 @@
             </a:r>
             <a:r>
               <a:rPr lang="zh-TW" altLang="en-US" dirty="0" smtClean="0"/>
-              <a:t>之間的值的機率是一樣</a:t>
-            </a:r>
-            <a:r>
-              <a:rPr lang="zh-TW" altLang="en-US" dirty="0" smtClean="0"/>
-              <a:t>的</a:t>
+              <a:t>之間的值的機率是一樣的</a:t>
             </a:r>
             <a:endParaRPr lang="en-US" altLang="zh-TW" dirty="0" smtClean="0"/>
           </a:p>
@@ -6003,17 +6473,8 @@
               <a:rPr lang="en-US" altLang="zh-TW" dirty="0" smtClean="0">
                 <a:sym typeface="Symbol"/>
               </a:rPr>
-              <a:t>: </a:t>
-            </a:r>
-            <a:r>
-              <a:rPr lang="en-US" altLang="zh-TW" dirty="0" smtClean="0">
-                <a:sym typeface="Symbol"/>
-              </a:rPr>
-              <a:t>min</a:t>
-            </a:r>
-            <a:endParaRPr lang="en-US" altLang="zh-TW" dirty="0" smtClean="0">
-              <a:sym typeface="Symbol"/>
-            </a:endParaRPr>
+              <a:t>: min</a:t>
+            </a:r>
           </a:p>
           <a:p>
             <a:pPr lvl="2"/>
@@ -6152,6 +6613,38 @@
           <a:xfrm>
             <a:off x="611560" y="4077072"/>
             <a:ext cx="5124450" cy="2533650"/>
+          </a:xfrm>
+          <a:prstGeom prst="rect">
+            <a:avLst/>
+          </a:prstGeom>
+          <a:noFill/>
+          <a:ln w="9525">
+            <a:noFill/>
+            <a:miter lim="800000"/>
+            <a:headEnd/>
+            <a:tailEnd/>
+          </a:ln>
+        </p:spPr>
+      </p:pic>
+      <p:pic>
+        <p:nvPicPr>
+          <p:cNvPr id="4" name="Picture 1"/>
+          <p:cNvPicPr>
+            <a:picLocks noChangeAspect="1" noChangeArrowheads="1"/>
+          </p:cNvPicPr>
+          <p:nvPr/>
+        </p:nvPicPr>
+        <p:blipFill>
+          <a:blip r:embed="rId3" cstate="print"/>
+          <a:srcRect/>
+          <a:stretch>
+            <a:fillRect/>
+          </a:stretch>
+        </p:blipFill>
+        <p:spPr bwMode="auto">
+          <a:xfrm>
+            <a:off x="4211960" y="6093296"/>
+            <a:ext cx="4181475" cy="438150"/>
           </a:xfrm>
           <a:prstGeom prst="rect">
             <a:avLst/>
@@ -6272,24 +6765,14 @@
           <a:p>
             <a:r>
               <a:rPr lang="en-US" sz="1200" dirty="0" smtClean="0"/>
-              <a:t>mean = </a:t>
-            </a:r>
+              <a:t>mean = 5</a:t>
+            </a:r>
+          </a:p>
+          <a:p>
             <a:r>
               <a:rPr lang="en-US" sz="1200" dirty="0" smtClean="0"/>
-              <a:t>5</a:t>
-            </a:r>
-            <a:endParaRPr lang="en-US" sz="1200" dirty="0" smtClean="0"/>
-          </a:p>
-          <a:p>
-            <a:r>
-              <a:rPr lang="en-US" sz="1200" dirty="0" smtClean="0"/>
-              <a:t>variance = </a:t>
-            </a:r>
-            <a:r>
-              <a:rPr lang="en-US" sz="1200" dirty="0" smtClean="0"/>
-              <a:t>1.33</a:t>
-            </a:r>
-            <a:endParaRPr lang="en-US" sz="1200" dirty="0" smtClean="0"/>
+              <a:t>variance = 1.33</a:t>
+            </a:r>
           </a:p>
         </p:txBody>
       </p:sp>
@@ -6335,22 +6818,13 @@
           <a:p>
             <a:r>
               <a:rPr lang="en-US" sz="1200" dirty="0" smtClean="0"/>
-              <a:t>mean = </a:t>
-            </a:r>
+              <a:t>mean = 6</a:t>
+            </a:r>
+          </a:p>
+          <a:p>
             <a:r>
               <a:rPr lang="en-US" sz="1200" dirty="0" smtClean="0"/>
-              <a:t>6</a:t>
-            </a:r>
-            <a:endParaRPr lang="en-US" sz="1200" dirty="0" smtClean="0"/>
-          </a:p>
-          <a:p>
-            <a:r>
-              <a:rPr lang="en-US" sz="1200" dirty="0" smtClean="0"/>
-              <a:t>variance = </a:t>
-            </a:r>
-            <a:r>
-              <a:rPr lang="en-US" sz="1200" dirty="0" smtClean="0"/>
-              <a:t>3</a:t>
+              <a:t>variance = 3</a:t>
             </a:r>
             <a:endParaRPr lang="en-US" sz="1200" dirty="0"/>
           </a:p>
@@ -6398,22 +6872,13 @@
           <a:p>
             <a:r>
               <a:rPr lang="en-US" sz="1200" dirty="0" smtClean="0"/>
-              <a:t>mean = </a:t>
-            </a:r>
+              <a:t>mean = 3.25</a:t>
+            </a:r>
+          </a:p>
+          <a:p>
             <a:r>
               <a:rPr lang="en-US" sz="1200" dirty="0" smtClean="0"/>
-              <a:t>3.25</a:t>
-            </a:r>
-            <a:endParaRPr lang="en-US" sz="1200" dirty="0" smtClean="0"/>
-          </a:p>
-          <a:p>
-            <a:r>
-              <a:rPr lang="en-US" sz="1200" dirty="0" smtClean="0"/>
-              <a:t>variance = </a:t>
-            </a:r>
-            <a:r>
-              <a:rPr lang="en-US" sz="1200" dirty="0" smtClean="0"/>
-              <a:t>0.02</a:t>
+              <a:t>variance = 0.02</a:t>
             </a:r>
             <a:endParaRPr lang="en-US" sz="1200" dirty="0"/>
           </a:p>
@@ -7801,15 +8266,7 @@
                   <a:srgbClr val="FF0000"/>
                 </a:solidFill>
               </a:rPr>
-              <a:t>積</a:t>
-            </a:r>
-            <a:r>
-              <a:rPr lang="zh-TW" altLang="en-US" dirty="0" smtClean="0">
-                <a:solidFill>
-                  <a:srgbClr val="FF0000"/>
-                </a:solidFill>
-              </a:rPr>
-              <a:t>分</a:t>
+              <a:t>積分</a:t>
             </a:r>
             <a:endParaRPr lang="en-US" dirty="0"/>
           </a:p>
@@ -7842,15 +8299,7 @@
                   <a:srgbClr val="FF0000"/>
                 </a:solidFill>
               </a:rPr>
-              <a:t>微</a:t>
-            </a:r>
-            <a:r>
-              <a:rPr lang="zh-TW" altLang="en-US" dirty="0" smtClean="0">
-                <a:solidFill>
-                  <a:srgbClr val="FF0000"/>
-                </a:solidFill>
-              </a:rPr>
-              <a:t>分</a:t>
+              <a:t>微分</a:t>
             </a:r>
             <a:endParaRPr lang="en-US" dirty="0"/>
           </a:p>
@@ -8181,11 +8630,7 @@
             </a:r>
             <a:r>
               <a:rPr lang="zh-TW" altLang="en-US" dirty="0" smtClean="0"/>
-              <a:t>單位時</a:t>
-            </a:r>
-            <a:r>
-              <a:rPr lang="zh-TW" altLang="en-US" dirty="0" smtClean="0"/>
-              <a:t>間</a:t>
+              <a:t>單位時間</a:t>
             </a:r>
             <a:endParaRPr lang="en-US" altLang="zh-TW" dirty="0" smtClean="0"/>
           </a:p>
@@ -8213,11 +8658,7 @@
           <a:p>
             <a:r>
               <a:rPr lang="en-US" dirty="0" smtClean="0"/>
-              <a:t>R </a:t>
-            </a:r>
-            <a:r>
-              <a:rPr lang="en-US" dirty="0" smtClean="0"/>
-              <a:t>function</a:t>
+              <a:t>R function</a:t>
             </a:r>
           </a:p>
           <a:p>
@@ -8346,6 +8787,38 @@
           <a:xfrm>
             <a:off x="611560" y="4149080"/>
             <a:ext cx="3914775" cy="2162175"/>
+          </a:xfrm>
+          <a:prstGeom prst="rect">
+            <a:avLst/>
+          </a:prstGeom>
+          <a:noFill/>
+          <a:ln w="9525">
+            <a:noFill/>
+            <a:miter lim="800000"/>
+            <a:headEnd/>
+            <a:tailEnd/>
+          </a:ln>
+        </p:spPr>
+      </p:pic>
+      <p:pic>
+        <p:nvPicPr>
+          <p:cNvPr id="9217" name="Picture 1"/>
+          <p:cNvPicPr>
+            <a:picLocks noChangeAspect="1" noChangeArrowheads="1"/>
+          </p:cNvPicPr>
+          <p:nvPr/>
+        </p:nvPicPr>
+        <p:blipFill>
+          <a:blip r:embed="rId3" cstate="print"/>
+          <a:srcRect/>
+          <a:stretch>
+            <a:fillRect/>
+          </a:stretch>
+        </p:blipFill>
+        <p:spPr bwMode="auto">
+          <a:xfrm>
+            <a:off x="3635896" y="5589240"/>
+            <a:ext cx="4819278" cy="1133454"/>
           </a:xfrm>
           <a:prstGeom prst="rect">
             <a:avLst/>
@@ -8492,24 +8965,14 @@
           <a:p>
             <a:r>
               <a:rPr lang="en-US" sz="1200" dirty="0" smtClean="0"/>
-              <a:t>mean = </a:t>
-            </a:r>
+              <a:t>mean = 2</a:t>
+            </a:r>
+          </a:p>
+          <a:p>
             <a:r>
               <a:rPr lang="en-US" sz="1200" dirty="0" smtClean="0"/>
-              <a:t>2</a:t>
-            </a:r>
-            <a:endParaRPr lang="en-US" sz="1200" dirty="0" smtClean="0"/>
-          </a:p>
-          <a:p>
-            <a:r>
-              <a:rPr lang="en-US" sz="1200" dirty="0" smtClean="0"/>
-              <a:t>variance = </a:t>
-            </a:r>
-            <a:r>
-              <a:rPr lang="en-US" sz="1200" dirty="0" smtClean="0"/>
-              <a:t>4</a:t>
-            </a:r>
-            <a:endParaRPr lang="en-US" sz="1200" dirty="0" smtClean="0"/>
+              <a:t>variance = 4</a:t>
+            </a:r>
           </a:p>
         </p:txBody>
       </p:sp>
@@ -8549,22 +9012,13 @@
           <a:p>
             <a:r>
               <a:rPr lang="en-US" sz="1200" dirty="0" smtClean="0"/>
-              <a:t>mean = </a:t>
-            </a:r>
+              <a:t>mean = 1</a:t>
+            </a:r>
+          </a:p>
+          <a:p>
             <a:r>
               <a:rPr lang="en-US" sz="1200" dirty="0" smtClean="0"/>
-              <a:t>1</a:t>
-            </a:r>
-            <a:endParaRPr lang="en-US" sz="1200" dirty="0" smtClean="0"/>
-          </a:p>
-          <a:p>
-            <a:r>
-              <a:rPr lang="en-US" sz="1200" dirty="0" smtClean="0"/>
-              <a:t>variance = </a:t>
-            </a:r>
-            <a:r>
-              <a:rPr lang="en-US" sz="1200" dirty="0" smtClean="0"/>
-              <a:t>1</a:t>
+              <a:t>variance = 1</a:t>
             </a:r>
             <a:endParaRPr lang="en-US" sz="1200" dirty="0"/>
           </a:p>
@@ -8606,26 +9060,13 @@
           <a:p>
             <a:r>
               <a:rPr lang="en-US" sz="1200" dirty="0" smtClean="0"/>
-              <a:t>mean = </a:t>
-            </a:r>
+              <a:t>mean = 0.5</a:t>
+            </a:r>
+          </a:p>
+          <a:p>
             <a:r>
               <a:rPr lang="en-US" sz="1200" dirty="0" smtClean="0"/>
-              <a:t>0.5</a:t>
-            </a:r>
-            <a:endParaRPr lang="en-US" sz="1200" dirty="0" smtClean="0"/>
-          </a:p>
-          <a:p>
-            <a:r>
-              <a:rPr lang="en-US" sz="1200" dirty="0" smtClean="0"/>
-              <a:t>variance = </a:t>
-            </a:r>
-            <a:r>
-              <a:rPr lang="en-US" sz="1200" dirty="0" smtClean="0"/>
-              <a:t>0</a:t>
-            </a:r>
-            <a:r>
-              <a:rPr lang="en-US" sz="1200" dirty="0" smtClean="0"/>
-              <a:t>.25</a:t>
+              <a:t>variance = 0.25</a:t>
             </a:r>
             <a:endParaRPr lang="en-US" sz="1200" dirty="0"/>
           </a:p>
@@ -10342,13 +10783,7 @@
               <a:rPr lang="zh-TW" altLang="en-US" dirty="0" smtClean="0">
                 <a:sym typeface="Symbol"/>
               </a:rPr>
-              <a:t>單位時間發生次</a:t>
-            </a:r>
-            <a:r>
-              <a:rPr lang="zh-TW" altLang="en-US" dirty="0" smtClean="0">
-                <a:sym typeface="Symbol"/>
-              </a:rPr>
-              <a:t>數</a:t>
+              <a:t>單位時間發生次數</a:t>
             </a:r>
             <a:endParaRPr lang="en-US" altLang="zh-TW" dirty="0" smtClean="0">
               <a:sym typeface="Symbol"/>
@@ -10378,13 +10813,7 @@
               <a:rPr lang="en-US" altLang="zh-TW" dirty="0" smtClean="0">
                 <a:sym typeface="Symbol"/>
               </a:rPr>
-              <a:t> </a:t>
-            </a:r>
-            <a:r>
-              <a:rPr lang="en-US" altLang="zh-TW" dirty="0" smtClean="0">
-                <a:sym typeface="Symbol"/>
-              </a:rPr>
-              <a:t>=1/2</a:t>
+              <a:t> =1/2</a:t>
             </a:r>
             <a:r>
               <a:rPr lang="zh-TW" altLang="en-US" dirty="0" smtClean="0">
@@ -10530,6 +10959,38 @@
           <a:xfrm>
             <a:off x="539552" y="4800600"/>
             <a:ext cx="4610100" cy="2057400"/>
+          </a:xfrm>
+          <a:prstGeom prst="rect">
+            <a:avLst/>
+          </a:prstGeom>
+          <a:noFill/>
+          <a:ln w="9525">
+            <a:noFill/>
+            <a:miter lim="800000"/>
+            <a:headEnd/>
+            <a:tailEnd/>
+          </a:ln>
+        </p:spPr>
+      </p:pic>
+      <p:pic>
+        <p:nvPicPr>
+          <p:cNvPr id="7169" name="Picture 1"/>
+          <p:cNvPicPr>
+            <a:picLocks noChangeAspect="1" noChangeArrowheads="1"/>
+          </p:cNvPicPr>
+          <p:nvPr/>
+        </p:nvPicPr>
+        <p:blipFill>
+          <a:blip r:embed="rId3" cstate="print"/>
+          <a:srcRect/>
+          <a:stretch>
+            <a:fillRect/>
+          </a:stretch>
+        </p:blipFill>
+        <p:spPr bwMode="auto">
+          <a:xfrm>
+            <a:off x="4139952" y="5949280"/>
+            <a:ext cx="4324350" cy="723900"/>
           </a:xfrm>
           <a:prstGeom prst="rect">
             <a:avLst/>
@@ -10650,22 +11111,13 @@
           <a:p>
             <a:r>
               <a:rPr lang="en-US" sz="1200" dirty="0" smtClean="0"/>
-              <a:t>mean = </a:t>
-            </a:r>
+              <a:t>mean = 1</a:t>
+            </a:r>
+          </a:p>
+          <a:p>
             <a:r>
               <a:rPr lang="en-US" sz="1200" dirty="0" smtClean="0"/>
-              <a:t>1</a:t>
-            </a:r>
-            <a:endParaRPr lang="en-US" sz="1200" dirty="0" smtClean="0"/>
-          </a:p>
-          <a:p>
-            <a:r>
-              <a:rPr lang="en-US" sz="1200" dirty="0" smtClean="0"/>
-              <a:t>variance = </a:t>
-            </a:r>
-            <a:r>
-              <a:rPr lang="en-US" sz="1200" dirty="0" smtClean="0"/>
-              <a:t>1</a:t>
+              <a:t>variance = 1</a:t>
             </a:r>
             <a:endParaRPr lang="en-US" sz="1200" dirty="0"/>
           </a:p>
@@ -10713,24 +11165,14 @@
           <a:p>
             <a:r>
               <a:rPr lang="en-US" sz="1200" dirty="0" smtClean="0"/>
-              <a:t>mean = </a:t>
-            </a:r>
+              <a:t>mean = 1/2/4</a:t>
+            </a:r>
+          </a:p>
+          <a:p>
             <a:r>
               <a:rPr lang="en-US" sz="1200" dirty="0" smtClean="0"/>
-              <a:t>1/2/4</a:t>
-            </a:r>
-            <a:endParaRPr lang="en-US" sz="1200" dirty="0" smtClean="0"/>
-          </a:p>
-          <a:p>
-            <a:r>
-              <a:rPr lang="en-US" sz="1200" dirty="0" smtClean="0"/>
-              <a:t>variance = </a:t>
-            </a:r>
-            <a:r>
-              <a:rPr lang="en-US" sz="1200" dirty="0" smtClean="0"/>
-              <a:t>1/2/4</a:t>
-            </a:r>
-            <a:endParaRPr lang="en-US" sz="1200" dirty="0" smtClean="0"/>
+              <a:t>variance = 1/2/4</a:t>
+            </a:r>
           </a:p>
         </p:txBody>
       </p:sp>
@@ -10776,22 +11218,13 @@
           <a:p>
             <a:r>
               <a:rPr lang="en-US" sz="1200" dirty="0" smtClean="0"/>
-              <a:t>mean = </a:t>
-            </a:r>
+              <a:t>mean = 1/2/4</a:t>
+            </a:r>
+          </a:p>
+          <a:p>
             <a:r>
               <a:rPr lang="en-US" sz="1200" dirty="0" smtClean="0"/>
-              <a:t>1/2/4</a:t>
-            </a:r>
-            <a:endParaRPr lang="en-US" sz="1200" dirty="0" smtClean="0"/>
-          </a:p>
-          <a:p>
-            <a:r>
-              <a:rPr lang="en-US" sz="1200" dirty="0" smtClean="0"/>
-              <a:t>variance = </a:t>
-            </a:r>
-            <a:r>
-              <a:rPr lang="en-US" sz="1200" dirty="0" smtClean="0"/>
-              <a:t>0.5/2/8</a:t>
+              <a:t>variance = 0.5/2/8</a:t>
             </a:r>
             <a:endParaRPr lang="en-US" sz="1200" dirty="0"/>
           </a:p>
@@ -16869,6 +17302,38 @@
           <a:xfrm>
             <a:off x="1259632" y="1522608"/>
             <a:ext cx="2619696" cy="1080120"/>
+          </a:xfrm>
+          <a:prstGeom prst="rect">
+            <a:avLst/>
+          </a:prstGeom>
+          <a:noFill/>
+          <a:ln w="9525">
+            <a:noFill/>
+            <a:miter lim="800000"/>
+            <a:headEnd/>
+            <a:tailEnd/>
+          </a:ln>
+        </p:spPr>
+      </p:pic>
+      <p:pic>
+        <p:nvPicPr>
+          <p:cNvPr id="4097" name="Picture 1"/>
+          <p:cNvPicPr>
+            <a:picLocks noChangeAspect="1" noChangeArrowheads="1"/>
+          </p:cNvPicPr>
+          <p:nvPr/>
+        </p:nvPicPr>
+        <p:blipFill>
+          <a:blip r:embed="rId4" cstate="print"/>
+          <a:srcRect/>
+          <a:stretch>
+            <a:fillRect/>
+          </a:stretch>
+        </p:blipFill>
+        <p:spPr bwMode="auto">
+          <a:xfrm>
+            <a:off x="4001294" y="5949280"/>
+            <a:ext cx="5142706" cy="396920"/>
           </a:xfrm>
           <a:prstGeom prst="rect">
             <a:avLst/>
@@ -17021,22 +17486,13 @@
           <a:p>
             <a:r>
               <a:rPr lang="en-US" sz="1200" dirty="0" smtClean="0"/>
-              <a:t>mean = </a:t>
-            </a:r>
+              <a:t>mean = 0.5</a:t>
+            </a:r>
+          </a:p>
+          <a:p>
             <a:r>
               <a:rPr lang="en-US" sz="1200" dirty="0" smtClean="0"/>
-              <a:t>0.5</a:t>
-            </a:r>
-            <a:endParaRPr lang="en-US" sz="1200" dirty="0" smtClean="0"/>
-          </a:p>
-          <a:p>
-            <a:r>
-              <a:rPr lang="en-US" sz="1200" dirty="0" smtClean="0"/>
-              <a:t>variance = </a:t>
-            </a:r>
-            <a:r>
-              <a:rPr lang="en-US" sz="1200" dirty="0" smtClean="0"/>
-              <a:t>0.011</a:t>
+              <a:t>variance = 0.011</a:t>
             </a:r>
             <a:endParaRPr lang="en-US" sz="1200" dirty="0"/>
           </a:p>
@@ -17078,24 +17534,14 @@
           <a:p>
             <a:r>
               <a:rPr lang="en-US" sz="1200" dirty="0" smtClean="0"/>
-              <a:t>mean = </a:t>
-            </a:r>
+              <a:t>mean = 0.5/0.5/0.5</a:t>
+            </a:r>
+          </a:p>
+          <a:p>
             <a:r>
               <a:rPr lang="en-US" sz="1200" dirty="0" smtClean="0"/>
-              <a:t>0.5/0.5/0.5</a:t>
-            </a:r>
-            <a:endParaRPr lang="en-US" sz="1200" dirty="0" smtClean="0"/>
-          </a:p>
-          <a:p>
-            <a:r>
-              <a:rPr lang="en-US" sz="1200" dirty="0" smtClean="0"/>
-              <a:t>variance = </a:t>
-            </a:r>
-            <a:r>
-              <a:rPr lang="en-US" sz="1200" dirty="0" smtClean="0"/>
-              <a:t>0.011/0.036/0.083</a:t>
-            </a:r>
-            <a:endParaRPr lang="en-US" sz="1200" dirty="0" smtClean="0"/>
+              <a:t>variance = 0.011/0.036/0.083</a:t>
+            </a:r>
           </a:p>
         </p:txBody>
       </p:sp>
@@ -17163,20 +17609,11 @@
               </a:rPr>
               <a:t>0.05</a:t>
             </a:r>
-            <a:endParaRPr lang="en-US" sz="1200" dirty="0" smtClean="0">
-              <a:solidFill>
-                <a:srgbClr val="00B0F0"/>
-              </a:solidFill>
-            </a:endParaRPr>
           </a:p>
           <a:p>
             <a:r>
               <a:rPr lang="en-US" sz="1200" dirty="0" smtClean="0"/>
-              <a:t>variance = </a:t>
-            </a:r>
-            <a:r>
-              <a:rPr lang="en-US" sz="1200" dirty="0" smtClean="0"/>
-              <a:t>0.00039/0.00331</a:t>
+              <a:t>variance = 0.00039/0.00331</a:t>
             </a:r>
             <a:endParaRPr lang="en-US" sz="1200" dirty="0"/>
           </a:p>
@@ -18327,20 +18764,11 @@
               </a:rPr>
               <a:t>0.95</a:t>
             </a:r>
-            <a:endParaRPr lang="en-US" sz="1200" dirty="0" smtClean="0">
-              <a:solidFill>
-                <a:srgbClr val="00B0F0"/>
-              </a:solidFill>
-            </a:endParaRPr>
           </a:p>
           <a:p>
             <a:r>
               <a:rPr lang="en-US" sz="1200" dirty="0" smtClean="0"/>
-              <a:t>variance = </a:t>
-            </a:r>
-            <a:r>
-              <a:rPr lang="en-US" sz="1200" dirty="0" smtClean="0"/>
-              <a:t>0.00039/0.00331</a:t>
+              <a:t>variance = 0.00039/0.00331</a:t>
             </a:r>
             <a:endParaRPr lang="en-US" sz="1200" dirty="0"/>
           </a:p>
@@ -18351,6 +18779,13 @@
   <p:clrMapOvr>
     <a:masterClrMapping/>
   </p:clrMapOvr>
+  <p:timing>
+    <p:tnLst>
+      <p:par>
+        <p:cTn id="1" dur="indefinite" restart="never" nodeType="tmRoot"/>
+      </p:par>
+    </p:tnLst>
+  </p:timing>
 </p:sld>
 </file>
 
@@ -18679,11 +19114,50 @@
           </a:ln>
         </p:spPr>
       </p:pic>
+      <p:pic>
+        <p:nvPicPr>
+          <p:cNvPr id="2049" name="Picture 1"/>
+          <p:cNvPicPr>
+            <a:picLocks noChangeAspect="1" noChangeArrowheads="1"/>
+          </p:cNvPicPr>
+          <p:nvPr/>
+        </p:nvPicPr>
+        <p:blipFill>
+          <a:blip r:embed="rId3" cstate="print"/>
+          <a:srcRect/>
+          <a:stretch>
+            <a:fillRect/>
+          </a:stretch>
+        </p:blipFill>
+        <p:spPr bwMode="auto">
+          <a:xfrm>
+            <a:off x="3707904" y="6309320"/>
+            <a:ext cx="4200525" cy="390525"/>
+          </a:xfrm>
+          <a:prstGeom prst="rect">
+            <a:avLst/>
+          </a:prstGeom>
+          <a:noFill/>
+          <a:ln w="9525">
+            <a:noFill/>
+            <a:miter lim="800000"/>
+            <a:headEnd/>
+            <a:tailEnd/>
+          </a:ln>
+        </p:spPr>
+      </p:pic>
     </p:spTree>
   </p:cSld>
   <p:clrMapOvr>
     <a:masterClrMapping/>
   </p:clrMapOvr>
+  <p:timing>
+    <p:tnLst>
+      <p:par>
+        <p:cTn id="1" dur="indefinite" restart="never" nodeType="tmRoot"/>
+      </p:par>
+    </p:tnLst>
+  </p:timing>
 </p:sld>
 </file>
 
@@ -18815,22 +19289,13 @@
           <a:p>
             <a:r>
               <a:rPr lang="en-US" sz="1200" dirty="0" smtClean="0"/>
-              <a:t>mean = </a:t>
-            </a:r>
+              <a:t>mean = 0</a:t>
+            </a:r>
+          </a:p>
+          <a:p>
             <a:r>
               <a:rPr lang="en-US" sz="1200" dirty="0" smtClean="0"/>
-              <a:t>0</a:t>
-            </a:r>
-            <a:endParaRPr lang="en-US" sz="1200" dirty="0" smtClean="0"/>
-          </a:p>
-          <a:p>
-            <a:r>
-              <a:rPr lang="en-US" sz="1200" dirty="0" smtClean="0"/>
-              <a:t>variance = </a:t>
-            </a:r>
-            <a:r>
-              <a:rPr lang="en-US" sz="1200" dirty="0" smtClean="0"/>
-              <a:t>0.25</a:t>
+              <a:t>variance = 0.25</a:t>
             </a:r>
             <a:endParaRPr lang="en-US" sz="1200" dirty="0"/>
           </a:p>
@@ -18882,24 +19347,14 @@
           <a:p>
             <a:r>
               <a:rPr lang="en-US" sz="1200" dirty="0" smtClean="0"/>
-              <a:t>mean = </a:t>
-            </a:r>
+              <a:t>mean = 0/0/0</a:t>
+            </a:r>
+          </a:p>
+          <a:p>
             <a:r>
               <a:rPr lang="en-US" sz="1200" dirty="0" smtClean="0"/>
-              <a:t>0/0/0</a:t>
-            </a:r>
-            <a:endParaRPr lang="en-US" sz="1200" dirty="0" smtClean="0"/>
-          </a:p>
-          <a:p>
-            <a:r>
-              <a:rPr lang="en-US" sz="1200" dirty="0" smtClean="0"/>
-              <a:t>variance = </a:t>
-            </a:r>
-            <a:r>
-              <a:rPr lang="en-US" sz="1200" dirty="0" smtClean="0"/>
-              <a:t>0.25/1/25</a:t>
-            </a:r>
-            <a:endParaRPr lang="en-US" sz="1200" dirty="0" smtClean="0"/>
+              <a:t>variance = 0.25/1/25</a:t>
+            </a:r>
           </a:p>
         </p:txBody>
       </p:sp>
@@ -19701,24 +20156,14 @@
           <a:p>
             <a:r>
               <a:rPr lang="en-US" sz="1200" dirty="0" smtClean="0"/>
-              <a:t>mean = </a:t>
-            </a:r>
+              <a:t>mean = 0</a:t>
+            </a:r>
+          </a:p>
+          <a:p>
             <a:r>
               <a:rPr lang="en-US" sz="1200" dirty="0" smtClean="0"/>
-              <a:t>0</a:t>
-            </a:r>
-            <a:endParaRPr lang="en-US" sz="1200" dirty="0" smtClean="0"/>
-          </a:p>
-          <a:p>
-            <a:r>
-              <a:rPr lang="en-US" sz="1200" dirty="0" smtClean="0"/>
-              <a:t>variance = </a:t>
-            </a:r>
-            <a:r>
-              <a:rPr lang="en-US" sz="1200" dirty="0" smtClean="0"/>
-              <a:t>1</a:t>
-            </a:r>
-            <a:endParaRPr lang="en-US" sz="1200" dirty="0" smtClean="0"/>
+              <a:t>variance = 1</a:t>
+            </a:r>
           </a:p>
         </p:txBody>
       </p:sp>
@@ -19788,6 +20233,13 @@
   <p:clrMapOvr>
     <a:masterClrMapping/>
   </p:clrMapOvr>
+  <p:timing>
+    <p:tnLst>
+      <p:par>
+        <p:cTn id="1" dur="indefinite" restart="never" nodeType="tmRoot"/>
+      </p:par>
+    </p:tnLst>
+  </p:timing>
 </p:sld>
 </file>
 
@@ -20668,24 +21120,14 @@
           <a:p>
             <a:r>
               <a:rPr lang="en-US" sz="1200" dirty="0" smtClean="0"/>
-              <a:t>mean = </a:t>
-            </a:r>
+              <a:t>mean = 0.443</a:t>
+            </a:r>
+          </a:p>
+          <a:p>
             <a:r>
               <a:rPr lang="en-US" sz="1200" dirty="0" smtClean="0"/>
-              <a:t>0.443</a:t>
-            </a:r>
-            <a:endParaRPr lang="en-US" sz="1200" dirty="0" smtClean="0"/>
-          </a:p>
-          <a:p>
-            <a:r>
-              <a:rPr lang="en-US" sz="1200" dirty="0" smtClean="0"/>
-              <a:t>variance = </a:t>
-            </a:r>
-            <a:r>
-              <a:rPr lang="en-US" sz="1200" dirty="0" smtClean="0"/>
-              <a:t>0.054</a:t>
-            </a:r>
-            <a:endParaRPr lang="en-US" sz="1200" dirty="0" smtClean="0"/>
+              <a:t>variance = 0.054</a:t>
+            </a:r>
           </a:p>
         </p:txBody>
       </p:sp>
@@ -20731,22 +21173,13 @@
           <a:p>
             <a:r>
               <a:rPr lang="en-US" sz="1200" dirty="0" smtClean="0"/>
-              <a:t>mean = </a:t>
-            </a:r>
+              <a:t>mean = 0.443/0.886/1.339/2.719</a:t>
+            </a:r>
+          </a:p>
+          <a:p>
             <a:r>
               <a:rPr lang="en-US" sz="1200" dirty="0" smtClean="0"/>
-              <a:t>0.443/0.886/1.339/2.719</a:t>
-            </a:r>
-            <a:endParaRPr lang="en-US" sz="1200" dirty="0" smtClean="0"/>
-          </a:p>
-          <a:p>
-            <a:r>
-              <a:rPr lang="en-US" sz="1200" dirty="0" smtClean="0"/>
-              <a:t>variance = </a:t>
-            </a:r>
-            <a:r>
-              <a:rPr lang="en-US" sz="1200" dirty="0" smtClean="0"/>
-              <a:t>0.054/0.215/0.237/0.582</a:t>
+              <a:t>variance = 0.054/0.215/0.237/0.582</a:t>
             </a:r>
             <a:endParaRPr lang="en-US" sz="1200" dirty="0"/>
           </a:p>
@@ -20794,22 +21227,13 @@
           <a:p>
             <a:r>
               <a:rPr lang="en-US" sz="1200" dirty="0" smtClean="0"/>
-              <a:t>mean = </a:t>
-            </a:r>
+              <a:t>mean = 2.659/2.679/2.719/2.755</a:t>
+            </a:r>
+          </a:p>
+          <a:p>
             <a:r>
               <a:rPr lang="en-US" sz="1200" dirty="0" smtClean="0"/>
-              <a:t>2.659/2.679/2.719/2.755</a:t>
-            </a:r>
-            <a:endParaRPr lang="en-US" sz="1200" dirty="0" smtClean="0"/>
-          </a:p>
-          <a:p>
-            <a:r>
-              <a:rPr lang="en-US" sz="1200" dirty="0" smtClean="0"/>
-              <a:t>variance = </a:t>
-            </a:r>
-            <a:r>
-              <a:rPr lang="en-US" sz="1200" dirty="0" smtClean="0"/>
-              <a:t>1.931/0.948/0.581/0.398</a:t>
+              <a:t>variance = 1.931/0.948/0.581/0.398</a:t>
             </a:r>
             <a:endParaRPr lang="en-US" sz="1200" dirty="0"/>
           </a:p>
@@ -21401,22 +21825,13 @@
           <a:p>
             <a:r>
               <a:rPr lang="en-US" sz="1200" dirty="0" smtClean="0"/>
-              <a:t>mean = </a:t>
-            </a:r>
+              <a:t>mean = 0.443/0.886/1.329/1.772</a:t>
+            </a:r>
+          </a:p>
+          <a:p>
             <a:r>
               <a:rPr lang="en-US" sz="1200" dirty="0" smtClean="0"/>
-              <a:t>0.443/0.886/1.329/1.772</a:t>
-            </a:r>
-            <a:endParaRPr lang="en-US" sz="1200" dirty="0" smtClean="0"/>
-          </a:p>
-          <a:p>
-            <a:r>
-              <a:rPr lang="en-US" sz="1200" dirty="0" smtClean="0"/>
-              <a:t>variance = </a:t>
-            </a:r>
-            <a:r>
-              <a:rPr lang="en-US" sz="1200" dirty="0" smtClean="0"/>
-              <a:t>0.054/0.215/0.483/0.858</a:t>
+              <a:t>variance = 0.054/0.215/0.483/0.858</a:t>
             </a:r>
             <a:endParaRPr lang="en-US" sz="1200" dirty="0"/>
           </a:p>
@@ -22208,6 +22623,13 @@
   <p:clrMapOvr>
     <a:masterClrMapping/>
   </p:clrMapOvr>
+  <p:timing>
+    <p:tnLst>
+      <p:par>
+        <p:cTn id="1" dur="indefinite" restart="never" nodeType="tmRoot"/>
+      </p:par>
+    </p:tnLst>
+  </p:timing>
 </p:sld>
 </file>
 
@@ -22823,6 +23245,13 @@
   <p:clrMapOvr>
     <a:masterClrMapping/>
   </p:clrMapOvr>
+  <p:timing>
+    <p:tnLst>
+      <p:par>
+        <p:cTn id="1" dur="indefinite" restart="never" nodeType="tmRoot"/>
+      </p:par>
+    </p:tnLst>
+  </p:timing>
 </p:sld>
 </file>
 
@@ -24530,6 +24959,13 @@
   <p:clrMapOvr>
     <a:masterClrMapping/>
   </p:clrMapOvr>
+  <p:timing>
+    <p:tnLst>
+      <p:par>
+        <p:cTn id="1" dur="indefinite" restart="never" nodeType="tmRoot"/>
+      </p:par>
+    </p:tnLst>
+  </p:timing>
 </p:sld>
 </file>
 
@@ -24552,7 +24988,7 @@
       </p:grpSpPr>
       <p:sp>
         <p:nvSpPr>
-          <p:cNvPr id="2" name="Title 1"/>
+          <p:cNvPr id="4" name="Title 3"/>
           <p:cNvSpPr>
             <a:spLocks noGrp="1"/>
           </p:cNvSpPr>
@@ -24562,14 +24998,12 @@
         </p:nvSpPr>
         <p:spPr/>
         <p:txBody>
-          <a:bodyPr>
-            <a:normAutofit fontScale="90000"/>
-          </a:bodyPr>
-          <a:lstStyle/>
-          <a:p>
-            <a:r>
-              <a:rPr lang="en-US" dirty="0" err="1" smtClean="0"/>
-              <a:t>Todo</a:t>
+          <a:bodyPr/>
+          <a:lstStyle/>
+          <a:p>
+            <a:r>
+              <a:rPr lang="en-US" dirty="0" smtClean="0"/>
+              <a:t>Jointly Distributed Random Variable</a:t>
             </a:r>
             <a:endParaRPr lang="en-US" dirty="0"/>
           </a:p>
@@ -24577,12 +25011,12 @@
       </p:sp>
       <p:sp>
         <p:nvSpPr>
-          <p:cNvPr id="3" name="Content Placeholder 2"/>
+          <p:cNvPr id="5" name="Text Placeholder 4"/>
           <p:cNvSpPr>
             <a:spLocks noGrp="1"/>
           </p:cNvSpPr>
           <p:nvPr>
-            <p:ph idx="1"/>
+            <p:ph type="body" idx="1"/>
           </p:nvPr>
         </p:nvSpPr>
         <p:spPr/>
@@ -24590,73 +25024,6 @@
           <a:bodyPr/>
           <a:lstStyle/>
           <a:p>
-            <a:r>
-              <a:rPr lang="zh-TW" altLang="en-US" dirty="0" smtClean="0"/>
-              <a:t>比較</a:t>
-            </a:r>
-            <a:r>
-              <a:rPr lang="en-US" altLang="zh-TW" dirty="0" smtClean="0"/>
-              <a:t>discrete</a:t>
-            </a:r>
-            <a:r>
-              <a:rPr lang="zh-TW" altLang="en-US" dirty="0" smtClean="0"/>
-              <a:t>和</a:t>
-            </a:r>
-            <a:r>
-              <a:rPr lang="en-US" altLang="zh-TW" dirty="0" smtClean="0"/>
-              <a:t>continuous</a:t>
-            </a:r>
-            <a:r>
-              <a:rPr lang="zh-TW" altLang="en-US" dirty="0" smtClean="0"/>
-              <a:t>的</a:t>
-            </a:r>
-            <a:r>
-              <a:rPr lang="en-US" altLang="zh-TW" dirty="0" err="1" smtClean="0"/>
-              <a:t>pmf</a:t>
-            </a:r>
-            <a:r>
-              <a:rPr lang="en-US" altLang="zh-TW" dirty="0" smtClean="0"/>
-              <a:t>/</a:t>
-            </a:r>
-            <a:r>
-              <a:rPr lang="en-US" altLang="zh-TW" dirty="0" err="1" smtClean="0"/>
-              <a:t>pdf</a:t>
-            </a:r>
-            <a:r>
-              <a:rPr lang="zh-TW" altLang="en-US" dirty="0" smtClean="0"/>
-              <a:t>圖</a:t>
-            </a:r>
-            <a:endParaRPr lang="en-US" altLang="zh-TW" dirty="0" smtClean="0"/>
-          </a:p>
-          <a:p>
-            <a:pPr lvl="1"/>
-            <a:r>
-              <a:rPr lang="zh-TW" altLang="en-US" dirty="0" smtClean="0"/>
-              <a:t>機率如果可以，要等價</a:t>
-            </a:r>
-            <a:endParaRPr lang="en-US" altLang="zh-TW" dirty="0" smtClean="0"/>
-          </a:p>
-          <a:p>
-            <a:pPr algn="just"/>
-            <a:r>
-              <a:rPr lang="zh-TW" altLang="en-US" dirty="0" smtClean="0"/>
-              <a:t>溫習</a:t>
-            </a:r>
-            <a:endParaRPr lang="en-US" altLang="zh-TW" dirty="0" smtClean="0"/>
-          </a:p>
-          <a:p>
-            <a:pPr lvl="1" algn="just"/>
-            <a:r>
-              <a:rPr lang="en-US" dirty="0" smtClean="0"/>
-              <a:t>Normal approximation to the Binomial (LNp.6-36)</a:t>
-            </a:r>
-          </a:p>
-          <a:p>
-            <a:pPr lvl="1" algn="just"/>
-            <a:r>
-              <a:rPr lang="en-US" dirty="0" smtClean="0"/>
-              <a:t>Continuity correction</a:t>
-            </a:r>
             <a:endParaRPr lang="en-US" dirty="0"/>
           </a:p>
         </p:txBody>
@@ -24947,6 +25314,13 @@
   <p:clrMapOvr>
     <a:masterClrMapping/>
   </p:clrMapOvr>
+  <p:timing>
+    <p:tnLst>
+      <p:par>
+        <p:cTn id="1" dur="indefinite" restart="never" nodeType="tmRoot"/>
+      </p:par>
+    </p:tnLst>
+  </p:timing>
 </p:sld>
 </file>
 
@@ -25261,6 +25635,13 @@
   <p:clrMapOvr>
     <a:masterClrMapping/>
   </p:clrMapOvr>
+  <p:timing>
+    <p:tnLst>
+      <p:par>
+        <p:cTn id="1" dur="indefinite" restart="never" nodeType="tmRoot"/>
+      </p:par>
+    </p:tnLst>
+  </p:timing>
 </p:sld>
 </file>
 
@@ -25961,6 +26342,188 @@
   <p:clrMapOvr>
     <a:masterClrMapping/>
   </p:clrMapOvr>
+  <p:timing>
+    <p:tnLst>
+      <p:par>
+        <p:cTn id="1" dur="indefinite" restart="never" nodeType="tmRoot"/>
+      </p:par>
+    </p:tnLst>
+  </p:timing>
+</p:sld>
+</file>
+
+<file path=ppt/slides/slide36.xml><?xml version="1.0" encoding="utf-8"?>
+<p:sld xmlns:a="http://schemas.openxmlformats.org/drawingml/2006/main" xmlns:r="http://schemas.openxmlformats.org/officeDocument/2006/relationships" xmlns:p="http://schemas.openxmlformats.org/presentationml/2006/main">
+  <p:cSld>
+    <p:spTree>
+      <p:nvGrpSpPr>
+        <p:cNvPr id="1" name=""/>
+        <p:cNvGrpSpPr/>
+        <p:nvPr/>
+      </p:nvGrpSpPr>
+      <p:grpSpPr>
+        <a:xfrm>
+          <a:off x="0" y="0"/>
+          <a:ext cx="0" cy="0"/>
+          <a:chOff x="0" y="0"/>
+          <a:chExt cx="0" cy="0"/>
+        </a:xfrm>
+      </p:grpSpPr>
+      <p:sp>
+        <p:nvSpPr>
+          <p:cNvPr id="2" name="Title 1"/>
+          <p:cNvSpPr>
+            <a:spLocks noGrp="1"/>
+          </p:cNvSpPr>
+          <p:nvPr>
+            <p:ph type="title"/>
+          </p:nvPr>
+        </p:nvSpPr>
+        <p:spPr/>
+        <p:txBody>
+          <a:bodyPr>
+            <a:normAutofit fontScale="90000"/>
+          </a:bodyPr>
+          <a:lstStyle/>
+          <a:p>
+            <a:r>
+              <a:rPr lang="en-US" dirty="0" smtClean="0"/>
+              <a:t>Convolution</a:t>
+            </a:r>
+            <a:endParaRPr lang="en-US" dirty="0"/>
+          </a:p>
+        </p:txBody>
+      </p:sp>
+      <p:sp>
+        <p:nvSpPr>
+          <p:cNvPr id="3" name="Content Placeholder 2"/>
+          <p:cNvSpPr>
+            <a:spLocks noGrp="1"/>
+          </p:cNvSpPr>
+          <p:nvPr>
+            <p:ph idx="1"/>
+          </p:nvPr>
+        </p:nvSpPr>
+        <p:spPr>
+          <a:xfrm>
+            <a:off x="457200" y="980729"/>
+            <a:ext cx="8229600" cy="1584176"/>
+          </a:xfrm>
+        </p:spPr>
+        <p:txBody>
+          <a:bodyPr>
+            <a:normAutofit fontScale="92500"/>
+          </a:bodyPr>
+          <a:lstStyle/>
+          <a:p>
+            <a:r>
+              <a:rPr lang="en-US" dirty="0" smtClean="0"/>
+              <a:t>The probability distribution of the </a:t>
+            </a:r>
+            <a:r>
+              <a:rPr lang="en-US" dirty="0" smtClean="0">
+                <a:solidFill>
+                  <a:srgbClr val="00B0F0"/>
+                </a:solidFill>
+              </a:rPr>
+              <a:t>sum</a:t>
+            </a:r>
+            <a:r>
+              <a:rPr lang="en-US" dirty="0" smtClean="0"/>
+              <a:t> of two or more </a:t>
+            </a:r>
+            <a:r>
+              <a:rPr lang="en-US" dirty="0" smtClean="0">
+                <a:solidFill>
+                  <a:srgbClr val="FF0000"/>
+                </a:solidFill>
+              </a:rPr>
+              <a:t>independent</a:t>
+            </a:r>
+            <a:r>
+              <a:rPr lang="en-US" dirty="0" smtClean="0"/>
+              <a:t> random variables is the convolution of their individual distributions</a:t>
+            </a:r>
+            <a:endParaRPr lang="en-US" dirty="0"/>
+          </a:p>
+        </p:txBody>
+      </p:sp>
+      <p:pic>
+        <p:nvPicPr>
+          <p:cNvPr id="40962" name="Picture 2"/>
+          <p:cNvPicPr>
+            <a:picLocks noChangeAspect="1" noChangeArrowheads="1"/>
+          </p:cNvPicPr>
+          <p:nvPr/>
+        </p:nvPicPr>
+        <p:blipFill>
+          <a:blip r:embed="rId3" cstate="print"/>
+          <a:srcRect/>
+          <a:stretch>
+            <a:fillRect/>
+          </a:stretch>
+        </p:blipFill>
+        <p:spPr bwMode="auto">
+          <a:xfrm>
+            <a:off x="0" y="2708920"/>
+            <a:ext cx="4464496" cy="1957215"/>
+          </a:xfrm>
+          <a:prstGeom prst="rect">
+            <a:avLst/>
+          </a:prstGeom>
+          <a:noFill/>
+          <a:ln w="9525">
+            <a:noFill/>
+            <a:miter lim="800000"/>
+            <a:headEnd/>
+            <a:tailEnd/>
+          </a:ln>
+        </p:spPr>
+      </p:pic>
+      <p:pic>
+        <p:nvPicPr>
+          <p:cNvPr id="40963" name="Picture 3"/>
+          <p:cNvPicPr>
+            <a:picLocks noChangeAspect="1" noChangeArrowheads="1"/>
+          </p:cNvPicPr>
+          <p:nvPr/>
+        </p:nvPicPr>
+        <p:blipFill>
+          <a:blip r:embed="rId4" cstate="print"/>
+          <a:srcRect/>
+          <a:stretch>
+            <a:fillRect/>
+          </a:stretch>
+        </p:blipFill>
+        <p:spPr bwMode="auto">
+          <a:xfrm>
+            <a:off x="4499992" y="2708920"/>
+            <a:ext cx="4644008" cy="2668380"/>
+          </a:xfrm>
+          <a:prstGeom prst="rect">
+            <a:avLst/>
+          </a:prstGeom>
+          <a:noFill/>
+          <a:ln w="9525">
+            <a:noFill/>
+            <a:miter lim="800000"/>
+            <a:headEnd/>
+            <a:tailEnd/>
+          </a:ln>
+        </p:spPr>
+      </p:pic>
+    </p:spTree>
+  </p:cSld>
+  <p:clrMapOvr>
+    <a:masterClrMapping/>
+  </p:clrMapOvr>
+  <p:timing>
+    <p:tnLst>
+      <p:par>
+        <p:cTn id="1" dur="indefinite" restart="never" nodeType="tmRoot"/>
+      </p:par>
+    </p:tnLst>
+  </p:timing>
 </p:sld>
 </file>
 
@@ -26259,6 +26822,38 @@
           <a:xfrm>
             <a:off x="467544" y="4725144"/>
             <a:ext cx="4686300" cy="1914525"/>
+          </a:xfrm>
+          <a:prstGeom prst="rect">
+            <a:avLst/>
+          </a:prstGeom>
+          <a:noFill/>
+          <a:ln w="9525">
+            <a:noFill/>
+            <a:miter lim="800000"/>
+            <a:headEnd/>
+            <a:tailEnd/>
+          </a:ln>
+        </p:spPr>
+      </p:pic>
+      <p:pic>
+        <p:nvPicPr>
+          <p:cNvPr id="23553" name="Picture 1"/>
+          <p:cNvPicPr>
+            <a:picLocks noChangeAspect="1" noChangeArrowheads="1"/>
+          </p:cNvPicPr>
+          <p:nvPr/>
+        </p:nvPicPr>
+        <p:blipFill>
+          <a:blip r:embed="rId3" cstate="print"/>
+          <a:srcRect/>
+          <a:stretch>
+            <a:fillRect/>
+          </a:stretch>
+        </p:blipFill>
+        <p:spPr bwMode="auto">
+          <a:xfrm>
+            <a:off x="4211960" y="6093296"/>
+            <a:ext cx="4578449" cy="536138"/>
           </a:xfrm>
           <a:prstGeom prst="rect">
             <a:avLst/>
@@ -27115,7 +27710,7 @@
             </a:r>
             <a:r>
               <a:rPr lang="en-US" altLang="zh-TW" dirty="0" smtClean="0"/>
-              <a:t>r</a:t>
+              <a:t>size</a:t>
             </a:r>
             <a:r>
               <a:rPr lang="zh-TW" altLang="en-US" dirty="0" smtClean="0"/>
@@ -27380,6 +27975,38 @@
           <a:xfrm>
             <a:off x="467544" y="4653136"/>
             <a:ext cx="4829175" cy="1704975"/>
+          </a:xfrm>
+          <a:prstGeom prst="rect">
+            <a:avLst/>
+          </a:prstGeom>
+          <a:noFill/>
+          <a:ln w="9525">
+            <a:noFill/>
+            <a:miter lim="800000"/>
+            <a:headEnd/>
+            <a:tailEnd/>
+          </a:ln>
+        </p:spPr>
+      </p:pic>
+      <p:pic>
+        <p:nvPicPr>
+          <p:cNvPr id="21505" name="Picture 1"/>
+          <p:cNvPicPr>
+            <a:picLocks noChangeAspect="1" noChangeArrowheads="1"/>
+          </p:cNvPicPr>
+          <p:nvPr/>
+        </p:nvPicPr>
+        <p:blipFill>
+          <a:blip r:embed="rId3" cstate="print"/>
+          <a:srcRect/>
+          <a:stretch>
+            <a:fillRect/>
+          </a:stretch>
+        </p:blipFill>
+        <p:spPr bwMode="auto">
+          <a:xfrm>
+            <a:off x="4067944" y="6021288"/>
+            <a:ext cx="4932040" cy="730013"/>
           </a:xfrm>
           <a:prstGeom prst="rect">
             <a:avLst/>
@@ -27568,7 +28195,7 @@
           <a:p>
             <a:r>
               <a:rPr lang="en-US" sz="1200" dirty="0" smtClean="0"/>
-              <a:t>x = {1, 2, .., 10}</a:t>
+              <a:t>x = {1, 2, .., 25}</a:t>
             </a:r>
           </a:p>
           <a:p>
@@ -29332,4 +29959,287 @@
   <a:objectDefaults/>
   <a:extraClrSchemeLst/>
 </a:theme>
+</file>
+
+<file path=ppt/theme/theme2.xml><?xml version="1.0" encoding="utf-8"?>
+<a:theme xmlns:a="http://schemas.openxmlformats.org/drawingml/2006/main" name="Office Theme">
+  <a:themeElements>
+    <a:clrScheme name="Office">
+      <a:dk1>
+        <a:sysClr val="windowText" lastClr="000000"/>
+      </a:dk1>
+      <a:lt1>
+        <a:sysClr val="window" lastClr="FFFFFF"/>
+      </a:lt1>
+      <a:dk2>
+        <a:srgbClr val="1F497D"/>
+      </a:dk2>
+      <a:lt2>
+        <a:srgbClr val="EEECE1"/>
+      </a:lt2>
+      <a:accent1>
+        <a:srgbClr val="4F81BD"/>
+      </a:accent1>
+      <a:accent2>
+        <a:srgbClr val="C0504D"/>
+      </a:accent2>
+      <a:accent3>
+        <a:srgbClr val="9BBB59"/>
+      </a:accent3>
+      <a:accent4>
+        <a:srgbClr val="8064A2"/>
+      </a:accent4>
+      <a:accent5>
+        <a:srgbClr val="4BACC6"/>
+      </a:accent5>
+      <a:accent6>
+        <a:srgbClr val="F79646"/>
+      </a:accent6>
+      <a:hlink>
+        <a:srgbClr val="0000FF"/>
+      </a:hlink>
+      <a:folHlink>
+        <a:srgbClr val="800080"/>
+      </a:folHlink>
+    </a:clrScheme>
+    <a:fontScheme name="Office">
+      <a:majorFont>
+        <a:latin typeface="Calibri"/>
+        <a:ea typeface=""/>
+        <a:cs typeface=""/>
+        <a:font script="Jpan" typeface="ＭＳ Ｐゴシック"/>
+        <a:font script="Hang" typeface="맑은 고딕"/>
+        <a:font script="Hans" typeface="宋体"/>
+        <a:font script="Hant" typeface="新細明體"/>
+        <a:font script="Arab" typeface="Times New Roman"/>
+        <a:font script="Hebr" typeface="Times New Roman"/>
+        <a:font script="Thai" typeface="Angsana New"/>
+        <a:font script="Ethi" typeface="Nyala"/>
+        <a:font script="Beng" typeface="Vrinda"/>
+        <a:font script="Gujr" typeface="Shruti"/>
+        <a:font script="Khmr" typeface="MoolBoran"/>
+        <a:font script="Knda" typeface="Tunga"/>
+        <a:font script="Guru" typeface="Raavi"/>
+        <a:font script="Cans" typeface="Euphemia"/>
+        <a:font script="Cher" typeface="Plantagenet Cherokee"/>
+        <a:font script="Yiii" typeface="Microsoft Yi Baiti"/>
+        <a:font script="Tibt" typeface="Microsoft Himalaya"/>
+        <a:font script="Thaa" typeface="MV Boli"/>
+        <a:font script="Deva" typeface="Mangal"/>
+        <a:font script="Telu" typeface="Gautami"/>
+        <a:font script="Taml" typeface="Latha"/>
+        <a:font script="Syrc" typeface="Estrangelo Edessa"/>
+        <a:font script="Orya" typeface="Kalinga"/>
+        <a:font script="Mlym" typeface="Kartika"/>
+        <a:font script="Laoo" typeface="DokChampa"/>
+        <a:font script="Sinh" typeface="Iskoola Pota"/>
+        <a:font script="Mong" typeface="Mongolian Baiti"/>
+        <a:font script="Viet" typeface="Times New Roman"/>
+        <a:font script="Uigh" typeface="Microsoft Uighur"/>
+      </a:majorFont>
+      <a:minorFont>
+        <a:latin typeface="Calibri"/>
+        <a:ea typeface=""/>
+        <a:cs typeface=""/>
+        <a:font script="Jpan" typeface="ＭＳ Ｐゴシック"/>
+        <a:font script="Hang" typeface="맑은 고딕"/>
+        <a:font script="Hans" typeface="宋体"/>
+        <a:font script="Hant" typeface="新細明體"/>
+        <a:font script="Arab" typeface="Arial"/>
+        <a:font script="Hebr" typeface="Arial"/>
+        <a:font script="Thai" typeface="Cordia New"/>
+        <a:font script="Ethi" typeface="Nyala"/>
+        <a:font script="Beng" typeface="Vrinda"/>
+        <a:font script="Gujr" typeface="Shruti"/>
+        <a:font script="Khmr" typeface="DaunPenh"/>
+        <a:font script="Knda" typeface="Tunga"/>
+        <a:font script="Guru" typeface="Raavi"/>
+        <a:font script="Cans" typeface="Euphemia"/>
+        <a:font script="Cher" typeface="Plantagenet Cherokee"/>
+        <a:font script="Yiii" typeface="Microsoft Yi Baiti"/>
+        <a:font script="Tibt" typeface="Microsoft Himalaya"/>
+        <a:font script="Thaa" typeface="MV Boli"/>
+        <a:font script="Deva" typeface="Mangal"/>
+        <a:font script="Telu" typeface="Gautami"/>
+        <a:font script="Taml" typeface="Latha"/>
+        <a:font script="Syrc" typeface="Estrangelo Edessa"/>
+        <a:font script="Orya" typeface="Kalinga"/>
+        <a:font script="Mlym" typeface="Kartika"/>
+        <a:font script="Laoo" typeface="DokChampa"/>
+        <a:font script="Sinh" typeface="Iskoola Pota"/>
+        <a:font script="Mong" typeface="Mongolian Baiti"/>
+        <a:font script="Viet" typeface="Arial"/>
+        <a:font script="Uigh" typeface="Microsoft Uighur"/>
+      </a:minorFont>
+    </a:fontScheme>
+    <a:fmtScheme name="Office">
+      <a:fillStyleLst>
+        <a:solidFill>
+          <a:schemeClr val="phClr"/>
+        </a:solidFill>
+        <a:gradFill rotWithShape="1">
+          <a:gsLst>
+            <a:gs pos="0">
+              <a:schemeClr val="phClr">
+                <a:tint val="50000"/>
+                <a:satMod val="300000"/>
+              </a:schemeClr>
+            </a:gs>
+            <a:gs pos="35000">
+              <a:schemeClr val="phClr">
+                <a:tint val="37000"/>
+                <a:satMod val="300000"/>
+              </a:schemeClr>
+            </a:gs>
+            <a:gs pos="100000">
+              <a:schemeClr val="phClr">
+                <a:tint val="15000"/>
+                <a:satMod val="350000"/>
+              </a:schemeClr>
+            </a:gs>
+          </a:gsLst>
+          <a:lin ang="16200000" scaled="1"/>
+        </a:gradFill>
+        <a:gradFill rotWithShape="1">
+          <a:gsLst>
+            <a:gs pos="0">
+              <a:schemeClr val="phClr">
+                <a:shade val="51000"/>
+                <a:satMod val="130000"/>
+              </a:schemeClr>
+            </a:gs>
+            <a:gs pos="80000">
+              <a:schemeClr val="phClr">
+                <a:shade val="93000"/>
+                <a:satMod val="130000"/>
+              </a:schemeClr>
+            </a:gs>
+            <a:gs pos="100000">
+              <a:schemeClr val="phClr">
+                <a:shade val="94000"/>
+                <a:satMod val="135000"/>
+              </a:schemeClr>
+            </a:gs>
+          </a:gsLst>
+          <a:lin ang="16200000" scaled="0"/>
+        </a:gradFill>
+      </a:fillStyleLst>
+      <a:lnStyleLst>
+        <a:ln w="9525" cap="flat" cmpd="sng" algn="ctr">
+          <a:solidFill>
+            <a:schemeClr val="phClr">
+              <a:shade val="95000"/>
+              <a:satMod val="105000"/>
+            </a:schemeClr>
+          </a:solidFill>
+          <a:prstDash val="solid"/>
+        </a:ln>
+        <a:ln w="25400" cap="flat" cmpd="sng" algn="ctr">
+          <a:solidFill>
+            <a:schemeClr val="phClr"/>
+          </a:solidFill>
+          <a:prstDash val="solid"/>
+        </a:ln>
+        <a:ln w="38100" cap="flat" cmpd="sng" algn="ctr">
+          <a:solidFill>
+            <a:schemeClr val="phClr"/>
+          </a:solidFill>
+          <a:prstDash val="solid"/>
+        </a:ln>
+      </a:lnStyleLst>
+      <a:effectStyleLst>
+        <a:effectStyle>
+          <a:effectLst>
+            <a:outerShdw blurRad="40000" dist="20000" dir="5400000" rotWithShape="0">
+              <a:srgbClr val="000000">
+                <a:alpha val="38000"/>
+              </a:srgbClr>
+            </a:outerShdw>
+          </a:effectLst>
+        </a:effectStyle>
+        <a:effectStyle>
+          <a:effectLst>
+            <a:outerShdw blurRad="40000" dist="23000" dir="5400000" rotWithShape="0">
+              <a:srgbClr val="000000">
+                <a:alpha val="35000"/>
+              </a:srgbClr>
+            </a:outerShdw>
+          </a:effectLst>
+        </a:effectStyle>
+        <a:effectStyle>
+          <a:effectLst>
+            <a:outerShdw blurRad="40000" dist="23000" dir="5400000" rotWithShape="0">
+              <a:srgbClr val="000000">
+                <a:alpha val="35000"/>
+              </a:srgbClr>
+            </a:outerShdw>
+          </a:effectLst>
+          <a:scene3d>
+            <a:camera prst="orthographicFront">
+              <a:rot lat="0" lon="0" rev="0"/>
+            </a:camera>
+            <a:lightRig rig="threePt" dir="t">
+              <a:rot lat="0" lon="0" rev="1200000"/>
+            </a:lightRig>
+          </a:scene3d>
+          <a:sp3d>
+            <a:bevelT w="63500" h="25400"/>
+          </a:sp3d>
+        </a:effectStyle>
+      </a:effectStyleLst>
+      <a:bgFillStyleLst>
+        <a:solidFill>
+          <a:schemeClr val="phClr"/>
+        </a:solidFill>
+        <a:gradFill rotWithShape="1">
+          <a:gsLst>
+            <a:gs pos="0">
+              <a:schemeClr val="phClr">
+                <a:tint val="40000"/>
+                <a:satMod val="350000"/>
+              </a:schemeClr>
+            </a:gs>
+            <a:gs pos="40000">
+              <a:schemeClr val="phClr">
+                <a:tint val="45000"/>
+                <a:shade val="99000"/>
+                <a:satMod val="350000"/>
+              </a:schemeClr>
+            </a:gs>
+            <a:gs pos="100000">
+              <a:schemeClr val="phClr">
+                <a:shade val="20000"/>
+                <a:satMod val="255000"/>
+              </a:schemeClr>
+            </a:gs>
+          </a:gsLst>
+          <a:path path="circle">
+            <a:fillToRect l="50000" t="-80000" r="50000" b="180000"/>
+          </a:path>
+        </a:gradFill>
+        <a:gradFill rotWithShape="1">
+          <a:gsLst>
+            <a:gs pos="0">
+              <a:schemeClr val="phClr">
+                <a:tint val="80000"/>
+                <a:satMod val="300000"/>
+              </a:schemeClr>
+            </a:gs>
+            <a:gs pos="100000">
+              <a:schemeClr val="phClr">
+                <a:shade val="30000"/>
+                <a:satMod val="200000"/>
+              </a:schemeClr>
+            </a:gs>
+          </a:gsLst>
+          <a:path path="circle">
+            <a:fillToRect l="50000" t="50000" r="50000" b="50000"/>
+          </a:path>
+        </a:gradFill>
+      </a:bgFillStyleLst>
+    </a:fmtScheme>
+  </a:themeElements>
+  <a:objectDefaults/>
+  <a:extraClrSchemeLst/>
+</a:theme>
 </file>
--- a/probability/doc/random_variable_distribution.pptx
+++ b/probability/doc/random_variable_distribution.pptx
@@ -5,7 +5,7 @@
     <p:sldMasterId id="2147483672" r:id="rId1"/>
   </p:sldMasterIdLst>
   <p:notesMasterIdLst>
-    <p:notesMasterId r:id="rId38"/>
+    <p:notesMasterId r:id="rId45"/>
   </p:notesMasterIdLst>
   <p:sldIdLst>
     <p:sldId id="256" r:id="rId2"/>
@@ -38,12 +38,19 @@
     <p:sldId id="286" r:id="rId29"/>
     <p:sldId id="287" r:id="rId30"/>
     <p:sldId id="288" r:id="rId31"/>
-    <p:sldId id="289" r:id="rId32"/>
-    <p:sldId id="296" r:id="rId33"/>
-    <p:sldId id="292" r:id="rId34"/>
-    <p:sldId id="290" r:id="rId35"/>
-    <p:sldId id="291" r:id="rId36"/>
-    <p:sldId id="297" r:id="rId37"/>
+    <p:sldId id="299" r:id="rId32"/>
+    <p:sldId id="300" r:id="rId33"/>
+    <p:sldId id="301" r:id="rId34"/>
+    <p:sldId id="302" r:id="rId35"/>
+    <p:sldId id="303" r:id="rId36"/>
+    <p:sldId id="304" r:id="rId37"/>
+    <p:sldId id="289" r:id="rId38"/>
+    <p:sldId id="298" r:id="rId39"/>
+    <p:sldId id="296" r:id="rId40"/>
+    <p:sldId id="292" r:id="rId41"/>
+    <p:sldId id="290" r:id="rId42"/>
+    <p:sldId id="291" r:id="rId43"/>
+    <p:sldId id="297" r:id="rId44"/>
   </p:sldIdLst>
   <p:sldSz cx="9144000" cy="6858000" type="screen4x3"/>
   <p:notesSz cx="6858000" cy="9144000"/>
@@ -228,7 +235,7 @@
             <a:fld id="{82806AD6-EF9A-49A4-9710-5F897D136B70}" type="datetimeFigureOut">
               <a:rPr lang="en-US" smtClean="0"/>
               <a:pPr/>
-              <a:t>8/16/2016</a:t>
+              <a:t>8/25/2016</a:t>
             </a:fld>
             <a:endParaRPr lang="en-US"/>
           </a:p>
@@ -562,7 +569,7 @@
             <a:fld id="{A48E448A-101A-42EE-9ACF-820CCEC3BEA9}" type="slidenum">
               <a:rPr lang="en-US" smtClean="0"/>
               <a:pPr/>
-              <a:t>36</a:t>
+              <a:t>43</a:t>
             </a:fld>
             <a:endParaRPr lang="en-US"/>
           </a:p>
@@ -758,7 +765,7 @@
             <a:fld id="{D22E22CB-403C-4FA1-9A08-6AEAEE252FE1}" type="datetimeFigureOut">
               <a:rPr lang="en-US" smtClean="0"/>
               <a:pPr/>
-              <a:t>8/16/2016</a:t>
+              <a:t>8/25/2016</a:t>
             </a:fld>
             <a:endParaRPr lang="en-US"/>
           </a:p>
@@ -925,7 +932,7 @@
             <a:fld id="{D22E22CB-403C-4FA1-9A08-6AEAEE252FE1}" type="datetimeFigureOut">
               <a:rPr lang="en-US" smtClean="0"/>
               <a:pPr/>
-              <a:t>8/16/2016</a:t>
+              <a:t>8/25/2016</a:t>
             </a:fld>
             <a:endParaRPr lang="en-US"/>
           </a:p>
@@ -1102,7 +1109,7 @@
             <a:fld id="{D22E22CB-403C-4FA1-9A08-6AEAEE252FE1}" type="datetimeFigureOut">
               <a:rPr lang="en-US" smtClean="0"/>
               <a:pPr/>
-              <a:t>8/16/2016</a:t>
+              <a:t>8/25/2016</a:t>
             </a:fld>
             <a:endParaRPr lang="en-US"/>
           </a:p>
@@ -1269,7 +1276,7 @@
             <a:fld id="{D22E22CB-403C-4FA1-9A08-6AEAEE252FE1}" type="datetimeFigureOut">
               <a:rPr lang="en-US" smtClean="0"/>
               <a:pPr/>
-              <a:t>8/16/2016</a:t>
+              <a:t>8/25/2016</a:t>
             </a:fld>
             <a:endParaRPr lang="en-US"/>
           </a:p>
@@ -1512,7 +1519,7 @@
             <a:fld id="{D22E22CB-403C-4FA1-9A08-6AEAEE252FE1}" type="datetimeFigureOut">
               <a:rPr lang="en-US" smtClean="0"/>
               <a:pPr/>
-              <a:t>8/16/2016</a:t>
+              <a:t>8/25/2016</a:t>
             </a:fld>
             <a:endParaRPr lang="en-US"/>
           </a:p>
@@ -1797,7 +1804,7 @@
             <a:fld id="{D22E22CB-403C-4FA1-9A08-6AEAEE252FE1}" type="datetimeFigureOut">
               <a:rPr lang="en-US" smtClean="0"/>
               <a:pPr/>
-              <a:t>8/16/2016</a:t>
+              <a:t>8/25/2016</a:t>
             </a:fld>
             <a:endParaRPr lang="en-US"/>
           </a:p>
@@ -2216,7 +2223,7 @@
             <a:fld id="{D22E22CB-403C-4FA1-9A08-6AEAEE252FE1}" type="datetimeFigureOut">
               <a:rPr lang="en-US" smtClean="0"/>
               <a:pPr/>
-              <a:t>8/16/2016</a:t>
+              <a:t>8/25/2016</a:t>
             </a:fld>
             <a:endParaRPr lang="en-US"/>
           </a:p>
@@ -2331,7 +2338,7 @@
             <a:fld id="{D22E22CB-403C-4FA1-9A08-6AEAEE252FE1}" type="datetimeFigureOut">
               <a:rPr lang="en-US" smtClean="0"/>
               <a:pPr/>
-              <a:t>8/16/2016</a:t>
+              <a:t>8/25/2016</a:t>
             </a:fld>
             <a:endParaRPr lang="en-US"/>
           </a:p>
@@ -2423,7 +2430,7 @@
             <a:fld id="{D22E22CB-403C-4FA1-9A08-6AEAEE252FE1}" type="datetimeFigureOut">
               <a:rPr lang="en-US" smtClean="0"/>
               <a:pPr/>
-              <a:t>8/16/2016</a:t>
+              <a:t>8/25/2016</a:t>
             </a:fld>
             <a:endParaRPr lang="en-US"/>
           </a:p>
@@ -2697,7 +2704,7 @@
             <a:fld id="{D22E22CB-403C-4FA1-9A08-6AEAEE252FE1}" type="datetimeFigureOut">
               <a:rPr lang="en-US" smtClean="0"/>
               <a:pPr/>
-              <a:t>8/16/2016</a:t>
+              <a:t>8/25/2016</a:t>
             </a:fld>
             <a:endParaRPr lang="en-US"/>
           </a:p>
@@ -2947,7 +2954,7 @@
             <a:fld id="{D22E22CB-403C-4FA1-9A08-6AEAEE252FE1}" type="datetimeFigureOut">
               <a:rPr lang="en-US" smtClean="0"/>
               <a:pPr/>
-              <a:t>8/16/2016</a:t>
+              <a:t>8/25/2016</a:t>
             </a:fld>
             <a:endParaRPr lang="en-US"/>
           </a:p>
@@ -3157,7 +3164,7 @@
             <a:fld id="{D22E22CB-403C-4FA1-9A08-6AEAEE252FE1}" type="datetimeFigureOut">
               <a:rPr lang="en-US" smtClean="0"/>
               <a:pPr/>
-              <a:t>8/16/2016</a:t>
+              <a:t>8/25/2016</a:t>
             </a:fld>
             <a:endParaRPr lang="en-US"/>
           </a:p>
@@ -4581,7 +4588,7 @@
         </p:spPr>
         <p:txBody>
           <a:bodyPr>
-            <a:normAutofit fontScale="77500" lnSpcReduction="20000"/>
+            <a:normAutofit fontScale="62500" lnSpcReduction="20000"/>
           </a:bodyPr>
           <a:lstStyle/>
           <a:p>
@@ -4672,6 +4679,50 @@
               <a:rPr lang="en-US" altLang="zh-TW" dirty="0" smtClean="0"/>
               <a:t>Binomial</a:t>
             </a:r>
+          </a:p>
+          <a:p>
+            <a:pPr lvl="2"/>
+            <a:r>
+              <a:rPr lang="zh-TW" altLang="en-US" dirty="0" smtClean="0"/>
+              <a:t>運用在工業上，用來了解產品瑕疵率</a:t>
+            </a:r>
+            <a:endParaRPr lang="en-US" altLang="zh-TW" dirty="0" smtClean="0"/>
+          </a:p>
+          <a:p>
+            <a:pPr lvl="3"/>
+            <a:r>
+              <a:rPr lang="en-US" altLang="zh-TW" dirty="0" smtClean="0"/>
+              <a:t>m: </a:t>
+            </a:r>
+            <a:r>
+              <a:rPr lang="zh-TW" altLang="en-US" dirty="0" smtClean="0"/>
+              <a:t>壞掉的產品</a:t>
+            </a:r>
+            <a:endParaRPr lang="en-US" altLang="zh-TW" dirty="0" smtClean="0"/>
+          </a:p>
+          <a:p>
+            <a:pPr lvl="3"/>
+            <a:r>
+              <a:rPr lang="en-US" altLang="zh-TW" dirty="0" smtClean="0"/>
+              <a:t>n: </a:t>
+            </a:r>
+            <a:r>
+              <a:rPr lang="zh-TW" altLang="en-US" dirty="0" smtClean="0"/>
+              <a:t>好的產品</a:t>
+            </a:r>
+            <a:endParaRPr lang="en-US" altLang="zh-TW" dirty="0" smtClean="0"/>
+          </a:p>
+          <a:p>
+            <a:pPr lvl="3"/>
+            <a:r>
+              <a:rPr lang="en-US" altLang="zh-TW" dirty="0" smtClean="0"/>
+              <a:t>k: </a:t>
+            </a:r>
+            <a:r>
+              <a:rPr lang="zh-TW" altLang="en-US" dirty="0" smtClean="0"/>
+              <a:t>抽驗產品數</a:t>
+            </a:r>
+            <a:endParaRPr lang="en-US" altLang="zh-TW" dirty="0" smtClean="0"/>
           </a:p>
           <a:p>
             <a:r>
@@ -17068,7 +17119,7 @@
         </p:spPr>
         <p:txBody>
           <a:bodyPr>
-            <a:normAutofit fontScale="55000" lnSpcReduction="20000"/>
+            <a:normAutofit fontScale="62500" lnSpcReduction="20000"/>
           </a:bodyPr>
           <a:lstStyle/>
           <a:p>
@@ -17081,28 +17132,66 @@
             <a:pPr lvl="1"/>
             <a:r>
               <a:rPr lang="zh-TW" altLang="en-US" dirty="0" smtClean="0"/>
-              <a:t>由數學式而來</a:t>
+              <a:t>計算等待</a:t>
+            </a:r>
+            <a:r>
+              <a:rPr lang="en-US" altLang="zh-TW" dirty="0" smtClean="0">
+                <a:sym typeface="Symbol"/>
+              </a:rPr>
+              <a:t></a:t>
+            </a:r>
+            <a:r>
+              <a:rPr lang="zh-TW" altLang="en-US" dirty="0" smtClean="0">
+                <a:sym typeface="Symbol"/>
+              </a:rPr>
+              <a:t>次的時間和等待</a:t>
+            </a:r>
+            <a:r>
+              <a:rPr lang="en-US" altLang="zh-TW" dirty="0" smtClean="0">
+                <a:sym typeface="Symbol"/>
+              </a:rPr>
+              <a:t></a:t>
+            </a:r>
+            <a:r>
+              <a:rPr lang="zh-TW" altLang="en-US" dirty="0" smtClean="0">
+                <a:sym typeface="Symbol"/>
+              </a:rPr>
+              <a:t>次的時間，之間的比例關係機率值</a:t>
+            </a:r>
+            <a:endParaRPr lang="en-US" altLang="zh-TW" dirty="0" smtClean="0">
+              <a:sym typeface="Symbol"/>
+            </a:endParaRPr>
+          </a:p>
+          <a:p>
+            <a:pPr lvl="2"/>
+            <a:r>
+              <a:rPr lang="zh-TW" altLang="en-US" dirty="0" smtClean="0">
+                <a:sym typeface="Symbol"/>
+              </a:rPr>
+              <a:t>一定介於</a:t>
+            </a:r>
+            <a:r>
+              <a:rPr lang="en-US" altLang="zh-TW" dirty="0" smtClean="0">
+                <a:sym typeface="Symbol"/>
+              </a:rPr>
+              <a:t>0~1</a:t>
             </a:r>
             <a:endParaRPr lang="en-US" altLang="zh-TW" dirty="0" smtClean="0"/>
           </a:p>
           <a:p>
             <a:pPr lvl="1"/>
-            <a:endParaRPr lang="en-US" altLang="zh-TW" dirty="0" smtClean="0"/>
-          </a:p>
-          <a:p>
-            <a:pPr lvl="1"/>
-            <a:endParaRPr lang="en-US" altLang="zh-TW" dirty="0" smtClean="0"/>
-          </a:p>
-          <a:p>
-            <a:pPr lvl="1"/>
-            <a:endParaRPr lang="en-US" altLang="zh-TW" dirty="0" smtClean="0"/>
-          </a:p>
-          <a:p>
-            <a:pPr lvl="1"/>
-            <a:endParaRPr lang="en-US" altLang="zh-TW" dirty="0" smtClean="0"/>
-          </a:p>
-          <a:p>
-            <a:pPr lvl="1"/>
+            <a:r>
+              <a:rPr lang="zh-TW" altLang="en-US" dirty="0" smtClean="0"/>
+              <a:t>由</a:t>
+            </a:r>
+            <a:r>
+              <a:rPr lang="en-US" altLang="zh-TW" dirty="0" smtClean="0"/>
+              <a:t>Beta</a:t>
+            </a:r>
+            <a:r>
+              <a:rPr lang="zh-TW" altLang="en-US" dirty="0" smtClean="0"/>
+              <a:t>數學式而來</a:t>
+            </a:r>
             <a:endParaRPr lang="en-US" altLang="zh-TW" dirty="0" smtClean="0"/>
           </a:p>
           <a:p>
@@ -17285,7 +17374,7 @@
       </p:pic>
       <p:pic>
         <p:nvPicPr>
-          <p:cNvPr id="3075" name="Picture 3"/>
+          <p:cNvPr id="4097" name="Picture 1"/>
           <p:cNvPicPr>
             <a:picLocks noChangeAspect="1" noChangeArrowheads="1"/>
           </p:cNvPicPr>
@@ -17300,8 +17389,8 @@
         </p:blipFill>
         <p:spPr bwMode="auto">
           <a:xfrm>
-            <a:off x="1259632" y="1522608"/>
-            <a:ext cx="2619696" cy="1080120"/>
+            <a:off x="4001294" y="5949280"/>
+            <a:ext cx="5142706" cy="396920"/>
           </a:xfrm>
           <a:prstGeom prst="rect">
             <a:avLst/>
@@ -17317,7 +17406,7 @@
       </p:pic>
       <p:pic>
         <p:nvPicPr>
-          <p:cNvPr id="4097" name="Picture 1"/>
+          <p:cNvPr id="4098" name="Picture 2"/>
           <p:cNvPicPr>
             <a:picLocks noChangeAspect="1" noChangeArrowheads="1"/>
           </p:cNvPicPr>
@@ -17332,8 +17421,8 @@
         </p:blipFill>
         <p:spPr bwMode="auto">
           <a:xfrm>
-            <a:off x="4001294" y="5949280"/>
-            <a:ext cx="5142706" cy="396920"/>
+            <a:off x="3563888" y="1700808"/>
+            <a:ext cx="4587230" cy="666617"/>
           </a:xfrm>
           <a:prstGeom prst="rect">
             <a:avLst/>
@@ -23290,1670 +23379,460 @@
           <a:lstStyle/>
           <a:p>
             <a:r>
+              <a:rPr lang="en-US" altLang="zh-TW" dirty="0" smtClean="0"/>
+              <a:t>Chi-square</a:t>
+            </a:r>
+            <a:endParaRPr lang="en-US" dirty="0"/>
+          </a:p>
+        </p:txBody>
+      </p:sp>
+      <p:sp>
+        <p:nvSpPr>
+          <p:cNvPr id="3" name="Content Placeholder 2"/>
+          <p:cNvSpPr>
+            <a:spLocks noGrp="1"/>
+          </p:cNvSpPr>
+          <p:nvPr>
+            <p:ph idx="1"/>
+          </p:nvPr>
+        </p:nvSpPr>
+        <p:spPr>
+          <a:xfrm>
+            <a:off x="457200" y="980729"/>
+            <a:ext cx="8229600" cy="3672407"/>
+          </a:xfrm>
+        </p:spPr>
+        <p:txBody>
+          <a:bodyPr>
+            <a:normAutofit fontScale="55000" lnSpcReduction="20000"/>
+          </a:bodyPr>
+          <a:lstStyle/>
+          <a:p>
+            <a:r>
+              <a:rPr lang="en-US" altLang="zh-TW" dirty="0" smtClean="0"/>
+              <a:t>Intuition</a:t>
+            </a:r>
+          </a:p>
+          <a:p>
+            <a:pPr lvl="1"/>
+            <a:r>
+              <a:rPr lang="zh-TW" altLang="en-US" dirty="0" smtClean="0"/>
+              <a:t>是</a:t>
+            </a:r>
+            <a:r>
+              <a:rPr lang="en-US" altLang="zh-TW" dirty="0" smtClean="0"/>
+              <a:t>n</a:t>
+            </a:r>
+            <a:r>
+              <a:rPr lang="zh-TW" altLang="en-US" dirty="0" smtClean="0"/>
+              <a:t>個</a:t>
+            </a:r>
+            <a:r>
+              <a:rPr lang="en-US" altLang="zh-TW" dirty="0" err="1" smtClean="0"/>
+              <a:t>i.i.d</a:t>
+            </a:r>
+            <a:r>
+              <a:rPr lang="en-US" altLang="zh-TW" dirty="0" smtClean="0"/>
+              <a:t>. standard normal distribution(N(0,1))</a:t>
+            </a:r>
+            <a:r>
+              <a:rPr lang="zh-TW" altLang="en-US" dirty="0" smtClean="0"/>
+              <a:t>做平方的相加</a:t>
+            </a:r>
+            <a:endParaRPr lang="en-US" altLang="zh-TW" dirty="0" smtClean="0"/>
+          </a:p>
+          <a:p>
+            <a:pPr lvl="1"/>
+            <a:r>
+              <a:rPr lang="zh-TW" altLang="en-US" dirty="0" smtClean="0"/>
+              <a:t>若把</a:t>
+            </a:r>
+            <a:r>
+              <a:rPr lang="en-US" altLang="zh-TW" dirty="0" smtClean="0"/>
+              <a:t>n</a:t>
+            </a:r>
+            <a:r>
+              <a:rPr lang="zh-TW" altLang="en-US" dirty="0" smtClean="0"/>
+              <a:t>個</a:t>
+            </a:r>
+            <a:r>
+              <a:rPr lang="en-US" altLang="zh-TW" dirty="0" smtClean="0"/>
+              <a:t>N(0, 1)</a:t>
+            </a:r>
+            <a:r>
+              <a:rPr lang="zh-TW" altLang="en-US" dirty="0" smtClean="0"/>
+              <a:t>視為</a:t>
+            </a:r>
+            <a:r>
+              <a:rPr lang="en-US" altLang="zh-TW" dirty="0" smtClean="0"/>
+              <a:t>n</a:t>
+            </a:r>
+            <a:r>
+              <a:rPr lang="zh-TW" altLang="en-US" dirty="0" smtClean="0"/>
+              <a:t>維的</a:t>
+            </a:r>
+            <a:r>
+              <a:rPr lang="en-US" altLang="zh-TW" dirty="0" smtClean="0"/>
+              <a:t>vector</a:t>
+            </a:r>
+            <a:r>
+              <a:rPr lang="zh-TW" altLang="en-US" dirty="0" smtClean="0"/>
+              <a:t>，而因為</a:t>
+            </a:r>
+            <a:r>
+              <a:rPr lang="en-US" altLang="zh-TW" dirty="0" smtClean="0"/>
+              <a:t>N(0,1)</a:t>
+            </a:r>
+            <a:r>
+              <a:rPr lang="zh-TW" altLang="en-US" dirty="0" smtClean="0"/>
+              <a:t>的可能值是</a:t>
+            </a:r>
+            <a:r>
+              <a:rPr lang="en-US" altLang="zh-TW" dirty="0" smtClean="0"/>
+              <a:t>-</a:t>
+            </a:r>
+            <a:r>
+              <a:rPr lang="zh-TW" altLang="en-US" dirty="0" smtClean="0">
+                <a:sym typeface="Symbol"/>
+              </a:rPr>
+              <a:t></a:t>
+            </a:r>
+            <a:r>
+              <a:rPr lang="en-US" altLang="zh-TW" dirty="0" smtClean="0">
+                <a:sym typeface="Symbol"/>
+              </a:rPr>
+              <a:t>~+</a:t>
+            </a:r>
+            <a:r>
+              <a:rPr lang="zh-TW" altLang="en-US" dirty="0" smtClean="0">
+                <a:sym typeface="Symbol"/>
+              </a:rPr>
+              <a:t> ，所以</a:t>
+            </a:r>
+            <a:r>
+              <a:rPr lang="en-US" altLang="zh-TW" dirty="0" smtClean="0">
+                <a:sym typeface="Symbol"/>
+              </a:rPr>
+              <a:t>Chi-square</a:t>
+            </a:r>
+            <a:r>
+              <a:rPr lang="zh-TW" altLang="en-US" dirty="0" smtClean="0">
+                <a:sym typeface="Symbol"/>
+              </a:rPr>
+              <a:t>其實是在描述點可以在</a:t>
+            </a:r>
+            <a:r>
+              <a:rPr lang="en-US" altLang="zh-TW" dirty="0" smtClean="0">
+                <a:sym typeface="Symbol"/>
+              </a:rPr>
+              <a:t>n</a:t>
+            </a:r>
+            <a:r>
+              <a:rPr lang="zh-TW" altLang="en-US" dirty="0" smtClean="0">
+                <a:sym typeface="Symbol"/>
+              </a:rPr>
+              <a:t>維空間移動的自由度</a:t>
+            </a:r>
+            <a:endParaRPr lang="en-US" altLang="zh-TW" dirty="0" smtClean="0"/>
+          </a:p>
+          <a:p>
+            <a:pPr lvl="1"/>
+            <a:r>
+              <a:rPr lang="zh-TW" altLang="en-US" dirty="0" smtClean="0"/>
+              <a:t>是</a:t>
+            </a:r>
+            <a:r>
+              <a:rPr lang="en-US" altLang="zh-TW" dirty="0" smtClean="0"/>
+              <a:t>Gamma(n/2, 1/2)</a:t>
+            </a:r>
+            <a:r>
+              <a:rPr lang="zh-TW" altLang="en-US" dirty="0" smtClean="0"/>
+              <a:t>特例</a:t>
+            </a:r>
+            <a:endParaRPr lang="en-US" altLang="zh-TW" dirty="0" smtClean="0"/>
+          </a:p>
+          <a:p>
+            <a:pPr lvl="2"/>
+            <a:r>
+              <a:rPr lang="en-US" altLang="zh-TW" dirty="0" smtClean="0">
+                <a:sym typeface="Symbol"/>
+              </a:rPr>
+              <a:t>=n/2: </a:t>
+            </a:r>
+            <a:r>
+              <a:rPr lang="zh-TW" altLang="en-US" dirty="0" smtClean="0">
+                <a:sym typeface="Symbol"/>
+              </a:rPr>
+              <a:t>第</a:t>
+            </a:r>
+            <a:r>
+              <a:rPr lang="en-US" altLang="zh-TW" dirty="0" smtClean="0">
+                <a:sym typeface="Symbol"/>
+              </a:rPr>
+              <a:t>n/2</a:t>
+            </a:r>
+            <a:r>
+              <a:rPr lang="zh-TW" altLang="en-US" dirty="0" smtClean="0">
+                <a:sym typeface="Symbol"/>
+              </a:rPr>
+              <a:t>次事件發生</a:t>
+            </a:r>
+            <a:endParaRPr lang="en-US" altLang="zh-TW" dirty="0" smtClean="0">
+              <a:sym typeface="Symbol"/>
+            </a:endParaRPr>
+          </a:p>
+          <a:p>
+            <a:pPr lvl="2"/>
+            <a:r>
+              <a:rPr lang="en-US" altLang="zh-TW" dirty="0" smtClean="0">
+                <a:sym typeface="Symbol"/>
+              </a:rPr>
+              <a:t>=1/2: </a:t>
+            </a:r>
+            <a:r>
+              <a:rPr lang="zh-TW" altLang="en-US" dirty="0" smtClean="0">
+                <a:sym typeface="Symbol"/>
+              </a:rPr>
+              <a:t>單位時間發生</a:t>
+            </a:r>
+            <a:r>
+              <a:rPr lang="en-US" altLang="zh-TW" dirty="0" smtClean="0">
+                <a:sym typeface="Symbol"/>
+              </a:rPr>
+              <a:t>1/2</a:t>
+            </a:r>
+            <a:r>
+              <a:rPr lang="zh-TW" altLang="en-US" dirty="0" smtClean="0">
+                <a:sym typeface="Symbol"/>
+              </a:rPr>
+              <a:t>次數</a:t>
+            </a:r>
+            <a:endParaRPr lang="en-US" altLang="zh-TW" dirty="0" smtClean="0"/>
+          </a:p>
+          <a:p>
+            <a:pPr lvl="1"/>
+            <a:r>
+              <a:rPr lang="zh-TW" altLang="en-US" dirty="0" smtClean="0"/>
+              <a:t>對應</a:t>
+            </a:r>
+            <a:r>
+              <a:rPr lang="en-US" altLang="zh-TW" dirty="0" smtClean="0"/>
+              <a:t>Lecture note</a:t>
+            </a:r>
+          </a:p>
+          <a:p>
+            <a:pPr lvl="2"/>
+            <a:r>
+              <a:rPr lang="en-US" altLang="zh-TW" dirty="0" smtClean="0">
+                <a:sym typeface="Symbol"/>
+              </a:rPr>
+              <a:t>n: </a:t>
+            </a:r>
+            <a:r>
+              <a:rPr lang="en-US" altLang="zh-TW" dirty="0" err="1" smtClean="0">
+                <a:sym typeface="Symbol"/>
+              </a:rPr>
+              <a:t>df</a:t>
+            </a:r>
+            <a:r>
+              <a:rPr lang="en-US" altLang="zh-TW" dirty="0" smtClean="0">
+                <a:sym typeface="Symbol"/>
+              </a:rPr>
+              <a:t>:</a:t>
+            </a:r>
+            <a:r>
+              <a:rPr lang="zh-TW" altLang="en-US" dirty="0" smtClean="0">
+                <a:sym typeface="Symbol"/>
+              </a:rPr>
+              <a:t> </a:t>
+            </a:r>
+            <a:r>
+              <a:rPr lang="en-US" altLang="zh-TW" dirty="0" smtClean="0">
+                <a:sym typeface="Symbol"/>
+              </a:rPr>
+              <a:t>degree of freedom</a:t>
+            </a:r>
+          </a:p>
+          <a:p>
+            <a:r>
               <a:rPr lang="en-US" dirty="0" smtClean="0"/>
-              <a:t>Overview</a:t>
-            </a:r>
-            <a:endParaRPr lang="en-US" dirty="0"/>
-          </a:p>
-        </p:txBody>
-      </p:sp>
-      <p:sp>
-        <p:nvSpPr>
-          <p:cNvPr id="4" name="Rectangle 3"/>
-          <p:cNvSpPr/>
-          <p:nvPr/>
-        </p:nvSpPr>
-        <p:spPr>
-          <a:xfrm>
-            <a:off x="971600" y="3356992"/>
-            <a:ext cx="1368152" cy="504056"/>
-          </a:xfrm>
-          <a:prstGeom prst="rect">
-            <a:avLst/>
-          </a:prstGeom>
-        </p:spPr>
-        <p:style>
-          <a:lnRef idx="1">
-            <a:schemeClr val="accent1"/>
-          </a:lnRef>
-          <a:fillRef idx="2">
-            <a:schemeClr val="accent1"/>
-          </a:fillRef>
-          <a:effectRef idx="1">
-            <a:schemeClr val="accent1"/>
-          </a:effectRef>
-          <a:fontRef idx="minor">
-            <a:schemeClr val="dk1"/>
-          </a:fontRef>
-        </p:style>
-        <p:txBody>
-          <a:bodyPr rtlCol="0" anchor="ctr"/>
-          <a:lstStyle/>
-          <a:p>
-            <a:pPr algn="ctr"/>
-            <a:r>
-              <a:rPr lang="en-US" sz="1400" dirty="0" smtClean="0"/>
-              <a:t>Binomial</a:t>
-            </a:r>
-            <a:endParaRPr lang="en-US" sz="1400" dirty="0"/>
-          </a:p>
-        </p:txBody>
-      </p:sp>
-      <p:sp>
-        <p:nvSpPr>
-          <p:cNvPr id="5" name="Rectangle 4"/>
-          <p:cNvSpPr/>
-          <p:nvPr/>
-        </p:nvSpPr>
-        <p:spPr>
-          <a:xfrm>
-            <a:off x="1763688" y="4365104"/>
-            <a:ext cx="1368152" cy="504056"/>
-          </a:xfrm>
-          <a:prstGeom prst="rect">
-            <a:avLst/>
-          </a:prstGeom>
-        </p:spPr>
-        <p:style>
-          <a:lnRef idx="1">
-            <a:schemeClr val="accent1"/>
-          </a:lnRef>
-          <a:fillRef idx="2">
-            <a:schemeClr val="accent1"/>
-          </a:fillRef>
-          <a:effectRef idx="1">
-            <a:schemeClr val="accent1"/>
-          </a:effectRef>
-          <a:fontRef idx="minor">
-            <a:schemeClr val="dk1"/>
-          </a:fontRef>
-        </p:style>
-        <p:txBody>
-          <a:bodyPr rtlCol="0" anchor="ctr"/>
-          <a:lstStyle/>
-          <a:p>
-            <a:pPr algn="ctr"/>
-            <a:r>
-              <a:rPr lang="en-US" sz="1400" dirty="0" smtClean="0"/>
-              <a:t>Negative Binomial</a:t>
-            </a:r>
-            <a:endParaRPr lang="en-US" sz="1400" dirty="0"/>
-          </a:p>
-        </p:txBody>
-      </p:sp>
-      <p:sp>
-        <p:nvSpPr>
-          <p:cNvPr id="6" name="Rectangle 5"/>
-          <p:cNvSpPr/>
-          <p:nvPr/>
-        </p:nvSpPr>
-        <p:spPr>
-          <a:xfrm>
-            <a:off x="3779912" y="4365104"/>
-            <a:ext cx="1368152" cy="504056"/>
-          </a:xfrm>
-          <a:prstGeom prst="rect">
-            <a:avLst/>
-          </a:prstGeom>
-        </p:spPr>
-        <p:style>
-          <a:lnRef idx="1">
-            <a:schemeClr val="accent5"/>
-          </a:lnRef>
-          <a:fillRef idx="2">
-            <a:schemeClr val="accent5"/>
-          </a:fillRef>
-          <a:effectRef idx="1">
-            <a:schemeClr val="accent5"/>
-          </a:effectRef>
-          <a:fontRef idx="minor">
-            <a:schemeClr val="dk1"/>
-          </a:fontRef>
-        </p:style>
-        <p:txBody>
-          <a:bodyPr rtlCol="0" anchor="ctr"/>
-          <a:lstStyle/>
-          <a:p>
-            <a:pPr algn="ctr"/>
-            <a:r>
-              <a:rPr lang="en-US" sz="1400" dirty="0" smtClean="0"/>
-              <a:t>Exponential</a:t>
-            </a:r>
-            <a:endParaRPr lang="en-US" sz="1400" dirty="0"/>
-          </a:p>
-        </p:txBody>
-      </p:sp>
-      <p:sp>
-        <p:nvSpPr>
-          <p:cNvPr id="7" name="Rectangle 6"/>
-          <p:cNvSpPr/>
-          <p:nvPr/>
-        </p:nvSpPr>
-        <p:spPr>
-          <a:xfrm>
-            <a:off x="4572000" y="3356992"/>
-            <a:ext cx="1368152" cy="504056"/>
-          </a:xfrm>
-          <a:prstGeom prst="rect">
-            <a:avLst/>
-          </a:prstGeom>
-        </p:spPr>
-        <p:style>
-          <a:lnRef idx="1">
-            <a:schemeClr val="accent1"/>
-          </a:lnRef>
-          <a:fillRef idx="2">
-            <a:schemeClr val="accent1"/>
-          </a:fillRef>
-          <a:effectRef idx="1">
-            <a:schemeClr val="accent1"/>
-          </a:effectRef>
-          <a:fontRef idx="minor">
-            <a:schemeClr val="dk1"/>
-          </a:fontRef>
-        </p:style>
-        <p:txBody>
-          <a:bodyPr rtlCol="0" anchor="ctr"/>
-          <a:lstStyle/>
-          <a:p>
-            <a:pPr algn="ctr"/>
-            <a:r>
-              <a:rPr lang="en-US" sz="1400" dirty="0" smtClean="0"/>
-              <a:t>Poisson</a:t>
-            </a:r>
-            <a:endParaRPr lang="en-US" sz="1400" dirty="0"/>
-          </a:p>
-        </p:txBody>
-      </p:sp>
-      <p:sp>
-        <p:nvSpPr>
-          <p:cNvPr id="9" name="Rectangle 8"/>
-          <p:cNvSpPr/>
-          <p:nvPr/>
-        </p:nvSpPr>
-        <p:spPr>
-          <a:xfrm>
-            <a:off x="5364088" y="4365104"/>
-            <a:ext cx="1368152" cy="504056"/>
-          </a:xfrm>
-          <a:prstGeom prst="rect">
-            <a:avLst/>
-          </a:prstGeom>
-        </p:spPr>
-        <p:style>
-          <a:lnRef idx="1">
-            <a:schemeClr val="accent5"/>
-          </a:lnRef>
-          <a:fillRef idx="2">
-            <a:schemeClr val="accent5"/>
-          </a:fillRef>
-          <a:effectRef idx="1">
-            <a:schemeClr val="accent5"/>
-          </a:effectRef>
-          <a:fontRef idx="minor">
-            <a:schemeClr val="dk1"/>
-          </a:fontRef>
-        </p:style>
-        <p:txBody>
-          <a:bodyPr rtlCol="0" anchor="ctr"/>
-          <a:lstStyle/>
-          <a:p>
-            <a:pPr algn="ctr"/>
-            <a:r>
-              <a:rPr lang="en-US" sz="1400" dirty="0" smtClean="0"/>
-              <a:t>Gamma</a:t>
-            </a:r>
-            <a:endParaRPr lang="en-US" sz="1400" dirty="0"/>
-          </a:p>
-        </p:txBody>
-      </p:sp>
-      <p:sp>
-        <p:nvSpPr>
-          <p:cNvPr id="10" name="Rectangle 9"/>
-          <p:cNvSpPr/>
-          <p:nvPr/>
-        </p:nvSpPr>
-        <p:spPr>
-          <a:xfrm>
-            <a:off x="5364088" y="5301208"/>
-            <a:ext cx="1368152" cy="504056"/>
-          </a:xfrm>
-          <a:prstGeom prst="rect">
-            <a:avLst/>
-          </a:prstGeom>
-        </p:spPr>
-        <p:style>
-          <a:lnRef idx="1">
-            <a:schemeClr val="accent5"/>
-          </a:lnRef>
-          <a:fillRef idx="2">
-            <a:schemeClr val="accent5"/>
-          </a:fillRef>
-          <a:effectRef idx="1">
-            <a:schemeClr val="accent5"/>
-          </a:effectRef>
-          <a:fontRef idx="minor">
-            <a:schemeClr val="dk1"/>
-          </a:fontRef>
-        </p:style>
-        <p:txBody>
-          <a:bodyPr rtlCol="0" anchor="ctr"/>
-          <a:lstStyle/>
-          <a:p>
-            <a:pPr algn="ctr"/>
-            <a:r>
-              <a:rPr lang="en-US" sz="1400" dirty="0" smtClean="0"/>
-              <a:t>Beta</a:t>
-            </a:r>
-            <a:endParaRPr lang="en-US" sz="1400" dirty="0"/>
-          </a:p>
-        </p:txBody>
-      </p:sp>
-      <p:sp>
-        <p:nvSpPr>
-          <p:cNvPr id="11" name="Rectangle 10"/>
-          <p:cNvSpPr/>
-          <p:nvPr/>
-        </p:nvSpPr>
-        <p:spPr>
-          <a:xfrm>
-            <a:off x="7236296" y="3356992"/>
-            <a:ext cx="1368152" cy="504056"/>
-          </a:xfrm>
-          <a:prstGeom prst="rect">
-            <a:avLst/>
-          </a:prstGeom>
-        </p:spPr>
-        <p:style>
-          <a:lnRef idx="1">
-            <a:schemeClr val="accent5"/>
-          </a:lnRef>
-          <a:fillRef idx="2">
-            <a:schemeClr val="accent5"/>
-          </a:fillRef>
-          <a:effectRef idx="1">
-            <a:schemeClr val="accent5"/>
-          </a:effectRef>
-          <a:fontRef idx="minor">
-            <a:schemeClr val="dk1"/>
-          </a:fontRef>
-        </p:style>
-        <p:txBody>
-          <a:bodyPr rtlCol="0" anchor="ctr"/>
-          <a:lstStyle/>
-          <a:p>
-            <a:pPr algn="ctr"/>
-            <a:r>
-              <a:rPr lang="en-US" sz="1400" dirty="0" smtClean="0"/>
-              <a:t>Normal</a:t>
-            </a:r>
-            <a:endParaRPr lang="en-US" sz="1400" dirty="0"/>
-          </a:p>
-        </p:txBody>
-      </p:sp>
-      <p:sp>
-        <p:nvSpPr>
-          <p:cNvPr id="12" name="Rectangle 11"/>
-          <p:cNvSpPr/>
-          <p:nvPr/>
-        </p:nvSpPr>
-        <p:spPr>
-          <a:xfrm>
-            <a:off x="7236296" y="4365104"/>
-            <a:ext cx="1368152" cy="504056"/>
-          </a:xfrm>
-          <a:prstGeom prst="rect">
-            <a:avLst/>
-          </a:prstGeom>
-        </p:spPr>
-        <p:style>
-          <a:lnRef idx="1">
-            <a:schemeClr val="accent5"/>
-          </a:lnRef>
-          <a:fillRef idx="2">
-            <a:schemeClr val="accent5"/>
-          </a:fillRef>
-          <a:effectRef idx="1">
-            <a:schemeClr val="accent5"/>
-          </a:effectRef>
-          <a:fontRef idx="minor">
-            <a:schemeClr val="dk1"/>
-          </a:fontRef>
-        </p:style>
-        <p:txBody>
-          <a:bodyPr rtlCol="0" anchor="ctr"/>
-          <a:lstStyle/>
-          <a:p>
-            <a:pPr algn="ctr"/>
-            <a:r>
-              <a:rPr lang="en-US" sz="1400" dirty="0" smtClean="0"/>
-              <a:t>Cauchy</a:t>
-            </a:r>
-            <a:endParaRPr lang="en-US" sz="1400" dirty="0"/>
-          </a:p>
-        </p:txBody>
-      </p:sp>
-      <p:sp>
-        <p:nvSpPr>
-          <p:cNvPr id="13" name="Rectangle 12"/>
-          <p:cNvSpPr/>
-          <p:nvPr/>
-        </p:nvSpPr>
-        <p:spPr>
-          <a:xfrm>
-            <a:off x="7236296" y="2348880"/>
-            <a:ext cx="1368152" cy="504056"/>
-          </a:xfrm>
-          <a:prstGeom prst="rect">
-            <a:avLst/>
-          </a:prstGeom>
-        </p:spPr>
-        <p:style>
-          <a:lnRef idx="1">
-            <a:schemeClr val="accent5"/>
-          </a:lnRef>
-          <a:fillRef idx="2">
-            <a:schemeClr val="accent5"/>
-          </a:fillRef>
-          <a:effectRef idx="1">
-            <a:schemeClr val="accent5"/>
-          </a:effectRef>
-          <a:fontRef idx="minor">
-            <a:schemeClr val="dk1"/>
-          </a:fontRef>
-        </p:style>
-        <p:txBody>
-          <a:bodyPr rtlCol="0" anchor="ctr"/>
-          <a:lstStyle/>
-          <a:p>
-            <a:pPr algn="ctr"/>
-            <a:r>
-              <a:rPr lang="en-US" sz="1400" dirty="0" smtClean="0"/>
-              <a:t>Uniform</a:t>
-            </a:r>
-            <a:endParaRPr lang="en-US" sz="1400" dirty="0"/>
-          </a:p>
-        </p:txBody>
-      </p:sp>
-      <p:sp>
-        <p:nvSpPr>
-          <p:cNvPr id="14" name="Rectangle 13"/>
-          <p:cNvSpPr/>
-          <p:nvPr/>
-        </p:nvSpPr>
-        <p:spPr>
-          <a:xfrm>
-            <a:off x="179512" y="4365104"/>
-            <a:ext cx="1368152" cy="504056"/>
-          </a:xfrm>
-          <a:prstGeom prst="rect">
-            <a:avLst/>
-          </a:prstGeom>
-        </p:spPr>
-        <p:style>
-          <a:lnRef idx="1">
-            <a:schemeClr val="accent1"/>
-          </a:lnRef>
-          <a:fillRef idx="2">
-            <a:schemeClr val="accent1"/>
-          </a:fillRef>
-          <a:effectRef idx="1">
-            <a:schemeClr val="accent1"/>
-          </a:effectRef>
-          <a:fontRef idx="minor">
-            <a:schemeClr val="dk1"/>
-          </a:fontRef>
-        </p:style>
-        <p:txBody>
-          <a:bodyPr rtlCol="0" anchor="ctr"/>
-          <a:lstStyle/>
-          <a:p>
-            <a:pPr algn="ctr"/>
-            <a:r>
-              <a:rPr lang="en-US" sz="1400" dirty="0" smtClean="0"/>
-              <a:t>Geometric</a:t>
-            </a:r>
-            <a:endParaRPr lang="en-US" sz="1400" dirty="0"/>
-          </a:p>
-        </p:txBody>
-      </p:sp>
-      <p:sp>
-        <p:nvSpPr>
-          <p:cNvPr id="15" name="Rectangle 14"/>
-          <p:cNvSpPr/>
-          <p:nvPr/>
-        </p:nvSpPr>
-        <p:spPr>
-          <a:xfrm>
-            <a:off x="3779912" y="5301208"/>
-            <a:ext cx="1368152" cy="504056"/>
-          </a:xfrm>
-          <a:prstGeom prst="rect">
-            <a:avLst/>
-          </a:prstGeom>
-        </p:spPr>
-        <p:style>
-          <a:lnRef idx="1">
-            <a:schemeClr val="accent5"/>
-          </a:lnRef>
-          <a:fillRef idx="2">
-            <a:schemeClr val="accent5"/>
-          </a:fillRef>
-          <a:effectRef idx="1">
-            <a:schemeClr val="accent5"/>
-          </a:effectRef>
-          <a:fontRef idx="minor">
-            <a:schemeClr val="dk1"/>
-          </a:fontRef>
-        </p:style>
-        <p:txBody>
-          <a:bodyPr rtlCol="0" anchor="ctr"/>
-          <a:lstStyle/>
-          <a:p>
-            <a:pPr algn="ctr"/>
-            <a:r>
-              <a:rPr lang="en-US" sz="1400" dirty="0" err="1" smtClean="0"/>
-              <a:t>Weibull</a:t>
-            </a:r>
-            <a:endParaRPr lang="en-US" sz="1400" dirty="0"/>
-          </a:p>
-        </p:txBody>
-      </p:sp>
-      <p:sp>
-        <p:nvSpPr>
-          <p:cNvPr id="16" name="Rectangle 15"/>
-          <p:cNvSpPr/>
-          <p:nvPr/>
-        </p:nvSpPr>
-        <p:spPr>
-          <a:xfrm>
-            <a:off x="971600" y="2420888"/>
-            <a:ext cx="1368152" cy="504056"/>
-          </a:xfrm>
-          <a:prstGeom prst="rect">
-            <a:avLst/>
-          </a:prstGeom>
-        </p:spPr>
-        <p:style>
-          <a:lnRef idx="1">
-            <a:schemeClr val="accent1"/>
-          </a:lnRef>
-          <a:fillRef idx="2">
-            <a:schemeClr val="accent1"/>
-          </a:fillRef>
-          <a:effectRef idx="1">
-            <a:schemeClr val="accent1"/>
-          </a:effectRef>
-          <a:fontRef idx="minor">
-            <a:schemeClr val="dk1"/>
-          </a:fontRef>
-        </p:style>
-        <p:txBody>
-          <a:bodyPr rtlCol="0" anchor="ctr"/>
-          <a:lstStyle/>
-          <a:p>
-            <a:pPr algn="ctr"/>
-            <a:r>
-              <a:rPr lang="en-US" sz="1400" dirty="0" err="1" smtClean="0"/>
-              <a:t>Hypergeometric</a:t>
-            </a:r>
-            <a:endParaRPr lang="en-US" sz="1400" dirty="0"/>
-          </a:p>
-        </p:txBody>
-      </p:sp>
-      <p:cxnSp>
-        <p:nvCxnSpPr>
-          <p:cNvPr id="18" name="Elbow Connector 17"/>
-          <p:cNvCxnSpPr>
-            <a:stCxn id="4" idx="1"/>
-            <a:endCxn id="14" idx="0"/>
-          </p:cNvCxnSpPr>
-          <p:nvPr/>
-        </p:nvCxnSpPr>
-        <p:spPr>
-          <a:xfrm rot="10800000" flipV="1">
-            <a:off x="863588" y="3609020"/>
-            <a:ext cx="108012" cy="756084"/>
-          </a:xfrm>
-          <a:prstGeom prst="bentConnector2">
-            <a:avLst/>
-          </a:prstGeom>
-          <a:ln>
-            <a:headEnd type="arrow"/>
-            <a:tailEnd type="arrow"/>
+              <a:t>R function</a:t>
+            </a:r>
+          </a:p>
+          <a:p>
+            <a:pPr lvl="1"/>
+            <a:r>
+              <a:rPr lang="en-US" dirty="0" err="1" smtClean="0"/>
+              <a:t>dchisq</a:t>
+            </a:r>
+            <a:r>
+              <a:rPr lang="en-US" dirty="0" smtClean="0"/>
+              <a:t>(x, </a:t>
+            </a:r>
+            <a:r>
+              <a:rPr lang="en-US" dirty="0" err="1" smtClean="0"/>
+              <a:t>df</a:t>
+            </a:r>
+            <a:r>
+              <a:rPr lang="en-US" dirty="0" smtClean="0"/>
+              <a:t>, </a:t>
+            </a:r>
+            <a:r>
+              <a:rPr lang="en-US" dirty="0" err="1" smtClean="0"/>
+              <a:t>ncp</a:t>
+            </a:r>
+            <a:r>
+              <a:rPr lang="en-US" dirty="0" smtClean="0"/>
+              <a:t> = 0, log = FALSE)</a:t>
+            </a:r>
+          </a:p>
+          <a:p>
+            <a:pPr lvl="1"/>
+            <a:r>
+              <a:rPr lang="en-US" dirty="0" err="1" smtClean="0"/>
+              <a:t>pchisq</a:t>
+            </a:r>
+            <a:r>
+              <a:rPr lang="en-US" dirty="0" smtClean="0"/>
+              <a:t>(q, </a:t>
+            </a:r>
+            <a:r>
+              <a:rPr lang="en-US" dirty="0" err="1" smtClean="0"/>
+              <a:t>df</a:t>
+            </a:r>
+            <a:r>
+              <a:rPr lang="en-US" dirty="0" smtClean="0"/>
+              <a:t>, </a:t>
+            </a:r>
+            <a:r>
+              <a:rPr lang="en-US" dirty="0" err="1" smtClean="0"/>
+              <a:t>ncp</a:t>
+            </a:r>
+            <a:r>
+              <a:rPr lang="en-US" dirty="0" smtClean="0"/>
+              <a:t> = 0, </a:t>
+            </a:r>
+            <a:r>
+              <a:rPr lang="en-US" dirty="0" err="1" smtClean="0"/>
+              <a:t>lower.tail</a:t>
+            </a:r>
+            <a:r>
+              <a:rPr lang="en-US" dirty="0" smtClean="0"/>
+              <a:t> = TRUE, </a:t>
+            </a:r>
+            <a:r>
+              <a:rPr lang="en-US" dirty="0" err="1" smtClean="0"/>
+              <a:t>log.p</a:t>
+            </a:r>
+            <a:r>
+              <a:rPr lang="en-US" dirty="0" smtClean="0"/>
+              <a:t> = FALSE)</a:t>
+            </a:r>
+          </a:p>
+          <a:p>
+            <a:pPr lvl="1"/>
+            <a:r>
+              <a:rPr lang="en-US" dirty="0" err="1" smtClean="0"/>
+              <a:t>qchisq</a:t>
+            </a:r>
+            <a:r>
+              <a:rPr lang="en-US" dirty="0" smtClean="0"/>
+              <a:t>(p, </a:t>
+            </a:r>
+            <a:r>
+              <a:rPr lang="en-US" dirty="0" err="1" smtClean="0"/>
+              <a:t>df</a:t>
+            </a:r>
+            <a:r>
+              <a:rPr lang="en-US" dirty="0" smtClean="0"/>
+              <a:t>, </a:t>
+            </a:r>
+            <a:r>
+              <a:rPr lang="en-US" dirty="0" err="1" smtClean="0"/>
+              <a:t>ncp</a:t>
+            </a:r>
+            <a:r>
+              <a:rPr lang="en-US" dirty="0" smtClean="0"/>
+              <a:t> = 0, </a:t>
+            </a:r>
+            <a:r>
+              <a:rPr lang="en-US" dirty="0" err="1" smtClean="0"/>
+              <a:t>lower.tail</a:t>
+            </a:r>
+            <a:r>
+              <a:rPr lang="en-US" dirty="0" smtClean="0"/>
+              <a:t> = TRUE, </a:t>
+            </a:r>
+            <a:r>
+              <a:rPr lang="en-US" dirty="0" err="1" smtClean="0"/>
+              <a:t>log.p</a:t>
+            </a:r>
+            <a:r>
+              <a:rPr lang="en-US" dirty="0" smtClean="0"/>
+              <a:t> = FALSE)</a:t>
+            </a:r>
+          </a:p>
+          <a:p>
+            <a:pPr lvl="1"/>
+            <a:r>
+              <a:rPr lang="en-US" dirty="0" err="1" smtClean="0"/>
+              <a:t>rchisq</a:t>
+            </a:r>
+            <a:r>
+              <a:rPr lang="en-US" dirty="0" smtClean="0"/>
+              <a:t>(n, </a:t>
+            </a:r>
+            <a:r>
+              <a:rPr lang="en-US" dirty="0" err="1" smtClean="0"/>
+              <a:t>df</a:t>
+            </a:r>
+            <a:r>
+              <a:rPr lang="en-US" dirty="0" smtClean="0"/>
+              <a:t>, </a:t>
+            </a:r>
+            <a:r>
+              <a:rPr lang="en-US" dirty="0" err="1" smtClean="0"/>
+              <a:t>ncp</a:t>
+            </a:r>
+            <a:r>
+              <a:rPr lang="en-US" dirty="0" smtClean="0"/>
+              <a:t> = 0)</a:t>
+            </a:r>
+          </a:p>
+        </p:txBody>
+      </p:sp>
+      <p:pic>
+        <p:nvPicPr>
+          <p:cNvPr id="40962" name="Picture 2"/>
+          <p:cNvPicPr>
+            <a:picLocks noChangeAspect="1" noChangeArrowheads="1"/>
+          </p:cNvPicPr>
+          <p:nvPr/>
+        </p:nvPicPr>
+        <p:blipFill>
+          <a:blip r:embed="rId2" cstate="print"/>
+          <a:srcRect/>
+          <a:stretch>
+            <a:fillRect/>
+          </a:stretch>
+        </p:blipFill>
+        <p:spPr bwMode="auto">
+          <a:xfrm>
+            <a:off x="467544" y="4653136"/>
+            <a:ext cx="4010025" cy="1990725"/>
+          </a:xfrm>
+          <a:prstGeom prst="rect">
+            <a:avLst/>
+          </a:prstGeom>
+          <a:noFill/>
+          <a:ln w="9525">
+            <a:noFill/>
+            <a:miter lim="800000"/>
+            <a:headEnd/>
+            <a:tailEnd/>
           </a:ln>
         </p:spPr>
-        <p:style>
-          <a:lnRef idx="1">
-            <a:schemeClr val="accent1"/>
-          </a:lnRef>
-          <a:fillRef idx="0">
-            <a:schemeClr val="accent1"/>
-          </a:fillRef>
-          <a:effectRef idx="0">
-            <a:schemeClr val="accent1"/>
-          </a:effectRef>
-          <a:fontRef idx="minor">
-            <a:schemeClr val="tx1"/>
-          </a:fontRef>
-        </p:style>
-      </p:cxnSp>
-      <p:cxnSp>
-        <p:nvCxnSpPr>
-          <p:cNvPr id="20" name="Elbow Connector 19"/>
-          <p:cNvCxnSpPr>
-            <a:stCxn id="4" idx="3"/>
-            <a:endCxn id="5" idx="0"/>
-          </p:cNvCxnSpPr>
-          <p:nvPr/>
-        </p:nvCxnSpPr>
-        <p:spPr>
-          <a:xfrm>
-            <a:off x="2339752" y="3609020"/>
-            <a:ext cx="108012" cy="756084"/>
-          </a:xfrm>
-          <a:prstGeom prst="bentConnector2">
-            <a:avLst/>
-          </a:prstGeom>
-          <a:ln>
-            <a:headEnd type="arrow"/>
-            <a:tailEnd type="arrow"/>
-          </a:ln>
-        </p:spPr>
-        <p:style>
-          <a:lnRef idx="1">
-            <a:schemeClr val="accent1"/>
-          </a:lnRef>
-          <a:fillRef idx="0">
-            <a:schemeClr val="accent1"/>
-          </a:fillRef>
-          <a:effectRef idx="0">
-            <a:schemeClr val="accent1"/>
-          </a:effectRef>
-          <a:fontRef idx="minor">
-            <a:schemeClr val="tx1"/>
-          </a:fontRef>
-        </p:style>
-      </p:cxnSp>
-      <p:cxnSp>
-        <p:nvCxnSpPr>
-          <p:cNvPr id="24" name="Straight Arrow Connector 23"/>
-          <p:cNvCxnSpPr>
-            <a:stCxn id="14" idx="3"/>
-            <a:endCxn id="5" idx="1"/>
-          </p:cNvCxnSpPr>
-          <p:nvPr/>
-        </p:nvCxnSpPr>
-        <p:spPr>
-          <a:xfrm>
-            <a:off x="1547664" y="4617132"/>
-            <a:ext cx="216024" cy="0"/>
-          </a:xfrm>
-          <a:prstGeom prst="straightConnector1">
-            <a:avLst/>
-          </a:prstGeom>
-          <a:ln>
-            <a:headEnd type="arrow"/>
-            <a:tailEnd type="arrow"/>
-          </a:ln>
-        </p:spPr>
-        <p:style>
-          <a:lnRef idx="1">
-            <a:schemeClr val="accent1"/>
-          </a:lnRef>
-          <a:fillRef idx="0">
-            <a:schemeClr val="accent1"/>
-          </a:fillRef>
-          <a:effectRef idx="0">
-            <a:schemeClr val="accent1"/>
-          </a:effectRef>
-          <a:fontRef idx="minor">
-            <a:schemeClr val="tx1"/>
-          </a:fontRef>
-        </p:style>
-      </p:cxnSp>
-      <p:cxnSp>
-        <p:nvCxnSpPr>
-          <p:cNvPr id="26" name="Straight Arrow Connector 25"/>
-          <p:cNvCxnSpPr>
-            <a:stCxn id="6" idx="3"/>
-            <a:endCxn id="9" idx="1"/>
-          </p:cNvCxnSpPr>
-          <p:nvPr/>
-        </p:nvCxnSpPr>
-        <p:spPr>
-          <a:xfrm>
-            <a:off x="5148064" y="4617132"/>
-            <a:ext cx="216024" cy="0"/>
-          </a:xfrm>
-          <a:prstGeom prst="straightConnector1">
-            <a:avLst/>
-          </a:prstGeom>
-          <a:ln>
-            <a:headEnd type="arrow"/>
-            <a:tailEnd type="arrow"/>
-          </a:ln>
-        </p:spPr>
-        <p:style>
-          <a:lnRef idx="1">
-            <a:schemeClr val="accent1"/>
-          </a:lnRef>
-          <a:fillRef idx="0">
-            <a:schemeClr val="accent1"/>
-          </a:fillRef>
-          <a:effectRef idx="0">
-            <a:schemeClr val="accent1"/>
-          </a:effectRef>
-          <a:fontRef idx="minor">
-            <a:schemeClr val="tx1"/>
-          </a:fontRef>
-        </p:style>
-      </p:cxnSp>
-      <p:cxnSp>
-        <p:nvCxnSpPr>
-          <p:cNvPr id="28" name="Shape 27"/>
-          <p:cNvCxnSpPr>
-            <a:stCxn id="7" idx="1"/>
-            <a:endCxn id="6" idx="0"/>
-          </p:cNvCxnSpPr>
-          <p:nvPr/>
-        </p:nvCxnSpPr>
-        <p:spPr>
-          <a:xfrm rot="10800000" flipV="1">
-            <a:off x="4463988" y="3609020"/>
-            <a:ext cx="108012" cy="756084"/>
-          </a:xfrm>
-          <a:prstGeom prst="bentConnector2">
-            <a:avLst/>
-          </a:prstGeom>
-          <a:ln>
-            <a:headEnd type="arrow"/>
-            <a:tailEnd type="arrow"/>
-          </a:ln>
-        </p:spPr>
-        <p:style>
-          <a:lnRef idx="1">
-            <a:schemeClr val="accent1"/>
-          </a:lnRef>
-          <a:fillRef idx="0">
-            <a:schemeClr val="accent1"/>
-          </a:fillRef>
-          <a:effectRef idx="0">
-            <a:schemeClr val="accent1"/>
-          </a:effectRef>
-          <a:fontRef idx="minor">
-            <a:schemeClr val="tx1"/>
-          </a:fontRef>
-        </p:style>
-      </p:cxnSp>
-      <p:cxnSp>
-        <p:nvCxnSpPr>
-          <p:cNvPr id="30" name="Shape 29"/>
-          <p:cNvCxnSpPr>
-            <a:stCxn id="7" idx="3"/>
-            <a:endCxn id="9" idx="0"/>
-          </p:cNvCxnSpPr>
-          <p:nvPr/>
-        </p:nvCxnSpPr>
-        <p:spPr>
-          <a:xfrm>
-            <a:off x="5940152" y="3609020"/>
-            <a:ext cx="108012" cy="756084"/>
-          </a:xfrm>
-          <a:prstGeom prst="bentConnector2">
-            <a:avLst/>
-          </a:prstGeom>
-          <a:ln>
-            <a:headEnd type="arrow"/>
-            <a:tailEnd type="arrow"/>
-          </a:ln>
-        </p:spPr>
-        <p:style>
-          <a:lnRef idx="1">
-            <a:schemeClr val="accent1"/>
-          </a:lnRef>
-          <a:fillRef idx="0">
-            <a:schemeClr val="accent1"/>
-          </a:fillRef>
-          <a:effectRef idx="0">
-            <a:schemeClr val="accent1"/>
-          </a:effectRef>
-          <a:fontRef idx="minor">
-            <a:schemeClr val="tx1"/>
-          </a:fontRef>
-        </p:style>
-      </p:cxnSp>
-      <p:cxnSp>
-        <p:nvCxnSpPr>
-          <p:cNvPr id="32" name="Straight Arrow Connector 31"/>
-          <p:cNvCxnSpPr>
-            <a:stCxn id="16" idx="2"/>
-            <a:endCxn id="4" idx="0"/>
-          </p:cNvCxnSpPr>
-          <p:nvPr/>
-        </p:nvCxnSpPr>
-        <p:spPr>
-          <a:xfrm>
-            <a:off x="1655676" y="2924944"/>
-            <a:ext cx="0" cy="432048"/>
-          </a:xfrm>
-          <a:prstGeom prst="straightConnector1">
-            <a:avLst/>
-          </a:prstGeom>
-          <a:ln>
-            <a:headEnd type="arrow"/>
-            <a:tailEnd type="arrow"/>
-          </a:ln>
-        </p:spPr>
-        <p:style>
-          <a:lnRef idx="1">
-            <a:schemeClr val="accent1"/>
-          </a:lnRef>
-          <a:fillRef idx="0">
-            <a:schemeClr val="accent1"/>
-          </a:fillRef>
-          <a:effectRef idx="0">
-            <a:schemeClr val="accent1"/>
-          </a:effectRef>
-          <a:fontRef idx="minor">
-            <a:schemeClr val="tx1"/>
-          </a:fontRef>
-        </p:style>
-      </p:cxnSp>
-      <p:cxnSp>
-        <p:nvCxnSpPr>
-          <p:cNvPr id="34" name="Straight Arrow Connector 33"/>
-          <p:cNvCxnSpPr>
-            <a:stCxn id="9" idx="2"/>
-            <a:endCxn id="10" idx="0"/>
-          </p:cNvCxnSpPr>
-          <p:nvPr/>
-        </p:nvCxnSpPr>
-        <p:spPr>
-          <a:xfrm>
-            <a:off x="6048164" y="4869160"/>
-            <a:ext cx="0" cy="432048"/>
-          </a:xfrm>
-          <a:prstGeom prst="straightConnector1">
-            <a:avLst/>
-          </a:prstGeom>
-          <a:ln>
-            <a:headEnd type="arrow"/>
-            <a:tailEnd type="arrow"/>
-          </a:ln>
-        </p:spPr>
-        <p:style>
-          <a:lnRef idx="1">
-            <a:schemeClr val="accent1"/>
-          </a:lnRef>
-          <a:fillRef idx="0">
-            <a:schemeClr val="accent1"/>
-          </a:fillRef>
-          <a:effectRef idx="0">
-            <a:schemeClr val="accent1"/>
-          </a:effectRef>
-          <a:fontRef idx="minor">
-            <a:schemeClr val="tx1"/>
-          </a:fontRef>
-        </p:style>
-      </p:cxnSp>
-      <p:cxnSp>
-        <p:nvCxnSpPr>
-          <p:cNvPr id="36" name="Straight Arrow Connector 35"/>
-          <p:cNvCxnSpPr>
-            <a:stCxn id="6" idx="2"/>
-            <a:endCxn id="15" idx="0"/>
-          </p:cNvCxnSpPr>
-          <p:nvPr/>
-        </p:nvCxnSpPr>
-        <p:spPr>
-          <a:xfrm>
-            <a:off x="4463988" y="4869160"/>
-            <a:ext cx="0" cy="432048"/>
-          </a:xfrm>
-          <a:prstGeom prst="straightConnector1">
-            <a:avLst/>
-          </a:prstGeom>
-          <a:ln>
-            <a:headEnd type="arrow"/>
-            <a:tailEnd type="arrow"/>
-          </a:ln>
-        </p:spPr>
-        <p:style>
-          <a:lnRef idx="1">
-            <a:schemeClr val="accent1"/>
-          </a:lnRef>
-          <a:fillRef idx="0">
-            <a:schemeClr val="accent1"/>
-          </a:fillRef>
-          <a:effectRef idx="0">
-            <a:schemeClr val="accent1"/>
-          </a:effectRef>
-          <a:fontRef idx="minor">
-            <a:schemeClr val="tx1"/>
-          </a:fontRef>
-        </p:style>
-      </p:cxnSp>
-      <p:cxnSp>
-        <p:nvCxnSpPr>
-          <p:cNvPr id="38" name="Straight Arrow Connector 37"/>
-          <p:cNvCxnSpPr>
-            <a:stCxn id="11" idx="2"/>
-            <a:endCxn id="12" idx="0"/>
-          </p:cNvCxnSpPr>
-          <p:nvPr/>
-        </p:nvCxnSpPr>
-        <p:spPr>
-          <a:xfrm>
-            <a:off x="7920372" y="3861048"/>
-            <a:ext cx="0" cy="504056"/>
-          </a:xfrm>
-          <a:prstGeom prst="straightConnector1">
-            <a:avLst/>
-          </a:prstGeom>
-          <a:ln>
-            <a:headEnd type="arrow"/>
-            <a:tailEnd type="arrow"/>
-          </a:ln>
-        </p:spPr>
-        <p:style>
-          <a:lnRef idx="1">
-            <a:schemeClr val="accent1"/>
-          </a:lnRef>
-          <a:fillRef idx="0">
-            <a:schemeClr val="accent1"/>
-          </a:fillRef>
-          <a:effectRef idx="0">
-            <a:schemeClr val="accent1"/>
-          </a:effectRef>
-          <a:fontRef idx="minor">
-            <a:schemeClr val="tx1"/>
-          </a:fontRef>
-        </p:style>
-      </p:cxnSp>
-      <p:sp>
-        <p:nvSpPr>
-          <p:cNvPr id="39" name="TextBox 38"/>
-          <p:cNvSpPr txBox="1"/>
-          <p:nvPr/>
-        </p:nvSpPr>
-        <p:spPr>
-          <a:xfrm>
-            <a:off x="1631858" y="2882214"/>
-            <a:ext cx="1685077" cy="230832"/>
-          </a:xfrm>
-          <a:prstGeom prst="rect">
-            <a:avLst/>
-          </a:prstGeom>
-          <a:noFill/>
-        </p:spPr>
-        <p:txBody>
-          <a:bodyPr wrap="none" rtlCol="0">
-            <a:spAutoFit/>
-          </a:bodyPr>
-          <a:lstStyle/>
-          <a:p>
-            <a:r>
-              <a:rPr lang="zh-TW" altLang="en-US" sz="900" dirty="0" smtClean="0"/>
-              <a:t>抽球不放回，抽第幾球的機率</a:t>
-            </a:r>
-            <a:endParaRPr lang="en-US" sz="900" dirty="0"/>
-          </a:p>
-        </p:txBody>
-      </p:sp>
-      <p:sp>
-        <p:nvSpPr>
-          <p:cNvPr id="40" name="TextBox 39"/>
-          <p:cNvSpPr txBox="1"/>
-          <p:nvPr/>
-        </p:nvSpPr>
-        <p:spPr>
-          <a:xfrm>
-            <a:off x="1619672" y="3166606"/>
-            <a:ext cx="1569660" cy="230832"/>
-          </a:xfrm>
-          <a:prstGeom prst="rect">
-            <a:avLst/>
-          </a:prstGeom>
-          <a:noFill/>
-        </p:spPr>
-        <p:txBody>
-          <a:bodyPr wrap="none" rtlCol="0">
-            <a:spAutoFit/>
-          </a:bodyPr>
-          <a:lstStyle/>
-          <a:p>
-            <a:r>
-              <a:rPr lang="zh-TW" altLang="en-US" sz="900" dirty="0" smtClean="0"/>
-              <a:t>抽球放回，抽第幾球的機率</a:t>
-            </a:r>
-            <a:endParaRPr lang="en-US" sz="900" dirty="0"/>
-          </a:p>
-        </p:txBody>
-      </p:sp>
-      <p:sp>
-        <p:nvSpPr>
-          <p:cNvPr id="41" name="TextBox 40"/>
-          <p:cNvSpPr txBox="1"/>
-          <p:nvPr/>
-        </p:nvSpPr>
-        <p:spPr>
-          <a:xfrm>
-            <a:off x="4442500" y="3140968"/>
-            <a:ext cx="1569660" cy="230832"/>
-          </a:xfrm>
-          <a:prstGeom prst="rect">
-            <a:avLst/>
-          </a:prstGeom>
-          <a:noFill/>
-        </p:spPr>
-        <p:txBody>
-          <a:bodyPr wrap="none" rtlCol="0">
-            <a:spAutoFit/>
-          </a:bodyPr>
-          <a:lstStyle/>
-          <a:p>
-            <a:r>
-              <a:rPr lang="zh-TW" altLang="en-US" sz="900" dirty="0" smtClean="0"/>
-              <a:t>抽球放回，抽第幾球的時間</a:t>
-            </a:r>
-            <a:endParaRPr lang="en-US" sz="900" dirty="0"/>
-          </a:p>
-        </p:txBody>
-      </p:sp>
-      <p:sp>
-        <p:nvSpPr>
-          <p:cNvPr id="42" name="TextBox 41"/>
-          <p:cNvSpPr txBox="1"/>
-          <p:nvPr/>
-        </p:nvSpPr>
-        <p:spPr>
-          <a:xfrm>
-            <a:off x="107505" y="4005064"/>
-            <a:ext cx="1584176" cy="369332"/>
-          </a:xfrm>
-          <a:prstGeom prst="rect">
-            <a:avLst/>
-          </a:prstGeom>
-          <a:noFill/>
-        </p:spPr>
-        <p:txBody>
-          <a:bodyPr wrap="square" rtlCol="0">
-            <a:spAutoFit/>
-          </a:bodyPr>
-          <a:lstStyle/>
-          <a:p>
-            <a:r>
-              <a:rPr lang="zh-TW" altLang="en-US" sz="900" dirty="0" smtClean="0"/>
-              <a:t>事件第一次發生，共需試幾次的機率</a:t>
-            </a:r>
-            <a:endParaRPr lang="en-US" sz="900" dirty="0"/>
-          </a:p>
-        </p:txBody>
-      </p:sp>
-      <p:sp>
-        <p:nvSpPr>
-          <p:cNvPr id="43" name="TextBox 42"/>
-          <p:cNvSpPr txBox="1"/>
-          <p:nvPr/>
-        </p:nvSpPr>
-        <p:spPr>
-          <a:xfrm>
-            <a:off x="1691680" y="4005064"/>
-            <a:ext cx="1584176" cy="369332"/>
-          </a:xfrm>
-          <a:prstGeom prst="rect">
-            <a:avLst/>
-          </a:prstGeom>
-          <a:noFill/>
-        </p:spPr>
-        <p:txBody>
-          <a:bodyPr wrap="square" rtlCol="0">
-            <a:spAutoFit/>
-          </a:bodyPr>
-          <a:lstStyle/>
-          <a:p>
-            <a:r>
-              <a:rPr lang="zh-TW" altLang="en-US" sz="900" dirty="0" smtClean="0"/>
-              <a:t>事件第</a:t>
-            </a:r>
-            <a:r>
-              <a:rPr lang="en-US" altLang="zh-TW" sz="900" dirty="0" smtClean="0"/>
-              <a:t>k</a:t>
-            </a:r>
-            <a:r>
-              <a:rPr lang="zh-TW" altLang="en-US" sz="900" dirty="0" smtClean="0"/>
-              <a:t>次發生，共需試幾次的機率</a:t>
-            </a:r>
-            <a:endParaRPr lang="en-US" sz="900" dirty="0"/>
-          </a:p>
-        </p:txBody>
-      </p:sp>
-      <p:sp>
-        <p:nvSpPr>
-          <p:cNvPr id="44" name="TextBox 43"/>
-          <p:cNvSpPr txBox="1"/>
-          <p:nvPr/>
-        </p:nvSpPr>
-        <p:spPr>
-          <a:xfrm>
-            <a:off x="3707905" y="4005064"/>
-            <a:ext cx="1584176" cy="369332"/>
-          </a:xfrm>
-          <a:prstGeom prst="rect">
-            <a:avLst/>
-          </a:prstGeom>
-          <a:noFill/>
-        </p:spPr>
-        <p:txBody>
-          <a:bodyPr wrap="square" rtlCol="0">
-            <a:spAutoFit/>
-          </a:bodyPr>
-          <a:lstStyle/>
-          <a:p>
-            <a:r>
-              <a:rPr lang="zh-TW" altLang="en-US" sz="900" dirty="0" smtClean="0"/>
-              <a:t>事件第一次發生，共需時間的機率</a:t>
-            </a:r>
-            <a:endParaRPr lang="en-US" sz="900" dirty="0"/>
-          </a:p>
-        </p:txBody>
-      </p:sp>
-      <p:sp>
-        <p:nvSpPr>
-          <p:cNvPr id="45" name="TextBox 44"/>
-          <p:cNvSpPr txBox="1"/>
-          <p:nvPr/>
-        </p:nvSpPr>
-        <p:spPr>
-          <a:xfrm>
-            <a:off x="5292080" y="4005064"/>
-            <a:ext cx="1584176" cy="369332"/>
-          </a:xfrm>
-          <a:prstGeom prst="rect">
-            <a:avLst/>
-          </a:prstGeom>
-          <a:noFill/>
-        </p:spPr>
-        <p:txBody>
-          <a:bodyPr wrap="square" rtlCol="0">
-            <a:spAutoFit/>
-          </a:bodyPr>
-          <a:lstStyle/>
-          <a:p>
-            <a:r>
-              <a:rPr lang="zh-TW" altLang="en-US" sz="900" dirty="0" smtClean="0"/>
-              <a:t>事件第</a:t>
-            </a:r>
-            <a:r>
-              <a:rPr lang="en-US" altLang="zh-TW" sz="900" dirty="0" smtClean="0"/>
-              <a:t>k</a:t>
-            </a:r>
-            <a:r>
-              <a:rPr lang="zh-TW" altLang="en-US" sz="900" dirty="0" smtClean="0"/>
-              <a:t>次發生，共需時間的機率</a:t>
-            </a:r>
-            <a:endParaRPr lang="en-US" sz="900" dirty="0"/>
-          </a:p>
-        </p:txBody>
-      </p:sp>
-      <p:sp>
-        <p:nvSpPr>
-          <p:cNvPr id="46" name="TextBox 45"/>
-          <p:cNvSpPr txBox="1"/>
-          <p:nvPr/>
-        </p:nvSpPr>
-        <p:spPr>
-          <a:xfrm>
-            <a:off x="3779912" y="4834976"/>
-            <a:ext cx="864096" cy="230832"/>
-          </a:xfrm>
-          <a:prstGeom prst="rect">
-            <a:avLst/>
-          </a:prstGeom>
-          <a:noFill/>
-        </p:spPr>
-        <p:txBody>
-          <a:bodyPr wrap="square" rtlCol="0">
-            <a:spAutoFit/>
-          </a:bodyPr>
-          <a:lstStyle/>
-          <a:p>
-            <a:r>
-              <a:rPr lang="en-US" sz="900" dirty="0" err="1" smtClean="0"/>
-              <a:t>memoryless</a:t>
-            </a:r>
-            <a:endParaRPr lang="en-US" sz="900" dirty="0"/>
-          </a:p>
-        </p:txBody>
-      </p:sp>
-      <p:sp>
-        <p:nvSpPr>
-          <p:cNvPr id="47" name="TextBox 46"/>
-          <p:cNvSpPr txBox="1"/>
-          <p:nvPr/>
-        </p:nvSpPr>
-        <p:spPr>
-          <a:xfrm>
-            <a:off x="3779912" y="5125292"/>
-            <a:ext cx="1296144" cy="230832"/>
-          </a:xfrm>
-          <a:prstGeom prst="rect">
-            <a:avLst/>
-          </a:prstGeom>
-          <a:noFill/>
-        </p:spPr>
-        <p:txBody>
-          <a:bodyPr wrap="square" rtlCol="0">
-            <a:spAutoFit/>
-          </a:bodyPr>
-          <a:lstStyle/>
-          <a:p>
-            <a:r>
-              <a:rPr lang="en-US" sz="900" dirty="0" smtClean="0"/>
-              <a:t>without </a:t>
-            </a:r>
-            <a:r>
-              <a:rPr lang="en-US" sz="900" dirty="0" err="1" smtClean="0"/>
-              <a:t>memoryless</a:t>
-            </a:r>
-            <a:endParaRPr lang="en-US" sz="900" dirty="0"/>
-          </a:p>
-        </p:txBody>
-      </p:sp>
-      <p:sp>
-        <p:nvSpPr>
-          <p:cNvPr id="48" name="TextBox 47"/>
-          <p:cNvSpPr txBox="1"/>
-          <p:nvPr/>
-        </p:nvSpPr>
-        <p:spPr>
-          <a:xfrm>
-            <a:off x="5364088" y="4834976"/>
-            <a:ext cx="1296144" cy="230832"/>
-          </a:xfrm>
-          <a:prstGeom prst="rect">
-            <a:avLst/>
-          </a:prstGeom>
-          <a:noFill/>
-        </p:spPr>
-        <p:txBody>
-          <a:bodyPr wrap="square" rtlCol="0">
-            <a:spAutoFit/>
-          </a:bodyPr>
-          <a:lstStyle/>
-          <a:p>
-            <a:r>
-              <a:rPr lang="en-US" sz="900" dirty="0" smtClean="0"/>
-              <a:t>From Gamma function</a:t>
-            </a:r>
-            <a:endParaRPr lang="en-US" sz="900" dirty="0"/>
-          </a:p>
-        </p:txBody>
-      </p:sp>
-      <p:sp>
-        <p:nvSpPr>
-          <p:cNvPr id="49" name="TextBox 48"/>
-          <p:cNvSpPr txBox="1"/>
-          <p:nvPr/>
-        </p:nvSpPr>
-        <p:spPr>
-          <a:xfrm>
-            <a:off x="5364088" y="5125292"/>
-            <a:ext cx="1296144" cy="230832"/>
-          </a:xfrm>
-          <a:prstGeom prst="rect">
-            <a:avLst/>
-          </a:prstGeom>
-          <a:noFill/>
-        </p:spPr>
-        <p:txBody>
-          <a:bodyPr wrap="square" rtlCol="0">
-            <a:spAutoFit/>
-          </a:bodyPr>
-          <a:lstStyle/>
-          <a:p>
-            <a:r>
-              <a:rPr lang="en-US" sz="900" dirty="0" smtClean="0"/>
-              <a:t>From Beta function</a:t>
-            </a:r>
-            <a:endParaRPr lang="en-US" sz="900" dirty="0"/>
-          </a:p>
-        </p:txBody>
-      </p:sp>
-      <p:sp>
-        <p:nvSpPr>
-          <p:cNvPr id="50" name="TextBox 49"/>
-          <p:cNvSpPr txBox="1"/>
-          <p:nvPr/>
-        </p:nvSpPr>
-        <p:spPr>
-          <a:xfrm>
-            <a:off x="7092280" y="3861048"/>
-            <a:ext cx="1584176" cy="230832"/>
-          </a:xfrm>
-          <a:prstGeom prst="rect">
-            <a:avLst/>
-          </a:prstGeom>
-          <a:noFill/>
-        </p:spPr>
-        <p:txBody>
-          <a:bodyPr wrap="square" rtlCol="0">
-            <a:spAutoFit/>
-          </a:bodyPr>
-          <a:lstStyle/>
-          <a:p>
-            <a:r>
-              <a:rPr lang="zh-TW" altLang="en-US" sz="900" dirty="0" smtClean="0"/>
-              <a:t>自然界常出現，鐘型</a:t>
-            </a:r>
-            <a:endParaRPr lang="en-US" sz="900" dirty="0"/>
-          </a:p>
-        </p:txBody>
-      </p:sp>
-      <p:sp>
-        <p:nvSpPr>
-          <p:cNvPr id="51" name="TextBox 50"/>
-          <p:cNvSpPr txBox="1"/>
-          <p:nvPr/>
-        </p:nvSpPr>
-        <p:spPr>
-          <a:xfrm>
-            <a:off x="7092280" y="4174718"/>
-            <a:ext cx="1584176" cy="230832"/>
-          </a:xfrm>
-          <a:prstGeom prst="rect">
-            <a:avLst/>
-          </a:prstGeom>
-          <a:noFill/>
-        </p:spPr>
-        <p:txBody>
-          <a:bodyPr wrap="square" rtlCol="0">
-            <a:spAutoFit/>
-          </a:bodyPr>
-          <a:lstStyle/>
-          <a:p>
-            <a:r>
-              <a:rPr lang="zh-TW" altLang="en-US" sz="900" dirty="0" smtClean="0"/>
-              <a:t>與</a:t>
-            </a:r>
-            <a:r>
-              <a:rPr lang="en-US" altLang="zh-TW" sz="900" dirty="0" smtClean="0"/>
-              <a:t>Normal</a:t>
-            </a:r>
-            <a:r>
-              <a:rPr lang="zh-TW" altLang="en-US" sz="900" dirty="0" smtClean="0"/>
-              <a:t>對應，有長尾</a:t>
-            </a:r>
-            <a:endParaRPr lang="en-US" altLang="zh-TW" sz="900" dirty="0" smtClean="0"/>
-          </a:p>
-        </p:txBody>
-      </p:sp>
-      <p:sp>
-        <p:nvSpPr>
-          <p:cNvPr id="52" name="TextBox 51"/>
-          <p:cNvSpPr txBox="1"/>
-          <p:nvPr/>
-        </p:nvSpPr>
-        <p:spPr>
-          <a:xfrm>
-            <a:off x="7092280" y="2852936"/>
-            <a:ext cx="1584176" cy="230832"/>
-          </a:xfrm>
-          <a:prstGeom prst="rect">
-            <a:avLst/>
-          </a:prstGeom>
-          <a:noFill/>
-        </p:spPr>
-        <p:txBody>
-          <a:bodyPr wrap="square" rtlCol="0">
-            <a:spAutoFit/>
-          </a:bodyPr>
-          <a:lstStyle/>
-          <a:p>
-            <a:r>
-              <a:rPr lang="zh-TW" altLang="en-US" sz="900" dirty="0" smtClean="0">
-                <a:sym typeface="Symbol"/>
-              </a:rPr>
-              <a:t>和兩值間機率均勻分布</a:t>
-            </a:r>
-            <a:endParaRPr lang="en-US" sz="900" dirty="0"/>
-          </a:p>
-        </p:txBody>
-      </p:sp>
-      <p:sp>
-        <p:nvSpPr>
-          <p:cNvPr id="53" name="Rectangle 52"/>
-          <p:cNvSpPr/>
-          <p:nvPr/>
-        </p:nvSpPr>
-        <p:spPr>
-          <a:xfrm>
-            <a:off x="179512" y="980728"/>
-            <a:ext cx="288032" cy="288032"/>
-          </a:xfrm>
-          <a:prstGeom prst="rect">
-            <a:avLst/>
-          </a:prstGeom>
-        </p:spPr>
-        <p:style>
-          <a:lnRef idx="1">
-            <a:schemeClr val="accent1"/>
-          </a:lnRef>
-          <a:fillRef idx="2">
-            <a:schemeClr val="accent1"/>
-          </a:fillRef>
-          <a:effectRef idx="1">
-            <a:schemeClr val="accent1"/>
-          </a:effectRef>
-          <a:fontRef idx="minor">
-            <a:schemeClr val="dk1"/>
-          </a:fontRef>
-        </p:style>
-        <p:txBody>
-          <a:bodyPr rtlCol="0" anchor="ctr"/>
-          <a:lstStyle/>
-          <a:p>
-            <a:pPr algn="ctr"/>
-            <a:endParaRPr lang="en-US" sz="1400" dirty="0"/>
-          </a:p>
-        </p:txBody>
-      </p:sp>
-      <p:sp>
-        <p:nvSpPr>
-          <p:cNvPr id="54" name="Rectangle 53"/>
-          <p:cNvSpPr/>
-          <p:nvPr/>
-        </p:nvSpPr>
-        <p:spPr>
-          <a:xfrm>
-            <a:off x="179512" y="1340768"/>
-            <a:ext cx="288032" cy="288032"/>
-          </a:xfrm>
-          <a:prstGeom prst="rect">
-            <a:avLst/>
-          </a:prstGeom>
-        </p:spPr>
-        <p:style>
-          <a:lnRef idx="1">
-            <a:schemeClr val="accent5"/>
-          </a:lnRef>
-          <a:fillRef idx="2">
-            <a:schemeClr val="accent5"/>
-          </a:fillRef>
-          <a:effectRef idx="1">
-            <a:schemeClr val="accent5"/>
-          </a:effectRef>
-          <a:fontRef idx="minor">
-            <a:schemeClr val="dk1"/>
-          </a:fontRef>
-        </p:style>
-        <p:txBody>
-          <a:bodyPr rtlCol="0" anchor="ctr"/>
-          <a:lstStyle/>
-          <a:p>
-            <a:pPr algn="ctr"/>
-            <a:endParaRPr lang="en-US" sz="1400" dirty="0"/>
-          </a:p>
-        </p:txBody>
-      </p:sp>
-      <p:sp>
-        <p:nvSpPr>
-          <p:cNvPr id="55" name="TextBox 54"/>
-          <p:cNvSpPr txBox="1"/>
-          <p:nvPr/>
-        </p:nvSpPr>
-        <p:spPr>
-          <a:xfrm>
-            <a:off x="539552" y="946544"/>
-            <a:ext cx="948978" cy="369332"/>
-          </a:xfrm>
-          <a:prstGeom prst="rect">
-            <a:avLst/>
-          </a:prstGeom>
-          <a:noFill/>
-        </p:spPr>
-        <p:txBody>
-          <a:bodyPr wrap="none" rtlCol="0">
-            <a:spAutoFit/>
-          </a:bodyPr>
-          <a:lstStyle/>
-          <a:p>
-            <a:r>
-              <a:rPr lang="en-US" altLang="zh-TW" dirty="0" smtClean="0"/>
-              <a:t>Discrete</a:t>
-            </a:r>
-            <a:endParaRPr lang="en-US" dirty="0"/>
-          </a:p>
-        </p:txBody>
-      </p:sp>
-      <p:sp>
-        <p:nvSpPr>
-          <p:cNvPr id="56" name="TextBox 55"/>
-          <p:cNvSpPr txBox="1"/>
-          <p:nvPr/>
-        </p:nvSpPr>
-        <p:spPr>
-          <a:xfrm>
-            <a:off x="539552" y="1294398"/>
-            <a:ext cx="1256562" cy="369332"/>
-          </a:xfrm>
-          <a:prstGeom prst="rect">
-            <a:avLst/>
-          </a:prstGeom>
-          <a:noFill/>
-        </p:spPr>
-        <p:txBody>
-          <a:bodyPr wrap="none" rtlCol="0">
-            <a:spAutoFit/>
-          </a:bodyPr>
-          <a:lstStyle/>
-          <a:p>
-            <a:r>
-              <a:rPr lang="en-US" altLang="zh-TW" dirty="0" smtClean="0"/>
-              <a:t>Continuous</a:t>
-            </a:r>
-            <a:endParaRPr lang="en-US" dirty="0"/>
-          </a:p>
-        </p:txBody>
-      </p:sp>
-      <p:sp>
-        <p:nvSpPr>
-          <p:cNvPr id="57" name="Rectangle 56"/>
-          <p:cNvSpPr/>
-          <p:nvPr/>
-        </p:nvSpPr>
-        <p:spPr>
-          <a:xfrm>
-            <a:off x="107504" y="3140968"/>
-            <a:ext cx="3096344" cy="2016224"/>
-          </a:xfrm>
-          <a:prstGeom prst="rect">
-            <a:avLst/>
-          </a:prstGeom>
-          <a:noFill/>
-          <a:ln>
-            <a:solidFill>
-              <a:schemeClr val="bg1">
-                <a:lumMod val="65000"/>
-              </a:schemeClr>
-            </a:solidFill>
-            <a:prstDash val="dash"/>
-          </a:ln>
-        </p:spPr>
-        <p:style>
-          <a:lnRef idx="2">
-            <a:schemeClr val="accent1">
-              <a:shade val="50000"/>
-            </a:schemeClr>
-          </a:lnRef>
-          <a:fillRef idx="1">
-            <a:schemeClr val="accent1"/>
-          </a:fillRef>
-          <a:effectRef idx="0">
-            <a:schemeClr val="accent1"/>
-          </a:effectRef>
-          <a:fontRef idx="minor">
-            <a:schemeClr val="lt1"/>
-          </a:fontRef>
-        </p:style>
-        <p:txBody>
-          <a:bodyPr rtlCol="0" anchor="ctr"/>
-          <a:lstStyle/>
-          <a:p>
-            <a:pPr algn="ctr"/>
-            <a:endParaRPr lang="en-US"/>
-          </a:p>
-        </p:txBody>
-      </p:sp>
-      <p:sp>
-        <p:nvSpPr>
-          <p:cNvPr id="58" name="Rectangle 57"/>
-          <p:cNvSpPr/>
-          <p:nvPr/>
-        </p:nvSpPr>
-        <p:spPr>
-          <a:xfrm>
-            <a:off x="3707904" y="3140968"/>
-            <a:ext cx="3096344" cy="2016224"/>
-          </a:xfrm>
-          <a:prstGeom prst="rect">
-            <a:avLst/>
-          </a:prstGeom>
-          <a:noFill/>
-          <a:ln>
-            <a:solidFill>
-              <a:schemeClr val="bg1">
-                <a:lumMod val="65000"/>
-              </a:schemeClr>
-            </a:solidFill>
-            <a:prstDash val="dash"/>
-          </a:ln>
-        </p:spPr>
-        <p:style>
-          <a:lnRef idx="2">
-            <a:schemeClr val="accent1">
-              <a:shade val="50000"/>
-            </a:schemeClr>
-          </a:lnRef>
-          <a:fillRef idx="1">
-            <a:schemeClr val="accent1"/>
-          </a:fillRef>
-          <a:effectRef idx="0">
-            <a:schemeClr val="accent1"/>
-          </a:effectRef>
-          <a:fontRef idx="minor">
-            <a:schemeClr val="lt1"/>
-          </a:fontRef>
-        </p:style>
-        <p:txBody>
-          <a:bodyPr rtlCol="0" anchor="ctr"/>
-          <a:lstStyle/>
-          <a:p>
-            <a:pPr algn="ctr"/>
-            <a:endParaRPr lang="en-US"/>
-          </a:p>
-        </p:txBody>
-      </p:sp>
-      <p:sp>
-        <p:nvSpPr>
-          <p:cNvPr id="59" name="TextBox 58"/>
-          <p:cNvSpPr txBox="1"/>
-          <p:nvPr/>
-        </p:nvSpPr>
-        <p:spPr>
-          <a:xfrm>
-            <a:off x="3275856" y="3717032"/>
-            <a:ext cx="364202" cy="954107"/>
-          </a:xfrm>
-          <a:prstGeom prst="rect">
-            <a:avLst/>
-          </a:prstGeom>
-          <a:noFill/>
-        </p:spPr>
-        <p:txBody>
-          <a:bodyPr wrap="none" rtlCol="0">
-            <a:spAutoFit/>
-          </a:bodyPr>
-          <a:lstStyle/>
-          <a:p>
-            <a:r>
-              <a:rPr lang="zh-TW" altLang="en-US" sz="1400" dirty="0" smtClean="0">
-                <a:solidFill>
-                  <a:schemeClr val="bg1">
-                    <a:lumMod val="65000"/>
-                  </a:schemeClr>
-                </a:solidFill>
-              </a:rPr>
-              <a:t>隨</a:t>
-            </a:r>
-            <a:endParaRPr lang="en-US" altLang="zh-TW" sz="1400" dirty="0" smtClean="0">
-              <a:solidFill>
-                <a:schemeClr val="bg1">
-                  <a:lumMod val="65000"/>
-                </a:schemeClr>
-              </a:solidFill>
-            </a:endParaRPr>
-          </a:p>
-          <a:p>
-            <a:r>
-              <a:rPr lang="zh-TW" altLang="en-US" sz="1400" dirty="0" smtClean="0">
-                <a:solidFill>
-                  <a:schemeClr val="bg1">
-                    <a:lumMod val="65000"/>
-                  </a:schemeClr>
-                </a:solidFill>
-              </a:rPr>
-              <a:t>機</a:t>
-            </a:r>
-            <a:endParaRPr lang="en-US" altLang="zh-TW" sz="1400" dirty="0" smtClean="0">
-              <a:solidFill>
-                <a:schemeClr val="bg1">
-                  <a:lumMod val="65000"/>
-                </a:schemeClr>
-              </a:solidFill>
-            </a:endParaRPr>
-          </a:p>
-          <a:p>
-            <a:r>
-              <a:rPr lang="zh-TW" altLang="en-US" sz="1400" dirty="0" smtClean="0">
-                <a:solidFill>
-                  <a:schemeClr val="bg1">
-                    <a:lumMod val="65000"/>
-                  </a:schemeClr>
-                </a:solidFill>
-              </a:rPr>
-              <a:t>過</a:t>
-            </a:r>
-            <a:endParaRPr lang="en-US" altLang="zh-TW" sz="1400" dirty="0" smtClean="0">
-              <a:solidFill>
-                <a:schemeClr val="bg1">
-                  <a:lumMod val="65000"/>
-                </a:schemeClr>
-              </a:solidFill>
-            </a:endParaRPr>
-          </a:p>
-          <a:p>
-            <a:r>
-              <a:rPr lang="zh-TW" altLang="en-US" sz="1400" dirty="0" smtClean="0">
-                <a:solidFill>
-                  <a:schemeClr val="bg1">
-                    <a:lumMod val="65000"/>
-                  </a:schemeClr>
-                </a:solidFill>
-              </a:rPr>
-              <a:t>程</a:t>
-            </a:r>
-            <a:endParaRPr lang="en-US" sz="1400" dirty="0">
-              <a:solidFill>
-                <a:schemeClr val="bg1">
-                  <a:lumMod val="65000"/>
-                </a:schemeClr>
-              </a:solidFill>
-            </a:endParaRPr>
-          </a:p>
-        </p:txBody>
-      </p:sp>
+      </p:pic>
     </p:spTree>
   </p:cSld>
   <p:clrMapOvr>
@@ -24988,7 +23867,7 @@
       </p:grpSpPr>
       <p:sp>
         <p:nvSpPr>
-          <p:cNvPr id="4" name="Title 3"/>
+          <p:cNvPr id="2" name="Title 1"/>
           <p:cNvSpPr>
             <a:spLocks noGrp="1"/>
           </p:cNvSpPr>
@@ -24998,12 +23877,22 @@
         </p:nvSpPr>
         <p:spPr/>
         <p:txBody>
-          <a:bodyPr/>
-          <a:lstStyle/>
-          <a:p>
+          <a:bodyPr>
+            <a:normAutofit fontScale="90000"/>
+          </a:bodyPr>
+          <a:lstStyle/>
+          <a:p>
+            <a:r>
+              <a:rPr lang="en-US" dirty="0" err="1" smtClean="0"/>
+              <a:t>pdf</a:t>
+            </a:r>
             <a:r>
               <a:rPr lang="en-US" dirty="0" smtClean="0"/>
-              <a:t>Jointly Distributed Random Variable</a:t>
+              <a:t>/</a:t>
+            </a:r>
+            <a:r>
+              <a:rPr lang="en-US" dirty="0" err="1" smtClean="0"/>
+              <a:t>cdf</a:t>
             </a:r>
             <a:endParaRPr lang="en-US" dirty="0"/>
           </a:p>
@@ -25011,23 +23900,428 @@
       </p:sp>
       <p:sp>
         <p:nvSpPr>
-          <p:cNvPr id="5" name="Text Placeholder 4"/>
-          <p:cNvSpPr>
-            <a:spLocks noGrp="1"/>
-          </p:cNvSpPr>
-          <p:nvPr>
-            <p:ph type="body" idx="1"/>
-          </p:nvPr>
-        </p:nvSpPr>
-        <p:spPr/>
-        <p:txBody>
-          <a:bodyPr/>
-          <a:lstStyle/>
-          <a:p>
-            <a:endParaRPr lang="en-US" dirty="0"/>
-          </a:p>
-        </p:txBody>
-      </p:sp>
+          <p:cNvPr id="6" name="TextBox 5"/>
+          <p:cNvSpPr txBox="1"/>
+          <p:nvPr/>
+        </p:nvSpPr>
+        <p:spPr>
+          <a:xfrm>
+            <a:off x="1259632" y="908720"/>
+            <a:ext cx="2016224" cy="830997"/>
+          </a:xfrm>
+          <a:prstGeom prst="rect">
+            <a:avLst/>
+          </a:prstGeom>
+          <a:noFill/>
+        </p:spPr>
+        <p:txBody>
+          <a:bodyPr wrap="square" rtlCol="0">
+            <a:spAutoFit/>
+          </a:bodyPr>
+          <a:lstStyle/>
+          <a:p>
+            <a:r>
+              <a:rPr lang="en-US" sz="1200" dirty="0" smtClean="0"/>
+              <a:t>x = {-5, -4, -3, .., 25}</a:t>
+            </a:r>
+          </a:p>
+          <a:p>
+            <a:r>
+              <a:rPr lang="en-US" sz="1200" dirty="0" err="1" smtClean="0"/>
+              <a:t>df</a:t>
+            </a:r>
+            <a:r>
+              <a:rPr lang="en-US" sz="1200" dirty="0" smtClean="0"/>
+              <a:t> = 5</a:t>
+            </a:r>
+          </a:p>
+          <a:p>
+            <a:r>
+              <a:rPr lang="en-US" sz="1200" dirty="0" smtClean="0"/>
+              <a:t>mean = 5</a:t>
+            </a:r>
+          </a:p>
+          <a:p>
+            <a:r>
+              <a:rPr lang="en-US" sz="1200" dirty="0" smtClean="0"/>
+              <a:t>variance = 10</a:t>
+            </a:r>
+            <a:endParaRPr lang="en-US" sz="1200" dirty="0"/>
+          </a:p>
+        </p:txBody>
+      </p:sp>
+      <p:sp>
+        <p:nvSpPr>
+          <p:cNvPr id="15" name="TextBox 14"/>
+          <p:cNvSpPr txBox="1"/>
+          <p:nvPr/>
+        </p:nvSpPr>
+        <p:spPr>
+          <a:xfrm>
+            <a:off x="4860032" y="908720"/>
+            <a:ext cx="2016224" cy="830997"/>
+          </a:xfrm>
+          <a:prstGeom prst="rect">
+            <a:avLst/>
+          </a:prstGeom>
+          <a:noFill/>
+        </p:spPr>
+        <p:txBody>
+          <a:bodyPr wrap="square" rtlCol="0">
+            <a:spAutoFit/>
+          </a:bodyPr>
+          <a:lstStyle/>
+          <a:p>
+            <a:r>
+              <a:rPr lang="en-US" sz="1200" dirty="0" smtClean="0"/>
+              <a:t>x = {0, 1, 2, .., 25}</a:t>
+            </a:r>
+          </a:p>
+          <a:p>
+            <a:r>
+              <a:rPr lang="en-US" sz="1200" dirty="0" err="1" smtClean="0"/>
+              <a:t>df</a:t>
+            </a:r>
+            <a:r>
+              <a:rPr lang="en-US" sz="1200" dirty="0" smtClean="0"/>
+              <a:t>=1/2/5/10</a:t>
+            </a:r>
+          </a:p>
+          <a:p>
+            <a:r>
+              <a:rPr lang="en-US" sz="1200" dirty="0" smtClean="0"/>
+              <a:t>mean = 1/2/5/10</a:t>
+            </a:r>
+          </a:p>
+          <a:p>
+            <a:r>
+              <a:rPr lang="en-US" sz="1200" dirty="0" smtClean="0"/>
+              <a:t>variance = 2/4/10/20</a:t>
+            </a:r>
+          </a:p>
+        </p:txBody>
+      </p:sp>
+      <p:sp>
+        <p:nvSpPr>
+          <p:cNvPr id="34" name="TextBox 33"/>
+          <p:cNvSpPr txBox="1"/>
+          <p:nvPr/>
+        </p:nvSpPr>
+        <p:spPr>
+          <a:xfrm>
+            <a:off x="4427984" y="4293096"/>
+            <a:ext cx="3528392" cy="276999"/>
+          </a:xfrm>
+          <a:prstGeom prst="rect">
+            <a:avLst/>
+          </a:prstGeom>
+          <a:noFill/>
+        </p:spPr>
+        <p:txBody>
+          <a:bodyPr wrap="square" rtlCol="0">
+            <a:spAutoFit/>
+          </a:bodyPr>
+          <a:lstStyle/>
+          <a:p>
+            <a:r>
+              <a:rPr lang="en-US" altLang="zh-TW" sz="1200" dirty="0" smtClean="0">
+                <a:solidFill>
+                  <a:srgbClr val="00B0F0"/>
+                </a:solidFill>
+              </a:rPr>
+              <a:t>n</a:t>
+            </a:r>
+            <a:r>
+              <a:rPr lang="zh-TW" altLang="en-US" sz="1200" dirty="0" smtClean="0">
+                <a:solidFill>
+                  <a:srgbClr val="00B0F0"/>
+                </a:solidFill>
+              </a:rPr>
+              <a:t>越大，</a:t>
+            </a:r>
+            <a:r>
+              <a:rPr lang="en-US" altLang="zh-TW" sz="1200" dirty="0" smtClean="0">
+                <a:solidFill>
+                  <a:srgbClr val="00B0F0"/>
+                </a:solidFill>
+              </a:rPr>
+              <a:t>distribution</a:t>
+            </a:r>
+            <a:r>
+              <a:rPr lang="zh-TW" altLang="en-US" sz="1200" dirty="0" smtClean="0">
+                <a:solidFill>
+                  <a:srgbClr val="00B0F0"/>
+                </a:solidFill>
+              </a:rPr>
+              <a:t>越往大的延伸 </a:t>
+            </a:r>
+            <a:r>
+              <a:rPr lang="en-US" altLang="zh-TW" sz="1200" dirty="0" smtClean="0">
+                <a:solidFill>
+                  <a:srgbClr val="00B0F0"/>
+                </a:solidFill>
+              </a:rPr>
+              <a:t>(</a:t>
+            </a:r>
+            <a:r>
+              <a:rPr lang="zh-TW" altLang="en-US" sz="1200" dirty="0" smtClean="0">
+                <a:solidFill>
+                  <a:srgbClr val="00B0F0"/>
+                </a:solidFill>
+              </a:rPr>
+              <a:t>等待時間越久</a:t>
+            </a:r>
+            <a:r>
+              <a:rPr lang="en-US" altLang="zh-TW" sz="1200" dirty="0" smtClean="0">
+                <a:solidFill>
+                  <a:srgbClr val="00B0F0"/>
+                </a:solidFill>
+              </a:rPr>
+              <a:t>)</a:t>
+            </a:r>
+          </a:p>
+        </p:txBody>
+      </p:sp>
+      <p:pic>
+        <p:nvPicPr>
+          <p:cNvPr id="41986" name="Picture 2"/>
+          <p:cNvPicPr>
+            <a:picLocks noChangeAspect="1" noChangeArrowheads="1"/>
+          </p:cNvPicPr>
+          <p:nvPr/>
+        </p:nvPicPr>
+        <p:blipFill>
+          <a:blip r:embed="rId2" cstate="print"/>
+          <a:srcRect/>
+          <a:stretch>
+            <a:fillRect/>
+          </a:stretch>
+        </p:blipFill>
+        <p:spPr bwMode="auto">
+          <a:xfrm>
+            <a:off x="4716016" y="1916832"/>
+            <a:ext cx="2752725" cy="2276475"/>
+          </a:xfrm>
+          <a:prstGeom prst="rect">
+            <a:avLst/>
+          </a:prstGeom>
+          <a:noFill/>
+          <a:ln w="9525">
+            <a:noFill/>
+            <a:miter lim="800000"/>
+            <a:headEnd/>
+            <a:tailEnd/>
+          </a:ln>
+        </p:spPr>
+      </p:pic>
+      <p:sp>
+        <p:nvSpPr>
+          <p:cNvPr id="20" name="TextBox 19"/>
+          <p:cNvSpPr txBox="1"/>
+          <p:nvPr/>
+        </p:nvSpPr>
+        <p:spPr>
+          <a:xfrm>
+            <a:off x="5435140" y="3238614"/>
+            <a:ext cx="360996" cy="230832"/>
+          </a:xfrm>
+          <a:prstGeom prst="rect">
+            <a:avLst/>
+          </a:prstGeom>
+          <a:noFill/>
+        </p:spPr>
+        <p:txBody>
+          <a:bodyPr wrap="none" rtlCol="0">
+            <a:spAutoFit/>
+          </a:bodyPr>
+          <a:lstStyle/>
+          <a:p>
+            <a:r>
+              <a:rPr lang="en-US" sz="900" dirty="0" smtClean="0">
+                <a:solidFill>
+                  <a:srgbClr val="FF0000"/>
+                </a:solidFill>
+              </a:rPr>
+              <a:t>n=5</a:t>
+            </a:r>
+            <a:endParaRPr lang="en-US" sz="900" dirty="0">
+              <a:solidFill>
+                <a:srgbClr val="FF0000"/>
+              </a:solidFill>
+            </a:endParaRPr>
+          </a:p>
+        </p:txBody>
+      </p:sp>
+      <p:sp>
+        <p:nvSpPr>
+          <p:cNvPr id="12" name="TextBox 11"/>
+          <p:cNvSpPr txBox="1"/>
+          <p:nvPr/>
+        </p:nvSpPr>
+        <p:spPr>
+          <a:xfrm>
+            <a:off x="5220072" y="2262064"/>
+            <a:ext cx="360996" cy="230832"/>
+          </a:xfrm>
+          <a:prstGeom prst="rect">
+            <a:avLst/>
+          </a:prstGeom>
+          <a:noFill/>
+        </p:spPr>
+        <p:txBody>
+          <a:bodyPr wrap="none" rtlCol="0">
+            <a:spAutoFit/>
+          </a:bodyPr>
+          <a:lstStyle/>
+          <a:p>
+            <a:r>
+              <a:rPr lang="en-US" sz="900" dirty="0" smtClean="0"/>
+              <a:t>n=1</a:t>
+            </a:r>
+            <a:endParaRPr lang="en-US" sz="900" dirty="0"/>
+          </a:p>
+        </p:txBody>
+      </p:sp>
+      <p:sp>
+        <p:nvSpPr>
+          <p:cNvPr id="13" name="TextBox 12"/>
+          <p:cNvSpPr txBox="1"/>
+          <p:nvPr/>
+        </p:nvSpPr>
+        <p:spPr>
+          <a:xfrm>
+            <a:off x="5292080" y="3054152"/>
+            <a:ext cx="360996" cy="230832"/>
+          </a:xfrm>
+          <a:prstGeom prst="rect">
+            <a:avLst/>
+          </a:prstGeom>
+          <a:noFill/>
+        </p:spPr>
+        <p:txBody>
+          <a:bodyPr wrap="none" rtlCol="0">
+            <a:spAutoFit/>
+          </a:bodyPr>
+          <a:lstStyle/>
+          <a:p>
+            <a:r>
+              <a:rPr lang="en-US" sz="900" smtClean="0">
+                <a:solidFill>
+                  <a:srgbClr val="0070C0"/>
+                </a:solidFill>
+              </a:rPr>
+              <a:t>n=2</a:t>
+            </a:r>
+            <a:endParaRPr lang="en-US" sz="900" dirty="0">
+              <a:solidFill>
+                <a:srgbClr val="0070C0"/>
+              </a:solidFill>
+            </a:endParaRPr>
+          </a:p>
+        </p:txBody>
+      </p:sp>
+      <p:sp>
+        <p:nvSpPr>
+          <p:cNvPr id="14" name="TextBox 13"/>
+          <p:cNvSpPr txBox="1"/>
+          <p:nvPr/>
+        </p:nvSpPr>
+        <p:spPr>
+          <a:xfrm>
+            <a:off x="5795180" y="3342184"/>
+            <a:ext cx="418704" cy="230832"/>
+          </a:xfrm>
+          <a:prstGeom prst="rect">
+            <a:avLst/>
+          </a:prstGeom>
+          <a:noFill/>
+        </p:spPr>
+        <p:txBody>
+          <a:bodyPr wrap="none" rtlCol="0">
+            <a:spAutoFit/>
+          </a:bodyPr>
+          <a:lstStyle/>
+          <a:p>
+            <a:r>
+              <a:rPr lang="en-US" sz="900" dirty="0" smtClean="0">
+                <a:solidFill>
+                  <a:srgbClr val="00CC00"/>
+                </a:solidFill>
+              </a:rPr>
+              <a:t>n=10</a:t>
+            </a:r>
+            <a:endParaRPr lang="en-US" sz="900" dirty="0">
+              <a:solidFill>
+                <a:srgbClr val="00CC00"/>
+              </a:solidFill>
+            </a:endParaRPr>
+          </a:p>
+        </p:txBody>
+      </p:sp>
+      <p:pic>
+        <p:nvPicPr>
+          <p:cNvPr id="41988" name="Picture 4"/>
+          <p:cNvPicPr>
+            <a:picLocks noChangeAspect="1" noChangeArrowheads="1"/>
+          </p:cNvPicPr>
+          <p:nvPr/>
+        </p:nvPicPr>
+        <p:blipFill>
+          <a:blip r:embed="rId3" cstate="print"/>
+          <a:srcRect/>
+          <a:stretch>
+            <a:fillRect/>
+          </a:stretch>
+        </p:blipFill>
+        <p:spPr bwMode="auto">
+          <a:xfrm>
+            <a:off x="1187624" y="1916832"/>
+            <a:ext cx="2124075" cy="2352675"/>
+          </a:xfrm>
+          <a:prstGeom prst="rect">
+            <a:avLst/>
+          </a:prstGeom>
+          <a:noFill/>
+          <a:ln w="9525">
+            <a:noFill/>
+            <a:miter lim="800000"/>
+            <a:headEnd/>
+            <a:tailEnd/>
+          </a:ln>
+        </p:spPr>
+      </p:pic>
+      <p:pic>
+        <p:nvPicPr>
+          <p:cNvPr id="41989" name="Picture 5"/>
+          <p:cNvPicPr>
+            <a:picLocks noChangeAspect="1" noChangeArrowheads="1"/>
+          </p:cNvPicPr>
+          <p:nvPr/>
+        </p:nvPicPr>
+        <p:blipFill>
+          <a:blip r:embed="rId4" cstate="print"/>
+          <a:srcRect/>
+          <a:stretch>
+            <a:fillRect/>
+          </a:stretch>
+        </p:blipFill>
+        <p:spPr bwMode="auto">
+          <a:xfrm>
+            <a:off x="1187624" y="4365104"/>
+            <a:ext cx="2124075" cy="2352675"/>
+          </a:xfrm>
+          <a:prstGeom prst="rect">
+            <a:avLst/>
+          </a:prstGeom>
+          <a:noFill/>
+          <a:ln w="9525">
+            <a:noFill/>
+            <a:miter lim="800000"/>
+            <a:headEnd/>
+            <a:tailEnd/>
+          </a:ln>
+        </p:spPr>
+      </p:pic>
     </p:spTree>
   </p:cSld>
   <p:clrMapOvr>
@@ -25078,8 +24372,8 @@
           <a:lstStyle/>
           <a:p>
             <a:r>
-              <a:rPr lang="en-US" dirty="0" smtClean="0"/>
-              <a:t>Joint distribution</a:t>
+              <a:rPr lang="en-US" altLang="zh-TW" dirty="0" smtClean="0"/>
+              <a:t>t</a:t>
             </a:r>
             <a:endParaRPr lang="en-US" dirty="0"/>
           </a:p>
@@ -25098,24 +24392,366 @@
         <p:spPr>
           <a:xfrm>
             <a:off x="457200" y="980729"/>
-            <a:ext cx="8229600" cy="864096"/>
-          </a:xfrm>
-        </p:spPr>
-        <p:txBody>
-          <a:bodyPr/>
-          <a:lstStyle/>
+            <a:ext cx="8229600" cy="3672407"/>
+          </a:xfrm>
+        </p:spPr>
+        <p:txBody>
+          <a:bodyPr>
+            <a:normAutofit fontScale="55000" lnSpcReduction="20000"/>
+          </a:bodyPr>
+          <a:lstStyle/>
+          <a:p>
+            <a:r>
+              <a:rPr lang="en-US" altLang="zh-TW" dirty="0" smtClean="0"/>
+              <a:t>Intuition</a:t>
+            </a:r>
+          </a:p>
+          <a:p>
+            <a:pPr lvl="1"/>
+            <a:r>
+              <a:rPr lang="zh-TW" altLang="en-US" dirty="0" smtClean="0">
+                <a:sym typeface="Symbol"/>
+              </a:rPr>
+              <a:t>是</a:t>
+            </a:r>
+            <a:r>
+              <a:rPr lang="en-US" altLang="zh-TW" dirty="0" smtClean="0">
+                <a:sym typeface="Symbol"/>
+              </a:rPr>
+              <a:t>N(0,1)</a:t>
+            </a:r>
+            <a:r>
+              <a:rPr lang="zh-TW" altLang="en-US" dirty="0" smtClean="0">
+                <a:sym typeface="Symbol"/>
+              </a:rPr>
+              <a:t>除以</a:t>
+            </a:r>
+            <a:r>
+              <a:rPr lang="en-US" altLang="zh-TW" dirty="0" smtClean="0">
+                <a:sym typeface="Symbol"/>
+              </a:rPr>
+              <a:t>chi-square</a:t>
+            </a:r>
+            <a:r>
+              <a:rPr lang="zh-TW" altLang="en-US" dirty="0" smtClean="0">
+                <a:sym typeface="Symbol"/>
+              </a:rPr>
+              <a:t>平均的開根號</a:t>
+            </a:r>
+            <a:endParaRPr lang="en-US" altLang="zh-TW" dirty="0" smtClean="0">
+              <a:sym typeface="Symbol"/>
+            </a:endParaRPr>
+          </a:p>
+          <a:p>
+            <a:pPr lvl="1"/>
+            <a:r>
+              <a:rPr lang="zh-TW" altLang="en-US" dirty="0" smtClean="0">
+                <a:sym typeface="Symbol"/>
+              </a:rPr>
+              <a:t>跟</a:t>
+            </a:r>
+            <a:r>
+              <a:rPr lang="en-US" altLang="zh-TW" dirty="0" smtClean="0">
+                <a:sym typeface="Symbol"/>
+              </a:rPr>
+              <a:t>N(0,1)</a:t>
+            </a:r>
+            <a:r>
+              <a:rPr lang="zh-TW" altLang="en-US" dirty="0" smtClean="0">
+                <a:sym typeface="Symbol"/>
+              </a:rPr>
+              <a:t>很像，但有</a:t>
+            </a:r>
+            <a:r>
+              <a:rPr lang="en-US" altLang="zh-TW" dirty="0" smtClean="0">
+                <a:sym typeface="Symbol"/>
+              </a:rPr>
+              <a:t>heavier tail</a:t>
+            </a:r>
+            <a:r>
+              <a:rPr lang="zh-TW" altLang="en-US" dirty="0" smtClean="0">
+                <a:sym typeface="Symbol"/>
+              </a:rPr>
+              <a:t>，較</a:t>
+            </a:r>
+            <a:r>
+              <a:rPr lang="en-US" altLang="zh-TW" dirty="0" smtClean="0">
+                <a:sym typeface="Symbol"/>
+              </a:rPr>
+              <a:t>N(0, 1)</a:t>
+            </a:r>
+            <a:r>
+              <a:rPr lang="zh-TW" altLang="en-US" dirty="0" smtClean="0">
+                <a:sym typeface="Symbol"/>
+              </a:rPr>
+              <a:t>比較有極值可能性</a:t>
+            </a:r>
+            <a:endParaRPr lang="en-US" altLang="zh-TW" dirty="0" smtClean="0"/>
+          </a:p>
+          <a:p>
+            <a:pPr lvl="1"/>
+            <a:r>
+              <a:rPr lang="zh-TW" altLang="en-US" dirty="0" smtClean="0"/>
+              <a:t>是</a:t>
+            </a:r>
+            <a:r>
+              <a:rPr lang="en-US" altLang="zh-TW" dirty="0" smtClean="0"/>
+              <a:t>Cauchy(0, 1)</a:t>
+            </a:r>
+            <a:r>
+              <a:rPr lang="zh-TW" altLang="en-US" dirty="0" smtClean="0"/>
+              <a:t>特例，就是</a:t>
+            </a:r>
+            <a:r>
+              <a:rPr lang="en-US" altLang="zh-TW" dirty="0" smtClean="0"/>
+              <a:t>T1</a:t>
+            </a:r>
+          </a:p>
+          <a:p>
+            <a:pPr lvl="2"/>
+            <a:r>
+              <a:rPr lang="en-US" altLang="zh-TW" dirty="0" smtClean="0">
+                <a:sym typeface="Symbol"/>
+              </a:rPr>
+              <a:t>location: 0</a:t>
+            </a:r>
+          </a:p>
+          <a:p>
+            <a:pPr lvl="2"/>
+            <a:r>
+              <a:rPr lang="en-US" altLang="zh-TW" dirty="0" smtClean="0">
+                <a:sym typeface="Symbol"/>
+              </a:rPr>
+              <a:t>scale: </a:t>
+            </a:r>
+            <a:r>
+              <a:rPr lang="en-US" altLang="zh-TW" dirty="0" smtClean="0">
+                <a:sym typeface="Symbol"/>
+              </a:rPr>
+              <a:t>1</a:t>
+            </a:r>
+          </a:p>
+          <a:p>
+            <a:pPr lvl="1"/>
+            <a:r>
+              <a:rPr lang="en-US" altLang="zh-TW" dirty="0" err="1" smtClean="0">
+                <a:sym typeface="Symbol"/>
+              </a:rPr>
+              <a:t>Tn</a:t>
+            </a:r>
+            <a:r>
+              <a:rPr lang="zh-TW" altLang="en-US" dirty="0" smtClean="0">
+                <a:sym typeface="Symbol"/>
+              </a:rPr>
+              <a:t>當</a:t>
+            </a:r>
+            <a:r>
+              <a:rPr lang="en-US" altLang="zh-TW" dirty="0" smtClean="0">
+                <a:sym typeface="Symbol"/>
+              </a:rPr>
+              <a:t>n</a:t>
+            </a:r>
+            <a:r>
+              <a:rPr lang="zh-TW" altLang="en-US" dirty="0" smtClean="0">
+                <a:sym typeface="Symbol"/>
+              </a:rPr>
+              <a:t>很大時，會變成</a:t>
+            </a:r>
+            <a:r>
+              <a:rPr lang="en-US" altLang="zh-TW" smtClean="0">
+                <a:sym typeface="Symbol"/>
+              </a:rPr>
+              <a:t>N(0, 1)</a:t>
+            </a:r>
+            <a:endParaRPr lang="en-US" altLang="zh-TW" dirty="0" smtClean="0"/>
+          </a:p>
+          <a:p>
+            <a:pPr lvl="1"/>
+            <a:r>
+              <a:rPr lang="zh-TW" altLang="en-US" dirty="0" smtClean="0"/>
+              <a:t>對應</a:t>
+            </a:r>
+            <a:r>
+              <a:rPr lang="en-US" altLang="zh-TW" dirty="0" smtClean="0"/>
+              <a:t>Lecture note</a:t>
+            </a:r>
+          </a:p>
+          <a:p>
+            <a:pPr lvl="2"/>
+            <a:r>
+              <a:rPr lang="en-US" altLang="zh-TW" dirty="0" smtClean="0">
+                <a:sym typeface="Symbol"/>
+              </a:rPr>
+              <a:t>n: </a:t>
+            </a:r>
+            <a:r>
+              <a:rPr lang="en-US" altLang="zh-TW" dirty="0" err="1" smtClean="0">
+                <a:sym typeface="Symbol"/>
+              </a:rPr>
+              <a:t>df</a:t>
+            </a:r>
+            <a:r>
+              <a:rPr lang="en-US" altLang="zh-TW" dirty="0" smtClean="0">
+                <a:sym typeface="Symbol"/>
+              </a:rPr>
+              <a:t>:</a:t>
+            </a:r>
+            <a:r>
+              <a:rPr lang="zh-TW" altLang="en-US" dirty="0" smtClean="0">
+                <a:sym typeface="Symbol"/>
+              </a:rPr>
+              <a:t> </a:t>
+            </a:r>
+            <a:r>
+              <a:rPr lang="en-US" altLang="zh-TW" dirty="0" smtClean="0">
+                <a:sym typeface="Symbol"/>
+              </a:rPr>
+              <a:t>degree of freedom</a:t>
+            </a:r>
+          </a:p>
           <a:p>
             <a:r>
               <a:rPr lang="en-US" dirty="0" smtClean="0"/>
-              <a:t>LNp.7-3 example</a:t>
-            </a:r>
-            <a:endParaRPr lang="en-US" dirty="0"/>
+              <a:t>R function</a:t>
+            </a:r>
+          </a:p>
+          <a:p>
+            <a:pPr lvl="1"/>
+            <a:r>
+              <a:rPr lang="en-US" dirty="0" err="1" smtClean="0"/>
+              <a:t>dt</a:t>
+            </a:r>
+            <a:r>
+              <a:rPr lang="en-US" dirty="0" smtClean="0"/>
+              <a:t>(x, </a:t>
+            </a:r>
+            <a:r>
+              <a:rPr lang="en-US" dirty="0" err="1" smtClean="0"/>
+              <a:t>df</a:t>
+            </a:r>
+            <a:r>
+              <a:rPr lang="en-US" dirty="0" smtClean="0"/>
+              <a:t>, </a:t>
+            </a:r>
+            <a:r>
+              <a:rPr lang="en-US" dirty="0" err="1" smtClean="0"/>
+              <a:t>ncp</a:t>
+            </a:r>
+            <a:r>
+              <a:rPr lang="en-US" dirty="0" smtClean="0"/>
+              <a:t>, log = FALSE)</a:t>
+            </a:r>
+          </a:p>
+          <a:p>
+            <a:pPr lvl="1"/>
+            <a:r>
+              <a:rPr lang="en-US" dirty="0" smtClean="0"/>
+              <a:t>pt(q, </a:t>
+            </a:r>
+            <a:r>
+              <a:rPr lang="en-US" dirty="0" err="1" smtClean="0"/>
+              <a:t>df</a:t>
+            </a:r>
+            <a:r>
+              <a:rPr lang="en-US" dirty="0" smtClean="0"/>
+              <a:t>, </a:t>
+            </a:r>
+            <a:r>
+              <a:rPr lang="en-US" dirty="0" err="1" smtClean="0"/>
+              <a:t>ncp</a:t>
+            </a:r>
+            <a:r>
+              <a:rPr lang="en-US" dirty="0" smtClean="0"/>
+              <a:t>, </a:t>
+            </a:r>
+            <a:r>
+              <a:rPr lang="en-US" dirty="0" err="1" smtClean="0"/>
+              <a:t>lower.tail</a:t>
+            </a:r>
+            <a:r>
+              <a:rPr lang="en-US" dirty="0" smtClean="0"/>
+              <a:t> = TRUE, </a:t>
+            </a:r>
+            <a:r>
+              <a:rPr lang="en-US" dirty="0" err="1" smtClean="0"/>
+              <a:t>log.p</a:t>
+            </a:r>
+            <a:r>
+              <a:rPr lang="en-US" dirty="0" smtClean="0"/>
+              <a:t> = FALSE)</a:t>
+            </a:r>
+          </a:p>
+          <a:p>
+            <a:pPr lvl="1"/>
+            <a:r>
+              <a:rPr lang="en-US" dirty="0" smtClean="0"/>
+              <a:t>qt(p, </a:t>
+            </a:r>
+            <a:r>
+              <a:rPr lang="en-US" dirty="0" err="1" smtClean="0"/>
+              <a:t>df</a:t>
+            </a:r>
+            <a:r>
+              <a:rPr lang="en-US" dirty="0" smtClean="0"/>
+              <a:t>, </a:t>
+            </a:r>
+            <a:r>
+              <a:rPr lang="en-US" dirty="0" err="1" smtClean="0"/>
+              <a:t>ncp</a:t>
+            </a:r>
+            <a:r>
+              <a:rPr lang="en-US" dirty="0" smtClean="0"/>
+              <a:t>, </a:t>
+            </a:r>
+            <a:r>
+              <a:rPr lang="en-US" dirty="0" err="1" smtClean="0"/>
+              <a:t>lower.tail</a:t>
+            </a:r>
+            <a:r>
+              <a:rPr lang="en-US" dirty="0" smtClean="0"/>
+              <a:t> = TRUE, </a:t>
+            </a:r>
+            <a:r>
+              <a:rPr lang="en-US" dirty="0" err="1" smtClean="0"/>
+              <a:t>log.p</a:t>
+            </a:r>
+            <a:r>
+              <a:rPr lang="en-US" dirty="0" smtClean="0"/>
+              <a:t> = FALSE)</a:t>
+            </a:r>
+          </a:p>
+          <a:p>
+            <a:pPr lvl="1"/>
+            <a:r>
+              <a:rPr lang="en-US" dirty="0" err="1" smtClean="0"/>
+              <a:t>rt</a:t>
+            </a:r>
+            <a:r>
+              <a:rPr lang="en-US" dirty="0" smtClean="0"/>
+              <a:t>(n, </a:t>
+            </a:r>
+            <a:r>
+              <a:rPr lang="en-US" dirty="0" err="1" smtClean="0"/>
+              <a:t>df</a:t>
+            </a:r>
+            <a:r>
+              <a:rPr lang="en-US" dirty="0" smtClean="0"/>
+              <a:t>, </a:t>
+            </a:r>
+            <a:r>
+              <a:rPr lang="en-US" dirty="0" err="1" smtClean="0"/>
+              <a:t>ncp</a:t>
+            </a:r>
+            <a:r>
+              <a:rPr lang="en-US" dirty="0" smtClean="0"/>
+              <a:t>)</a:t>
+            </a:r>
           </a:p>
         </p:txBody>
       </p:sp>
       <p:pic>
         <p:nvPicPr>
-          <p:cNvPr id="36866" name="Picture 2"/>
+          <p:cNvPr id="43010" name="Picture 2"/>
           <p:cNvPicPr>
             <a:picLocks noChangeAspect="1" noChangeArrowheads="1"/>
           </p:cNvPicPr>
@@ -25130,8 +24766,8 @@
         </p:blipFill>
         <p:spPr bwMode="auto">
           <a:xfrm>
-            <a:off x="323528" y="1628800"/>
-            <a:ext cx="2486025" cy="1743075"/>
+            <a:off x="539552" y="4509120"/>
+            <a:ext cx="3744416" cy="2223247"/>
           </a:xfrm>
           <a:prstGeom prst="rect">
             <a:avLst/>
@@ -25147,7 +24783,7 @@
       </p:pic>
       <p:pic>
         <p:nvPicPr>
-          <p:cNvPr id="36867" name="Picture 3"/>
+          <p:cNvPr id="40962" name="Picture 2"/>
           <p:cNvPicPr>
             <a:picLocks noChangeAspect="1" noChangeArrowheads="1"/>
           </p:cNvPicPr>
@@ -25162,8 +24798,8 @@
         </p:blipFill>
         <p:spPr bwMode="auto">
           <a:xfrm>
-            <a:off x="323528" y="3501008"/>
-            <a:ext cx="3267075" cy="2647950"/>
+            <a:off x="5004048" y="1124744"/>
+            <a:ext cx="980504" cy="448104"/>
           </a:xfrm>
           <a:prstGeom prst="rect">
             <a:avLst/>
@@ -25177,138 +24813,6 @@
           </a:ln>
         </p:spPr>
       </p:pic>
-      <p:pic>
-        <p:nvPicPr>
-          <p:cNvPr id="36868" name="Picture 4"/>
-          <p:cNvPicPr>
-            <a:picLocks noChangeAspect="1" noChangeArrowheads="1"/>
-          </p:cNvPicPr>
-          <p:nvPr/>
-        </p:nvPicPr>
-        <p:blipFill>
-          <a:blip r:embed="rId4" cstate="print"/>
-          <a:srcRect/>
-          <a:stretch>
-            <a:fillRect/>
-          </a:stretch>
-        </p:blipFill>
-        <p:spPr bwMode="auto">
-          <a:xfrm>
-            <a:off x="3995936" y="1484784"/>
-            <a:ext cx="3267075" cy="2647950"/>
-          </a:xfrm>
-          <a:prstGeom prst="rect">
-            <a:avLst/>
-          </a:prstGeom>
-          <a:noFill/>
-          <a:ln w="9525">
-            <a:noFill/>
-            <a:miter lim="800000"/>
-            <a:headEnd/>
-            <a:tailEnd/>
-          </a:ln>
-        </p:spPr>
-      </p:pic>
-      <p:pic>
-        <p:nvPicPr>
-          <p:cNvPr id="36869" name="Picture 5"/>
-          <p:cNvPicPr>
-            <a:picLocks noChangeAspect="1" noChangeArrowheads="1"/>
-          </p:cNvPicPr>
-          <p:nvPr/>
-        </p:nvPicPr>
-        <p:blipFill>
-          <a:blip r:embed="rId5" cstate="print"/>
-          <a:srcRect/>
-          <a:stretch>
-            <a:fillRect/>
-          </a:stretch>
-        </p:blipFill>
-        <p:spPr bwMode="auto">
-          <a:xfrm>
-            <a:off x="3995936" y="4210050"/>
-            <a:ext cx="3267075" cy="2647950"/>
-          </a:xfrm>
-          <a:prstGeom prst="rect">
-            <a:avLst/>
-          </a:prstGeom>
-          <a:noFill/>
-          <a:ln w="9525">
-            <a:noFill/>
-            <a:miter lim="800000"/>
-            <a:headEnd/>
-            <a:tailEnd/>
-          </a:ln>
-        </p:spPr>
-      </p:pic>
-      <p:sp>
-        <p:nvSpPr>
-          <p:cNvPr id="8" name="TextBox 7"/>
-          <p:cNvSpPr txBox="1"/>
-          <p:nvPr/>
-        </p:nvSpPr>
-        <p:spPr>
-          <a:xfrm>
-            <a:off x="1403648" y="6165304"/>
-            <a:ext cx="1038811" cy="369332"/>
-          </a:xfrm>
-          <a:prstGeom prst="rect">
-            <a:avLst/>
-          </a:prstGeom>
-          <a:noFill/>
-        </p:spPr>
-        <p:txBody>
-          <a:bodyPr wrap="none" rtlCol="0">
-            <a:spAutoFit/>
-          </a:bodyPr>
-          <a:lstStyle/>
-          <a:p>
-            <a:r>
-              <a:rPr lang="en-US" dirty="0" smtClean="0"/>
-              <a:t>joint </a:t>
-            </a:r>
-            <a:r>
-              <a:rPr lang="en-US" dirty="0" err="1" smtClean="0"/>
-              <a:t>pmf</a:t>
-            </a:r>
-            <a:endParaRPr lang="en-US" dirty="0"/>
-          </a:p>
-        </p:txBody>
-      </p:sp>
-      <p:sp>
-        <p:nvSpPr>
-          <p:cNvPr id="9" name="TextBox 8"/>
-          <p:cNvSpPr txBox="1"/>
-          <p:nvPr/>
-        </p:nvSpPr>
-        <p:spPr>
-          <a:xfrm>
-            <a:off x="5148064" y="4005064"/>
-            <a:ext cx="953594" cy="369332"/>
-          </a:xfrm>
-          <a:prstGeom prst="rect">
-            <a:avLst/>
-          </a:prstGeom>
-          <a:noFill/>
-        </p:spPr>
-        <p:txBody>
-          <a:bodyPr wrap="none" rtlCol="0">
-            <a:spAutoFit/>
-          </a:bodyPr>
-          <a:lstStyle/>
-          <a:p>
-            <a:r>
-              <a:rPr lang="en-US" dirty="0" smtClean="0"/>
-              <a:t>joint </a:t>
-            </a:r>
-            <a:r>
-              <a:rPr lang="en-US" dirty="0" err="1" smtClean="0"/>
-              <a:t>cdf</a:t>
-            </a:r>
-            <a:endParaRPr lang="en-US" dirty="0"/>
-          </a:p>
-        </p:txBody>
-      </p:sp>
     </p:spTree>
   </p:cSld>
   <p:clrMapOvr>
@@ -25359,8 +24863,16 @@
           <a:lstStyle/>
           <a:p>
             <a:r>
+              <a:rPr lang="en-US" dirty="0" err="1" smtClean="0"/>
+              <a:t>pdf</a:t>
+            </a:r>
+            <a:r>
               <a:rPr lang="en-US" dirty="0" smtClean="0"/>
-              <a:t>Joint PDF</a:t>
+              <a:t>/</a:t>
+            </a:r>
+            <a:r>
+              <a:rPr lang="en-US" dirty="0" err="1" smtClean="0"/>
+              <a:t>cdf</a:t>
             </a:r>
             <a:endParaRPr lang="en-US" dirty="0"/>
           </a:p>
@@ -25368,31 +24880,59 @@
       </p:sp>
       <p:sp>
         <p:nvSpPr>
-          <p:cNvPr id="3" name="Content Placeholder 2"/>
-          <p:cNvSpPr>
-            <a:spLocks noGrp="1"/>
-          </p:cNvSpPr>
-          <p:nvPr>
-            <p:ph idx="1"/>
-          </p:nvPr>
-        </p:nvSpPr>
-        <p:spPr>
-          <a:xfrm>
-            <a:off x="457200" y="980729"/>
-            <a:ext cx="8229600" cy="1152128"/>
-          </a:xfrm>
-        </p:spPr>
-        <p:txBody>
-          <a:bodyPr/>
-          <a:lstStyle/>
-          <a:p>
-            <a:endParaRPr lang="en-US"/>
+          <p:cNvPr id="6" name="TextBox 5"/>
+          <p:cNvSpPr txBox="1"/>
+          <p:nvPr/>
+        </p:nvSpPr>
+        <p:spPr>
+          <a:xfrm>
+            <a:off x="467544" y="908720"/>
+            <a:ext cx="2016224" cy="830997"/>
+          </a:xfrm>
+          <a:prstGeom prst="rect">
+            <a:avLst/>
+          </a:prstGeom>
+          <a:noFill/>
+        </p:spPr>
+        <p:txBody>
+          <a:bodyPr wrap="square" rtlCol="0">
+            <a:spAutoFit/>
+          </a:bodyPr>
+          <a:lstStyle/>
+          <a:p>
+            <a:r>
+              <a:rPr lang="en-US" sz="1200" dirty="0" smtClean="0"/>
+              <a:t>x = {-5, -4, -3, .., 5}</a:t>
+            </a:r>
+          </a:p>
+          <a:p>
+            <a:r>
+              <a:rPr lang="en-US" sz="1200" dirty="0" err="1" smtClean="0"/>
+              <a:t>df</a:t>
+            </a:r>
+            <a:r>
+              <a:rPr lang="en-US" sz="1200" dirty="0" smtClean="0"/>
+              <a:t> = 5</a:t>
+            </a:r>
+          </a:p>
+          <a:p>
+            <a:r>
+              <a:rPr lang="en-US" sz="1200" dirty="0" smtClean="0"/>
+              <a:t>mean = 0</a:t>
+            </a:r>
+          </a:p>
+          <a:p>
+            <a:r>
+              <a:rPr lang="en-US" sz="1200" dirty="0" smtClean="0"/>
+              <a:t>variance = 1.67</a:t>
+            </a:r>
+            <a:endParaRPr lang="en-US" sz="1200" dirty="0"/>
           </a:p>
         </p:txBody>
       </p:sp>
       <p:pic>
         <p:nvPicPr>
-          <p:cNvPr id="36868" name="Picture 4"/>
+          <p:cNvPr id="44034" name="Picture 2"/>
           <p:cNvPicPr>
             <a:picLocks noChangeAspect="1" noChangeArrowheads="1"/>
           </p:cNvPicPr>
@@ -25407,8 +24947,8 @@
         </p:blipFill>
         <p:spPr bwMode="auto">
           <a:xfrm>
-            <a:off x="179512" y="4365104"/>
-            <a:ext cx="2181225" cy="2276475"/>
+            <a:off x="2987824" y="980728"/>
+            <a:ext cx="6048375" cy="5562600"/>
           </a:xfrm>
           <a:prstGeom prst="rect">
             <a:avLst/>
@@ -25422,9 +24962,410 @@
           </a:ln>
         </p:spPr>
       </p:pic>
+      <p:sp>
+        <p:nvSpPr>
+          <p:cNvPr id="15" name="TextBox 14"/>
+          <p:cNvSpPr txBox="1"/>
+          <p:nvPr/>
+        </p:nvSpPr>
+        <p:spPr>
+          <a:xfrm>
+            <a:off x="3419872" y="1556792"/>
+            <a:ext cx="2016224" cy="830997"/>
+          </a:xfrm>
+          <a:prstGeom prst="rect">
+            <a:avLst/>
+          </a:prstGeom>
+          <a:noFill/>
+        </p:spPr>
+        <p:txBody>
+          <a:bodyPr wrap="square" rtlCol="0">
+            <a:spAutoFit/>
+          </a:bodyPr>
+          <a:lstStyle/>
+          <a:p>
+            <a:r>
+              <a:rPr lang="en-US" sz="1200" dirty="0" smtClean="0"/>
+              <a:t>x = {0, 1, 2, .., 25}</a:t>
+            </a:r>
+          </a:p>
+          <a:p>
+            <a:r>
+              <a:rPr lang="en-US" sz="1200" dirty="0" err="1" smtClean="0"/>
+              <a:t>df</a:t>
+            </a:r>
+            <a:r>
+              <a:rPr lang="en-US" sz="1200" dirty="0" smtClean="0"/>
+              <a:t>=5/10/30</a:t>
+            </a:r>
+          </a:p>
+          <a:p>
+            <a:r>
+              <a:rPr lang="en-US" sz="1200" dirty="0" smtClean="0"/>
+              <a:t>mean = 0/0/0</a:t>
+            </a:r>
+          </a:p>
+          <a:p>
+            <a:r>
+              <a:rPr lang="en-US" sz="1200" dirty="0" smtClean="0"/>
+              <a:t>variance = 1.67/1.25/1.07</a:t>
+            </a:r>
+          </a:p>
+        </p:txBody>
+      </p:sp>
+      <p:sp>
+        <p:nvSpPr>
+          <p:cNvPr id="34" name="TextBox 33"/>
+          <p:cNvSpPr txBox="1"/>
+          <p:nvPr/>
+        </p:nvSpPr>
+        <p:spPr>
+          <a:xfrm>
+            <a:off x="4427984" y="6581001"/>
+            <a:ext cx="3528392" cy="276999"/>
+          </a:xfrm>
+          <a:prstGeom prst="rect">
+            <a:avLst/>
+          </a:prstGeom>
+          <a:noFill/>
+        </p:spPr>
+        <p:txBody>
+          <a:bodyPr wrap="square" rtlCol="0">
+            <a:spAutoFit/>
+          </a:bodyPr>
+          <a:lstStyle/>
+          <a:p>
+            <a:r>
+              <a:rPr lang="en-US" altLang="zh-TW" sz="1200" dirty="0" smtClean="0">
+                <a:solidFill>
+                  <a:srgbClr val="00B0F0"/>
+                </a:solidFill>
+              </a:rPr>
+              <a:t>degree of freedom</a:t>
+            </a:r>
+            <a:r>
+              <a:rPr lang="zh-TW" altLang="en-US" sz="1200" dirty="0" smtClean="0">
+                <a:solidFill>
+                  <a:srgbClr val="00B0F0"/>
+                </a:solidFill>
+              </a:rPr>
+              <a:t>越大，越往</a:t>
+            </a:r>
+            <a:r>
+              <a:rPr lang="en-US" altLang="zh-TW" sz="1200" dirty="0" smtClean="0">
+                <a:solidFill>
+                  <a:srgbClr val="00B0F0"/>
+                </a:solidFill>
+              </a:rPr>
+              <a:t>N(0, 1)</a:t>
+            </a:r>
+            <a:r>
+              <a:rPr lang="zh-TW" altLang="en-US" sz="1200" dirty="0" smtClean="0">
+                <a:solidFill>
+                  <a:srgbClr val="00B0F0"/>
+                </a:solidFill>
+              </a:rPr>
+              <a:t>靠近</a:t>
+            </a:r>
+            <a:endParaRPr lang="en-US" altLang="zh-TW" sz="1200" dirty="0" smtClean="0">
+              <a:solidFill>
+                <a:srgbClr val="00B0F0"/>
+              </a:solidFill>
+            </a:endParaRPr>
+          </a:p>
+        </p:txBody>
+      </p:sp>
+      <p:sp>
+        <p:nvSpPr>
+          <p:cNvPr id="20" name="TextBox 19"/>
+          <p:cNvSpPr txBox="1"/>
+          <p:nvPr/>
+        </p:nvSpPr>
+        <p:spPr>
+          <a:xfrm>
+            <a:off x="4139952" y="5373216"/>
+            <a:ext cx="418704" cy="230832"/>
+          </a:xfrm>
+          <a:prstGeom prst="rect">
+            <a:avLst/>
+          </a:prstGeom>
+          <a:noFill/>
+        </p:spPr>
+        <p:txBody>
+          <a:bodyPr wrap="none" rtlCol="0">
+            <a:spAutoFit/>
+          </a:bodyPr>
+          <a:lstStyle/>
+          <a:p>
+            <a:r>
+              <a:rPr lang="en-US" sz="900" dirty="0" smtClean="0">
+                <a:solidFill>
+                  <a:srgbClr val="FF0000"/>
+                </a:solidFill>
+              </a:rPr>
+              <a:t>n=30</a:t>
+            </a:r>
+            <a:endParaRPr lang="en-US" sz="900" dirty="0">
+              <a:solidFill>
+                <a:srgbClr val="FF0000"/>
+              </a:solidFill>
+            </a:endParaRPr>
+          </a:p>
+        </p:txBody>
+      </p:sp>
+      <p:sp>
+        <p:nvSpPr>
+          <p:cNvPr id="12" name="TextBox 11"/>
+          <p:cNvSpPr txBox="1"/>
+          <p:nvPr/>
+        </p:nvSpPr>
+        <p:spPr>
+          <a:xfrm>
+            <a:off x="3779912" y="5085184"/>
+            <a:ext cx="360996" cy="230832"/>
+          </a:xfrm>
+          <a:prstGeom prst="rect">
+            <a:avLst/>
+          </a:prstGeom>
+          <a:noFill/>
+        </p:spPr>
+        <p:txBody>
+          <a:bodyPr wrap="none" rtlCol="0">
+            <a:spAutoFit/>
+          </a:bodyPr>
+          <a:lstStyle/>
+          <a:p>
+            <a:r>
+              <a:rPr lang="en-US" sz="900" dirty="0" smtClean="0"/>
+              <a:t>n=5</a:t>
+            </a:r>
+            <a:endParaRPr lang="en-US" sz="900" dirty="0"/>
+          </a:p>
+        </p:txBody>
+      </p:sp>
+      <p:sp>
+        <p:nvSpPr>
+          <p:cNvPr id="13" name="TextBox 12"/>
+          <p:cNvSpPr txBox="1"/>
+          <p:nvPr/>
+        </p:nvSpPr>
+        <p:spPr>
+          <a:xfrm>
+            <a:off x="3923928" y="5229200"/>
+            <a:ext cx="418704" cy="230832"/>
+          </a:xfrm>
+          <a:prstGeom prst="rect">
+            <a:avLst/>
+          </a:prstGeom>
+          <a:noFill/>
+        </p:spPr>
+        <p:txBody>
+          <a:bodyPr wrap="none" rtlCol="0">
+            <a:spAutoFit/>
+          </a:bodyPr>
+          <a:lstStyle/>
+          <a:p>
+            <a:r>
+              <a:rPr lang="en-US" sz="900" dirty="0" smtClean="0">
+                <a:solidFill>
+                  <a:srgbClr val="0070C0"/>
+                </a:solidFill>
+              </a:rPr>
+              <a:t>n=10</a:t>
+            </a:r>
+            <a:endParaRPr lang="en-US" sz="900" dirty="0">
+              <a:solidFill>
+                <a:srgbClr val="0070C0"/>
+              </a:solidFill>
+            </a:endParaRPr>
+          </a:p>
+        </p:txBody>
+      </p:sp>
+      <p:sp>
+        <p:nvSpPr>
+          <p:cNvPr id="14" name="TextBox 13"/>
+          <p:cNvSpPr txBox="1"/>
+          <p:nvPr/>
+        </p:nvSpPr>
+        <p:spPr>
+          <a:xfrm>
+            <a:off x="6300192" y="1450600"/>
+            <a:ext cx="498855" cy="230832"/>
+          </a:xfrm>
+          <a:prstGeom prst="rect">
+            <a:avLst/>
+          </a:prstGeom>
+          <a:noFill/>
+        </p:spPr>
+        <p:txBody>
+          <a:bodyPr wrap="none" rtlCol="0">
+            <a:spAutoFit/>
+          </a:bodyPr>
+          <a:lstStyle/>
+          <a:p>
+            <a:r>
+              <a:rPr lang="en-US" sz="900" dirty="0" smtClean="0">
+                <a:solidFill>
+                  <a:srgbClr val="00CC00"/>
+                </a:solidFill>
+              </a:rPr>
+              <a:t>N(0, 1)</a:t>
+            </a:r>
+            <a:endParaRPr lang="en-US" sz="900" dirty="0">
+              <a:solidFill>
+                <a:srgbClr val="00CC00"/>
+              </a:solidFill>
+            </a:endParaRPr>
+          </a:p>
+        </p:txBody>
+      </p:sp>
+      <p:sp>
+        <p:nvSpPr>
+          <p:cNvPr id="16" name="TextBox 15"/>
+          <p:cNvSpPr txBox="1"/>
+          <p:nvPr/>
+        </p:nvSpPr>
+        <p:spPr>
+          <a:xfrm>
+            <a:off x="4283968" y="5517232"/>
+            <a:ext cx="498855" cy="230832"/>
+          </a:xfrm>
+          <a:prstGeom prst="rect">
+            <a:avLst/>
+          </a:prstGeom>
+          <a:noFill/>
+        </p:spPr>
+        <p:txBody>
+          <a:bodyPr wrap="none" rtlCol="0">
+            <a:spAutoFit/>
+          </a:bodyPr>
+          <a:lstStyle/>
+          <a:p>
+            <a:r>
+              <a:rPr lang="en-US" sz="900" dirty="0" smtClean="0">
+                <a:solidFill>
+                  <a:srgbClr val="00CC00"/>
+                </a:solidFill>
+              </a:rPr>
+              <a:t>N(0, 1)</a:t>
+            </a:r>
+            <a:endParaRPr lang="en-US" sz="900" dirty="0">
+              <a:solidFill>
+                <a:srgbClr val="00CC00"/>
+              </a:solidFill>
+            </a:endParaRPr>
+          </a:p>
+        </p:txBody>
+      </p:sp>
+      <p:sp>
+        <p:nvSpPr>
+          <p:cNvPr id="17" name="TextBox 16"/>
+          <p:cNvSpPr txBox="1"/>
+          <p:nvPr/>
+        </p:nvSpPr>
+        <p:spPr>
+          <a:xfrm>
+            <a:off x="6372200" y="1628800"/>
+            <a:ext cx="418704" cy="230832"/>
+          </a:xfrm>
+          <a:prstGeom prst="rect">
+            <a:avLst/>
+          </a:prstGeom>
+          <a:noFill/>
+        </p:spPr>
+        <p:txBody>
+          <a:bodyPr wrap="none" rtlCol="0">
+            <a:spAutoFit/>
+          </a:bodyPr>
+          <a:lstStyle/>
+          <a:p>
+            <a:r>
+              <a:rPr lang="en-US" sz="900" dirty="0" smtClean="0">
+                <a:solidFill>
+                  <a:srgbClr val="FF0000"/>
+                </a:solidFill>
+              </a:rPr>
+              <a:t>n=30</a:t>
+            </a:r>
+            <a:endParaRPr lang="en-US" sz="900" dirty="0">
+              <a:solidFill>
+                <a:srgbClr val="FF0000"/>
+              </a:solidFill>
+            </a:endParaRPr>
+          </a:p>
+        </p:txBody>
+      </p:sp>
+      <p:sp>
+        <p:nvSpPr>
+          <p:cNvPr id="18" name="TextBox 17"/>
+          <p:cNvSpPr txBox="1"/>
+          <p:nvPr/>
+        </p:nvSpPr>
+        <p:spPr>
+          <a:xfrm>
+            <a:off x="6372200" y="1844824"/>
+            <a:ext cx="418704" cy="230832"/>
+          </a:xfrm>
+          <a:prstGeom prst="rect">
+            <a:avLst/>
+          </a:prstGeom>
+          <a:noFill/>
+        </p:spPr>
+        <p:txBody>
+          <a:bodyPr wrap="none" rtlCol="0">
+            <a:spAutoFit/>
+          </a:bodyPr>
+          <a:lstStyle/>
+          <a:p>
+            <a:r>
+              <a:rPr lang="en-US" sz="900" dirty="0" smtClean="0">
+                <a:solidFill>
+                  <a:srgbClr val="0070C0"/>
+                </a:solidFill>
+              </a:rPr>
+              <a:t>n=10</a:t>
+            </a:r>
+            <a:endParaRPr lang="en-US" sz="900" dirty="0">
+              <a:solidFill>
+                <a:srgbClr val="0070C0"/>
+              </a:solidFill>
+            </a:endParaRPr>
+          </a:p>
+        </p:txBody>
+      </p:sp>
+      <p:sp>
+        <p:nvSpPr>
+          <p:cNvPr id="19" name="TextBox 18"/>
+          <p:cNvSpPr txBox="1"/>
+          <p:nvPr/>
+        </p:nvSpPr>
+        <p:spPr>
+          <a:xfrm>
+            <a:off x="6444208" y="2060848"/>
+            <a:ext cx="360996" cy="230832"/>
+          </a:xfrm>
+          <a:prstGeom prst="rect">
+            <a:avLst/>
+          </a:prstGeom>
+          <a:noFill/>
+        </p:spPr>
+        <p:txBody>
+          <a:bodyPr wrap="none" rtlCol="0">
+            <a:spAutoFit/>
+          </a:bodyPr>
+          <a:lstStyle/>
+          <a:p>
+            <a:r>
+              <a:rPr lang="en-US" sz="900" dirty="0" smtClean="0"/>
+              <a:t>n=5</a:t>
+            </a:r>
+            <a:endParaRPr lang="en-US" sz="900" dirty="0"/>
+          </a:p>
+        </p:txBody>
+      </p:sp>
       <p:pic>
         <p:nvPicPr>
-          <p:cNvPr id="36869" name="Picture 5"/>
+          <p:cNvPr id="44035" name="Picture 3"/>
           <p:cNvPicPr>
             <a:picLocks noChangeAspect="1" noChangeArrowheads="1"/>
           </p:cNvPicPr>
@@ -25439,8 +25380,8 @@
         </p:blipFill>
         <p:spPr bwMode="auto">
           <a:xfrm>
-            <a:off x="2555776" y="4365104"/>
-            <a:ext cx="2181225" cy="2276475"/>
+            <a:off x="395536" y="1916832"/>
+            <a:ext cx="2143125" cy="2343150"/>
           </a:xfrm>
           <a:prstGeom prst="rect">
             <a:avLst/>
@@ -25456,7 +25397,7 @@
       </p:pic>
       <p:pic>
         <p:nvPicPr>
-          <p:cNvPr id="36871" name="Picture 7"/>
+          <p:cNvPr id="44036" name="Picture 4"/>
           <p:cNvPicPr>
             <a:picLocks noChangeAspect="1" noChangeArrowheads="1"/>
           </p:cNvPicPr>
@@ -25471,8 +25412,8 @@
         </p:blipFill>
         <p:spPr bwMode="auto">
           <a:xfrm>
-            <a:off x="5004048" y="3140968"/>
-            <a:ext cx="3594919" cy="3329039"/>
+            <a:off x="395536" y="4365104"/>
+            <a:ext cx="2143125" cy="2343150"/>
           </a:xfrm>
           <a:prstGeom prst="rect">
             <a:avLst/>
@@ -25488,44 +25429,14 @@
       </p:pic>
       <p:sp>
         <p:nvSpPr>
-          <p:cNvPr id="10" name="TextBox 9"/>
+          <p:cNvPr id="21" name="TextBox 20"/>
           <p:cNvSpPr txBox="1"/>
           <p:nvPr/>
         </p:nvSpPr>
         <p:spPr>
           <a:xfrm>
-            <a:off x="5292080" y="6453336"/>
-            <a:ext cx="3278141" cy="369332"/>
-          </a:xfrm>
-          <a:prstGeom prst="rect">
-            <a:avLst/>
-          </a:prstGeom>
-          <a:noFill/>
-        </p:spPr>
-        <p:txBody>
-          <a:bodyPr wrap="none" rtlCol="0">
-            <a:spAutoFit/>
-          </a:bodyPr>
-          <a:lstStyle/>
-          <a:p>
-            <a:r>
-              <a:rPr lang="en-US" dirty="0" smtClean="0"/>
-              <a:t>Assume X and Y are independent</a:t>
-            </a:r>
-            <a:endParaRPr lang="en-US" dirty="0"/>
-          </a:p>
-        </p:txBody>
-      </p:sp>
-      <p:sp>
-        <p:nvSpPr>
-          <p:cNvPr id="11" name="TextBox 10"/>
-          <p:cNvSpPr txBox="1"/>
-          <p:nvPr/>
-        </p:nvSpPr>
-        <p:spPr>
-          <a:xfrm>
-            <a:off x="251520" y="3646765"/>
-            <a:ext cx="2016224" cy="646331"/>
+            <a:off x="3419872" y="4293096"/>
+            <a:ext cx="1800200" cy="830997"/>
           </a:xfrm>
           <a:prstGeom prst="rect">
             <a:avLst/>
@@ -25539,34 +25450,78 @@
           <a:lstStyle/>
           <a:p>
             <a:r>
-              <a:rPr lang="en-US" sz="1200" dirty="0" smtClean="0"/>
-              <a:t>exponential</a:t>
-            </a:r>
-          </a:p>
-          <a:p>
-            <a:r>
-              <a:rPr lang="en-US" sz="1200" dirty="0" smtClean="0"/>
-              <a:t>x = {0, 1, 2, .., 10}</a:t>
-            </a:r>
-          </a:p>
-          <a:p>
-            <a:r>
-              <a:rPr lang="en-US" sz="1200" dirty="0" smtClean="0"/>
-              <a:t>rate=0.5</a:t>
-            </a:r>
-          </a:p>
-        </p:txBody>
-      </p:sp>
-      <p:sp>
-        <p:nvSpPr>
-          <p:cNvPr id="12" name="TextBox 11"/>
+              <a:rPr lang="zh-TW" altLang="en-US" sz="1200" dirty="0" smtClean="0">
+                <a:solidFill>
+                  <a:srgbClr val="00B0F0"/>
+                </a:solidFill>
+              </a:rPr>
+              <a:t>當</a:t>
+            </a:r>
+            <a:r>
+              <a:rPr lang="en-US" altLang="zh-TW" sz="1200" dirty="0" smtClean="0">
+                <a:solidFill>
+                  <a:srgbClr val="00B0F0"/>
+                </a:solidFill>
+              </a:rPr>
+              <a:t>degree of freedom</a:t>
+            </a:r>
+            <a:r>
+              <a:rPr lang="zh-TW" altLang="en-US" sz="1200" dirty="0" smtClean="0">
+                <a:solidFill>
+                  <a:srgbClr val="00B0F0"/>
+                </a:solidFill>
+              </a:rPr>
+              <a:t>小時，在尾巴的機率比較大。</a:t>
+            </a:r>
+            <a:endParaRPr lang="en-US" altLang="zh-TW" sz="1200" dirty="0" smtClean="0">
+              <a:solidFill>
+                <a:srgbClr val="00B0F0"/>
+              </a:solidFill>
+            </a:endParaRPr>
+          </a:p>
+          <a:p>
+            <a:r>
+              <a:rPr lang="zh-TW" altLang="en-US" sz="1200" dirty="0" smtClean="0">
+                <a:solidFill>
+                  <a:srgbClr val="00B0F0"/>
+                </a:solidFill>
+              </a:rPr>
+              <a:t>比起</a:t>
+            </a:r>
+            <a:r>
+              <a:rPr lang="en-US" altLang="zh-TW" sz="1200" dirty="0" smtClean="0">
+                <a:solidFill>
+                  <a:srgbClr val="00B0F0"/>
+                </a:solidFill>
+              </a:rPr>
+              <a:t>N(0, 1)</a:t>
+            </a:r>
+            <a:r>
+              <a:rPr lang="zh-TW" altLang="en-US" sz="1200" dirty="0" smtClean="0">
+                <a:solidFill>
+                  <a:srgbClr val="00B0F0"/>
+                </a:solidFill>
+              </a:rPr>
+              <a:t>，較容易吐出極端值</a:t>
+            </a:r>
+            <a:endParaRPr lang="en-US" altLang="zh-TW" sz="1200" dirty="0" smtClean="0">
+              <a:solidFill>
+                <a:srgbClr val="00B0F0"/>
+              </a:solidFill>
+            </a:endParaRPr>
+          </a:p>
+        </p:txBody>
+      </p:sp>
+      <p:sp>
+        <p:nvSpPr>
+          <p:cNvPr id="22" name="TextBox 21"/>
           <p:cNvSpPr txBox="1"/>
           <p:nvPr/>
         </p:nvSpPr>
         <p:spPr>
           <a:xfrm>
-            <a:off x="2627784" y="3645024"/>
-            <a:ext cx="2016224" cy="646331"/>
+            <a:off x="5770498" y="2535626"/>
+            <a:ext cx="864096" cy="276999"/>
           </a:xfrm>
           <a:prstGeom prst="rect">
             <a:avLst/>
@@ -25580,56 +25535,21 @@
           <a:lstStyle/>
           <a:p>
             <a:r>
-              <a:rPr lang="en-US" sz="1200" dirty="0" smtClean="0"/>
-              <a:t>exponential</a:t>
-            </a:r>
-          </a:p>
-          <a:p>
-            <a:r>
-              <a:rPr lang="en-US" sz="1200" dirty="0" smtClean="0"/>
-              <a:t>y = {0, 1, 2, .., 10}</a:t>
-            </a:r>
-          </a:p>
-          <a:p>
-            <a:r>
-              <a:rPr lang="en-US" sz="1200" dirty="0" smtClean="0"/>
-              <a:t>rate=0.5</a:t>
-            </a:r>
-          </a:p>
-        </p:txBody>
-      </p:sp>
-      <p:pic>
-        <p:nvPicPr>
-          <p:cNvPr id="36872" name="Picture 8"/>
-          <p:cNvPicPr>
-            <a:picLocks noChangeAspect="1" noChangeArrowheads="1"/>
-          </p:cNvPicPr>
-          <p:nvPr/>
-        </p:nvPicPr>
-        <p:blipFill>
-          <a:blip r:embed="rId5" cstate="print"/>
-          <a:srcRect/>
-          <a:stretch>
-            <a:fillRect/>
-          </a:stretch>
-        </p:blipFill>
-        <p:spPr bwMode="auto">
-          <a:xfrm>
-            <a:off x="395536" y="2204864"/>
-            <a:ext cx="5648325" cy="1133475"/>
-          </a:xfrm>
-          <a:prstGeom prst="rect">
-            <a:avLst/>
-          </a:prstGeom>
-          <a:noFill/>
-          <a:ln w="9525">
-            <a:noFill/>
-            <a:miter lim="800000"/>
-            <a:headEnd/>
-            <a:tailEnd/>
-          </a:ln>
-        </p:spPr>
-      </p:pic>
+              <a:rPr lang="zh-TW" altLang="en-US" sz="1200" dirty="0" smtClean="0">
+                <a:solidFill>
+                  <a:srgbClr val="00B0F0"/>
+                </a:solidFill>
+              </a:rPr>
+              <a:t>是對稱的</a:t>
+            </a:r>
+            <a:endParaRPr lang="en-US" altLang="zh-TW" sz="1200" dirty="0" smtClean="0">
+              <a:solidFill>
+                <a:srgbClr val="00B0F0"/>
+              </a:solidFill>
+            </a:endParaRPr>
+          </a:p>
+        </p:txBody>
+      </p:sp>
     </p:spTree>
   </p:cSld>
   <p:clrMapOvr>
@@ -25680,128 +25600,248 @@
           <a:lstStyle/>
           <a:p>
             <a:r>
+              <a:rPr lang="en-US" altLang="zh-TW" dirty="0" smtClean="0"/>
+              <a:t>f</a:t>
+            </a:r>
+            <a:endParaRPr lang="en-US" dirty="0"/>
+          </a:p>
+        </p:txBody>
+      </p:sp>
+      <p:sp>
+        <p:nvSpPr>
+          <p:cNvPr id="3" name="Content Placeholder 2"/>
+          <p:cNvSpPr>
+            <a:spLocks noGrp="1"/>
+          </p:cNvSpPr>
+          <p:nvPr>
+            <p:ph idx="1"/>
+          </p:nvPr>
+        </p:nvSpPr>
+        <p:spPr>
+          <a:xfrm>
+            <a:off x="457200" y="980729"/>
+            <a:ext cx="8229600" cy="3384375"/>
+          </a:xfrm>
+        </p:spPr>
+        <p:txBody>
+          <a:bodyPr>
+            <a:normAutofit fontScale="70000" lnSpcReduction="20000"/>
+          </a:bodyPr>
+          <a:lstStyle/>
+          <a:p>
+            <a:r>
+              <a:rPr lang="en-US" altLang="zh-TW" dirty="0" smtClean="0"/>
+              <a:t>Intuition</a:t>
+            </a:r>
+          </a:p>
+          <a:p>
+            <a:pPr lvl="1"/>
+            <a:r>
+              <a:rPr lang="en-US" altLang="zh-TW" dirty="0" smtClean="0">
+                <a:sym typeface="Symbol"/>
+              </a:rPr>
+              <a:t>Chi-square</a:t>
+            </a:r>
+            <a:r>
+              <a:rPr lang="zh-TW" altLang="en-US" dirty="0" smtClean="0">
+                <a:sym typeface="Symbol"/>
+              </a:rPr>
+              <a:t>的平均相除的感覺</a:t>
+            </a:r>
+            <a:endParaRPr lang="en-US" altLang="zh-TW" dirty="0" smtClean="0"/>
+          </a:p>
+          <a:p>
+            <a:pPr lvl="1"/>
+            <a:r>
+              <a:rPr lang="en-US" altLang="zh-TW" dirty="0" smtClean="0"/>
+              <a:t>F(1, n)</a:t>
+            </a:r>
+            <a:r>
+              <a:rPr lang="zh-TW" altLang="en-US" dirty="0" smtClean="0"/>
+              <a:t>是</a:t>
+            </a:r>
+            <a:r>
+              <a:rPr lang="en-US" altLang="zh-TW" dirty="0" err="1" smtClean="0"/>
+              <a:t>Tn</a:t>
+            </a:r>
+            <a:r>
+              <a:rPr lang="zh-TW" altLang="en-US" dirty="0" smtClean="0"/>
+              <a:t>平方</a:t>
+            </a:r>
+            <a:endParaRPr lang="en-US" altLang="zh-TW" dirty="0" smtClean="0"/>
+          </a:p>
+          <a:p>
+            <a:pPr lvl="1"/>
+            <a:r>
+              <a:rPr lang="zh-TW" altLang="en-US" dirty="0" smtClean="0"/>
+              <a:t>對應</a:t>
+            </a:r>
+            <a:r>
+              <a:rPr lang="en-US" altLang="zh-TW" dirty="0" smtClean="0"/>
+              <a:t>Lecture note</a:t>
+            </a:r>
+          </a:p>
+          <a:p>
+            <a:pPr lvl="2"/>
+            <a:r>
+              <a:rPr lang="en-US" altLang="zh-TW" dirty="0" smtClean="0">
+                <a:sym typeface="Symbol"/>
+              </a:rPr>
+              <a:t>m: df1:</a:t>
+            </a:r>
+            <a:r>
+              <a:rPr lang="zh-TW" altLang="en-US" dirty="0" smtClean="0">
+                <a:sym typeface="Symbol"/>
+              </a:rPr>
+              <a:t> </a:t>
+            </a:r>
+            <a:r>
+              <a:rPr lang="en-US" altLang="zh-TW" dirty="0" smtClean="0">
+                <a:sym typeface="Symbol"/>
+              </a:rPr>
+              <a:t>degree of freedom</a:t>
+            </a:r>
+          </a:p>
+          <a:p>
+            <a:pPr lvl="2"/>
+            <a:r>
+              <a:rPr lang="en-US" altLang="zh-TW" dirty="0" smtClean="0">
+                <a:sym typeface="Symbol"/>
+              </a:rPr>
+              <a:t>n: df2:</a:t>
+            </a:r>
+            <a:r>
+              <a:rPr lang="zh-TW" altLang="en-US" dirty="0" smtClean="0">
+                <a:sym typeface="Symbol"/>
+              </a:rPr>
+              <a:t> </a:t>
+            </a:r>
+            <a:r>
+              <a:rPr lang="en-US" altLang="zh-TW" dirty="0" smtClean="0">
+                <a:sym typeface="Symbol"/>
+              </a:rPr>
+              <a:t>degree of freedom</a:t>
+            </a:r>
+          </a:p>
+          <a:p>
+            <a:r>
               <a:rPr lang="en-US" dirty="0" smtClean="0"/>
-              <a:t>Joint CDF</a:t>
-            </a:r>
-            <a:endParaRPr lang="en-US" dirty="0"/>
-          </a:p>
-        </p:txBody>
-      </p:sp>
-      <p:sp>
-        <p:nvSpPr>
-          <p:cNvPr id="10" name="TextBox 9"/>
-          <p:cNvSpPr txBox="1"/>
-          <p:nvPr/>
-        </p:nvSpPr>
-        <p:spPr>
-          <a:xfrm>
-            <a:off x="4860032" y="6453336"/>
-            <a:ext cx="3278141" cy="369332"/>
-          </a:xfrm>
-          <a:prstGeom prst="rect">
-            <a:avLst/>
-          </a:prstGeom>
-          <a:noFill/>
-        </p:spPr>
-        <p:txBody>
-          <a:bodyPr wrap="none" rtlCol="0">
-            <a:spAutoFit/>
-          </a:bodyPr>
-          <a:lstStyle/>
-          <a:p>
+              <a:t>R function</a:t>
+            </a:r>
+          </a:p>
+          <a:p>
+            <a:pPr lvl="1"/>
+            <a:r>
+              <a:rPr lang="en-US" dirty="0" err="1" smtClean="0"/>
+              <a:t>df</a:t>
+            </a:r>
             <a:r>
               <a:rPr lang="en-US" dirty="0" smtClean="0"/>
-              <a:t>Assume X and Y are independent</a:t>
-            </a:r>
-            <a:endParaRPr lang="en-US" dirty="0"/>
-          </a:p>
-        </p:txBody>
-      </p:sp>
-      <p:sp>
-        <p:nvSpPr>
-          <p:cNvPr id="11" name="TextBox 10"/>
-          <p:cNvSpPr txBox="1"/>
-          <p:nvPr/>
-        </p:nvSpPr>
-        <p:spPr>
-          <a:xfrm>
-            <a:off x="251520" y="3646765"/>
-            <a:ext cx="2016224" cy="646331"/>
-          </a:xfrm>
-          <a:prstGeom prst="rect">
-            <a:avLst/>
-          </a:prstGeom>
-          <a:noFill/>
-        </p:spPr>
-        <p:txBody>
-          <a:bodyPr wrap="square" rtlCol="0">
-            <a:spAutoFit/>
-          </a:bodyPr>
-          <a:lstStyle/>
-          <a:p>
-            <a:r>
-              <a:rPr lang="en-US" sz="1200" dirty="0" smtClean="0"/>
-              <a:t>exponential</a:t>
-            </a:r>
-          </a:p>
-          <a:p>
-            <a:r>
-              <a:rPr lang="en-US" sz="1200" dirty="0" smtClean="0"/>
-              <a:t>x = {0, 1, 2, .., 10}</a:t>
-            </a:r>
-          </a:p>
-          <a:p>
-            <a:r>
-              <a:rPr lang="en-US" sz="1200" dirty="0" smtClean="0"/>
-              <a:t>rate=0.5</a:t>
-            </a:r>
-          </a:p>
-        </p:txBody>
-      </p:sp>
-      <p:sp>
-        <p:nvSpPr>
-          <p:cNvPr id="12" name="TextBox 11"/>
-          <p:cNvSpPr txBox="1"/>
-          <p:nvPr/>
-        </p:nvSpPr>
-        <p:spPr>
-          <a:xfrm>
-            <a:off x="2627784" y="3645024"/>
-            <a:ext cx="2016224" cy="646331"/>
-          </a:xfrm>
-          <a:prstGeom prst="rect">
-            <a:avLst/>
-          </a:prstGeom>
-          <a:noFill/>
-        </p:spPr>
-        <p:txBody>
-          <a:bodyPr wrap="square" rtlCol="0">
-            <a:spAutoFit/>
-          </a:bodyPr>
-          <a:lstStyle/>
-          <a:p>
-            <a:r>
-              <a:rPr lang="en-US" sz="1200" dirty="0" smtClean="0"/>
-              <a:t>exponential</a:t>
-            </a:r>
-          </a:p>
-          <a:p>
-            <a:r>
-              <a:rPr lang="en-US" sz="1200" dirty="0" smtClean="0"/>
-              <a:t>y = {0, 1, 2, .., 10}</a:t>
-            </a:r>
-          </a:p>
-          <a:p>
-            <a:r>
-              <a:rPr lang="en-US" sz="1200" dirty="0" smtClean="0"/>
-              <a:t>rate=0.5</a:t>
+              <a:t>(x, df1, df2, </a:t>
+            </a:r>
+            <a:r>
+              <a:rPr lang="en-US" dirty="0" err="1" smtClean="0"/>
+              <a:t>ncp</a:t>
+            </a:r>
+            <a:r>
+              <a:rPr lang="en-US" dirty="0" smtClean="0"/>
+              <a:t>, log = FALSE)</a:t>
+            </a:r>
+          </a:p>
+          <a:p>
+            <a:pPr lvl="1"/>
+            <a:r>
+              <a:rPr lang="en-US" dirty="0" err="1" smtClean="0"/>
+              <a:t>pf</a:t>
+            </a:r>
+            <a:r>
+              <a:rPr lang="en-US" dirty="0" smtClean="0"/>
+              <a:t>(q, df1, df2, </a:t>
+            </a:r>
+            <a:r>
+              <a:rPr lang="en-US" dirty="0" err="1" smtClean="0"/>
+              <a:t>ncp</a:t>
+            </a:r>
+            <a:r>
+              <a:rPr lang="en-US" dirty="0" smtClean="0"/>
+              <a:t>, </a:t>
+            </a:r>
+            <a:r>
+              <a:rPr lang="en-US" dirty="0" err="1" smtClean="0"/>
+              <a:t>lower.tail</a:t>
+            </a:r>
+            <a:r>
+              <a:rPr lang="en-US" dirty="0" smtClean="0"/>
+              <a:t> = TRUE, </a:t>
+            </a:r>
+            <a:r>
+              <a:rPr lang="en-US" dirty="0" err="1" smtClean="0"/>
+              <a:t>log.p</a:t>
+            </a:r>
+            <a:r>
+              <a:rPr lang="en-US" dirty="0" smtClean="0"/>
+              <a:t> = FALSE)</a:t>
+            </a:r>
+          </a:p>
+          <a:p>
+            <a:pPr lvl="1"/>
+            <a:r>
+              <a:rPr lang="en-US" dirty="0" err="1" smtClean="0"/>
+              <a:t>qf</a:t>
+            </a:r>
+            <a:r>
+              <a:rPr lang="en-US" dirty="0" smtClean="0"/>
+              <a:t>(p, df1, df2, </a:t>
+            </a:r>
+            <a:r>
+              <a:rPr lang="en-US" dirty="0" err="1" smtClean="0"/>
+              <a:t>ncp</a:t>
+            </a:r>
+            <a:r>
+              <a:rPr lang="en-US" dirty="0" smtClean="0"/>
+              <a:t>, </a:t>
+            </a:r>
+            <a:r>
+              <a:rPr lang="en-US" dirty="0" err="1" smtClean="0"/>
+              <a:t>lower.tail</a:t>
+            </a:r>
+            <a:r>
+              <a:rPr lang="en-US" dirty="0" smtClean="0"/>
+              <a:t> = TRUE, </a:t>
+            </a:r>
+            <a:r>
+              <a:rPr lang="en-US" dirty="0" err="1" smtClean="0"/>
+              <a:t>log.p</a:t>
+            </a:r>
+            <a:r>
+              <a:rPr lang="en-US" dirty="0" smtClean="0"/>
+              <a:t> = FALSE)</a:t>
+            </a:r>
+          </a:p>
+          <a:p>
+            <a:pPr lvl="1"/>
+            <a:r>
+              <a:rPr lang="en-US" dirty="0" err="1" smtClean="0"/>
+              <a:t>rf</a:t>
+            </a:r>
+            <a:r>
+              <a:rPr lang="en-US" dirty="0" smtClean="0"/>
+              <a:t>(n, df1, df2, </a:t>
+            </a:r>
+            <a:r>
+              <a:rPr lang="en-US" dirty="0" err="1" smtClean="0"/>
+              <a:t>ncp</a:t>
+            </a:r>
+            <a:r>
+              <a:rPr lang="en-US" dirty="0" smtClean="0"/>
+              <a:t>)</a:t>
             </a:r>
           </a:p>
         </p:txBody>
       </p:sp>
       <p:pic>
         <p:nvPicPr>
-          <p:cNvPr id="37890" name="Picture 2"/>
+          <p:cNvPr id="45058" name="Picture 2"/>
           <p:cNvPicPr>
             <a:picLocks noChangeAspect="1" noChangeArrowheads="1"/>
           </p:cNvPicPr>
@@ -25816,8 +25856,8 @@
         </p:blipFill>
         <p:spPr bwMode="auto">
           <a:xfrm>
-            <a:off x="4932040" y="3429000"/>
-            <a:ext cx="3096344" cy="3080161"/>
+            <a:off x="539552" y="4309716"/>
+            <a:ext cx="6552728" cy="2548283"/>
           </a:xfrm>
           <a:prstGeom prst="rect">
             <a:avLst/>
@@ -25833,7 +25873,7 @@
       </p:pic>
       <p:pic>
         <p:nvPicPr>
-          <p:cNvPr id="37891" name="Picture 3"/>
+          <p:cNvPr id="41986" name="Picture 2"/>
           <p:cNvPicPr>
             <a:picLocks noChangeAspect="1" noChangeArrowheads="1"/>
           </p:cNvPicPr>
@@ -25848,8 +25888,8 @@
         </p:blipFill>
         <p:spPr bwMode="auto">
           <a:xfrm>
-            <a:off x="179512" y="4365104"/>
-            <a:ext cx="2181225" cy="2276475"/>
+            <a:off x="4572000" y="1156758"/>
+            <a:ext cx="1440160" cy="480053"/>
           </a:xfrm>
           <a:prstGeom prst="rect">
             <a:avLst/>
@@ -25863,480 +25903,6 @@
           </a:ln>
         </p:spPr>
       </p:pic>
-      <p:pic>
-        <p:nvPicPr>
-          <p:cNvPr id="37892" name="Picture 4"/>
-          <p:cNvPicPr>
-            <a:picLocks noChangeAspect="1" noChangeArrowheads="1"/>
-          </p:cNvPicPr>
-          <p:nvPr/>
-        </p:nvPicPr>
-        <p:blipFill>
-          <a:blip r:embed="rId4" cstate="print"/>
-          <a:srcRect/>
-          <a:stretch>
-            <a:fillRect/>
-          </a:stretch>
-        </p:blipFill>
-        <p:spPr bwMode="auto">
-          <a:xfrm>
-            <a:off x="2627784" y="4365104"/>
-            <a:ext cx="2181225" cy="2276475"/>
-          </a:xfrm>
-          <a:prstGeom prst="rect">
-            <a:avLst/>
-          </a:prstGeom>
-          <a:noFill/>
-          <a:ln w="9525">
-            <a:noFill/>
-            <a:miter lim="800000"/>
-            <a:headEnd/>
-            <a:tailEnd/>
-          </a:ln>
-        </p:spPr>
-      </p:pic>
-      <p:pic>
-        <p:nvPicPr>
-          <p:cNvPr id="37893" name="Picture 5"/>
-          <p:cNvPicPr>
-            <a:picLocks noChangeAspect="1" noChangeArrowheads="1"/>
-          </p:cNvPicPr>
-          <p:nvPr/>
-        </p:nvPicPr>
-        <p:blipFill>
-          <a:blip r:embed="rId5" cstate="print"/>
-          <a:srcRect/>
-          <a:stretch>
-            <a:fillRect/>
-          </a:stretch>
-        </p:blipFill>
-        <p:spPr bwMode="auto">
-          <a:xfrm>
-            <a:off x="611560" y="836712"/>
-            <a:ext cx="6153150" cy="723900"/>
-          </a:xfrm>
-          <a:prstGeom prst="rect">
-            <a:avLst/>
-          </a:prstGeom>
-          <a:noFill/>
-          <a:ln w="9525">
-            <a:noFill/>
-            <a:miter lim="800000"/>
-            <a:headEnd/>
-            <a:tailEnd/>
-          </a:ln>
-        </p:spPr>
-      </p:pic>
-      <p:cxnSp>
-        <p:nvCxnSpPr>
-          <p:cNvPr id="15" name="Straight Arrow Connector 14"/>
-          <p:cNvCxnSpPr/>
-          <p:nvPr/>
-        </p:nvCxnSpPr>
-        <p:spPr>
-          <a:xfrm flipH="1">
-            <a:off x="6588224" y="4509120"/>
-            <a:ext cx="1277888" cy="731115"/>
-          </a:xfrm>
-          <a:prstGeom prst="straightConnector1">
-            <a:avLst/>
-          </a:prstGeom>
-          <a:ln>
-            <a:solidFill>
-              <a:srgbClr val="00B0F0"/>
-            </a:solidFill>
-            <a:tailEnd type="arrow"/>
-          </a:ln>
-        </p:spPr>
-        <p:style>
-          <a:lnRef idx="1">
-            <a:schemeClr val="accent1"/>
-          </a:lnRef>
-          <a:fillRef idx="0">
-            <a:schemeClr val="accent1"/>
-          </a:fillRef>
-          <a:effectRef idx="0">
-            <a:schemeClr val="accent1"/>
-          </a:effectRef>
-          <a:fontRef idx="minor">
-            <a:schemeClr val="tx1"/>
-          </a:fontRef>
-        </p:style>
-      </p:cxnSp>
-      <p:sp>
-        <p:nvSpPr>
-          <p:cNvPr id="16" name="TextBox 15"/>
-          <p:cNvSpPr txBox="1"/>
-          <p:nvPr/>
-        </p:nvSpPr>
-        <p:spPr>
-          <a:xfrm>
-            <a:off x="7812360" y="4191471"/>
-            <a:ext cx="792088" cy="461665"/>
-          </a:xfrm>
-          <a:prstGeom prst="rect">
-            <a:avLst/>
-          </a:prstGeom>
-          <a:noFill/>
-        </p:spPr>
-        <p:txBody>
-          <a:bodyPr wrap="square" rtlCol="0">
-            <a:spAutoFit/>
-          </a:bodyPr>
-          <a:lstStyle/>
-          <a:p>
-            <a:r>
-              <a:rPr lang="zh-TW" altLang="en-US" sz="1200" dirty="0" smtClean="0">
-                <a:solidFill>
-                  <a:srgbClr val="00B0F0"/>
-                </a:solidFill>
-              </a:rPr>
-              <a:t>點高度</a:t>
-            </a:r>
-            <a:r>
-              <a:rPr lang="en-US" altLang="zh-TW" sz="1200" dirty="0" smtClean="0">
-                <a:solidFill>
-                  <a:srgbClr val="00B0F0"/>
-                </a:solidFill>
-              </a:rPr>
-              <a:t>=</a:t>
-            </a:r>
-            <a:r>
-              <a:rPr lang="zh-TW" altLang="en-US" sz="1200" dirty="0" smtClean="0">
-                <a:solidFill>
-                  <a:srgbClr val="00B0F0"/>
-                </a:solidFill>
-              </a:rPr>
-              <a:t>機率值</a:t>
-            </a:r>
-            <a:endParaRPr lang="en-US" altLang="zh-TW" sz="1200" dirty="0" smtClean="0">
-              <a:solidFill>
-                <a:srgbClr val="00B0F0"/>
-              </a:solidFill>
-            </a:endParaRPr>
-          </a:p>
-        </p:txBody>
-      </p:sp>
-      <p:pic>
-        <p:nvPicPr>
-          <p:cNvPr id="37894" name="Picture 6"/>
-          <p:cNvPicPr>
-            <a:picLocks noChangeAspect="1" noChangeArrowheads="1"/>
-          </p:cNvPicPr>
-          <p:nvPr/>
-        </p:nvPicPr>
-        <p:blipFill>
-          <a:blip r:embed="rId6" cstate="print"/>
-          <a:srcRect/>
-          <a:stretch>
-            <a:fillRect/>
-          </a:stretch>
-        </p:blipFill>
-        <p:spPr bwMode="auto">
-          <a:xfrm>
-            <a:off x="611560" y="1556792"/>
-            <a:ext cx="7372350" cy="1847850"/>
-          </a:xfrm>
-          <a:prstGeom prst="rect">
-            <a:avLst/>
-          </a:prstGeom>
-          <a:noFill/>
-          <a:ln w="9525">
-            <a:noFill/>
-            <a:miter lim="800000"/>
-            <a:headEnd/>
-            <a:tailEnd/>
-          </a:ln>
-        </p:spPr>
-      </p:pic>
-      <p:sp>
-        <p:nvSpPr>
-          <p:cNvPr id="19" name="TextBox 18"/>
-          <p:cNvSpPr txBox="1"/>
-          <p:nvPr/>
-        </p:nvSpPr>
-        <p:spPr>
-          <a:xfrm>
-            <a:off x="70265" y="1597103"/>
-            <a:ext cx="973343" cy="276999"/>
-          </a:xfrm>
-          <a:prstGeom prst="rect">
-            <a:avLst/>
-          </a:prstGeom>
-          <a:noFill/>
-        </p:spPr>
-        <p:txBody>
-          <a:bodyPr wrap="square" rtlCol="0">
-            <a:spAutoFit/>
-          </a:bodyPr>
-          <a:lstStyle/>
-          <a:p>
-            <a:r>
-              <a:rPr lang="en-US" altLang="zh-TW" sz="1200" dirty="0" smtClean="0">
-                <a:solidFill>
-                  <a:srgbClr val="00B0F0"/>
-                </a:solidFill>
-              </a:rPr>
-              <a:t>CDF</a:t>
-            </a:r>
-            <a:r>
-              <a:rPr lang="zh-TW" altLang="en-US" sz="1200" dirty="0" smtClean="0">
-                <a:solidFill>
-                  <a:srgbClr val="00B0F0"/>
-                </a:solidFill>
-              </a:rPr>
-              <a:t>介於</a:t>
-            </a:r>
-            <a:r>
-              <a:rPr lang="en-US" altLang="zh-TW" sz="1200" dirty="0" smtClean="0">
-                <a:solidFill>
-                  <a:srgbClr val="00B0F0"/>
-                </a:solidFill>
-              </a:rPr>
-              <a:t>0~1</a:t>
-            </a:r>
-            <a:endParaRPr lang="en-US" altLang="en-US" sz="1200" dirty="0" smtClean="0">
-              <a:solidFill>
-                <a:srgbClr val="00B0F0"/>
-              </a:solidFill>
-            </a:endParaRPr>
-          </a:p>
-        </p:txBody>
-      </p:sp>
-      <p:cxnSp>
-        <p:nvCxnSpPr>
-          <p:cNvPr id="20" name="Straight Arrow Connector 19"/>
-          <p:cNvCxnSpPr/>
-          <p:nvPr/>
-        </p:nvCxnSpPr>
-        <p:spPr>
-          <a:xfrm flipH="1">
-            <a:off x="6804248" y="3573016"/>
-            <a:ext cx="432048" cy="144016"/>
-          </a:xfrm>
-          <a:prstGeom prst="straightConnector1">
-            <a:avLst/>
-          </a:prstGeom>
-          <a:ln>
-            <a:solidFill>
-              <a:srgbClr val="00B0F0"/>
-            </a:solidFill>
-            <a:tailEnd type="arrow"/>
-          </a:ln>
-        </p:spPr>
-        <p:style>
-          <a:lnRef idx="1">
-            <a:schemeClr val="accent1"/>
-          </a:lnRef>
-          <a:fillRef idx="0">
-            <a:schemeClr val="accent1"/>
-          </a:fillRef>
-          <a:effectRef idx="0">
-            <a:schemeClr val="accent1"/>
-          </a:effectRef>
-          <a:fontRef idx="minor">
-            <a:schemeClr val="tx1"/>
-          </a:fontRef>
-        </p:style>
-      </p:cxnSp>
-      <p:sp>
-        <p:nvSpPr>
-          <p:cNvPr id="21" name="TextBox 20"/>
-          <p:cNvSpPr txBox="1"/>
-          <p:nvPr/>
-        </p:nvSpPr>
-        <p:spPr>
-          <a:xfrm>
-            <a:off x="7164288" y="3358733"/>
-            <a:ext cx="1547664" cy="646331"/>
-          </a:xfrm>
-          <a:prstGeom prst="rect">
-            <a:avLst/>
-          </a:prstGeom>
-          <a:noFill/>
-        </p:spPr>
-        <p:txBody>
-          <a:bodyPr wrap="square" rtlCol="0">
-            <a:spAutoFit/>
-          </a:bodyPr>
-          <a:lstStyle/>
-          <a:p>
-            <a:r>
-              <a:rPr lang="zh-TW" altLang="en-US" sz="1200" dirty="0" smtClean="0">
-                <a:solidFill>
-                  <a:srgbClr val="FF0000"/>
-                </a:solidFill>
-              </a:rPr>
-              <a:t>所有維度</a:t>
-            </a:r>
-            <a:r>
-              <a:rPr lang="zh-TW" altLang="en-US" sz="1200" dirty="0" smtClean="0">
-                <a:solidFill>
-                  <a:srgbClr val="00B0F0"/>
-                </a:solidFill>
-              </a:rPr>
-              <a:t>都趨進於無限大時，</a:t>
-            </a:r>
-            <a:r>
-              <a:rPr lang="en-US" altLang="zh-TW" sz="1200" dirty="0" smtClean="0">
-                <a:solidFill>
-                  <a:srgbClr val="00B0F0"/>
-                </a:solidFill>
-              </a:rPr>
-              <a:t>CDF</a:t>
-            </a:r>
-            <a:r>
-              <a:rPr lang="zh-TW" altLang="en-US" sz="1200" dirty="0" smtClean="0">
-                <a:solidFill>
-                  <a:srgbClr val="00B0F0"/>
-                </a:solidFill>
-              </a:rPr>
-              <a:t>為</a:t>
-            </a:r>
-            <a:r>
-              <a:rPr lang="en-US" altLang="zh-TW" sz="1200" dirty="0" smtClean="0">
-                <a:solidFill>
-                  <a:srgbClr val="00B0F0"/>
-                </a:solidFill>
-              </a:rPr>
-              <a:t>1 (</a:t>
-            </a:r>
-            <a:r>
-              <a:rPr lang="zh-TW" altLang="en-US" sz="1200" dirty="0" smtClean="0">
-                <a:solidFill>
-                  <a:srgbClr val="00B0F0"/>
-                </a:solidFill>
-              </a:rPr>
-              <a:t>機率為</a:t>
-            </a:r>
-            <a:r>
-              <a:rPr lang="en-US" altLang="zh-TW" sz="1200" dirty="0" smtClean="0">
-                <a:solidFill>
-                  <a:srgbClr val="00B0F0"/>
-                </a:solidFill>
-              </a:rPr>
-              <a:t>1)</a:t>
-            </a:r>
-          </a:p>
-        </p:txBody>
-      </p:sp>
-      <p:cxnSp>
-        <p:nvCxnSpPr>
-          <p:cNvPr id="26" name="Straight Arrow Connector 25"/>
-          <p:cNvCxnSpPr/>
-          <p:nvPr/>
-        </p:nvCxnSpPr>
-        <p:spPr>
-          <a:xfrm flipH="1" flipV="1">
-            <a:off x="7092280" y="6019547"/>
-            <a:ext cx="504056" cy="217765"/>
-          </a:xfrm>
-          <a:prstGeom prst="straightConnector1">
-            <a:avLst/>
-          </a:prstGeom>
-          <a:ln>
-            <a:solidFill>
-              <a:srgbClr val="00B0F0"/>
-            </a:solidFill>
-            <a:tailEnd type="arrow"/>
-          </a:ln>
-        </p:spPr>
-        <p:style>
-          <a:lnRef idx="1">
-            <a:schemeClr val="accent1"/>
-          </a:lnRef>
-          <a:fillRef idx="0">
-            <a:schemeClr val="accent1"/>
-          </a:fillRef>
-          <a:effectRef idx="0">
-            <a:schemeClr val="accent1"/>
-          </a:effectRef>
-          <a:fontRef idx="minor">
-            <a:schemeClr val="tx1"/>
-          </a:fontRef>
-        </p:style>
-      </p:cxnSp>
-      <p:sp>
-        <p:nvSpPr>
-          <p:cNvPr id="27" name="TextBox 26"/>
-          <p:cNvSpPr txBox="1"/>
-          <p:nvPr/>
-        </p:nvSpPr>
-        <p:spPr>
-          <a:xfrm>
-            <a:off x="7596336" y="5877272"/>
-            <a:ext cx="1547664" cy="646331"/>
-          </a:xfrm>
-          <a:prstGeom prst="rect">
-            <a:avLst/>
-          </a:prstGeom>
-          <a:noFill/>
-        </p:spPr>
-        <p:txBody>
-          <a:bodyPr wrap="square" rtlCol="0">
-            <a:spAutoFit/>
-          </a:bodyPr>
-          <a:lstStyle/>
-          <a:p>
-            <a:r>
-              <a:rPr lang="zh-TW" altLang="en-US" sz="1200" dirty="0" smtClean="0">
-                <a:solidFill>
-                  <a:srgbClr val="FF0000"/>
-                </a:solidFill>
-              </a:rPr>
-              <a:t>任一個</a:t>
-            </a:r>
-            <a:r>
-              <a:rPr lang="zh-TW" altLang="en-US" sz="1200" dirty="0" smtClean="0">
-                <a:solidFill>
-                  <a:srgbClr val="00B0F0"/>
-                </a:solidFill>
-              </a:rPr>
-              <a:t>維度趨進於負無限大時，</a:t>
-            </a:r>
-            <a:r>
-              <a:rPr lang="en-US" altLang="zh-TW" sz="1200" dirty="0" smtClean="0">
-                <a:solidFill>
-                  <a:srgbClr val="00B0F0"/>
-                </a:solidFill>
-              </a:rPr>
-              <a:t>CDF</a:t>
-            </a:r>
-            <a:r>
-              <a:rPr lang="zh-TW" altLang="en-US" sz="1200" dirty="0" smtClean="0">
-                <a:solidFill>
-                  <a:srgbClr val="00B0F0"/>
-                </a:solidFill>
-              </a:rPr>
-              <a:t>為</a:t>
-            </a:r>
-            <a:r>
-              <a:rPr lang="en-US" altLang="zh-TW" sz="1200" dirty="0" smtClean="0">
-                <a:solidFill>
-                  <a:srgbClr val="00B0F0"/>
-                </a:solidFill>
-              </a:rPr>
-              <a:t>0 (</a:t>
-            </a:r>
-            <a:r>
-              <a:rPr lang="zh-TW" altLang="en-US" sz="1200" dirty="0" smtClean="0">
-                <a:solidFill>
-                  <a:srgbClr val="00B0F0"/>
-                </a:solidFill>
-              </a:rPr>
-              <a:t>機率為</a:t>
-            </a:r>
-            <a:r>
-              <a:rPr lang="en-US" altLang="zh-TW" sz="1200" dirty="0" smtClean="0">
-                <a:solidFill>
-                  <a:srgbClr val="00B0F0"/>
-                </a:solidFill>
-              </a:rPr>
-              <a:t>0)</a:t>
-            </a:r>
-          </a:p>
-        </p:txBody>
-      </p:sp>
     </p:spTree>
   </p:cSld>
   <p:clrMapOvr>
@@ -26369,6 +25935,38 @@
           <a:chExt cx="0" cy="0"/>
         </a:xfrm>
       </p:grpSpPr>
+      <p:pic>
+        <p:nvPicPr>
+          <p:cNvPr id="46082" name="Picture 2"/>
+          <p:cNvPicPr>
+            <a:picLocks noChangeAspect="1" noChangeArrowheads="1"/>
+          </p:cNvPicPr>
+          <p:nvPr/>
+        </p:nvPicPr>
+        <p:blipFill>
+          <a:blip r:embed="rId2" cstate="print"/>
+          <a:srcRect/>
+          <a:stretch>
+            <a:fillRect/>
+          </a:stretch>
+        </p:blipFill>
+        <p:spPr bwMode="auto">
+          <a:xfrm>
+            <a:off x="2843808" y="2492896"/>
+            <a:ext cx="3103561" cy="3096343"/>
+          </a:xfrm>
+          <a:prstGeom prst="rect">
+            <a:avLst/>
+          </a:prstGeom>
+          <a:noFill/>
+          <a:ln w="9525">
+            <a:noFill/>
+            <a:miter lim="800000"/>
+            <a:headEnd/>
+            <a:tailEnd/>
+          </a:ln>
+        </p:spPr>
+      </p:pic>
       <p:sp>
         <p:nvSpPr>
           <p:cNvPr id="2" name="Title 1"/>
@@ -26387,8 +25985,16 @@
           <a:lstStyle/>
           <a:p>
             <a:r>
+              <a:rPr lang="en-US" dirty="0" err="1" smtClean="0"/>
+              <a:t>pdf</a:t>
+            </a:r>
+            <a:r>
               <a:rPr lang="en-US" dirty="0" smtClean="0"/>
-              <a:t>Convolution</a:t>
+              <a:t>/</a:t>
+            </a:r>
+            <a:r>
+              <a:rPr lang="en-US" dirty="0" err="1" smtClean="0"/>
+              <a:t>cdf</a:t>
             </a:r>
             <a:endParaRPr lang="en-US" dirty="0"/>
           </a:p>
@@ -26396,61 +26002,174 @@
       </p:sp>
       <p:sp>
         <p:nvSpPr>
-          <p:cNvPr id="3" name="Content Placeholder 2"/>
-          <p:cNvSpPr>
-            <a:spLocks noGrp="1"/>
-          </p:cNvSpPr>
-          <p:nvPr>
-            <p:ph idx="1"/>
-          </p:nvPr>
-        </p:nvSpPr>
-        <p:spPr>
-          <a:xfrm>
-            <a:off x="457200" y="980729"/>
-            <a:ext cx="8229600" cy="1584176"/>
-          </a:xfrm>
-        </p:spPr>
-        <p:txBody>
-          <a:bodyPr>
-            <a:normAutofit fontScale="92500"/>
+          <p:cNvPr id="6" name="TextBox 5"/>
+          <p:cNvSpPr txBox="1"/>
+          <p:nvPr/>
+        </p:nvSpPr>
+        <p:spPr>
+          <a:xfrm>
+            <a:off x="467544" y="908720"/>
+            <a:ext cx="2016224" cy="1015663"/>
+          </a:xfrm>
+          <a:prstGeom prst="rect">
+            <a:avLst/>
+          </a:prstGeom>
+          <a:noFill/>
+        </p:spPr>
+        <p:txBody>
+          <a:bodyPr wrap="square" rtlCol="0">
+            <a:spAutoFit/>
           </a:bodyPr>
           <a:lstStyle/>
           <a:p>
             <a:r>
-              <a:rPr lang="en-US" dirty="0" smtClean="0"/>
-              <a:t>The probability distribution of the </a:t>
-            </a:r>
-            <a:r>
-              <a:rPr lang="en-US" dirty="0" smtClean="0">
-                <a:solidFill>
-                  <a:srgbClr val="00B0F0"/>
-                </a:solidFill>
-              </a:rPr>
-              <a:t>sum</a:t>
-            </a:r>
-            <a:r>
-              <a:rPr lang="en-US" dirty="0" smtClean="0"/>
-              <a:t> of two or more </a:t>
-            </a:r>
-            <a:r>
-              <a:rPr lang="en-US" dirty="0" smtClean="0">
-                <a:solidFill>
-                  <a:srgbClr val="FF0000"/>
-                </a:solidFill>
-              </a:rPr>
-              <a:t>independent</a:t>
-            </a:r>
-            <a:r>
-              <a:rPr lang="en-US" dirty="0" smtClean="0"/>
-              <a:t> random variables is the convolution of their individual distributions</a:t>
-            </a:r>
-            <a:endParaRPr lang="en-US" dirty="0"/>
+              <a:rPr lang="en-US" sz="1200" dirty="0" smtClean="0"/>
+              <a:t>x = {0, 1, 2, .., 10}</a:t>
+            </a:r>
+          </a:p>
+          <a:p>
+            <a:r>
+              <a:rPr lang="en-US" sz="1200" dirty="0" smtClean="0"/>
+              <a:t>df1 = 5</a:t>
+            </a:r>
+          </a:p>
+          <a:p>
+            <a:r>
+              <a:rPr lang="en-US" sz="1200" dirty="0" smtClean="0"/>
+              <a:t>df2 = 5</a:t>
+            </a:r>
+          </a:p>
+          <a:p>
+            <a:r>
+              <a:rPr lang="en-US" sz="1200" dirty="0" smtClean="0"/>
+              <a:t>mean = 1.67</a:t>
+            </a:r>
+          </a:p>
+          <a:p>
+            <a:r>
+              <a:rPr lang="en-US" sz="1200" dirty="0" smtClean="0"/>
+              <a:t>variance = 8.89</a:t>
+            </a:r>
+            <a:endParaRPr lang="en-US" sz="1200" dirty="0"/>
+          </a:p>
+        </p:txBody>
+      </p:sp>
+      <p:sp>
+        <p:nvSpPr>
+          <p:cNvPr id="15" name="TextBox 14"/>
+          <p:cNvSpPr txBox="1"/>
+          <p:nvPr/>
+        </p:nvSpPr>
+        <p:spPr>
+          <a:xfrm>
+            <a:off x="4355976" y="2780927"/>
+            <a:ext cx="1440160" cy="1015663"/>
+          </a:xfrm>
+          <a:prstGeom prst="rect">
+            <a:avLst/>
+          </a:prstGeom>
+          <a:noFill/>
+        </p:spPr>
+        <p:txBody>
+          <a:bodyPr wrap="square" rtlCol="0">
+            <a:spAutoFit/>
+          </a:bodyPr>
+          <a:lstStyle/>
+          <a:p>
+            <a:r>
+              <a:rPr lang="en-US" sz="1200" dirty="0" smtClean="0"/>
+              <a:t>x = {0, 1, 2, .., 10}</a:t>
+            </a:r>
+          </a:p>
+          <a:p>
+            <a:r>
+              <a:rPr lang="en-US" sz="1200" dirty="0" smtClean="0"/>
+              <a:t>df1=10</a:t>
+            </a:r>
+          </a:p>
+          <a:p>
+            <a:r>
+              <a:rPr lang="en-US" sz="1200" dirty="0" smtClean="0"/>
+              <a:t>df2=1/2/3/4/…/10</a:t>
+            </a:r>
+          </a:p>
+          <a:p>
+            <a:r>
+              <a:rPr lang="en-US" sz="1200" dirty="0" smtClean="0"/>
+              <a:t>mean = {TBD}</a:t>
+            </a:r>
+          </a:p>
+          <a:p>
+            <a:r>
+              <a:rPr lang="en-US" sz="1200" dirty="0" smtClean="0"/>
+              <a:t>variance = {TBD}</a:t>
+            </a:r>
+          </a:p>
+        </p:txBody>
+      </p:sp>
+      <p:sp>
+        <p:nvSpPr>
+          <p:cNvPr id="19" name="TextBox 18"/>
+          <p:cNvSpPr txBox="1"/>
+          <p:nvPr/>
+        </p:nvSpPr>
+        <p:spPr>
+          <a:xfrm>
+            <a:off x="3275856" y="4581127"/>
+            <a:ext cx="453970" cy="230832"/>
+          </a:xfrm>
+          <a:prstGeom prst="rect">
+            <a:avLst/>
+          </a:prstGeom>
+          <a:noFill/>
+        </p:spPr>
+        <p:txBody>
+          <a:bodyPr wrap="none" rtlCol="0">
+            <a:spAutoFit/>
+          </a:bodyPr>
+          <a:lstStyle/>
+          <a:p>
+            <a:r>
+              <a:rPr lang="en-US" sz="900" dirty="0" smtClean="0"/>
+              <a:t>df2=1</a:t>
+            </a:r>
+            <a:endParaRPr lang="en-US" sz="900" dirty="0"/>
+          </a:p>
+        </p:txBody>
+      </p:sp>
+      <p:sp>
+        <p:nvSpPr>
+          <p:cNvPr id="23" name="TextBox 22"/>
+          <p:cNvSpPr txBox="1"/>
+          <p:nvPr/>
+        </p:nvSpPr>
+        <p:spPr>
+          <a:xfrm>
+            <a:off x="3563888" y="3140967"/>
+            <a:ext cx="511679" cy="230832"/>
+          </a:xfrm>
+          <a:prstGeom prst="rect">
+            <a:avLst/>
+          </a:prstGeom>
+          <a:noFill/>
+        </p:spPr>
+        <p:txBody>
+          <a:bodyPr wrap="none" rtlCol="0">
+            <a:spAutoFit/>
+          </a:bodyPr>
+          <a:lstStyle/>
+          <a:p>
+            <a:r>
+              <a:rPr lang="en-US" sz="900" dirty="0" smtClean="0"/>
+              <a:t>df2=10</a:t>
+            </a:r>
+            <a:endParaRPr lang="en-US" sz="900" dirty="0"/>
           </a:p>
         </p:txBody>
       </p:sp>
       <p:pic>
         <p:nvPicPr>
-          <p:cNvPr id="40962" name="Picture 2"/>
+          <p:cNvPr id="46083" name="Picture 3"/>
           <p:cNvPicPr>
             <a:picLocks noChangeAspect="1" noChangeArrowheads="1"/>
           </p:cNvPicPr>
@@ -26465,8 +26184,8 @@
         </p:blipFill>
         <p:spPr bwMode="auto">
           <a:xfrm>
-            <a:off x="0" y="2708920"/>
-            <a:ext cx="4464496" cy="1957215"/>
+            <a:off x="6040438" y="2492896"/>
+            <a:ext cx="3103562" cy="3096344"/>
           </a:xfrm>
           <a:prstGeom prst="rect">
             <a:avLst/>
@@ -26480,9 +26199,122 @@
           </a:ln>
         </p:spPr>
       </p:pic>
+      <p:sp>
+        <p:nvSpPr>
+          <p:cNvPr id="24" name="TextBox 23"/>
+          <p:cNvSpPr txBox="1"/>
+          <p:nvPr/>
+        </p:nvSpPr>
+        <p:spPr>
+          <a:xfrm>
+            <a:off x="7552606" y="2736304"/>
+            <a:ext cx="1440160" cy="1015663"/>
+          </a:xfrm>
+          <a:prstGeom prst="rect">
+            <a:avLst/>
+          </a:prstGeom>
+          <a:noFill/>
+        </p:spPr>
+        <p:txBody>
+          <a:bodyPr wrap="square" rtlCol="0">
+            <a:spAutoFit/>
+          </a:bodyPr>
+          <a:lstStyle/>
+          <a:p>
+            <a:r>
+              <a:rPr lang="en-US" sz="1200" dirty="0" smtClean="0"/>
+              <a:t>x = {0, 1, 2, .., 10}</a:t>
+            </a:r>
+          </a:p>
+          <a:p>
+            <a:r>
+              <a:rPr lang="en-US" sz="1200" dirty="0" smtClean="0"/>
+              <a:t>df1=1/2/3/4/…/10</a:t>
+            </a:r>
+          </a:p>
+          <a:p>
+            <a:r>
+              <a:rPr lang="en-US" sz="1200" dirty="0" smtClean="0"/>
+              <a:t>df2=10</a:t>
+            </a:r>
+          </a:p>
+          <a:p>
+            <a:r>
+              <a:rPr lang="en-US" sz="1200" dirty="0" smtClean="0"/>
+              <a:t>mean = {TBD}</a:t>
+            </a:r>
+          </a:p>
+          <a:p>
+            <a:r>
+              <a:rPr lang="en-US" sz="1200" dirty="0" smtClean="0"/>
+              <a:t>variance = {TBD}</a:t>
+            </a:r>
+          </a:p>
+        </p:txBody>
+      </p:sp>
+      <p:sp>
+        <p:nvSpPr>
+          <p:cNvPr id="25" name="TextBox 24"/>
+          <p:cNvSpPr txBox="1"/>
+          <p:nvPr/>
+        </p:nvSpPr>
+        <p:spPr>
+          <a:xfrm>
+            <a:off x="6522572" y="4824536"/>
+            <a:ext cx="453970" cy="230832"/>
+          </a:xfrm>
+          <a:prstGeom prst="rect">
+            <a:avLst/>
+          </a:prstGeom>
+          <a:noFill/>
+        </p:spPr>
+        <p:txBody>
+          <a:bodyPr wrap="none" rtlCol="0">
+            <a:spAutoFit/>
+          </a:bodyPr>
+          <a:lstStyle/>
+          <a:p>
+            <a:r>
+              <a:rPr lang="en-US" sz="900" dirty="0" smtClean="0"/>
+              <a:t>df1=1</a:t>
+            </a:r>
+            <a:endParaRPr lang="en-US" sz="900" dirty="0"/>
+          </a:p>
+        </p:txBody>
+      </p:sp>
+      <p:sp>
+        <p:nvSpPr>
+          <p:cNvPr id="26" name="TextBox 25"/>
+          <p:cNvSpPr txBox="1"/>
+          <p:nvPr/>
+        </p:nvSpPr>
+        <p:spPr>
+          <a:xfrm>
+            <a:off x="6616502" y="3456384"/>
+            <a:ext cx="511679" cy="230832"/>
+          </a:xfrm>
+          <a:prstGeom prst="rect">
+            <a:avLst/>
+          </a:prstGeom>
+          <a:noFill/>
+        </p:spPr>
+        <p:txBody>
+          <a:bodyPr wrap="none" rtlCol="0">
+            <a:spAutoFit/>
+          </a:bodyPr>
+          <a:lstStyle/>
+          <a:p>
+            <a:r>
+              <a:rPr lang="en-US" sz="900" dirty="0" smtClean="0"/>
+              <a:t>df1=10</a:t>
+            </a:r>
+            <a:endParaRPr lang="en-US" sz="900" dirty="0"/>
+          </a:p>
+        </p:txBody>
+      </p:sp>
       <p:pic>
         <p:nvPicPr>
-          <p:cNvPr id="40963" name="Picture 3"/>
+          <p:cNvPr id="46084" name="Picture 4"/>
           <p:cNvPicPr>
             <a:picLocks noChangeAspect="1" noChangeArrowheads="1"/>
           </p:cNvPicPr>
@@ -26497,8 +26329,8 @@
         </p:blipFill>
         <p:spPr bwMode="auto">
           <a:xfrm>
-            <a:off x="4499992" y="2708920"/>
-            <a:ext cx="4644008" cy="2668380"/>
+            <a:off x="395536" y="1916832"/>
+            <a:ext cx="2207228" cy="2392635"/>
           </a:xfrm>
           <a:prstGeom prst="rect">
             <a:avLst/>
@@ -26512,6 +26344,1883 @@
           </a:ln>
         </p:spPr>
       </p:pic>
+      <p:pic>
+        <p:nvPicPr>
+          <p:cNvPr id="46085" name="Picture 5"/>
+          <p:cNvPicPr>
+            <a:picLocks noChangeAspect="1" noChangeArrowheads="1"/>
+          </p:cNvPicPr>
+          <p:nvPr/>
+        </p:nvPicPr>
+        <p:blipFill>
+          <a:blip r:embed="rId5" cstate="print"/>
+          <a:srcRect/>
+          <a:stretch>
+            <a:fillRect/>
+          </a:stretch>
+        </p:blipFill>
+        <p:spPr bwMode="auto">
+          <a:xfrm>
+            <a:off x="395536" y="4365104"/>
+            <a:ext cx="2207228" cy="2392635"/>
+          </a:xfrm>
+          <a:prstGeom prst="rect">
+            <a:avLst/>
+          </a:prstGeom>
+          <a:noFill/>
+          <a:ln w="9525">
+            <a:noFill/>
+            <a:miter lim="800000"/>
+            <a:headEnd/>
+            <a:tailEnd/>
+          </a:ln>
+        </p:spPr>
+      </p:pic>
+    </p:spTree>
+  </p:cSld>
+  <p:clrMapOvr>
+    <a:masterClrMapping/>
+  </p:clrMapOvr>
+  <p:timing>
+    <p:tnLst>
+      <p:par>
+        <p:cTn id="1" dur="indefinite" restart="never" nodeType="tmRoot"/>
+      </p:par>
+    </p:tnLst>
+  </p:timing>
+</p:sld>
+</file>
+
+<file path=ppt/slides/slide37.xml><?xml version="1.0" encoding="utf-8"?>
+<p:sld xmlns:a="http://schemas.openxmlformats.org/drawingml/2006/main" xmlns:r="http://schemas.openxmlformats.org/officeDocument/2006/relationships" xmlns:p="http://schemas.openxmlformats.org/presentationml/2006/main">
+  <p:cSld>
+    <p:spTree>
+      <p:nvGrpSpPr>
+        <p:cNvPr id="1" name=""/>
+        <p:cNvGrpSpPr/>
+        <p:nvPr/>
+      </p:nvGrpSpPr>
+      <p:grpSpPr>
+        <a:xfrm>
+          <a:off x="0" y="0"/>
+          <a:ext cx="0" cy="0"/>
+          <a:chOff x="0" y="0"/>
+          <a:chExt cx="0" cy="0"/>
+        </a:xfrm>
+      </p:grpSpPr>
+      <p:sp>
+        <p:nvSpPr>
+          <p:cNvPr id="2" name="Title 1"/>
+          <p:cNvSpPr>
+            <a:spLocks noGrp="1"/>
+          </p:cNvSpPr>
+          <p:nvPr>
+            <p:ph type="title"/>
+          </p:nvPr>
+        </p:nvSpPr>
+        <p:spPr/>
+        <p:txBody>
+          <a:bodyPr>
+            <a:normAutofit fontScale="90000"/>
+          </a:bodyPr>
+          <a:lstStyle/>
+          <a:p>
+            <a:r>
+              <a:rPr lang="en-US" dirty="0" smtClean="0"/>
+              <a:t>Overview</a:t>
+            </a:r>
+            <a:endParaRPr lang="en-US" dirty="0"/>
+          </a:p>
+        </p:txBody>
+      </p:sp>
+      <p:sp>
+        <p:nvSpPr>
+          <p:cNvPr id="4" name="Rectangle 3"/>
+          <p:cNvSpPr/>
+          <p:nvPr/>
+        </p:nvSpPr>
+        <p:spPr>
+          <a:xfrm>
+            <a:off x="971600" y="3356992"/>
+            <a:ext cx="1368152" cy="504056"/>
+          </a:xfrm>
+          <a:prstGeom prst="rect">
+            <a:avLst/>
+          </a:prstGeom>
+        </p:spPr>
+        <p:style>
+          <a:lnRef idx="1">
+            <a:schemeClr val="accent1"/>
+          </a:lnRef>
+          <a:fillRef idx="2">
+            <a:schemeClr val="accent1"/>
+          </a:fillRef>
+          <a:effectRef idx="1">
+            <a:schemeClr val="accent1"/>
+          </a:effectRef>
+          <a:fontRef idx="minor">
+            <a:schemeClr val="dk1"/>
+          </a:fontRef>
+        </p:style>
+        <p:txBody>
+          <a:bodyPr rtlCol="0" anchor="ctr"/>
+          <a:lstStyle/>
+          <a:p>
+            <a:pPr algn="ctr"/>
+            <a:r>
+              <a:rPr lang="en-US" sz="1400" dirty="0" smtClean="0"/>
+              <a:t>Binomial</a:t>
+            </a:r>
+            <a:endParaRPr lang="en-US" sz="1400" dirty="0"/>
+          </a:p>
+        </p:txBody>
+      </p:sp>
+      <p:sp>
+        <p:nvSpPr>
+          <p:cNvPr id="5" name="Rectangle 4"/>
+          <p:cNvSpPr/>
+          <p:nvPr/>
+        </p:nvSpPr>
+        <p:spPr>
+          <a:xfrm>
+            <a:off x="1763688" y="4365104"/>
+            <a:ext cx="1368152" cy="504056"/>
+          </a:xfrm>
+          <a:prstGeom prst="rect">
+            <a:avLst/>
+          </a:prstGeom>
+        </p:spPr>
+        <p:style>
+          <a:lnRef idx="1">
+            <a:schemeClr val="accent1"/>
+          </a:lnRef>
+          <a:fillRef idx="2">
+            <a:schemeClr val="accent1"/>
+          </a:fillRef>
+          <a:effectRef idx="1">
+            <a:schemeClr val="accent1"/>
+          </a:effectRef>
+          <a:fontRef idx="minor">
+            <a:schemeClr val="dk1"/>
+          </a:fontRef>
+        </p:style>
+        <p:txBody>
+          <a:bodyPr rtlCol="0" anchor="ctr"/>
+          <a:lstStyle/>
+          <a:p>
+            <a:pPr algn="ctr"/>
+            <a:r>
+              <a:rPr lang="en-US" sz="1400" dirty="0" smtClean="0"/>
+              <a:t>Negative Binomial</a:t>
+            </a:r>
+            <a:endParaRPr lang="en-US" sz="1400" dirty="0"/>
+          </a:p>
+        </p:txBody>
+      </p:sp>
+      <p:sp>
+        <p:nvSpPr>
+          <p:cNvPr id="6" name="Rectangle 5"/>
+          <p:cNvSpPr/>
+          <p:nvPr/>
+        </p:nvSpPr>
+        <p:spPr>
+          <a:xfrm>
+            <a:off x="3779912" y="4365104"/>
+            <a:ext cx="1368152" cy="504056"/>
+          </a:xfrm>
+          <a:prstGeom prst="rect">
+            <a:avLst/>
+          </a:prstGeom>
+        </p:spPr>
+        <p:style>
+          <a:lnRef idx="1">
+            <a:schemeClr val="accent5"/>
+          </a:lnRef>
+          <a:fillRef idx="2">
+            <a:schemeClr val="accent5"/>
+          </a:fillRef>
+          <a:effectRef idx="1">
+            <a:schemeClr val="accent5"/>
+          </a:effectRef>
+          <a:fontRef idx="minor">
+            <a:schemeClr val="dk1"/>
+          </a:fontRef>
+        </p:style>
+        <p:txBody>
+          <a:bodyPr rtlCol="0" anchor="ctr"/>
+          <a:lstStyle/>
+          <a:p>
+            <a:pPr algn="ctr"/>
+            <a:r>
+              <a:rPr lang="en-US" sz="1400" dirty="0" smtClean="0"/>
+              <a:t>Exponential</a:t>
+            </a:r>
+            <a:endParaRPr lang="en-US" sz="1400" dirty="0"/>
+          </a:p>
+        </p:txBody>
+      </p:sp>
+      <p:sp>
+        <p:nvSpPr>
+          <p:cNvPr id="7" name="Rectangle 6"/>
+          <p:cNvSpPr/>
+          <p:nvPr/>
+        </p:nvSpPr>
+        <p:spPr>
+          <a:xfrm>
+            <a:off x="4572000" y="3356992"/>
+            <a:ext cx="1368152" cy="504056"/>
+          </a:xfrm>
+          <a:prstGeom prst="rect">
+            <a:avLst/>
+          </a:prstGeom>
+        </p:spPr>
+        <p:style>
+          <a:lnRef idx="1">
+            <a:schemeClr val="accent1"/>
+          </a:lnRef>
+          <a:fillRef idx="2">
+            <a:schemeClr val="accent1"/>
+          </a:fillRef>
+          <a:effectRef idx="1">
+            <a:schemeClr val="accent1"/>
+          </a:effectRef>
+          <a:fontRef idx="minor">
+            <a:schemeClr val="dk1"/>
+          </a:fontRef>
+        </p:style>
+        <p:txBody>
+          <a:bodyPr rtlCol="0" anchor="ctr"/>
+          <a:lstStyle/>
+          <a:p>
+            <a:pPr algn="ctr"/>
+            <a:r>
+              <a:rPr lang="en-US" sz="1400" dirty="0" smtClean="0"/>
+              <a:t>Poisson</a:t>
+            </a:r>
+            <a:endParaRPr lang="en-US" sz="1400" dirty="0"/>
+          </a:p>
+        </p:txBody>
+      </p:sp>
+      <p:sp>
+        <p:nvSpPr>
+          <p:cNvPr id="9" name="Rectangle 8"/>
+          <p:cNvSpPr/>
+          <p:nvPr/>
+        </p:nvSpPr>
+        <p:spPr>
+          <a:xfrm>
+            <a:off x="5364088" y="4365104"/>
+            <a:ext cx="1368152" cy="504056"/>
+          </a:xfrm>
+          <a:prstGeom prst="rect">
+            <a:avLst/>
+          </a:prstGeom>
+        </p:spPr>
+        <p:style>
+          <a:lnRef idx="1">
+            <a:schemeClr val="accent5"/>
+          </a:lnRef>
+          <a:fillRef idx="2">
+            <a:schemeClr val="accent5"/>
+          </a:fillRef>
+          <a:effectRef idx="1">
+            <a:schemeClr val="accent5"/>
+          </a:effectRef>
+          <a:fontRef idx="minor">
+            <a:schemeClr val="dk1"/>
+          </a:fontRef>
+        </p:style>
+        <p:txBody>
+          <a:bodyPr rtlCol="0" anchor="ctr"/>
+          <a:lstStyle/>
+          <a:p>
+            <a:pPr algn="ctr"/>
+            <a:r>
+              <a:rPr lang="en-US" sz="1400" dirty="0" smtClean="0"/>
+              <a:t>Gamma</a:t>
+            </a:r>
+            <a:endParaRPr lang="en-US" sz="1400" dirty="0"/>
+          </a:p>
+        </p:txBody>
+      </p:sp>
+      <p:sp>
+        <p:nvSpPr>
+          <p:cNvPr id="10" name="Rectangle 9"/>
+          <p:cNvSpPr/>
+          <p:nvPr/>
+        </p:nvSpPr>
+        <p:spPr>
+          <a:xfrm>
+            <a:off x="5364088" y="5301208"/>
+            <a:ext cx="1368152" cy="504056"/>
+          </a:xfrm>
+          <a:prstGeom prst="rect">
+            <a:avLst/>
+          </a:prstGeom>
+        </p:spPr>
+        <p:style>
+          <a:lnRef idx="1">
+            <a:schemeClr val="accent5"/>
+          </a:lnRef>
+          <a:fillRef idx="2">
+            <a:schemeClr val="accent5"/>
+          </a:fillRef>
+          <a:effectRef idx="1">
+            <a:schemeClr val="accent5"/>
+          </a:effectRef>
+          <a:fontRef idx="minor">
+            <a:schemeClr val="dk1"/>
+          </a:fontRef>
+        </p:style>
+        <p:txBody>
+          <a:bodyPr rtlCol="0" anchor="ctr"/>
+          <a:lstStyle/>
+          <a:p>
+            <a:pPr algn="ctr"/>
+            <a:r>
+              <a:rPr lang="en-US" sz="1400" dirty="0" smtClean="0"/>
+              <a:t>Beta</a:t>
+            </a:r>
+            <a:endParaRPr lang="en-US" sz="1400" dirty="0"/>
+          </a:p>
+        </p:txBody>
+      </p:sp>
+      <p:sp>
+        <p:nvSpPr>
+          <p:cNvPr id="11" name="Rectangle 10"/>
+          <p:cNvSpPr/>
+          <p:nvPr/>
+        </p:nvSpPr>
+        <p:spPr>
+          <a:xfrm>
+            <a:off x="7236296" y="3356992"/>
+            <a:ext cx="1368152" cy="504056"/>
+          </a:xfrm>
+          <a:prstGeom prst="rect">
+            <a:avLst/>
+          </a:prstGeom>
+        </p:spPr>
+        <p:style>
+          <a:lnRef idx="1">
+            <a:schemeClr val="accent5"/>
+          </a:lnRef>
+          <a:fillRef idx="2">
+            <a:schemeClr val="accent5"/>
+          </a:fillRef>
+          <a:effectRef idx="1">
+            <a:schemeClr val="accent5"/>
+          </a:effectRef>
+          <a:fontRef idx="minor">
+            <a:schemeClr val="dk1"/>
+          </a:fontRef>
+        </p:style>
+        <p:txBody>
+          <a:bodyPr rtlCol="0" anchor="ctr"/>
+          <a:lstStyle/>
+          <a:p>
+            <a:pPr algn="ctr"/>
+            <a:r>
+              <a:rPr lang="en-US" sz="1400" dirty="0" smtClean="0"/>
+              <a:t>Normal</a:t>
+            </a:r>
+            <a:endParaRPr lang="en-US" sz="1400" dirty="0"/>
+          </a:p>
+        </p:txBody>
+      </p:sp>
+      <p:sp>
+        <p:nvSpPr>
+          <p:cNvPr id="12" name="Rectangle 11"/>
+          <p:cNvSpPr/>
+          <p:nvPr/>
+        </p:nvSpPr>
+        <p:spPr>
+          <a:xfrm>
+            <a:off x="7236296" y="4365104"/>
+            <a:ext cx="1368152" cy="504056"/>
+          </a:xfrm>
+          <a:prstGeom prst="rect">
+            <a:avLst/>
+          </a:prstGeom>
+        </p:spPr>
+        <p:style>
+          <a:lnRef idx="1">
+            <a:schemeClr val="accent5"/>
+          </a:lnRef>
+          <a:fillRef idx="2">
+            <a:schemeClr val="accent5"/>
+          </a:fillRef>
+          <a:effectRef idx="1">
+            <a:schemeClr val="accent5"/>
+          </a:effectRef>
+          <a:fontRef idx="minor">
+            <a:schemeClr val="dk1"/>
+          </a:fontRef>
+        </p:style>
+        <p:txBody>
+          <a:bodyPr rtlCol="0" anchor="ctr"/>
+          <a:lstStyle/>
+          <a:p>
+            <a:pPr algn="ctr"/>
+            <a:r>
+              <a:rPr lang="en-US" sz="1400" dirty="0" smtClean="0"/>
+              <a:t>Cauchy</a:t>
+            </a:r>
+            <a:endParaRPr lang="en-US" sz="1400" dirty="0"/>
+          </a:p>
+        </p:txBody>
+      </p:sp>
+      <p:sp>
+        <p:nvSpPr>
+          <p:cNvPr id="13" name="Rectangle 12"/>
+          <p:cNvSpPr/>
+          <p:nvPr/>
+        </p:nvSpPr>
+        <p:spPr>
+          <a:xfrm>
+            <a:off x="7236296" y="2348880"/>
+            <a:ext cx="1368152" cy="504056"/>
+          </a:xfrm>
+          <a:prstGeom prst="rect">
+            <a:avLst/>
+          </a:prstGeom>
+        </p:spPr>
+        <p:style>
+          <a:lnRef idx="1">
+            <a:schemeClr val="accent5"/>
+          </a:lnRef>
+          <a:fillRef idx="2">
+            <a:schemeClr val="accent5"/>
+          </a:fillRef>
+          <a:effectRef idx="1">
+            <a:schemeClr val="accent5"/>
+          </a:effectRef>
+          <a:fontRef idx="minor">
+            <a:schemeClr val="dk1"/>
+          </a:fontRef>
+        </p:style>
+        <p:txBody>
+          <a:bodyPr rtlCol="0" anchor="ctr"/>
+          <a:lstStyle/>
+          <a:p>
+            <a:pPr algn="ctr"/>
+            <a:r>
+              <a:rPr lang="en-US" sz="1400" dirty="0" smtClean="0"/>
+              <a:t>Uniform</a:t>
+            </a:r>
+            <a:endParaRPr lang="en-US" sz="1400" dirty="0"/>
+          </a:p>
+        </p:txBody>
+      </p:sp>
+      <p:sp>
+        <p:nvSpPr>
+          <p:cNvPr id="14" name="Rectangle 13"/>
+          <p:cNvSpPr/>
+          <p:nvPr/>
+        </p:nvSpPr>
+        <p:spPr>
+          <a:xfrm>
+            <a:off x="179512" y="4365104"/>
+            <a:ext cx="1368152" cy="504056"/>
+          </a:xfrm>
+          <a:prstGeom prst="rect">
+            <a:avLst/>
+          </a:prstGeom>
+        </p:spPr>
+        <p:style>
+          <a:lnRef idx="1">
+            <a:schemeClr val="accent1"/>
+          </a:lnRef>
+          <a:fillRef idx="2">
+            <a:schemeClr val="accent1"/>
+          </a:fillRef>
+          <a:effectRef idx="1">
+            <a:schemeClr val="accent1"/>
+          </a:effectRef>
+          <a:fontRef idx="minor">
+            <a:schemeClr val="dk1"/>
+          </a:fontRef>
+        </p:style>
+        <p:txBody>
+          <a:bodyPr rtlCol="0" anchor="ctr"/>
+          <a:lstStyle/>
+          <a:p>
+            <a:pPr algn="ctr"/>
+            <a:r>
+              <a:rPr lang="en-US" sz="1400" dirty="0" smtClean="0"/>
+              <a:t>Geometric</a:t>
+            </a:r>
+            <a:endParaRPr lang="en-US" sz="1400" dirty="0"/>
+          </a:p>
+        </p:txBody>
+      </p:sp>
+      <p:sp>
+        <p:nvSpPr>
+          <p:cNvPr id="15" name="Rectangle 14"/>
+          <p:cNvSpPr/>
+          <p:nvPr/>
+        </p:nvSpPr>
+        <p:spPr>
+          <a:xfrm>
+            <a:off x="3779912" y="5301208"/>
+            <a:ext cx="1368152" cy="504056"/>
+          </a:xfrm>
+          <a:prstGeom prst="rect">
+            <a:avLst/>
+          </a:prstGeom>
+        </p:spPr>
+        <p:style>
+          <a:lnRef idx="1">
+            <a:schemeClr val="accent5"/>
+          </a:lnRef>
+          <a:fillRef idx="2">
+            <a:schemeClr val="accent5"/>
+          </a:fillRef>
+          <a:effectRef idx="1">
+            <a:schemeClr val="accent5"/>
+          </a:effectRef>
+          <a:fontRef idx="minor">
+            <a:schemeClr val="dk1"/>
+          </a:fontRef>
+        </p:style>
+        <p:txBody>
+          <a:bodyPr rtlCol="0" anchor="ctr"/>
+          <a:lstStyle/>
+          <a:p>
+            <a:pPr algn="ctr"/>
+            <a:r>
+              <a:rPr lang="en-US" sz="1400" dirty="0" err="1" smtClean="0"/>
+              <a:t>Weibull</a:t>
+            </a:r>
+            <a:endParaRPr lang="en-US" sz="1400" dirty="0"/>
+          </a:p>
+        </p:txBody>
+      </p:sp>
+      <p:sp>
+        <p:nvSpPr>
+          <p:cNvPr id="16" name="Rectangle 15"/>
+          <p:cNvSpPr/>
+          <p:nvPr/>
+        </p:nvSpPr>
+        <p:spPr>
+          <a:xfrm>
+            <a:off x="971600" y="2420888"/>
+            <a:ext cx="1368152" cy="504056"/>
+          </a:xfrm>
+          <a:prstGeom prst="rect">
+            <a:avLst/>
+          </a:prstGeom>
+        </p:spPr>
+        <p:style>
+          <a:lnRef idx="1">
+            <a:schemeClr val="accent1"/>
+          </a:lnRef>
+          <a:fillRef idx="2">
+            <a:schemeClr val="accent1"/>
+          </a:fillRef>
+          <a:effectRef idx="1">
+            <a:schemeClr val="accent1"/>
+          </a:effectRef>
+          <a:fontRef idx="minor">
+            <a:schemeClr val="dk1"/>
+          </a:fontRef>
+        </p:style>
+        <p:txBody>
+          <a:bodyPr rtlCol="0" anchor="ctr"/>
+          <a:lstStyle/>
+          <a:p>
+            <a:pPr algn="ctr"/>
+            <a:r>
+              <a:rPr lang="en-US" sz="1400" dirty="0" err="1" smtClean="0"/>
+              <a:t>Hypergeometric</a:t>
+            </a:r>
+            <a:endParaRPr lang="en-US" sz="1400" dirty="0"/>
+          </a:p>
+        </p:txBody>
+      </p:sp>
+      <p:cxnSp>
+        <p:nvCxnSpPr>
+          <p:cNvPr id="18" name="Elbow Connector 17"/>
+          <p:cNvCxnSpPr>
+            <a:stCxn id="4" idx="1"/>
+            <a:endCxn id="14" idx="0"/>
+          </p:cNvCxnSpPr>
+          <p:nvPr/>
+        </p:nvCxnSpPr>
+        <p:spPr>
+          <a:xfrm rot="10800000" flipV="1">
+            <a:off x="863588" y="3609020"/>
+            <a:ext cx="108012" cy="756084"/>
+          </a:xfrm>
+          <a:prstGeom prst="bentConnector2">
+            <a:avLst/>
+          </a:prstGeom>
+          <a:ln>
+            <a:headEnd type="arrow"/>
+            <a:tailEnd type="arrow"/>
+          </a:ln>
+        </p:spPr>
+        <p:style>
+          <a:lnRef idx="1">
+            <a:schemeClr val="accent1"/>
+          </a:lnRef>
+          <a:fillRef idx="0">
+            <a:schemeClr val="accent1"/>
+          </a:fillRef>
+          <a:effectRef idx="0">
+            <a:schemeClr val="accent1"/>
+          </a:effectRef>
+          <a:fontRef idx="minor">
+            <a:schemeClr val="tx1"/>
+          </a:fontRef>
+        </p:style>
+      </p:cxnSp>
+      <p:cxnSp>
+        <p:nvCxnSpPr>
+          <p:cNvPr id="20" name="Elbow Connector 19"/>
+          <p:cNvCxnSpPr>
+            <a:stCxn id="4" idx="3"/>
+            <a:endCxn id="5" idx="0"/>
+          </p:cNvCxnSpPr>
+          <p:nvPr/>
+        </p:nvCxnSpPr>
+        <p:spPr>
+          <a:xfrm>
+            <a:off x="2339752" y="3609020"/>
+            <a:ext cx="108012" cy="756084"/>
+          </a:xfrm>
+          <a:prstGeom prst="bentConnector2">
+            <a:avLst/>
+          </a:prstGeom>
+          <a:ln>
+            <a:headEnd type="arrow"/>
+            <a:tailEnd type="arrow"/>
+          </a:ln>
+        </p:spPr>
+        <p:style>
+          <a:lnRef idx="1">
+            <a:schemeClr val="accent1"/>
+          </a:lnRef>
+          <a:fillRef idx="0">
+            <a:schemeClr val="accent1"/>
+          </a:fillRef>
+          <a:effectRef idx="0">
+            <a:schemeClr val="accent1"/>
+          </a:effectRef>
+          <a:fontRef idx="minor">
+            <a:schemeClr val="tx1"/>
+          </a:fontRef>
+        </p:style>
+      </p:cxnSp>
+      <p:cxnSp>
+        <p:nvCxnSpPr>
+          <p:cNvPr id="24" name="Straight Arrow Connector 23"/>
+          <p:cNvCxnSpPr>
+            <a:stCxn id="14" idx="3"/>
+            <a:endCxn id="5" idx="1"/>
+          </p:cNvCxnSpPr>
+          <p:nvPr/>
+        </p:nvCxnSpPr>
+        <p:spPr>
+          <a:xfrm>
+            <a:off x="1547664" y="4617132"/>
+            <a:ext cx="216024" cy="0"/>
+          </a:xfrm>
+          <a:prstGeom prst="straightConnector1">
+            <a:avLst/>
+          </a:prstGeom>
+          <a:ln>
+            <a:headEnd type="arrow"/>
+            <a:tailEnd type="arrow"/>
+          </a:ln>
+        </p:spPr>
+        <p:style>
+          <a:lnRef idx="1">
+            <a:schemeClr val="accent1"/>
+          </a:lnRef>
+          <a:fillRef idx="0">
+            <a:schemeClr val="accent1"/>
+          </a:fillRef>
+          <a:effectRef idx="0">
+            <a:schemeClr val="accent1"/>
+          </a:effectRef>
+          <a:fontRef idx="minor">
+            <a:schemeClr val="tx1"/>
+          </a:fontRef>
+        </p:style>
+      </p:cxnSp>
+      <p:cxnSp>
+        <p:nvCxnSpPr>
+          <p:cNvPr id="26" name="Straight Arrow Connector 25"/>
+          <p:cNvCxnSpPr>
+            <a:stCxn id="6" idx="3"/>
+            <a:endCxn id="9" idx="1"/>
+          </p:cNvCxnSpPr>
+          <p:nvPr/>
+        </p:nvCxnSpPr>
+        <p:spPr>
+          <a:xfrm>
+            <a:off x="5148064" y="4617132"/>
+            <a:ext cx="216024" cy="0"/>
+          </a:xfrm>
+          <a:prstGeom prst="straightConnector1">
+            <a:avLst/>
+          </a:prstGeom>
+          <a:ln>
+            <a:headEnd type="arrow"/>
+            <a:tailEnd type="arrow"/>
+          </a:ln>
+        </p:spPr>
+        <p:style>
+          <a:lnRef idx="1">
+            <a:schemeClr val="accent1"/>
+          </a:lnRef>
+          <a:fillRef idx="0">
+            <a:schemeClr val="accent1"/>
+          </a:fillRef>
+          <a:effectRef idx="0">
+            <a:schemeClr val="accent1"/>
+          </a:effectRef>
+          <a:fontRef idx="minor">
+            <a:schemeClr val="tx1"/>
+          </a:fontRef>
+        </p:style>
+      </p:cxnSp>
+      <p:cxnSp>
+        <p:nvCxnSpPr>
+          <p:cNvPr id="28" name="Shape 27"/>
+          <p:cNvCxnSpPr>
+            <a:stCxn id="7" idx="1"/>
+            <a:endCxn id="6" idx="0"/>
+          </p:cNvCxnSpPr>
+          <p:nvPr/>
+        </p:nvCxnSpPr>
+        <p:spPr>
+          <a:xfrm rot="10800000" flipV="1">
+            <a:off x="4463988" y="3609020"/>
+            <a:ext cx="108012" cy="756084"/>
+          </a:xfrm>
+          <a:prstGeom prst="bentConnector2">
+            <a:avLst/>
+          </a:prstGeom>
+          <a:ln>
+            <a:headEnd type="arrow"/>
+            <a:tailEnd type="arrow"/>
+          </a:ln>
+        </p:spPr>
+        <p:style>
+          <a:lnRef idx="1">
+            <a:schemeClr val="accent1"/>
+          </a:lnRef>
+          <a:fillRef idx="0">
+            <a:schemeClr val="accent1"/>
+          </a:fillRef>
+          <a:effectRef idx="0">
+            <a:schemeClr val="accent1"/>
+          </a:effectRef>
+          <a:fontRef idx="minor">
+            <a:schemeClr val="tx1"/>
+          </a:fontRef>
+        </p:style>
+      </p:cxnSp>
+      <p:cxnSp>
+        <p:nvCxnSpPr>
+          <p:cNvPr id="30" name="Shape 29"/>
+          <p:cNvCxnSpPr>
+            <a:stCxn id="7" idx="3"/>
+            <a:endCxn id="9" idx="0"/>
+          </p:cNvCxnSpPr>
+          <p:nvPr/>
+        </p:nvCxnSpPr>
+        <p:spPr>
+          <a:xfrm>
+            <a:off x="5940152" y="3609020"/>
+            <a:ext cx="108012" cy="756084"/>
+          </a:xfrm>
+          <a:prstGeom prst="bentConnector2">
+            <a:avLst/>
+          </a:prstGeom>
+          <a:ln>
+            <a:headEnd type="arrow"/>
+            <a:tailEnd type="arrow"/>
+          </a:ln>
+        </p:spPr>
+        <p:style>
+          <a:lnRef idx="1">
+            <a:schemeClr val="accent1"/>
+          </a:lnRef>
+          <a:fillRef idx="0">
+            <a:schemeClr val="accent1"/>
+          </a:fillRef>
+          <a:effectRef idx="0">
+            <a:schemeClr val="accent1"/>
+          </a:effectRef>
+          <a:fontRef idx="minor">
+            <a:schemeClr val="tx1"/>
+          </a:fontRef>
+        </p:style>
+      </p:cxnSp>
+      <p:cxnSp>
+        <p:nvCxnSpPr>
+          <p:cNvPr id="32" name="Straight Arrow Connector 31"/>
+          <p:cNvCxnSpPr>
+            <a:stCxn id="16" idx="2"/>
+            <a:endCxn id="4" idx="0"/>
+          </p:cNvCxnSpPr>
+          <p:nvPr/>
+        </p:nvCxnSpPr>
+        <p:spPr>
+          <a:xfrm>
+            <a:off x="1655676" y="2924944"/>
+            <a:ext cx="0" cy="432048"/>
+          </a:xfrm>
+          <a:prstGeom prst="straightConnector1">
+            <a:avLst/>
+          </a:prstGeom>
+          <a:ln>
+            <a:headEnd type="arrow"/>
+            <a:tailEnd type="arrow"/>
+          </a:ln>
+        </p:spPr>
+        <p:style>
+          <a:lnRef idx="1">
+            <a:schemeClr val="accent1"/>
+          </a:lnRef>
+          <a:fillRef idx="0">
+            <a:schemeClr val="accent1"/>
+          </a:fillRef>
+          <a:effectRef idx="0">
+            <a:schemeClr val="accent1"/>
+          </a:effectRef>
+          <a:fontRef idx="minor">
+            <a:schemeClr val="tx1"/>
+          </a:fontRef>
+        </p:style>
+      </p:cxnSp>
+      <p:cxnSp>
+        <p:nvCxnSpPr>
+          <p:cNvPr id="34" name="Straight Arrow Connector 33"/>
+          <p:cNvCxnSpPr>
+            <a:stCxn id="9" idx="2"/>
+            <a:endCxn id="10" idx="0"/>
+          </p:cNvCxnSpPr>
+          <p:nvPr/>
+        </p:nvCxnSpPr>
+        <p:spPr>
+          <a:xfrm>
+            <a:off x="6048164" y="4869160"/>
+            <a:ext cx="0" cy="432048"/>
+          </a:xfrm>
+          <a:prstGeom prst="straightConnector1">
+            <a:avLst/>
+          </a:prstGeom>
+          <a:ln>
+            <a:headEnd type="arrow"/>
+            <a:tailEnd type="arrow"/>
+          </a:ln>
+        </p:spPr>
+        <p:style>
+          <a:lnRef idx="1">
+            <a:schemeClr val="accent1"/>
+          </a:lnRef>
+          <a:fillRef idx="0">
+            <a:schemeClr val="accent1"/>
+          </a:fillRef>
+          <a:effectRef idx="0">
+            <a:schemeClr val="accent1"/>
+          </a:effectRef>
+          <a:fontRef idx="minor">
+            <a:schemeClr val="tx1"/>
+          </a:fontRef>
+        </p:style>
+      </p:cxnSp>
+      <p:cxnSp>
+        <p:nvCxnSpPr>
+          <p:cNvPr id="36" name="Straight Arrow Connector 35"/>
+          <p:cNvCxnSpPr>
+            <a:stCxn id="6" idx="2"/>
+            <a:endCxn id="15" idx="0"/>
+          </p:cNvCxnSpPr>
+          <p:nvPr/>
+        </p:nvCxnSpPr>
+        <p:spPr>
+          <a:xfrm>
+            <a:off x="4463988" y="4869160"/>
+            <a:ext cx="0" cy="432048"/>
+          </a:xfrm>
+          <a:prstGeom prst="straightConnector1">
+            <a:avLst/>
+          </a:prstGeom>
+          <a:ln>
+            <a:headEnd type="arrow"/>
+            <a:tailEnd type="arrow"/>
+          </a:ln>
+        </p:spPr>
+        <p:style>
+          <a:lnRef idx="1">
+            <a:schemeClr val="accent1"/>
+          </a:lnRef>
+          <a:fillRef idx="0">
+            <a:schemeClr val="accent1"/>
+          </a:fillRef>
+          <a:effectRef idx="0">
+            <a:schemeClr val="accent1"/>
+          </a:effectRef>
+          <a:fontRef idx="minor">
+            <a:schemeClr val="tx1"/>
+          </a:fontRef>
+        </p:style>
+      </p:cxnSp>
+      <p:cxnSp>
+        <p:nvCxnSpPr>
+          <p:cNvPr id="38" name="Straight Arrow Connector 37"/>
+          <p:cNvCxnSpPr>
+            <a:stCxn id="11" idx="2"/>
+            <a:endCxn id="12" idx="0"/>
+          </p:cNvCxnSpPr>
+          <p:nvPr/>
+        </p:nvCxnSpPr>
+        <p:spPr>
+          <a:xfrm>
+            <a:off x="7920372" y="3861048"/>
+            <a:ext cx="0" cy="504056"/>
+          </a:xfrm>
+          <a:prstGeom prst="straightConnector1">
+            <a:avLst/>
+          </a:prstGeom>
+          <a:ln>
+            <a:headEnd type="arrow"/>
+            <a:tailEnd type="arrow"/>
+          </a:ln>
+        </p:spPr>
+        <p:style>
+          <a:lnRef idx="1">
+            <a:schemeClr val="accent1"/>
+          </a:lnRef>
+          <a:fillRef idx="0">
+            <a:schemeClr val="accent1"/>
+          </a:fillRef>
+          <a:effectRef idx="0">
+            <a:schemeClr val="accent1"/>
+          </a:effectRef>
+          <a:fontRef idx="minor">
+            <a:schemeClr val="tx1"/>
+          </a:fontRef>
+        </p:style>
+      </p:cxnSp>
+      <p:sp>
+        <p:nvSpPr>
+          <p:cNvPr id="39" name="TextBox 38"/>
+          <p:cNvSpPr txBox="1"/>
+          <p:nvPr/>
+        </p:nvSpPr>
+        <p:spPr>
+          <a:xfrm>
+            <a:off x="1631858" y="2882214"/>
+            <a:ext cx="1685077" cy="230832"/>
+          </a:xfrm>
+          <a:prstGeom prst="rect">
+            <a:avLst/>
+          </a:prstGeom>
+          <a:noFill/>
+        </p:spPr>
+        <p:txBody>
+          <a:bodyPr wrap="none" rtlCol="0">
+            <a:spAutoFit/>
+          </a:bodyPr>
+          <a:lstStyle/>
+          <a:p>
+            <a:r>
+              <a:rPr lang="zh-TW" altLang="en-US" sz="900" dirty="0" smtClean="0"/>
+              <a:t>抽球不放回，抽第幾球的機率</a:t>
+            </a:r>
+            <a:endParaRPr lang="en-US" sz="900" dirty="0"/>
+          </a:p>
+        </p:txBody>
+      </p:sp>
+      <p:sp>
+        <p:nvSpPr>
+          <p:cNvPr id="40" name="TextBox 39"/>
+          <p:cNvSpPr txBox="1"/>
+          <p:nvPr/>
+        </p:nvSpPr>
+        <p:spPr>
+          <a:xfrm>
+            <a:off x="1619672" y="3166606"/>
+            <a:ext cx="1569660" cy="230832"/>
+          </a:xfrm>
+          <a:prstGeom prst="rect">
+            <a:avLst/>
+          </a:prstGeom>
+          <a:noFill/>
+        </p:spPr>
+        <p:txBody>
+          <a:bodyPr wrap="none" rtlCol="0">
+            <a:spAutoFit/>
+          </a:bodyPr>
+          <a:lstStyle/>
+          <a:p>
+            <a:r>
+              <a:rPr lang="zh-TW" altLang="en-US" sz="900" dirty="0" smtClean="0"/>
+              <a:t>抽球放回，抽第幾球的機率</a:t>
+            </a:r>
+            <a:endParaRPr lang="en-US" sz="900" dirty="0"/>
+          </a:p>
+        </p:txBody>
+      </p:sp>
+      <p:sp>
+        <p:nvSpPr>
+          <p:cNvPr id="41" name="TextBox 40"/>
+          <p:cNvSpPr txBox="1"/>
+          <p:nvPr/>
+        </p:nvSpPr>
+        <p:spPr>
+          <a:xfrm>
+            <a:off x="4442500" y="3140968"/>
+            <a:ext cx="1569660" cy="230832"/>
+          </a:xfrm>
+          <a:prstGeom prst="rect">
+            <a:avLst/>
+          </a:prstGeom>
+          <a:noFill/>
+        </p:spPr>
+        <p:txBody>
+          <a:bodyPr wrap="none" rtlCol="0">
+            <a:spAutoFit/>
+          </a:bodyPr>
+          <a:lstStyle/>
+          <a:p>
+            <a:r>
+              <a:rPr lang="zh-TW" altLang="en-US" sz="900" dirty="0" smtClean="0"/>
+              <a:t>抽球放回，抽第幾球的時間</a:t>
+            </a:r>
+            <a:endParaRPr lang="en-US" sz="900" dirty="0"/>
+          </a:p>
+        </p:txBody>
+      </p:sp>
+      <p:sp>
+        <p:nvSpPr>
+          <p:cNvPr id="42" name="TextBox 41"/>
+          <p:cNvSpPr txBox="1"/>
+          <p:nvPr/>
+        </p:nvSpPr>
+        <p:spPr>
+          <a:xfrm>
+            <a:off x="107505" y="4005064"/>
+            <a:ext cx="1584176" cy="369332"/>
+          </a:xfrm>
+          <a:prstGeom prst="rect">
+            <a:avLst/>
+          </a:prstGeom>
+          <a:noFill/>
+        </p:spPr>
+        <p:txBody>
+          <a:bodyPr wrap="square" rtlCol="0">
+            <a:spAutoFit/>
+          </a:bodyPr>
+          <a:lstStyle/>
+          <a:p>
+            <a:r>
+              <a:rPr lang="zh-TW" altLang="en-US" sz="900" dirty="0" smtClean="0"/>
+              <a:t>事件第一次發生，共需試幾次的機率</a:t>
+            </a:r>
+            <a:endParaRPr lang="en-US" sz="900" dirty="0"/>
+          </a:p>
+        </p:txBody>
+      </p:sp>
+      <p:sp>
+        <p:nvSpPr>
+          <p:cNvPr id="43" name="TextBox 42"/>
+          <p:cNvSpPr txBox="1"/>
+          <p:nvPr/>
+        </p:nvSpPr>
+        <p:spPr>
+          <a:xfrm>
+            <a:off x="1691680" y="4005064"/>
+            <a:ext cx="1584176" cy="369332"/>
+          </a:xfrm>
+          <a:prstGeom prst="rect">
+            <a:avLst/>
+          </a:prstGeom>
+          <a:noFill/>
+        </p:spPr>
+        <p:txBody>
+          <a:bodyPr wrap="square" rtlCol="0">
+            <a:spAutoFit/>
+          </a:bodyPr>
+          <a:lstStyle/>
+          <a:p>
+            <a:r>
+              <a:rPr lang="zh-TW" altLang="en-US" sz="900" dirty="0" smtClean="0"/>
+              <a:t>事件第</a:t>
+            </a:r>
+            <a:r>
+              <a:rPr lang="en-US" altLang="zh-TW" sz="900" dirty="0" smtClean="0"/>
+              <a:t>k</a:t>
+            </a:r>
+            <a:r>
+              <a:rPr lang="zh-TW" altLang="en-US" sz="900" dirty="0" smtClean="0"/>
+              <a:t>次發生，共需試幾次的機率</a:t>
+            </a:r>
+            <a:endParaRPr lang="en-US" sz="900" dirty="0"/>
+          </a:p>
+        </p:txBody>
+      </p:sp>
+      <p:sp>
+        <p:nvSpPr>
+          <p:cNvPr id="44" name="TextBox 43"/>
+          <p:cNvSpPr txBox="1"/>
+          <p:nvPr/>
+        </p:nvSpPr>
+        <p:spPr>
+          <a:xfrm>
+            <a:off x="3707905" y="4005064"/>
+            <a:ext cx="1584176" cy="369332"/>
+          </a:xfrm>
+          <a:prstGeom prst="rect">
+            <a:avLst/>
+          </a:prstGeom>
+          <a:noFill/>
+        </p:spPr>
+        <p:txBody>
+          <a:bodyPr wrap="square" rtlCol="0">
+            <a:spAutoFit/>
+          </a:bodyPr>
+          <a:lstStyle/>
+          <a:p>
+            <a:r>
+              <a:rPr lang="zh-TW" altLang="en-US" sz="900" dirty="0" smtClean="0"/>
+              <a:t>事件第一次發生，共需時間的機率</a:t>
+            </a:r>
+            <a:endParaRPr lang="en-US" sz="900" dirty="0"/>
+          </a:p>
+        </p:txBody>
+      </p:sp>
+      <p:sp>
+        <p:nvSpPr>
+          <p:cNvPr id="45" name="TextBox 44"/>
+          <p:cNvSpPr txBox="1"/>
+          <p:nvPr/>
+        </p:nvSpPr>
+        <p:spPr>
+          <a:xfrm>
+            <a:off x="5292080" y="4005064"/>
+            <a:ext cx="1584176" cy="369332"/>
+          </a:xfrm>
+          <a:prstGeom prst="rect">
+            <a:avLst/>
+          </a:prstGeom>
+          <a:noFill/>
+        </p:spPr>
+        <p:txBody>
+          <a:bodyPr wrap="square" rtlCol="0">
+            <a:spAutoFit/>
+          </a:bodyPr>
+          <a:lstStyle/>
+          <a:p>
+            <a:r>
+              <a:rPr lang="zh-TW" altLang="en-US" sz="900" dirty="0" smtClean="0"/>
+              <a:t>事件第</a:t>
+            </a:r>
+            <a:r>
+              <a:rPr lang="en-US" altLang="zh-TW" sz="900" dirty="0" smtClean="0"/>
+              <a:t>k</a:t>
+            </a:r>
+            <a:r>
+              <a:rPr lang="zh-TW" altLang="en-US" sz="900" dirty="0" smtClean="0"/>
+              <a:t>次發生，共需時間的機率</a:t>
+            </a:r>
+            <a:endParaRPr lang="en-US" sz="900" dirty="0"/>
+          </a:p>
+        </p:txBody>
+      </p:sp>
+      <p:sp>
+        <p:nvSpPr>
+          <p:cNvPr id="46" name="TextBox 45"/>
+          <p:cNvSpPr txBox="1"/>
+          <p:nvPr/>
+        </p:nvSpPr>
+        <p:spPr>
+          <a:xfrm>
+            <a:off x="3779912" y="4834976"/>
+            <a:ext cx="864096" cy="230832"/>
+          </a:xfrm>
+          <a:prstGeom prst="rect">
+            <a:avLst/>
+          </a:prstGeom>
+          <a:noFill/>
+        </p:spPr>
+        <p:txBody>
+          <a:bodyPr wrap="square" rtlCol="0">
+            <a:spAutoFit/>
+          </a:bodyPr>
+          <a:lstStyle/>
+          <a:p>
+            <a:r>
+              <a:rPr lang="en-US" sz="900" dirty="0" err="1" smtClean="0"/>
+              <a:t>memoryless</a:t>
+            </a:r>
+            <a:endParaRPr lang="en-US" sz="900" dirty="0"/>
+          </a:p>
+        </p:txBody>
+      </p:sp>
+      <p:sp>
+        <p:nvSpPr>
+          <p:cNvPr id="47" name="TextBox 46"/>
+          <p:cNvSpPr txBox="1"/>
+          <p:nvPr/>
+        </p:nvSpPr>
+        <p:spPr>
+          <a:xfrm>
+            <a:off x="3779912" y="5125292"/>
+            <a:ext cx="1296144" cy="230832"/>
+          </a:xfrm>
+          <a:prstGeom prst="rect">
+            <a:avLst/>
+          </a:prstGeom>
+          <a:noFill/>
+        </p:spPr>
+        <p:txBody>
+          <a:bodyPr wrap="square" rtlCol="0">
+            <a:spAutoFit/>
+          </a:bodyPr>
+          <a:lstStyle/>
+          <a:p>
+            <a:r>
+              <a:rPr lang="en-US" sz="900" dirty="0" smtClean="0"/>
+              <a:t>without </a:t>
+            </a:r>
+            <a:r>
+              <a:rPr lang="en-US" sz="900" dirty="0" err="1" smtClean="0"/>
+              <a:t>memoryless</a:t>
+            </a:r>
+            <a:endParaRPr lang="en-US" sz="900" dirty="0"/>
+          </a:p>
+        </p:txBody>
+      </p:sp>
+      <p:sp>
+        <p:nvSpPr>
+          <p:cNvPr id="48" name="TextBox 47"/>
+          <p:cNvSpPr txBox="1"/>
+          <p:nvPr/>
+        </p:nvSpPr>
+        <p:spPr>
+          <a:xfrm>
+            <a:off x="5364088" y="4834976"/>
+            <a:ext cx="1296144" cy="230832"/>
+          </a:xfrm>
+          <a:prstGeom prst="rect">
+            <a:avLst/>
+          </a:prstGeom>
+          <a:noFill/>
+        </p:spPr>
+        <p:txBody>
+          <a:bodyPr wrap="square" rtlCol="0">
+            <a:spAutoFit/>
+          </a:bodyPr>
+          <a:lstStyle/>
+          <a:p>
+            <a:r>
+              <a:rPr lang="en-US" sz="900" dirty="0" smtClean="0"/>
+              <a:t>From Gamma function</a:t>
+            </a:r>
+            <a:endParaRPr lang="en-US" sz="900" dirty="0"/>
+          </a:p>
+        </p:txBody>
+      </p:sp>
+      <p:sp>
+        <p:nvSpPr>
+          <p:cNvPr id="49" name="TextBox 48"/>
+          <p:cNvSpPr txBox="1"/>
+          <p:nvPr/>
+        </p:nvSpPr>
+        <p:spPr>
+          <a:xfrm>
+            <a:off x="5364088" y="5125292"/>
+            <a:ext cx="1296144" cy="230832"/>
+          </a:xfrm>
+          <a:prstGeom prst="rect">
+            <a:avLst/>
+          </a:prstGeom>
+          <a:noFill/>
+        </p:spPr>
+        <p:txBody>
+          <a:bodyPr wrap="square" rtlCol="0">
+            <a:spAutoFit/>
+          </a:bodyPr>
+          <a:lstStyle/>
+          <a:p>
+            <a:r>
+              <a:rPr lang="en-US" sz="900" dirty="0" smtClean="0"/>
+              <a:t>From Beta function</a:t>
+            </a:r>
+            <a:endParaRPr lang="en-US" sz="900" dirty="0"/>
+          </a:p>
+        </p:txBody>
+      </p:sp>
+      <p:sp>
+        <p:nvSpPr>
+          <p:cNvPr id="50" name="TextBox 49"/>
+          <p:cNvSpPr txBox="1"/>
+          <p:nvPr/>
+        </p:nvSpPr>
+        <p:spPr>
+          <a:xfrm>
+            <a:off x="7092280" y="3861048"/>
+            <a:ext cx="1584176" cy="230832"/>
+          </a:xfrm>
+          <a:prstGeom prst="rect">
+            <a:avLst/>
+          </a:prstGeom>
+          <a:noFill/>
+        </p:spPr>
+        <p:txBody>
+          <a:bodyPr wrap="square" rtlCol="0">
+            <a:spAutoFit/>
+          </a:bodyPr>
+          <a:lstStyle/>
+          <a:p>
+            <a:r>
+              <a:rPr lang="zh-TW" altLang="en-US" sz="900" dirty="0" smtClean="0"/>
+              <a:t>自然界常出現，鐘型</a:t>
+            </a:r>
+            <a:endParaRPr lang="en-US" sz="900" dirty="0"/>
+          </a:p>
+        </p:txBody>
+      </p:sp>
+      <p:sp>
+        <p:nvSpPr>
+          <p:cNvPr id="51" name="TextBox 50"/>
+          <p:cNvSpPr txBox="1"/>
+          <p:nvPr/>
+        </p:nvSpPr>
+        <p:spPr>
+          <a:xfrm>
+            <a:off x="7092280" y="4174718"/>
+            <a:ext cx="1584176" cy="230832"/>
+          </a:xfrm>
+          <a:prstGeom prst="rect">
+            <a:avLst/>
+          </a:prstGeom>
+          <a:noFill/>
+        </p:spPr>
+        <p:txBody>
+          <a:bodyPr wrap="square" rtlCol="0">
+            <a:spAutoFit/>
+          </a:bodyPr>
+          <a:lstStyle/>
+          <a:p>
+            <a:r>
+              <a:rPr lang="zh-TW" altLang="en-US" sz="900" dirty="0" smtClean="0"/>
+              <a:t>與</a:t>
+            </a:r>
+            <a:r>
+              <a:rPr lang="en-US" altLang="zh-TW" sz="900" dirty="0" smtClean="0"/>
+              <a:t>Normal</a:t>
+            </a:r>
+            <a:r>
+              <a:rPr lang="zh-TW" altLang="en-US" sz="900" dirty="0" smtClean="0"/>
+              <a:t>對應，有長尾</a:t>
+            </a:r>
+            <a:endParaRPr lang="en-US" altLang="zh-TW" sz="900" dirty="0" smtClean="0"/>
+          </a:p>
+        </p:txBody>
+      </p:sp>
+      <p:sp>
+        <p:nvSpPr>
+          <p:cNvPr id="52" name="TextBox 51"/>
+          <p:cNvSpPr txBox="1"/>
+          <p:nvPr/>
+        </p:nvSpPr>
+        <p:spPr>
+          <a:xfrm>
+            <a:off x="7092280" y="2852936"/>
+            <a:ext cx="1584176" cy="230832"/>
+          </a:xfrm>
+          <a:prstGeom prst="rect">
+            <a:avLst/>
+          </a:prstGeom>
+          <a:noFill/>
+        </p:spPr>
+        <p:txBody>
+          <a:bodyPr wrap="square" rtlCol="0">
+            <a:spAutoFit/>
+          </a:bodyPr>
+          <a:lstStyle/>
+          <a:p>
+            <a:r>
+              <a:rPr lang="zh-TW" altLang="en-US" sz="900" dirty="0" smtClean="0">
+                <a:sym typeface="Symbol"/>
+              </a:rPr>
+              <a:t>和兩值間機率均勻分布</a:t>
+            </a:r>
+            <a:endParaRPr lang="en-US" sz="900" dirty="0"/>
+          </a:p>
+        </p:txBody>
+      </p:sp>
+      <p:sp>
+        <p:nvSpPr>
+          <p:cNvPr id="53" name="Rectangle 52"/>
+          <p:cNvSpPr/>
+          <p:nvPr/>
+        </p:nvSpPr>
+        <p:spPr>
+          <a:xfrm>
+            <a:off x="179512" y="980728"/>
+            <a:ext cx="288032" cy="288032"/>
+          </a:xfrm>
+          <a:prstGeom prst="rect">
+            <a:avLst/>
+          </a:prstGeom>
+        </p:spPr>
+        <p:style>
+          <a:lnRef idx="1">
+            <a:schemeClr val="accent1"/>
+          </a:lnRef>
+          <a:fillRef idx="2">
+            <a:schemeClr val="accent1"/>
+          </a:fillRef>
+          <a:effectRef idx="1">
+            <a:schemeClr val="accent1"/>
+          </a:effectRef>
+          <a:fontRef idx="minor">
+            <a:schemeClr val="dk1"/>
+          </a:fontRef>
+        </p:style>
+        <p:txBody>
+          <a:bodyPr rtlCol="0" anchor="ctr"/>
+          <a:lstStyle/>
+          <a:p>
+            <a:pPr algn="ctr"/>
+            <a:endParaRPr lang="en-US" sz="1400" dirty="0"/>
+          </a:p>
+        </p:txBody>
+      </p:sp>
+      <p:sp>
+        <p:nvSpPr>
+          <p:cNvPr id="54" name="Rectangle 53"/>
+          <p:cNvSpPr/>
+          <p:nvPr/>
+        </p:nvSpPr>
+        <p:spPr>
+          <a:xfrm>
+            <a:off x="179512" y="1340768"/>
+            <a:ext cx="288032" cy="288032"/>
+          </a:xfrm>
+          <a:prstGeom prst="rect">
+            <a:avLst/>
+          </a:prstGeom>
+        </p:spPr>
+        <p:style>
+          <a:lnRef idx="1">
+            <a:schemeClr val="accent5"/>
+          </a:lnRef>
+          <a:fillRef idx="2">
+            <a:schemeClr val="accent5"/>
+          </a:fillRef>
+          <a:effectRef idx="1">
+            <a:schemeClr val="accent5"/>
+          </a:effectRef>
+          <a:fontRef idx="minor">
+            <a:schemeClr val="dk1"/>
+          </a:fontRef>
+        </p:style>
+        <p:txBody>
+          <a:bodyPr rtlCol="0" anchor="ctr"/>
+          <a:lstStyle/>
+          <a:p>
+            <a:pPr algn="ctr"/>
+            <a:endParaRPr lang="en-US" sz="1400" dirty="0"/>
+          </a:p>
+        </p:txBody>
+      </p:sp>
+      <p:sp>
+        <p:nvSpPr>
+          <p:cNvPr id="55" name="TextBox 54"/>
+          <p:cNvSpPr txBox="1"/>
+          <p:nvPr/>
+        </p:nvSpPr>
+        <p:spPr>
+          <a:xfrm>
+            <a:off x="539552" y="946544"/>
+            <a:ext cx="948978" cy="369332"/>
+          </a:xfrm>
+          <a:prstGeom prst="rect">
+            <a:avLst/>
+          </a:prstGeom>
+          <a:noFill/>
+        </p:spPr>
+        <p:txBody>
+          <a:bodyPr wrap="none" rtlCol="0">
+            <a:spAutoFit/>
+          </a:bodyPr>
+          <a:lstStyle/>
+          <a:p>
+            <a:r>
+              <a:rPr lang="en-US" altLang="zh-TW" dirty="0" smtClean="0"/>
+              <a:t>Discrete</a:t>
+            </a:r>
+            <a:endParaRPr lang="en-US" dirty="0"/>
+          </a:p>
+        </p:txBody>
+      </p:sp>
+      <p:sp>
+        <p:nvSpPr>
+          <p:cNvPr id="56" name="TextBox 55"/>
+          <p:cNvSpPr txBox="1"/>
+          <p:nvPr/>
+        </p:nvSpPr>
+        <p:spPr>
+          <a:xfrm>
+            <a:off x="539552" y="1294398"/>
+            <a:ext cx="1256562" cy="369332"/>
+          </a:xfrm>
+          <a:prstGeom prst="rect">
+            <a:avLst/>
+          </a:prstGeom>
+          <a:noFill/>
+        </p:spPr>
+        <p:txBody>
+          <a:bodyPr wrap="none" rtlCol="0">
+            <a:spAutoFit/>
+          </a:bodyPr>
+          <a:lstStyle/>
+          <a:p>
+            <a:r>
+              <a:rPr lang="en-US" altLang="zh-TW" dirty="0" smtClean="0"/>
+              <a:t>Continuous</a:t>
+            </a:r>
+            <a:endParaRPr lang="en-US" dirty="0"/>
+          </a:p>
+        </p:txBody>
+      </p:sp>
+      <p:sp>
+        <p:nvSpPr>
+          <p:cNvPr id="57" name="Rectangle 56"/>
+          <p:cNvSpPr/>
+          <p:nvPr/>
+        </p:nvSpPr>
+        <p:spPr>
+          <a:xfrm>
+            <a:off x="107504" y="3140968"/>
+            <a:ext cx="3096344" cy="2016224"/>
+          </a:xfrm>
+          <a:prstGeom prst="rect">
+            <a:avLst/>
+          </a:prstGeom>
+          <a:noFill/>
+          <a:ln>
+            <a:solidFill>
+              <a:schemeClr val="bg1">
+                <a:lumMod val="65000"/>
+              </a:schemeClr>
+            </a:solidFill>
+            <a:prstDash val="dash"/>
+          </a:ln>
+        </p:spPr>
+        <p:style>
+          <a:lnRef idx="2">
+            <a:schemeClr val="accent1">
+              <a:shade val="50000"/>
+            </a:schemeClr>
+          </a:lnRef>
+          <a:fillRef idx="1">
+            <a:schemeClr val="accent1"/>
+          </a:fillRef>
+          <a:effectRef idx="0">
+            <a:schemeClr val="accent1"/>
+          </a:effectRef>
+          <a:fontRef idx="minor">
+            <a:schemeClr val="lt1"/>
+          </a:fontRef>
+        </p:style>
+        <p:txBody>
+          <a:bodyPr rtlCol="0" anchor="ctr"/>
+          <a:lstStyle/>
+          <a:p>
+            <a:pPr algn="ctr"/>
+            <a:endParaRPr lang="en-US"/>
+          </a:p>
+        </p:txBody>
+      </p:sp>
+      <p:sp>
+        <p:nvSpPr>
+          <p:cNvPr id="58" name="Rectangle 57"/>
+          <p:cNvSpPr/>
+          <p:nvPr/>
+        </p:nvSpPr>
+        <p:spPr>
+          <a:xfrm>
+            <a:off x="3707904" y="3140968"/>
+            <a:ext cx="3096344" cy="2016224"/>
+          </a:xfrm>
+          <a:prstGeom prst="rect">
+            <a:avLst/>
+          </a:prstGeom>
+          <a:noFill/>
+          <a:ln>
+            <a:solidFill>
+              <a:schemeClr val="bg1">
+                <a:lumMod val="65000"/>
+              </a:schemeClr>
+            </a:solidFill>
+            <a:prstDash val="dash"/>
+          </a:ln>
+        </p:spPr>
+        <p:style>
+          <a:lnRef idx="2">
+            <a:schemeClr val="accent1">
+              <a:shade val="50000"/>
+            </a:schemeClr>
+          </a:lnRef>
+          <a:fillRef idx="1">
+            <a:schemeClr val="accent1"/>
+          </a:fillRef>
+          <a:effectRef idx="0">
+            <a:schemeClr val="accent1"/>
+          </a:effectRef>
+          <a:fontRef idx="minor">
+            <a:schemeClr val="lt1"/>
+          </a:fontRef>
+        </p:style>
+        <p:txBody>
+          <a:bodyPr rtlCol="0" anchor="ctr"/>
+          <a:lstStyle/>
+          <a:p>
+            <a:pPr algn="ctr"/>
+            <a:endParaRPr lang="en-US"/>
+          </a:p>
+        </p:txBody>
+      </p:sp>
+      <p:sp>
+        <p:nvSpPr>
+          <p:cNvPr id="59" name="TextBox 58"/>
+          <p:cNvSpPr txBox="1"/>
+          <p:nvPr/>
+        </p:nvSpPr>
+        <p:spPr>
+          <a:xfrm>
+            <a:off x="3275856" y="3717032"/>
+            <a:ext cx="364202" cy="954107"/>
+          </a:xfrm>
+          <a:prstGeom prst="rect">
+            <a:avLst/>
+          </a:prstGeom>
+          <a:noFill/>
+        </p:spPr>
+        <p:txBody>
+          <a:bodyPr wrap="none" rtlCol="0">
+            <a:spAutoFit/>
+          </a:bodyPr>
+          <a:lstStyle/>
+          <a:p>
+            <a:r>
+              <a:rPr lang="zh-TW" altLang="en-US" sz="1400" dirty="0" smtClean="0">
+                <a:solidFill>
+                  <a:schemeClr val="bg1">
+                    <a:lumMod val="65000"/>
+                  </a:schemeClr>
+                </a:solidFill>
+              </a:rPr>
+              <a:t>隨</a:t>
+            </a:r>
+            <a:endParaRPr lang="en-US" altLang="zh-TW" sz="1400" dirty="0" smtClean="0">
+              <a:solidFill>
+                <a:schemeClr val="bg1">
+                  <a:lumMod val="65000"/>
+                </a:schemeClr>
+              </a:solidFill>
+            </a:endParaRPr>
+          </a:p>
+          <a:p>
+            <a:r>
+              <a:rPr lang="zh-TW" altLang="en-US" sz="1400" dirty="0" smtClean="0">
+                <a:solidFill>
+                  <a:schemeClr val="bg1">
+                    <a:lumMod val="65000"/>
+                  </a:schemeClr>
+                </a:solidFill>
+              </a:rPr>
+              <a:t>機</a:t>
+            </a:r>
+            <a:endParaRPr lang="en-US" altLang="zh-TW" sz="1400" dirty="0" smtClean="0">
+              <a:solidFill>
+                <a:schemeClr val="bg1">
+                  <a:lumMod val="65000"/>
+                </a:schemeClr>
+              </a:solidFill>
+            </a:endParaRPr>
+          </a:p>
+          <a:p>
+            <a:r>
+              <a:rPr lang="zh-TW" altLang="en-US" sz="1400" dirty="0" smtClean="0">
+                <a:solidFill>
+                  <a:schemeClr val="bg1">
+                    <a:lumMod val="65000"/>
+                  </a:schemeClr>
+                </a:solidFill>
+              </a:rPr>
+              <a:t>過</a:t>
+            </a:r>
+            <a:endParaRPr lang="en-US" altLang="zh-TW" sz="1400" dirty="0" smtClean="0">
+              <a:solidFill>
+                <a:schemeClr val="bg1">
+                  <a:lumMod val="65000"/>
+                </a:schemeClr>
+              </a:solidFill>
+            </a:endParaRPr>
+          </a:p>
+          <a:p>
+            <a:r>
+              <a:rPr lang="zh-TW" altLang="en-US" sz="1400" dirty="0" smtClean="0">
+                <a:solidFill>
+                  <a:schemeClr val="bg1">
+                    <a:lumMod val="65000"/>
+                  </a:schemeClr>
+                </a:solidFill>
+              </a:rPr>
+              <a:t>程</a:t>
+            </a:r>
+            <a:endParaRPr lang="en-US" sz="1400" dirty="0">
+              <a:solidFill>
+                <a:schemeClr val="bg1">
+                  <a:lumMod val="65000"/>
+                </a:schemeClr>
+              </a:solidFill>
+            </a:endParaRPr>
+          </a:p>
+        </p:txBody>
+      </p:sp>
+    </p:spTree>
+  </p:cSld>
+  <p:clrMapOvr>
+    <a:masterClrMapping/>
+  </p:clrMapOvr>
+  <p:timing>
+    <p:tnLst>
+      <p:par>
+        <p:cTn id="1" dur="indefinite" restart="never" nodeType="tmRoot"/>
+      </p:par>
+    </p:tnLst>
+  </p:timing>
+</p:sld>
+</file>
+
+<file path=ppt/slides/slide38.xml><?xml version="1.0" encoding="utf-8"?>
+<p:sld xmlns:a="http://schemas.openxmlformats.org/drawingml/2006/main" xmlns:r="http://schemas.openxmlformats.org/officeDocument/2006/relationships" xmlns:p="http://schemas.openxmlformats.org/presentationml/2006/main">
+  <p:cSld>
+    <p:spTree>
+      <p:nvGrpSpPr>
+        <p:cNvPr id="1" name=""/>
+        <p:cNvGrpSpPr/>
+        <p:nvPr/>
+      </p:nvGrpSpPr>
+      <p:grpSpPr>
+        <a:xfrm>
+          <a:off x="0" y="0"/>
+          <a:ext cx="0" cy="0"/>
+          <a:chOff x="0" y="0"/>
+          <a:chExt cx="0" cy="0"/>
+        </a:xfrm>
+      </p:grpSpPr>
+      <p:pic>
+        <p:nvPicPr>
+          <p:cNvPr id="40962" name="Picture 2"/>
+          <p:cNvPicPr>
+            <a:picLocks noChangeAspect="1" noChangeArrowheads="1"/>
+          </p:cNvPicPr>
+          <p:nvPr/>
+        </p:nvPicPr>
+        <p:blipFill>
+          <a:blip r:embed="rId2" cstate="print"/>
+          <a:srcRect/>
+          <a:stretch>
+            <a:fillRect/>
+          </a:stretch>
+        </p:blipFill>
+        <p:spPr bwMode="auto">
+          <a:xfrm>
+            <a:off x="251520" y="188640"/>
+            <a:ext cx="8562948" cy="6488259"/>
+          </a:xfrm>
+          <a:prstGeom prst="rect">
+            <a:avLst/>
+          </a:prstGeom>
+          <a:noFill/>
+          <a:ln w="9525">
+            <a:noFill/>
+            <a:miter lim="800000"/>
+            <a:headEnd/>
+            <a:tailEnd/>
+          </a:ln>
+        </p:spPr>
+      </p:pic>
+    </p:spTree>
+  </p:cSld>
+  <p:clrMapOvr>
+    <a:masterClrMapping/>
+  </p:clrMapOvr>
+</p:sld>
+</file>
+
+<file path=ppt/slides/slide39.xml><?xml version="1.0" encoding="utf-8"?>
+<p:sld xmlns:a="http://schemas.openxmlformats.org/drawingml/2006/main" xmlns:r="http://schemas.openxmlformats.org/officeDocument/2006/relationships" xmlns:p="http://schemas.openxmlformats.org/presentationml/2006/main">
+  <p:cSld>
+    <p:spTree>
+      <p:nvGrpSpPr>
+        <p:cNvPr id="1" name=""/>
+        <p:cNvGrpSpPr/>
+        <p:nvPr/>
+      </p:nvGrpSpPr>
+      <p:grpSpPr>
+        <a:xfrm>
+          <a:off x="0" y="0"/>
+          <a:ext cx="0" cy="0"/>
+          <a:chOff x="0" y="0"/>
+          <a:chExt cx="0" cy="0"/>
+        </a:xfrm>
+      </p:grpSpPr>
+      <p:sp>
+        <p:nvSpPr>
+          <p:cNvPr id="4" name="Title 3"/>
+          <p:cNvSpPr>
+            <a:spLocks noGrp="1"/>
+          </p:cNvSpPr>
+          <p:nvPr>
+            <p:ph type="title"/>
+          </p:nvPr>
+        </p:nvSpPr>
+        <p:spPr/>
+        <p:txBody>
+          <a:bodyPr/>
+          <a:lstStyle/>
+          <a:p>
+            <a:r>
+              <a:rPr lang="en-US" dirty="0" smtClean="0"/>
+              <a:t>Jointly Distributed Random Variable</a:t>
+            </a:r>
+            <a:endParaRPr lang="en-US" dirty="0"/>
+          </a:p>
+        </p:txBody>
+      </p:sp>
+      <p:sp>
+        <p:nvSpPr>
+          <p:cNvPr id="5" name="Text Placeholder 4"/>
+          <p:cNvSpPr>
+            <a:spLocks noGrp="1"/>
+          </p:cNvSpPr>
+          <p:nvPr>
+            <p:ph type="body" idx="1"/>
+          </p:nvPr>
+        </p:nvSpPr>
+        <p:spPr/>
+        <p:txBody>
+          <a:bodyPr/>
+          <a:lstStyle/>
+          <a:p>
+            <a:endParaRPr lang="en-US" dirty="0"/>
+          </a:p>
+        </p:txBody>
+      </p:sp>
     </p:spTree>
   </p:cSld>
   <p:clrMapOvr>
@@ -26854,6 +28563,1490 @@
           <a:xfrm>
             <a:off x="4211960" y="6093296"/>
             <a:ext cx="4578449" cy="536138"/>
+          </a:xfrm>
+          <a:prstGeom prst="rect">
+            <a:avLst/>
+          </a:prstGeom>
+          <a:noFill/>
+          <a:ln w="9525">
+            <a:noFill/>
+            <a:miter lim="800000"/>
+            <a:headEnd/>
+            <a:tailEnd/>
+          </a:ln>
+        </p:spPr>
+      </p:pic>
+    </p:spTree>
+  </p:cSld>
+  <p:clrMapOvr>
+    <a:masterClrMapping/>
+  </p:clrMapOvr>
+  <p:timing>
+    <p:tnLst>
+      <p:par>
+        <p:cTn id="1" dur="indefinite" restart="never" nodeType="tmRoot"/>
+      </p:par>
+    </p:tnLst>
+  </p:timing>
+</p:sld>
+</file>
+
+<file path=ppt/slides/slide40.xml><?xml version="1.0" encoding="utf-8"?>
+<p:sld xmlns:a="http://schemas.openxmlformats.org/drawingml/2006/main" xmlns:r="http://schemas.openxmlformats.org/officeDocument/2006/relationships" xmlns:p="http://schemas.openxmlformats.org/presentationml/2006/main">
+  <p:cSld>
+    <p:spTree>
+      <p:nvGrpSpPr>
+        <p:cNvPr id="1" name=""/>
+        <p:cNvGrpSpPr/>
+        <p:nvPr/>
+      </p:nvGrpSpPr>
+      <p:grpSpPr>
+        <a:xfrm>
+          <a:off x="0" y="0"/>
+          <a:ext cx="0" cy="0"/>
+          <a:chOff x="0" y="0"/>
+          <a:chExt cx="0" cy="0"/>
+        </a:xfrm>
+      </p:grpSpPr>
+      <p:sp>
+        <p:nvSpPr>
+          <p:cNvPr id="2" name="Title 1"/>
+          <p:cNvSpPr>
+            <a:spLocks noGrp="1"/>
+          </p:cNvSpPr>
+          <p:nvPr>
+            <p:ph type="title"/>
+          </p:nvPr>
+        </p:nvSpPr>
+        <p:spPr/>
+        <p:txBody>
+          <a:bodyPr>
+            <a:normAutofit fontScale="90000"/>
+          </a:bodyPr>
+          <a:lstStyle/>
+          <a:p>
+            <a:r>
+              <a:rPr lang="en-US" dirty="0" smtClean="0"/>
+              <a:t>Joint distribution</a:t>
+            </a:r>
+            <a:endParaRPr lang="en-US" dirty="0"/>
+          </a:p>
+        </p:txBody>
+      </p:sp>
+      <p:sp>
+        <p:nvSpPr>
+          <p:cNvPr id="3" name="Content Placeholder 2"/>
+          <p:cNvSpPr>
+            <a:spLocks noGrp="1"/>
+          </p:cNvSpPr>
+          <p:nvPr>
+            <p:ph idx="1"/>
+          </p:nvPr>
+        </p:nvSpPr>
+        <p:spPr>
+          <a:xfrm>
+            <a:off x="457200" y="980729"/>
+            <a:ext cx="8229600" cy="864096"/>
+          </a:xfrm>
+        </p:spPr>
+        <p:txBody>
+          <a:bodyPr/>
+          <a:lstStyle/>
+          <a:p>
+            <a:r>
+              <a:rPr lang="en-US" dirty="0" smtClean="0"/>
+              <a:t>LNp.7-3 example</a:t>
+            </a:r>
+            <a:endParaRPr lang="en-US" dirty="0"/>
+          </a:p>
+        </p:txBody>
+      </p:sp>
+      <p:pic>
+        <p:nvPicPr>
+          <p:cNvPr id="36866" name="Picture 2"/>
+          <p:cNvPicPr>
+            <a:picLocks noChangeAspect="1" noChangeArrowheads="1"/>
+          </p:cNvPicPr>
+          <p:nvPr/>
+        </p:nvPicPr>
+        <p:blipFill>
+          <a:blip r:embed="rId2" cstate="print"/>
+          <a:srcRect/>
+          <a:stretch>
+            <a:fillRect/>
+          </a:stretch>
+        </p:blipFill>
+        <p:spPr bwMode="auto">
+          <a:xfrm>
+            <a:off x="323528" y="1628800"/>
+            <a:ext cx="2486025" cy="1743075"/>
+          </a:xfrm>
+          <a:prstGeom prst="rect">
+            <a:avLst/>
+          </a:prstGeom>
+          <a:noFill/>
+          <a:ln w="9525">
+            <a:noFill/>
+            <a:miter lim="800000"/>
+            <a:headEnd/>
+            <a:tailEnd/>
+          </a:ln>
+        </p:spPr>
+      </p:pic>
+      <p:pic>
+        <p:nvPicPr>
+          <p:cNvPr id="36867" name="Picture 3"/>
+          <p:cNvPicPr>
+            <a:picLocks noChangeAspect="1" noChangeArrowheads="1"/>
+          </p:cNvPicPr>
+          <p:nvPr/>
+        </p:nvPicPr>
+        <p:blipFill>
+          <a:blip r:embed="rId3" cstate="print"/>
+          <a:srcRect/>
+          <a:stretch>
+            <a:fillRect/>
+          </a:stretch>
+        </p:blipFill>
+        <p:spPr bwMode="auto">
+          <a:xfrm>
+            <a:off x="323528" y="3501008"/>
+            <a:ext cx="3267075" cy="2647950"/>
+          </a:xfrm>
+          <a:prstGeom prst="rect">
+            <a:avLst/>
+          </a:prstGeom>
+          <a:noFill/>
+          <a:ln w="9525">
+            <a:noFill/>
+            <a:miter lim="800000"/>
+            <a:headEnd/>
+            <a:tailEnd/>
+          </a:ln>
+        </p:spPr>
+      </p:pic>
+      <p:pic>
+        <p:nvPicPr>
+          <p:cNvPr id="36868" name="Picture 4"/>
+          <p:cNvPicPr>
+            <a:picLocks noChangeAspect="1" noChangeArrowheads="1"/>
+          </p:cNvPicPr>
+          <p:nvPr/>
+        </p:nvPicPr>
+        <p:blipFill>
+          <a:blip r:embed="rId4" cstate="print"/>
+          <a:srcRect/>
+          <a:stretch>
+            <a:fillRect/>
+          </a:stretch>
+        </p:blipFill>
+        <p:spPr bwMode="auto">
+          <a:xfrm>
+            <a:off x="3995936" y="1484784"/>
+            <a:ext cx="3267075" cy="2647950"/>
+          </a:xfrm>
+          <a:prstGeom prst="rect">
+            <a:avLst/>
+          </a:prstGeom>
+          <a:noFill/>
+          <a:ln w="9525">
+            <a:noFill/>
+            <a:miter lim="800000"/>
+            <a:headEnd/>
+            <a:tailEnd/>
+          </a:ln>
+        </p:spPr>
+      </p:pic>
+      <p:pic>
+        <p:nvPicPr>
+          <p:cNvPr id="36869" name="Picture 5"/>
+          <p:cNvPicPr>
+            <a:picLocks noChangeAspect="1" noChangeArrowheads="1"/>
+          </p:cNvPicPr>
+          <p:nvPr/>
+        </p:nvPicPr>
+        <p:blipFill>
+          <a:blip r:embed="rId5" cstate="print"/>
+          <a:srcRect/>
+          <a:stretch>
+            <a:fillRect/>
+          </a:stretch>
+        </p:blipFill>
+        <p:spPr bwMode="auto">
+          <a:xfrm>
+            <a:off x="3995936" y="4210050"/>
+            <a:ext cx="3267075" cy="2647950"/>
+          </a:xfrm>
+          <a:prstGeom prst="rect">
+            <a:avLst/>
+          </a:prstGeom>
+          <a:noFill/>
+          <a:ln w="9525">
+            <a:noFill/>
+            <a:miter lim="800000"/>
+            <a:headEnd/>
+            <a:tailEnd/>
+          </a:ln>
+        </p:spPr>
+      </p:pic>
+      <p:sp>
+        <p:nvSpPr>
+          <p:cNvPr id="8" name="TextBox 7"/>
+          <p:cNvSpPr txBox="1"/>
+          <p:nvPr/>
+        </p:nvSpPr>
+        <p:spPr>
+          <a:xfrm>
+            <a:off x="1403648" y="6165304"/>
+            <a:ext cx="1038811" cy="369332"/>
+          </a:xfrm>
+          <a:prstGeom prst="rect">
+            <a:avLst/>
+          </a:prstGeom>
+          <a:noFill/>
+        </p:spPr>
+        <p:txBody>
+          <a:bodyPr wrap="none" rtlCol="0">
+            <a:spAutoFit/>
+          </a:bodyPr>
+          <a:lstStyle/>
+          <a:p>
+            <a:r>
+              <a:rPr lang="en-US" dirty="0" smtClean="0"/>
+              <a:t>joint </a:t>
+            </a:r>
+            <a:r>
+              <a:rPr lang="en-US" dirty="0" err="1" smtClean="0"/>
+              <a:t>pmf</a:t>
+            </a:r>
+            <a:endParaRPr lang="en-US" dirty="0"/>
+          </a:p>
+        </p:txBody>
+      </p:sp>
+      <p:sp>
+        <p:nvSpPr>
+          <p:cNvPr id="9" name="TextBox 8"/>
+          <p:cNvSpPr txBox="1"/>
+          <p:nvPr/>
+        </p:nvSpPr>
+        <p:spPr>
+          <a:xfrm>
+            <a:off x="5148064" y="4005064"/>
+            <a:ext cx="953594" cy="369332"/>
+          </a:xfrm>
+          <a:prstGeom prst="rect">
+            <a:avLst/>
+          </a:prstGeom>
+          <a:noFill/>
+        </p:spPr>
+        <p:txBody>
+          <a:bodyPr wrap="none" rtlCol="0">
+            <a:spAutoFit/>
+          </a:bodyPr>
+          <a:lstStyle/>
+          <a:p>
+            <a:r>
+              <a:rPr lang="en-US" dirty="0" smtClean="0"/>
+              <a:t>joint </a:t>
+            </a:r>
+            <a:r>
+              <a:rPr lang="en-US" dirty="0" err="1" smtClean="0"/>
+              <a:t>cdf</a:t>
+            </a:r>
+            <a:endParaRPr lang="en-US" dirty="0"/>
+          </a:p>
+        </p:txBody>
+      </p:sp>
+    </p:spTree>
+  </p:cSld>
+  <p:clrMapOvr>
+    <a:masterClrMapping/>
+  </p:clrMapOvr>
+  <p:timing>
+    <p:tnLst>
+      <p:par>
+        <p:cTn id="1" dur="indefinite" restart="never" nodeType="tmRoot"/>
+      </p:par>
+    </p:tnLst>
+  </p:timing>
+</p:sld>
+</file>
+
+<file path=ppt/slides/slide41.xml><?xml version="1.0" encoding="utf-8"?>
+<p:sld xmlns:a="http://schemas.openxmlformats.org/drawingml/2006/main" xmlns:r="http://schemas.openxmlformats.org/officeDocument/2006/relationships" xmlns:p="http://schemas.openxmlformats.org/presentationml/2006/main">
+  <p:cSld>
+    <p:spTree>
+      <p:nvGrpSpPr>
+        <p:cNvPr id="1" name=""/>
+        <p:cNvGrpSpPr/>
+        <p:nvPr/>
+      </p:nvGrpSpPr>
+      <p:grpSpPr>
+        <a:xfrm>
+          <a:off x="0" y="0"/>
+          <a:ext cx="0" cy="0"/>
+          <a:chOff x="0" y="0"/>
+          <a:chExt cx="0" cy="0"/>
+        </a:xfrm>
+      </p:grpSpPr>
+      <p:sp>
+        <p:nvSpPr>
+          <p:cNvPr id="2" name="Title 1"/>
+          <p:cNvSpPr>
+            <a:spLocks noGrp="1"/>
+          </p:cNvSpPr>
+          <p:nvPr>
+            <p:ph type="title"/>
+          </p:nvPr>
+        </p:nvSpPr>
+        <p:spPr/>
+        <p:txBody>
+          <a:bodyPr>
+            <a:normAutofit fontScale="90000"/>
+          </a:bodyPr>
+          <a:lstStyle/>
+          <a:p>
+            <a:r>
+              <a:rPr lang="en-US" dirty="0" smtClean="0"/>
+              <a:t>Joint PDF</a:t>
+            </a:r>
+            <a:endParaRPr lang="en-US" dirty="0"/>
+          </a:p>
+        </p:txBody>
+      </p:sp>
+      <p:sp>
+        <p:nvSpPr>
+          <p:cNvPr id="3" name="Content Placeholder 2"/>
+          <p:cNvSpPr>
+            <a:spLocks noGrp="1"/>
+          </p:cNvSpPr>
+          <p:nvPr>
+            <p:ph idx="1"/>
+          </p:nvPr>
+        </p:nvSpPr>
+        <p:spPr>
+          <a:xfrm>
+            <a:off x="457200" y="980729"/>
+            <a:ext cx="8229600" cy="1152128"/>
+          </a:xfrm>
+        </p:spPr>
+        <p:txBody>
+          <a:bodyPr/>
+          <a:lstStyle/>
+          <a:p>
+            <a:endParaRPr lang="en-US"/>
+          </a:p>
+        </p:txBody>
+      </p:sp>
+      <p:pic>
+        <p:nvPicPr>
+          <p:cNvPr id="36868" name="Picture 4"/>
+          <p:cNvPicPr>
+            <a:picLocks noChangeAspect="1" noChangeArrowheads="1"/>
+          </p:cNvPicPr>
+          <p:nvPr/>
+        </p:nvPicPr>
+        <p:blipFill>
+          <a:blip r:embed="rId2" cstate="print"/>
+          <a:srcRect/>
+          <a:stretch>
+            <a:fillRect/>
+          </a:stretch>
+        </p:blipFill>
+        <p:spPr bwMode="auto">
+          <a:xfrm>
+            <a:off x="179512" y="4365104"/>
+            <a:ext cx="2181225" cy="2276475"/>
+          </a:xfrm>
+          <a:prstGeom prst="rect">
+            <a:avLst/>
+          </a:prstGeom>
+          <a:noFill/>
+          <a:ln w="9525">
+            <a:noFill/>
+            <a:miter lim="800000"/>
+            <a:headEnd/>
+            <a:tailEnd/>
+          </a:ln>
+        </p:spPr>
+      </p:pic>
+      <p:pic>
+        <p:nvPicPr>
+          <p:cNvPr id="36869" name="Picture 5"/>
+          <p:cNvPicPr>
+            <a:picLocks noChangeAspect="1" noChangeArrowheads="1"/>
+          </p:cNvPicPr>
+          <p:nvPr/>
+        </p:nvPicPr>
+        <p:blipFill>
+          <a:blip r:embed="rId3" cstate="print"/>
+          <a:srcRect/>
+          <a:stretch>
+            <a:fillRect/>
+          </a:stretch>
+        </p:blipFill>
+        <p:spPr bwMode="auto">
+          <a:xfrm>
+            <a:off x="2555776" y="4365104"/>
+            <a:ext cx="2181225" cy="2276475"/>
+          </a:xfrm>
+          <a:prstGeom prst="rect">
+            <a:avLst/>
+          </a:prstGeom>
+          <a:noFill/>
+          <a:ln w="9525">
+            <a:noFill/>
+            <a:miter lim="800000"/>
+            <a:headEnd/>
+            <a:tailEnd/>
+          </a:ln>
+        </p:spPr>
+      </p:pic>
+      <p:pic>
+        <p:nvPicPr>
+          <p:cNvPr id="36871" name="Picture 7"/>
+          <p:cNvPicPr>
+            <a:picLocks noChangeAspect="1" noChangeArrowheads="1"/>
+          </p:cNvPicPr>
+          <p:nvPr/>
+        </p:nvPicPr>
+        <p:blipFill>
+          <a:blip r:embed="rId4" cstate="print"/>
+          <a:srcRect/>
+          <a:stretch>
+            <a:fillRect/>
+          </a:stretch>
+        </p:blipFill>
+        <p:spPr bwMode="auto">
+          <a:xfrm>
+            <a:off x="5004048" y="3140968"/>
+            <a:ext cx="3594919" cy="3329039"/>
+          </a:xfrm>
+          <a:prstGeom prst="rect">
+            <a:avLst/>
+          </a:prstGeom>
+          <a:noFill/>
+          <a:ln w="9525">
+            <a:noFill/>
+            <a:miter lim="800000"/>
+            <a:headEnd/>
+            <a:tailEnd/>
+          </a:ln>
+        </p:spPr>
+      </p:pic>
+      <p:sp>
+        <p:nvSpPr>
+          <p:cNvPr id="10" name="TextBox 9"/>
+          <p:cNvSpPr txBox="1"/>
+          <p:nvPr/>
+        </p:nvSpPr>
+        <p:spPr>
+          <a:xfrm>
+            <a:off x="5292080" y="6453336"/>
+            <a:ext cx="3278141" cy="369332"/>
+          </a:xfrm>
+          <a:prstGeom prst="rect">
+            <a:avLst/>
+          </a:prstGeom>
+          <a:noFill/>
+        </p:spPr>
+        <p:txBody>
+          <a:bodyPr wrap="none" rtlCol="0">
+            <a:spAutoFit/>
+          </a:bodyPr>
+          <a:lstStyle/>
+          <a:p>
+            <a:r>
+              <a:rPr lang="en-US" dirty="0" smtClean="0"/>
+              <a:t>Assume X and Y are independent</a:t>
+            </a:r>
+            <a:endParaRPr lang="en-US" dirty="0"/>
+          </a:p>
+        </p:txBody>
+      </p:sp>
+      <p:sp>
+        <p:nvSpPr>
+          <p:cNvPr id="11" name="TextBox 10"/>
+          <p:cNvSpPr txBox="1"/>
+          <p:nvPr/>
+        </p:nvSpPr>
+        <p:spPr>
+          <a:xfrm>
+            <a:off x="251520" y="3646765"/>
+            <a:ext cx="2016224" cy="646331"/>
+          </a:xfrm>
+          <a:prstGeom prst="rect">
+            <a:avLst/>
+          </a:prstGeom>
+          <a:noFill/>
+        </p:spPr>
+        <p:txBody>
+          <a:bodyPr wrap="square" rtlCol="0">
+            <a:spAutoFit/>
+          </a:bodyPr>
+          <a:lstStyle/>
+          <a:p>
+            <a:r>
+              <a:rPr lang="en-US" sz="1200" dirty="0" smtClean="0"/>
+              <a:t>exponential</a:t>
+            </a:r>
+          </a:p>
+          <a:p>
+            <a:r>
+              <a:rPr lang="en-US" sz="1200" dirty="0" smtClean="0"/>
+              <a:t>x = {0, 1, 2, .., 10}</a:t>
+            </a:r>
+          </a:p>
+          <a:p>
+            <a:r>
+              <a:rPr lang="en-US" sz="1200" dirty="0" smtClean="0"/>
+              <a:t>rate=0.5</a:t>
+            </a:r>
+          </a:p>
+        </p:txBody>
+      </p:sp>
+      <p:sp>
+        <p:nvSpPr>
+          <p:cNvPr id="12" name="TextBox 11"/>
+          <p:cNvSpPr txBox="1"/>
+          <p:nvPr/>
+        </p:nvSpPr>
+        <p:spPr>
+          <a:xfrm>
+            <a:off x="2627784" y="3645024"/>
+            <a:ext cx="2016224" cy="646331"/>
+          </a:xfrm>
+          <a:prstGeom prst="rect">
+            <a:avLst/>
+          </a:prstGeom>
+          <a:noFill/>
+        </p:spPr>
+        <p:txBody>
+          <a:bodyPr wrap="square" rtlCol="0">
+            <a:spAutoFit/>
+          </a:bodyPr>
+          <a:lstStyle/>
+          <a:p>
+            <a:r>
+              <a:rPr lang="en-US" sz="1200" dirty="0" smtClean="0"/>
+              <a:t>exponential</a:t>
+            </a:r>
+          </a:p>
+          <a:p>
+            <a:r>
+              <a:rPr lang="en-US" sz="1200" dirty="0" smtClean="0"/>
+              <a:t>y = {0, 1, 2, .., 10}</a:t>
+            </a:r>
+          </a:p>
+          <a:p>
+            <a:r>
+              <a:rPr lang="en-US" sz="1200" dirty="0" smtClean="0"/>
+              <a:t>rate=0.5</a:t>
+            </a:r>
+          </a:p>
+        </p:txBody>
+      </p:sp>
+      <p:pic>
+        <p:nvPicPr>
+          <p:cNvPr id="36872" name="Picture 8"/>
+          <p:cNvPicPr>
+            <a:picLocks noChangeAspect="1" noChangeArrowheads="1"/>
+          </p:cNvPicPr>
+          <p:nvPr/>
+        </p:nvPicPr>
+        <p:blipFill>
+          <a:blip r:embed="rId5" cstate="print"/>
+          <a:srcRect/>
+          <a:stretch>
+            <a:fillRect/>
+          </a:stretch>
+        </p:blipFill>
+        <p:spPr bwMode="auto">
+          <a:xfrm>
+            <a:off x="395536" y="2204864"/>
+            <a:ext cx="5648325" cy="1133475"/>
+          </a:xfrm>
+          <a:prstGeom prst="rect">
+            <a:avLst/>
+          </a:prstGeom>
+          <a:noFill/>
+          <a:ln w="9525">
+            <a:noFill/>
+            <a:miter lim="800000"/>
+            <a:headEnd/>
+            <a:tailEnd/>
+          </a:ln>
+        </p:spPr>
+      </p:pic>
+    </p:spTree>
+  </p:cSld>
+  <p:clrMapOvr>
+    <a:masterClrMapping/>
+  </p:clrMapOvr>
+  <p:timing>
+    <p:tnLst>
+      <p:par>
+        <p:cTn id="1" dur="indefinite" restart="never" nodeType="tmRoot"/>
+      </p:par>
+    </p:tnLst>
+  </p:timing>
+</p:sld>
+</file>
+
+<file path=ppt/slides/slide42.xml><?xml version="1.0" encoding="utf-8"?>
+<p:sld xmlns:a="http://schemas.openxmlformats.org/drawingml/2006/main" xmlns:r="http://schemas.openxmlformats.org/officeDocument/2006/relationships" xmlns:p="http://schemas.openxmlformats.org/presentationml/2006/main">
+  <p:cSld>
+    <p:spTree>
+      <p:nvGrpSpPr>
+        <p:cNvPr id="1" name=""/>
+        <p:cNvGrpSpPr/>
+        <p:nvPr/>
+      </p:nvGrpSpPr>
+      <p:grpSpPr>
+        <a:xfrm>
+          <a:off x="0" y="0"/>
+          <a:ext cx="0" cy="0"/>
+          <a:chOff x="0" y="0"/>
+          <a:chExt cx="0" cy="0"/>
+        </a:xfrm>
+      </p:grpSpPr>
+      <p:sp>
+        <p:nvSpPr>
+          <p:cNvPr id="2" name="Title 1"/>
+          <p:cNvSpPr>
+            <a:spLocks noGrp="1"/>
+          </p:cNvSpPr>
+          <p:nvPr>
+            <p:ph type="title"/>
+          </p:nvPr>
+        </p:nvSpPr>
+        <p:spPr/>
+        <p:txBody>
+          <a:bodyPr>
+            <a:normAutofit fontScale="90000"/>
+          </a:bodyPr>
+          <a:lstStyle/>
+          <a:p>
+            <a:r>
+              <a:rPr lang="en-US" dirty="0" smtClean="0"/>
+              <a:t>Joint CDF</a:t>
+            </a:r>
+            <a:endParaRPr lang="en-US" dirty="0"/>
+          </a:p>
+        </p:txBody>
+      </p:sp>
+      <p:sp>
+        <p:nvSpPr>
+          <p:cNvPr id="10" name="TextBox 9"/>
+          <p:cNvSpPr txBox="1"/>
+          <p:nvPr/>
+        </p:nvSpPr>
+        <p:spPr>
+          <a:xfrm>
+            <a:off x="4860032" y="6453336"/>
+            <a:ext cx="3278141" cy="369332"/>
+          </a:xfrm>
+          <a:prstGeom prst="rect">
+            <a:avLst/>
+          </a:prstGeom>
+          <a:noFill/>
+        </p:spPr>
+        <p:txBody>
+          <a:bodyPr wrap="none" rtlCol="0">
+            <a:spAutoFit/>
+          </a:bodyPr>
+          <a:lstStyle/>
+          <a:p>
+            <a:r>
+              <a:rPr lang="en-US" dirty="0" smtClean="0"/>
+              <a:t>Assume X and Y are independent</a:t>
+            </a:r>
+            <a:endParaRPr lang="en-US" dirty="0"/>
+          </a:p>
+        </p:txBody>
+      </p:sp>
+      <p:sp>
+        <p:nvSpPr>
+          <p:cNvPr id="11" name="TextBox 10"/>
+          <p:cNvSpPr txBox="1"/>
+          <p:nvPr/>
+        </p:nvSpPr>
+        <p:spPr>
+          <a:xfrm>
+            <a:off x="251520" y="3646765"/>
+            <a:ext cx="2016224" cy="646331"/>
+          </a:xfrm>
+          <a:prstGeom prst="rect">
+            <a:avLst/>
+          </a:prstGeom>
+          <a:noFill/>
+        </p:spPr>
+        <p:txBody>
+          <a:bodyPr wrap="square" rtlCol="0">
+            <a:spAutoFit/>
+          </a:bodyPr>
+          <a:lstStyle/>
+          <a:p>
+            <a:r>
+              <a:rPr lang="en-US" sz="1200" dirty="0" smtClean="0"/>
+              <a:t>exponential</a:t>
+            </a:r>
+          </a:p>
+          <a:p>
+            <a:r>
+              <a:rPr lang="en-US" sz="1200" dirty="0" smtClean="0"/>
+              <a:t>x = {0, 1, 2, .., 10}</a:t>
+            </a:r>
+          </a:p>
+          <a:p>
+            <a:r>
+              <a:rPr lang="en-US" sz="1200" dirty="0" smtClean="0"/>
+              <a:t>rate=0.5</a:t>
+            </a:r>
+          </a:p>
+        </p:txBody>
+      </p:sp>
+      <p:sp>
+        <p:nvSpPr>
+          <p:cNvPr id="12" name="TextBox 11"/>
+          <p:cNvSpPr txBox="1"/>
+          <p:nvPr/>
+        </p:nvSpPr>
+        <p:spPr>
+          <a:xfrm>
+            <a:off x="2627784" y="3645024"/>
+            <a:ext cx="2016224" cy="646331"/>
+          </a:xfrm>
+          <a:prstGeom prst="rect">
+            <a:avLst/>
+          </a:prstGeom>
+          <a:noFill/>
+        </p:spPr>
+        <p:txBody>
+          <a:bodyPr wrap="square" rtlCol="0">
+            <a:spAutoFit/>
+          </a:bodyPr>
+          <a:lstStyle/>
+          <a:p>
+            <a:r>
+              <a:rPr lang="en-US" sz="1200" dirty="0" smtClean="0"/>
+              <a:t>exponential</a:t>
+            </a:r>
+          </a:p>
+          <a:p>
+            <a:r>
+              <a:rPr lang="en-US" sz="1200" dirty="0" smtClean="0"/>
+              <a:t>y = {0, 1, 2, .., 10}</a:t>
+            </a:r>
+          </a:p>
+          <a:p>
+            <a:r>
+              <a:rPr lang="en-US" sz="1200" dirty="0" smtClean="0"/>
+              <a:t>rate=0.5</a:t>
+            </a:r>
+          </a:p>
+        </p:txBody>
+      </p:sp>
+      <p:pic>
+        <p:nvPicPr>
+          <p:cNvPr id="37890" name="Picture 2"/>
+          <p:cNvPicPr>
+            <a:picLocks noChangeAspect="1" noChangeArrowheads="1"/>
+          </p:cNvPicPr>
+          <p:nvPr/>
+        </p:nvPicPr>
+        <p:blipFill>
+          <a:blip r:embed="rId2" cstate="print"/>
+          <a:srcRect/>
+          <a:stretch>
+            <a:fillRect/>
+          </a:stretch>
+        </p:blipFill>
+        <p:spPr bwMode="auto">
+          <a:xfrm>
+            <a:off x="4932040" y="3429000"/>
+            <a:ext cx="3096344" cy="3080161"/>
+          </a:xfrm>
+          <a:prstGeom prst="rect">
+            <a:avLst/>
+          </a:prstGeom>
+          <a:noFill/>
+          <a:ln w="9525">
+            <a:noFill/>
+            <a:miter lim="800000"/>
+            <a:headEnd/>
+            <a:tailEnd/>
+          </a:ln>
+        </p:spPr>
+      </p:pic>
+      <p:pic>
+        <p:nvPicPr>
+          <p:cNvPr id="37891" name="Picture 3"/>
+          <p:cNvPicPr>
+            <a:picLocks noChangeAspect="1" noChangeArrowheads="1"/>
+          </p:cNvPicPr>
+          <p:nvPr/>
+        </p:nvPicPr>
+        <p:blipFill>
+          <a:blip r:embed="rId3" cstate="print"/>
+          <a:srcRect/>
+          <a:stretch>
+            <a:fillRect/>
+          </a:stretch>
+        </p:blipFill>
+        <p:spPr bwMode="auto">
+          <a:xfrm>
+            <a:off x="179512" y="4365104"/>
+            <a:ext cx="2181225" cy="2276475"/>
+          </a:xfrm>
+          <a:prstGeom prst="rect">
+            <a:avLst/>
+          </a:prstGeom>
+          <a:noFill/>
+          <a:ln w="9525">
+            <a:noFill/>
+            <a:miter lim="800000"/>
+            <a:headEnd/>
+            <a:tailEnd/>
+          </a:ln>
+        </p:spPr>
+      </p:pic>
+      <p:pic>
+        <p:nvPicPr>
+          <p:cNvPr id="37892" name="Picture 4"/>
+          <p:cNvPicPr>
+            <a:picLocks noChangeAspect="1" noChangeArrowheads="1"/>
+          </p:cNvPicPr>
+          <p:nvPr/>
+        </p:nvPicPr>
+        <p:blipFill>
+          <a:blip r:embed="rId4" cstate="print"/>
+          <a:srcRect/>
+          <a:stretch>
+            <a:fillRect/>
+          </a:stretch>
+        </p:blipFill>
+        <p:spPr bwMode="auto">
+          <a:xfrm>
+            <a:off x="2627784" y="4365104"/>
+            <a:ext cx="2181225" cy="2276475"/>
+          </a:xfrm>
+          <a:prstGeom prst="rect">
+            <a:avLst/>
+          </a:prstGeom>
+          <a:noFill/>
+          <a:ln w="9525">
+            <a:noFill/>
+            <a:miter lim="800000"/>
+            <a:headEnd/>
+            <a:tailEnd/>
+          </a:ln>
+        </p:spPr>
+      </p:pic>
+      <p:pic>
+        <p:nvPicPr>
+          <p:cNvPr id="37893" name="Picture 5"/>
+          <p:cNvPicPr>
+            <a:picLocks noChangeAspect="1" noChangeArrowheads="1"/>
+          </p:cNvPicPr>
+          <p:nvPr/>
+        </p:nvPicPr>
+        <p:blipFill>
+          <a:blip r:embed="rId5" cstate="print"/>
+          <a:srcRect/>
+          <a:stretch>
+            <a:fillRect/>
+          </a:stretch>
+        </p:blipFill>
+        <p:spPr bwMode="auto">
+          <a:xfrm>
+            <a:off x="611560" y="836712"/>
+            <a:ext cx="6153150" cy="723900"/>
+          </a:xfrm>
+          <a:prstGeom prst="rect">
+            <a:avLst/>
+          </a:prstGeom>
+          <a:noFill/>
+          <a:ln w="9525">
+            <a:noFill/>
+            <a:miter lim="800000"/>
+            <a:headEnd/>
+            <a:tailEnd/>
+          </a:ln>
+        </p:spPr>
+      </p:pic>
+      <p:cxnSp>
+        <p:nvCxnSpPr>
+          <p:cNvPr id="15" name="Straight Arrow Connector 14"/>
+          <p:cNvCxnSpPr/>
+          <p:nvPr/>
+        </p:nvCxnSpPr>
+        <p:spPr>
+          <a:xfrm flipH="1">
+            <a:off x="6588224" y="4509120"/>
+            <a:ext cx="1277888" cy="731115"/>
+          </a:xfrm>
+          <a:prstGeom prst="straightConnector1">
+            <a:avLst/>
+          </a:prstGeom>
+          <a:ln>
+            <a:solidFill>
+              <a:srgbClr val="00B0F0"/>
+            </a:solidFill>
+            <a:tailEnd type="arrow"/>
+          </a:ln>
+        </p:spPr>
+        <p:style>
+          <a:lnRef idx="1">
+            <a:schemeClr val="accent1"/>
+          </a:lnRef>
+          <a:fillRef idx="0">
+            <a:schemeClr val="accent1"/>
+          </a:fillRef>
+          <a:effectRef idx="0">
+            <a:schemeClr val="accent1"/>
+          </a:effectRef>
+          <a:fontRef idx="minor">
+            <a:schemeClr val="tx1"/>
+          </a:fontRef>
+        </p:style>
+      </p:cxnSp>
+      <p:sp>
+        <p:nvSpPr>
+          <p:cNvPr id="16" name="TextBox 15"/>
+          <p:cNvSpPr txBox="1"/>
+          <p:nvPr/>
+        </p:nvSpPr>
+        <p:spPr>
+          <a:xfrm>
+            <a:off x="7812360" y="4191471"/>
+            <a:ext cx="792088" cy="461665"/>
+          </a:xfrm>
+          <a:prstGeom prst="rect">
+            <a:avLst/>
+          </a:prstGeom>
+          <a:noFill/>
+        </p:spPr>
+        <p:txBody>
+          <a:bodyPr wrap="square" rtlCol="0">
+            <a:spAutoFit/>
+          </a:bodyPr>
+          <a:lstStyle/>
+          <a:p>
+            <a:r>
+              <a:rPr lang="zh-TW" altLang="en-US" sz="1200" dirty="0" smtClean="0">
+                <a:solidFill>
+                  <a:srgbClr val="00B0F0"/>
+                </a:solidFill>
+              </a:rPr>
+              <a:t>點高度</a:t>
+            </a:r>
+            <a:r>
+              <a:rPr lang="en-US" altLang="zh-TW" sz="1200" dirty="0" smtClean="0">
+                <a:solidFill>
+                  <a:srgbClr val="00B0F0"/>
+                </a:solidFill>
+              </a:rPr>
+              <a:t>=</a:t>
+            </a:r>
+            <a:r>
+              <a:rPr lang="zh-TW" altLang="en-US" sz="1200" dirty="0" smtClean="0">
+                <a:solidFill>
+                  <a:srgbClr val="00B0F0"/>
+                </a:solidFill>
+              </a:rPr>
+              <a:t>機率值</a:t>
+            </a:r>
+            <a:endParaRPr lang="en-US" altLang="zh-TW" sz="1200" dirty="0" smtClean="0">
+              <a:solidFill>
+                <a:srgbClr val="00B0F0"/>
+              </a:solidFill>
+            </a:endParaRPr>
+          </a:p>
+        </p:txBody>
+      </p:sp>
+      <p:pic>
+        <p:nvPicPr>
+          <p:cNvPr id="37894" name="Picture 6"/>
+          <p:cNvPicPr>
+            <a:picLocks noChangeAspect="1" noChangeArrowheads="1"/>
+          </p:cNvPicPr>
+          <p:nvPr/>
+        </p:nvPicPr>
+        <p:blipFill>
+          <a:blip r:embed="rId6" cstate="print"/>
+          <a:srcRect/>
+          <a:stretch>
+            <a:fillRect/>
+          </a:stretch>
+        </p:blipFill>
+        <p:spPr bwMode="auto">
+          <a:xfrm>
+            <a:off x="611560" y="1556792"/>
+            <a:ext cx="7372350" cy="1847850"/>
+          </a:xfrm>
+          <a:prstGeom prst="rect">
+            <a:avLst/>
+          </a:prstGeom>
+          <a:noFill/>
+          <a:ln w="9525">
+            <a:noFill/>
+            <a:miter lim="800000"/>
+            <a:headEnd/>
+            <a:tailEnd/>
+          </a:ln>
+        </p:spPr>
+      </p:pic>
+      <p:sp>
+        <p:nvSpPr>
+          <p:cNvPr id="19" name="TextBox 18"/>
+          <p:cNvSpPr txBox="1"/>
+          <p:nvPr/>
+        </p:nvSpPr>
+        <p:spPr>
+          <a:xfrm>
+            <a:off x="70265" y="1597103"/>
+            <a:ext cx="973343" cy="276999"/>
+          </a:xfrm>
+          <a:prstGeom prst="rect">
+            <a:avLst/>
+          </a:prstGeom>
+          <a:noFill/>
+        </p:spPr>
+        <p:txBody>
+          <a:bodyPr wrap="square" rtlCol="0">
+            <a:spAutoFit/>
+          </a:bodyPr>
+          <a:lstStyle/>
+          <a:p>
+            <a:r>
+              <a:rPr lang="en-US" altLang="zh-TW" sz="1200" dirty="0" smtClean="0">
+                <a:solidFill>
+                  <a:srgbClr val="00B0F0"/>
+                </a:solidFill>
+              </a:rPr>
+              <a:t>CDF</a:t>
+            </a:r>
+            <a:r>
+              <a:rPr lang="zh-TW" altLang="en-US" sz="1200" dirty="0" smtClean="0">
+                <a:solidFill>
+                  <a:srgbClr val="00B0F0"/>
+                </a:solidFill>
+              </a:rPr>
+              <a:t>介於</a:t>
+            </a:r>
+            <a:r>
+              <a:rPr lang="en-US" altLang="zh-TW" sz="1200" dirty="0" smtClean="0">
+                <a:solidFill>
+                  <a:srgbClr val="00B0F0"/>
+                </a:solidFill>
+              </a:rPr>
+              <a:t>0~1</a:t>
+            </a:r>
+            <a:endParaRPr lang="en-US" altLang="en-US" sz="1200" dirty="0" smtClean="0">
+              <a:solidFill>
+                <a:srgbClr val="00B0F0"/>
+              </a:solidFill>
+            </a:endParaRPr>
+          </a:p>
+        </p:txBody>
+      </p:sp>
+      <p:cxnSp>
+        <p:nvCxnSpPr>
+          <p:cNvPr id="20" name="Straight Arrow Connector 19"/>
+          <p:cNvCxnSpPr/>
+          <p:nvPr/>
+        </p:nvCxnSpPr>
+        <p:spPr>
+          <a:xfrm flipH="1">
+            <a:off x="6804248" y="3573016"/>
+            <a:ext cx="432048" cy="144016"/>
+          </a:xfrm>
+          <a:prstGeom prst="straightConnector1">
+            <a:avLst/>
+          </a:prstGeom>
+          <a:ln>
+            <a:solidFill>
+              <a:srgbClr val="00B0F0"/>
+            </a:solidFill>
+            <a:tailEnd type="arrow"/>
+          </a:ln>
+        </p:spPr>
+        <p:style>
+          <a:lnRef idx="1">
+            <a:schemeClr val="accent1"/>
+          </a:lnRef>
+          <a:fillRef idx="0">
+            <a:schemeClr val="accent1"/>
+          </a:fillRef>
+          <a:effectRef idx="0">
+            <a:schemeClr val="accent1"/>
+          </a:effectRef>
+          <a:fontRef idx="minor">
+            <a:schemeClr val="tx1"/>
+          </a:fontRef>
+        </p:style>
+      </p:cxnSp>
+      <p:sp>
+        <p:nvSpPr>
+          <p:cNvPr id="21" name="TextBox 20"/>
+          <p:cNvSpPr txBox="1"/>
+          <p:nvPr/>
+        </p:nvSpPr>
+        <p:spPr>
+          <a:xfrm>
+            <a:off x="7164288" y="3358733"/>
+            <a:ext cx="1547664" cy="646331"/>
+          </a:xfrm>
+          <a:prstGeom prst="rect">
+            <a:avLst/>
+          </a:prstGeom>
+          <a:noFill/>
+        </p:spPr>
+        <p:txBody>
+          <a:bodyPr wrap="square" rtlCol="0">
+            <a:spAutoFit/>
+          </a:bodyPr>
+          <a:lstStyle/>
+          <a:p>
+            <a:r>
+              <a:rPr lang="zh-TW" altLang="en-US" sz="1200" dirty="0" smtClean="0">
+                <a:solidFill>
+                  <a:srgbClr val="FF0000"/>
+                </a:solidFill>
+              </a:rPr>
+              <a:t>所有維度</a:t>
+            </a:r>
+            <a:r>
+              <a:rPr lang="zh-TW" altLang="en-US" sz="1200" dirty="0" smtClean="0">
+                <a:solidFill>
+                  <a:srgbClr val="00B0F0"/>
+                </a:solidFill>
+              </a:rPr>
+              <a:t>都趨進於無限大時，</a:t>
+            </a:r>
+            <a:r>
+              <a:rPr lang="en-US" altLang="zh-TW" sz="1200" dirty="0" smtClean="0">
+                <a:solidFill>
+                  <a:srgbClr val="00B0F0"/>
+                </a:solidFill>
+              </a:rPr>
+              <a:t>CDF</a:t>
+            </a:r>
+            <a:r>
+              <a:rPr lang="zh-TW" altLang="en-US" sz="1200" dirty="0" smtClean="0">
+                <a:solidFill>
+                  <a:srgbClr val="00B0F0"/>
+                </a:solidFill>
+              </a:rPr>
+              <a:t>為</a:t>
+            </a:r>
+            <a:r>
+              <a:rPr lang="en-US" altLang="zh-TW" sz="1200" dirty="0" smtClean="0">
+                <a:solidFill>
+                  <a:srgbClr val="00B0F0"/>
+                </a:solidFill>
+              </a:rPr>
+              <a:t>1 (</a:t>
+            </a:r>
+            <a:r>
+              <a:rPr lang="zh-TW" altLang="en-US" sz="1200" dirty="0" smtClean="0">
+                <a:solidFill>
+                  <a:srgbClr val="00B0F0"/>
+                </a:solidFill>
+              </a:rPr>
+              <a:t>機率為</a:t>
+            </a:r>
+            <a:r>
+              <a:rPr lang="en-US" altLang="zh-TW" sz="1200" dirty="0" smtClean="0">
+                <a:solidFill>
+                  <a:srgbClr val="00B0F0"/>
+                </a:solidFill>
+              </a:rPr>
+              <a:t>1)</a:t>
+            </a:r>
+          </a:p>
+        </p:txBody>
+      </p:sp>
+      <p:cxnSp>
+        <p:nvCxnSpPr>
+          <p:cNvPr id="26" name="Straight Arrow Connector 25"/>
+          <p:cNvCxnSpPr/>
+          <p:nvPr/>
+        </p:nvCxnSpPr>
+        <p:spPr>
+          <a:xfrm flipH="1" flipV="1">
+            <a:off x="7092280" y="6019547"/>
+            <a:ext cx="504056" cy="217765"/>
+          </a:xfrm>
+          <a:prstGeom prst="straightConnector1">
+            <a:avLst/>
+          </a:prstGeom>
+          <a:ln>
+            <a:solidFill>
+              <a:srgbClr val="00B0F0"/>
+            </a:solidFill>
+            <a:tailEnd type="arrow"/>
+          </a:ln>
+        </p:spPr>
+        <p:style>
+          <a:lnRef idx="1">
+            <a:schemeClr val="accent1"/>
+          </a:lnRef>
+          <a:fillRef idx="0">
+            <a:schemeClr val="accent1"/>
+          </a:fillRef>
+          <a:effectRef idx="0">
+            <a:schemeClr val="accent1"/>
+          </a:effectRef>
+          <a:fontRef idx="minor">
+            <a:schemeClr val="tx1"/>
+          </a:fontRef>
+        </p:style>
+      </p:cxnSp>
+      <p:sp>
+        <p:nvSpPr>
+          <p:cNvPr id="27" name="TextBox 26"/>
+          <p:cNvSpPr txBox="1"/>
+          <p:nvPr/>
+        </p:nvSpPr>
+        <p:spPr>
+          <a:xfrm>
+            <a:off x="7596336" y="5877272"/>
+            <a:ext cx="1547664" cy="646331"/>
+          </a:xfrm>
+          <a:prstGeom prst="rect">
+            <a:avLst/>
+          </a:prstGeom>
+          <a:noFill/>
+        </p:spPr>
+        <p:txBody>
+          <a:bodyPr wrap="square" rtlCol="0">
+            <a:spAutoFit/>
+          </a:bodyPr>
+          <a:lstStyle/>
+          <a:p>
+            <a:r>
+              <a:rPr lang="zh-TW" altLang="en-US" sz="1200" dirty="0" smtClean="0">
+                <a:solidFill>
+                  <a:srgbClr val="FF0000"/>
+                </a:solidFill>
+              </a:rPr>
+              <a:t>任一個</a:t>
+            </a:r>
+            <a:r>
+              <a:rPr lang="zh-TW" altLang="en-US" sz="1200" dirty="0" smtClean="0">
+                <a:solidFill>
+                  <a:srgbClr val="00B0F0"/>
+                </a:solidFill>
+              </a:rPr>
+              <a:t>維度趨進於負無限大時，</a:t>
+            </a:r>
+            <a:r>
+              <a:rPr lang="en-US" altLang="zh-TW" sz="1200" dirty="0" smtClean="0">
+                <a:solidFill>
+                  <a:srgbClr val="00B0F0"/>
+                </a:solidFill>
+              </a:rPr>
+              <a:t>CDF</a:t>
+            </a:r>
+            <a:r>
+              <a:rPr lang="zh-TW" altLang="en-US" sz="1200" dirty="0" smtClean="0">
+                <a:solidFill>
+                  <a:srgbClr val="00B0F0"/>
+                </a:solidFill>
+              </a:rPr>
+              <a:t>為</a:t>
+            </a:r>
+            <a:r>
+              <a:rPr lang="en-US" altLang="zh-TW" sz="1200" dirty="0" smtClean="0">
+                <a:solidFill>
+                  <a:srgbClr val="00B0F0"/>
+                </a:solidFill>
+              </a:rPr>
+              <a:t>0 (</a:t>
+            </a:r>
+            <a:r>
+              <a:rPr lang="zh-TW" altLang="en-US" sz="1200" dirty="0" smtClean="0">
+                <a:solidFill>
+                  <a:srgbClr val="00B0F0"/>
+                </a:solidFill>
+              </a:rPr>
+              <a:t>機率為</a:t>
+            </a:r>
+            <a:r>
+              <a:rPr lang="en-US" altLang="zh-TW" sz="1200" dirty="0" smtClean="0">
+                <a:solidFill>
+                  <a:srgbClr val="00B0F0"/>
+                </a:solidFill>
+              </a:rPr>
+              <a:t>0)</a:t>
+            </a:r>
+          </a:p>
+        </p:txBody>
+      </p:sp>
+    </p:spTree>
+  </p:cSld>
+  <p:clrMapOvr>
+    <a:masterClrMapping/>
+  </p:clrMapOvr>
+  <p:timing>
+    <p:tnLst>
+      <p:par>
+        <p:cTn id="1" dur="indefinite" restart="never" nodeType="tmRoot"/>
+      </p:par>
+    </p:tnLst>
+  </p:timing>
+</p:sld>
+</file>
+
+<file path=ppt/slides/slide43.xml><?xml version="1.0" encoding="utf-8"?>
+<p:sld xmlns:a="http://schemas.openxmlformats.org/drawingml/2006/main" xmlns:r="http://schemas.openxmlformats.org/officeDocument/2006/relationships" xmlns:p="http://schemas.openxmlformats.org/presentationml/2006/main">
+  <p:cSld>
+    <p:spTree>
+      <p:nvGrpSpPr>
+        <p:cNvPr id="1" name=""/>
+        <p:cNvGrpSpPr/>
+        <p:nvPr/>
+      </p:nvGrpSpPr>
+      <p:grpSpPr>
+        <a:xfrm>
+          <a:off x="0" y="0"/>
+          <a:ext cx="0" cy="0"/>
+          <a:chOff x="0" y="0"/>
+          <a:chExt cx="0" cy="0"/>
+        </a:xfrm>
+      </p:grpSpPr>
+      <p:sp>
+        <p:nvSpPr>
+          <p:cNvPr id="2" name="Title 1"/>
+          <p:cNvSpPr>
+            <a:spLocks noGrp="1"/>
+          </p:cNvSpPr>
+          <p:nvPr>
+            <p:ph type="title"/>
+          </p:nvPr>
+        </p:nvSpPr>
+        <p:spPr/>
+        <p:txBody>
+          <a:bodyPr>
+            <a:normAutofit fontScale="90000"/>
+          </a:bodyPr>
+          <a:lstStyle/>
+          <a:p>
+            <a:r>
+              <a:rPr lang="en-US" dirty="0" smtClean="0"/>
+              <a:t>Convolution</a:t>
+            </a:r>
+            <a:endParaRPr lang="en-US" dirty="0"/>
+          </a:p>
+        </p:txBody>
+      </p:sp>
+      <p:sp>
+        <p:nvSpPr>
+          <p:cNvPr id="3" name="Content Placeholder 2"/>
+          <p:cNvSpPr>
+            <a:spLocks noGrp="1"/>
+          </p:cNvSpPr>
+          <p:nvPr>
+            <p:ph idx="1"/>
+          </p:nvPr>
+        </p:nvSpPr>
+        <p:spPr>
+          <a:xfrm>
+            <a:off x="457200" y="980729"/>
+            <a:ext cx="8229600" cy="1584176"/>
+          </a:xfrm>
+        </p:spPr>
+        <p:txBody>
+          <a:bodyPr>
+            <a:normAutofit fontScale="92500"/>
+          </a:bodyPr>
+          <a:lstStyle/>
+          <a:p>
+            <a:r>
+              <a:rPr lang="en-US" dirty="0" smtClean="0"/>
+              <a:t>The probability distribution of the </a:t>
+            </a:r>
+            <a:r>
+              <a:rPr lang="en-US" dirty="0" smtClean="0">
+                <a:solidFill>
+                  <a:srgbClr val="00B0F0"/>
+                </a:solidFill>
+              </a:rPr>
+              <a:t>sum</a:t>
+            </a:r>
+            <a:r>
+              <a:rPr lang="en-US" dirty="0" smtClean="0"/>
+              <a:t> of two or more </a:t>
+            </a:r>
+            <a:r>
+              <a:rPr lang="en-US" dirty="0" smtClean="0">
+                <a:solidFill>
+                  <a:srgbClr val="FF0000"/>
+                </a:solidFill>
+              </a:rPr>
+              <a:t>independent</a:t>
+            </a:r>
+            <a:r>
+              <a:rPr lang="en-US" dirty="0" smtClean="0"/>
+              <a:t> random variables is the convolution of their individual distributions</a:t>
+            </a:r>
+            <a:endParaRPr lang="en-US" dirty="0"/>
+          </a:p>
+        </p:txBody>
+      </p:sp>
+      <p:pic>
+        <p:nvPicPr>
+          <p:cNvPr id="40962" name="Picture 2"/>
+          <p:cNvPicPr>
+            <a:picLocks noChangeAspect="1" noChangeArrowheads="1"/>
+          </p:cNvPicPr>
+          <p:nvPr/>
+        </p:nvPicPr>
+        <p:blipFill>
+          <a:blip r:embed="rId3" cstate="print"/>
+          <a:srcRect/>
+          <a:stretch>
+            <a:fillRect/>
+          </a:stretch>
+        </p:blipFill>
+        <p:spPr bwMode="auto">
+          <a:xfrm>
+            <a:off x="0" y="2708920"/>
+            <a:ext cx="4464496" cy="1957215"/>
+          </a:xfrm>
+          <a:prstGeom prst="rect">
+            <a:avLst/>
+          </a:prstGeom>
+          <a:noFill/>
+          <a:ln w="9525">
+            <a:noFill/>
+            <a:miter lim="800000"/>
+            <a:headEnd/>
+            <a:tailEnd/>
+          </a:ln>
+        </p:spPr>
+      </p:pic>
+      <p:pic>
+        <p:nvPicPr>
+          <p:cNvPr id="40963" name="Picture 3"/>
+          <p:cNvPicPr>
+            <a:picLocks noChangeAspect="1" noChangeArrowheads="1"/>
+          </p:cNvPicPr>
+          <p:nvPr/>
+        </p:nvPicPr>
+        <p:blipFill>
+          <a:blip r:embed="rId4" cstate="print"/>
+          <a:srcRect/>
+          <a:stretch>
+            <a:fillRect/>
+          </a:stretch>
+        </p:blipFill>
+        <p:spPr bwMode="auto">
+          <a:xfrm>
+            <a:off x="4499992" y="2708920"/>
+            <a:ext cx="4644008" cy="2668380"/>
           </a:xfrm>
           <a:prstGeom prst="rect">
             <a:avLst/>

--- a/probability/doc/random_variable_distribution.pptx
+++ b/probability/doc/random_variable_distribution.pptx
@@ -235,7 +235,7 @@
             <a:fld id="{82806AD6-EF9A-49A4-9710-5F897D136B70}" type="datetimeFigureOut">
               <a:rPr lang="en-US" smtClean="0"/>
               <a:pPr/>
-              <a:t>8/25/2016</a:t>
+              <a:t>9/23/2016</a:t>
             </a:fld>
             <a:endParaRPr lang="en-US"/>
           </a:p>
@@ -765,7 +765,7 @@
             <a:fld id="{D22E22CB-403C-4FA1-9A08-6AEAEE252FE1}" type="datetimeFigureOut">
               <a:rPr lang="en-US" smtClean="0"/>
               <a:pPr/>
-              <a:t>8/25/2016</a:t>
+              <a:t>9/23/2016</a:t>
             </a:fld>
             <a:endParaRPr lang="en-US"/>
           </a:p>
@@ -932,7 +932,7 @@
             <a:fld id="{D22E22CB-403C-4FA1-9A08-6AEAEE252FE1}" type="datetimeFigureOut">
               <a:rPr lang="en-US" smtClean="0"/>
               <a:pPr/>
-              <a:t>8/25/2016</a:t>
+              <a:t>9/23/2016</a:t>
             </a:fld>
             <a:endParaRPr lang="en-US"/>
           </a:p>
@@ -1109,7 +1109,7 @@
             <a:fld id="{D22E22CB-403C-4FA1-9A08-6AEAEE252FE1}" type="datetimeFigureOut">
               <a:rPr lang="en-US" smtClean="0"/>
               <a:pPr/>
-              <a:t>8/25/2016</a:t>
+              <a:t>9/23/2016</a:t>
             </a:fld>
             <a:endParaRPr lang="en-US"/>
           </a:p>
@@ -1276,7 +1276,7 @@
             <a:fld id="{D22E22CB-403C-4FA1-9A08-6AEAEE252FE1}" type="datetimeFigureOut">
               <a:rPr lang="en-US" smtClean="0"/>
               <a:pPr/>
-              <a:t>8/25/2016</a:t>
+              <a:t>9/23/2016</a:t>
             </a:fld>
             <a:endParaRPr lang="en-US"/>
           </a:p>
@@ -1519,7 +1519,7 @@
             <a:fld id="{D22E22CB-403C-4FA1-9A08-6AEAEE252FE1}" type="datetimeFigureOut">
               <a:rPr lang="en-US" smtClean="0"/>
               <a:pPr/>
-              <a:t>8/25/2016</a:t>
+              <a:t>9/23/2016</a:t>
             </a:fld>
             <a:endParaRPr lang="en-US"/>
           </a:p>
@@ -1804,7 +1804,7 @@
             <a:fld id="{D22E22CB-403C-4FA1-9A08-6AEAEE252FE1}" type="datetimeFigureOut">
               <a:rPr lang="en-US" smtClean="0"/>
               <a:pPr/>
-              <a:t>8/25/2016</a:t>
+              <a:t>9/23/2016</a:t>
             </a:fld>
             <a:endParaRPr lang="en-US"/>
           </a:p>
@@ -2223,7 +2223,7 @@
             <a:fld id="{D22E22CB-403C-4FA1-9A08-6AEAEE252FE1}" type="datetimeFigureOut">
               <a:rPr lang="en-US" smtClean="0"/>
               <a:pPr/>
-              <a:t>8/25/2016</a:t>
+              <a:t>9/23/2016</a:t>
             </a:fld>
             <a:endParaRPr lang="en-US"/>
           </a:p>
@@ -2338,7 +2338,7 @@
             <a:fld id="{D22E22CB-403C-4FA1-9A08-6AEAEE252FE1}" type="datetimeFigureOut">
               <a:rPr lang="en-US" smtClean="0"/>
               <a:pPr/>
-              <a:t>8/25/2016</a:t>
+              <a:t>9/23/2016</a:t>
             </a:fld>
             <a:endParaRPr lang="en-US"/>
           </a:p>
@@ -2430,7 +2430,7 @@
             <a:fld id="{D22E22CB-403C-4FA1-9A08-6AEAEE252FE1}" type="datetimeFigureOut">
               <a:rPr lang="en-US" smtClean="0"/>
               <a:pPr/>
-              <a:t>8/25/2016</a:t>
+              <a:t>9/23/2016</a:t>
             </a:fld>
             <a:endParaRPr lang="en-US"/>
           </a:p>
@@ -2704,7 +2704,7 @@
             <a:fld id="{D22E22CB-403C-4FA1-9A08-6AEAEE252FE1}" type="datetimeFigureOut">
               <a:rPr lang="en-US" smtClean="0"/>
               <a:pPr/>
-              <a:t>8/25/2016</a:t>
+              <a:t>9/23/2016</a:t>
             </a:fld>
             <a:endParaRPr lang="en-US"/>
           </a:p>
@@ -2954,7 +2954,7 @@
             <a:fld id="{D22E22CB-403C-4FA1-9A08-6AEAEE252FE1}" type="datetimeFigureOut">
               <a:rPr lang="en-US" smtClean="0"/>
               <a:pPr/>
-              <a:t>8/25/2016</a:t>
+              <a:t>9/23/2016</a:t>
             </a:fld>
             <a:endParaRPr lang="en-US"/>
           </a:p>
@@ -3164,7 +3164,7 @@
             <a:fld id="{D22E22CB-403C-4FA1-9A08-6AEAEE252FE1}" type="datetimeFigureOut">
               <a:rPr lang="en-US" smtClean="0"/>
               <a:pPr/>
-              <a:t>8/25/2016</a:t>
+              <a:t>9/23/2016</a:t>
             </a:fld>
             <a:endParaRPr lang="en-US"/>
           </a:p>
@@ -24522,13 +24522,7 @@
               <a:rPr lang="en-US" altLang="zh-TW" dirty="0" smtClean="0">
                 <a:sym typeface="Symbol"/>
               </a:rPr>
-              <a:t>scale: </a:t>
-            </a:r>
-            <a:r>
-              <a:rPr lang="en-US" altLang="zh-TW" dirty="0" smtClean="0">
-                <a:sym typeface="Symbol"/>
-              </a:rPr>
-              <a:t>1</a:t>
+              <a:t>scale: 1</a:t>
             </a:r>
           </a:p>
           <a:p>
@@ -24752,38 +24746,6 @@
       <p:pic>
         <p:nvPicPr>
           <p:cNvPr id="43010" name="Picture 2"/>
-          <p:cNvPicPr>
-            <a:picLocks noChangeAspect="1" noChangeArrowheads="1"/>
-          </p:cNvPicPr>
-          <p:nvPr/>
-        </p:nvPicPr>
-        <p:blipFill>
-          <a:blip r:embed="rId2" cstate="print"/>
-          <a:srcRect/>
-          <a:stretch>
-            <a:fillRect/>
-          </a:stretch>
-        </p:blipFill>
-        <p:spPr bwMode="auto">
-          <a:xfrm>
-            <a:off x="539552" y="4509120"/>
-            <a:ext cx="3744416" cy="2223247"/>
-          </a:xfrm>
-          <a:prstGeom prst="rect">
-            <a:avLst/>
-          </a:prstGeom>
-          <a:noFill/>
-          <a:ln w="9525">
-            <a:noFill/>
-            <a:miter lim="800000"/>
-            <a:headEnd/>
-            <a:tailEnd/>
-          </a:ln>
-        </p:spPr>
-      </p:pic>
-      <p:pic>
-        <p:nvPicPr>
-          <p:cNvPr id="40962" name="Picture 2"/>
           <p:cNvPicPr>
             <a:picLocks noChangeAspect="1" noChangeArrowheads="1"/>
           </p:cNvPicPr>
@@ -24798,8 +24760,8 @@
         </p:blipFill>
         <p:spPr bwMode="auto">
           <a:xfrm>
-            <a:off x="5004048" y="1124744"/>
-            <a:ext cx="980504" cy="448104"/>
+            <a:off x="539552" y="4509120"/>
+            <a:ext cx="3744416" cy="2223247"/>
           </a:xfrm>
           <a:prstGeom prst="rect">
             <a:avLst/>
@@ -24813,6 +24775,58 @@
           </a:ln>
         </p:spPr>
       </p:pic>
+      <p:pic>
+        <p:nvPicPr>
+          <p:cNvPr id="40962" name="Picture 2"/>
+          <p:cNvPicPr>
+            <a:picLocks noChangeAspect="1" noChangeArrowheads="1"/>
+          </p:cNvPicPr>
+          <p:nvPr/>
+        </p:nvPicPr>
+        <p:blipFill>
+          <a:blip r:embed="rId4" cstate="print"/>
+          <a:srcRect/>
+          <a:stretch>
+            <a:fillRect/>
+          </a:stretch>
+        </p:blipFill>
+        <p:spPr bwMode="auto">
+          <a:xfrm>
+            <a:off x="5004048" y="1124744"/>
+            <a:ext cx="980504" cy="448104"/>
+          </a:xfrm>
+          <a:prstGeom prst="rect">
+            <a:avLst/>
+          </a:prstGeom>
+          <a:noFill/>
+          <a:ln w="9525">
+            <a:noFill/>
+            <a:miter lim="800000"/>
+            <a:headEnd/>
+            <a:tailEnd/>
+          </a:ln>
+        </p:spPr>
+      </p:pic>
+      <p:graphicFrame>
+        <p:nvGraphicFramePr>
+          <p:cNvPr id="6" name="Object 5"/>
+          <p:cNvGraphicFramePr>
+            <a:graphicFrameLocks noChangeAspect="1"/>
+          </p:cNvGraphicFramePr>
+          <p:nvPr/>
+        </p:nvGraphicFramePr>
+        <p:xfrm>
+          <a:off x="5796136" y="3068960"/>
+          <a:ext cx="2424918" cy="1008112"/>
+        </p:xfrm>
+        <a:graphic>
+          <a:graphicData uri="http://schemas.openxmlformats.org/presentationml/2006/ole">
+            <p:oleObj spid="_x0000_s40962" name="Equation" r:id="rId5" imgW="1130040" imgH="469800" progId="Equation.3">
+              <p:embed/>
+            </p:oleObj>
+          </a:graphicData>
+        </a:graphic>
+      </p:graphicFrame>
     </p:spTree>
   </p:cSld>
   <p:clrMapOvr>
@@ -25541,6 +25555,141 @@
                 </a:solidFill>
               </a:rPr>
               <a:t>是對稱的</a:t>
+            </a:r>
+            <a:endParaRPr lang="en-US" altLang="zh-TW" sz="1200" dirty="0" smtClean="0">
+              <a:solidFill>
+                <a:srgbClr val="00B0F0"/>
+              </a:solidFill>
+            </a:endParaRPr>
+          </a:p>
+        </p:txBody>
+      </p:sp>
+      <p:cxnSp>
+        <p:nvCxnSpPr>
+          <p:cNvPr id="24" name="Straight Arrow Connector 23"/>
+          <p:cNvCxnSpPr/>
+          <p:nvPr/>
+        </p:nvCxnSpPr>
+        <p:spPr>
+          <a:xfrm flipH="1">
+            <a:off x="7668344" y="5013176"/>
+            <a:ext cx="216024" cy="720080"/>
+          </a:xfrm>
+          <a:prstGeom prst="straightConnector1">
+            <a:avLst/>
+          </a:prstGeom>
+          <a:ln>
+            <a:tailEnd type="arrow"/>
+          </a:ln>
+        </p:spPr>
+        <p:style>
+          <a:lnRef idx="1">
+            <a:schemeClr val="accent1"/>
+          </a:lnRef>
+          <a:fillRef idx="0">
+            <a:schemeClr val="accent1"/>
+          </a:fillRef>
+          <a:effectRef idx="0">
+            <a:schemeClr val="accent1"/>
+          </a:effectRef>
+          <a:fontRef idx="minor">
+            <a:schemeClr val="tx1"/>
+          </a:fontRef>
+        </p:style>
+      </p:cxnSp>
+      <p:sp>
+        <p:nvSpPr>
+          <p:cNvPr id="25" name="TextBox 24"/>
+          <p:cNvSpPr txBox="1"/>
+          <p:nvPr/>
+        </p:nvSpPr>
+        <p:spPr>
+          <a:xfrm>
+            <a:off x="7164288" y="4365104"/>
+            <a:ext cx="1872208" cy="646331"/>
+          </a:xfrm>
+          <a:prstGeom prst="rect">
+            <a:avLst/>
+          </a:prstGeom>
+          <a:noFill/>
+        </p:spPr>
+        <p:txBody>
+          <a:bodyPr wrap="square" rtlCol="0">
+            <a:spAutoFit/>
+          </a:bodyPr>
+          <a:lstStyle/>
+          <a:p>
+            <a:r>
+              <a:rPr lang="en-US" altLang="zh-TW" sz="1200" dirty="0" smtClean="0">
+                <a:solidFill>
+                  <a:srgbClr val="00B0F0"/>
+                </a:solidFill>
+              </a:rPr>
+              <a:t>Degree of freedom</a:t>
+            </a:r>
+            <a:r>
+              <a:rPr lang="zh-TW" altLang="en-US" sz="1200" dirty="0" smtClean="0">
+                <a:solidFill>
+                  <a:srgbClr val="00B0F0"/>
+                </a:solidFill>
+              </a:rPr>
+              <a:t>越小</a:t>
+            </a:r>
+            <a:r>
+              <a:rPr lang="en-US" altLang="zh-TW" sz="1200" dirty="0" smtClean="0">
+                <a:solidFill>
+                  <a:srgbClr val="00B0F0"/>
+                </a:solidFill>
+              </a:rPr>
+              <a:t>, </a:t>
+            </a:r>
+            <a:r>
+              <a:rPr lang="en-US" altLang="zh-TW" sz="1200" dirty="0" err="1" smtClean="0">
+                <a:solidFill>
+                  <a:srgbClr val="00B0F0"/>
+                </a:solidFill>
+              </a:rPr>
+              <a:t>sd</a:t>
+            </a:r>
+            <a:r>
+              <a:rPr lang="zh-TW" altLang="en-US" sz="1200" dirty="0" smtClean="0">
+                <a:solidFill>
+                  <a:srgbClr val="00B0F0"/>
+                </a:solidFill>
+              </a:rPr>
+              <a:t>越大 </a:t>
+            </a:r>
+            <a:r>
+              <a:rPr lang="en-US" altLang="zh-TW" sz="1200" dirty="0" smtClean="0">
+                <a:solidFill>
+                  <a:srgbClr val="00B0F0"/>
+                </a:solidFill>
+              </a:rPr>
+              <a:t>=&gt; </a:t>
+            </a:r>
+            <a:r>
+              <a:rPr lang="zh-TW" altLang="en-US" sz="1200" dirty="0" smtClean="0">
+                <a:solidFill>
+                  <a:srgbClr val="00B0F0"/>
+                </a:solidFill>
+              </a:rPr>
+              <a:t>資訊越少，</a:t>
+            </a:r>
+            <a:r>
+              <a:rPr lang="en-US" altLang="zh-TW" sz="1200" dirty="0" smtClean="0">
+                <a:solidFill>
+                  <a:srgbClr val="00B0F0"/>
+                </a:solidFill>
+              </a:rPr>
+              <a:t>Standard error</a:t>
+            </a:r>
+            <a:r>
+              <a:rPr lang="zh-TW" altLang="en-US" sz="1200" dirty="0" smtClean="0">
+                <a:solidFill>
+                  <a:srgbClr val="00B0F0"/>
+                </a:solidFill>
+              </a:rPr>
+              <a:t>越大</a:t>
             </a:r>
             <a:endParaRPr lang="en-US" altLang="zh-TW" sz="1200" dirty="0" smtClean="0">
               <a:solidFill>
